--- a/docs/report.pptx
+++ b/docs/report.pptx
@@ -1,31 +1,37 @@
 
 <file path=ppt/presentation.xml><?xml version="1.0" encoding="utf-8"?>
-<p:presentation xmlns:a="http://schemas.openxmlformats.org/drawingml/2006/main" xmlns:r="http://schemas.openxmlformats.org/officeDocument/2006/relationships" xmlns:p="http://schemas.openxmlformats.org/presentationml/2006/main" xmlns:m="http://schemas.openxmlformats.org/officeDocument/2006/math" xmlns:a14="http://schemas.microsoft.com/office/drawing/2010/main">
+<p:presentation xmlns:a="http://schemas.openxmlformats.org/drawingml/2006/main" xmlns:r="http://schemas.openxmlformats.org/officeDocument/2006/relationships" xmlns:p="http://schemas.openxmlformats.org/presentationml/2006/main">
   <p:sldMasterIdLst>
-    <p:sldMasterId id="2147483648" r:id="rId5"/>
+    <p:sldMasterId id="2147483648" r:id="rId1"/>
   </p:sldMasterIdLst>
   <p:notesMasterIdLst>
-    <p:notesMasterId r:id="rId7"/>
+    <p:notesMasterId r:id="rId24"/>
   </p:notesMasterIdLst>
   <p:sldIdLst>
-    <p:sldId id="256" r:id="rId8"/>
-    <p:sldId id="257" r:id="rId9"/>
-    <p:sldId id="258" r:id="rId10"/>
-    <p:sldId id="259" r:id="rId11"/>
-    <p:sldId id="260" r:id="rId12"/>
-    <p:sldId id="261" r:id="rId13"/>
-    <p:sldId id="262" r:id="rId14"/>
-    <p:sldId id="263" r:id="rId15"/>
-    <p:sldId id="264" r:id="rId16"/>
-    <p:sldId id="265" r:id="rId17"/>
-    <p:sldId id="266" r:id="rId18"/>
-    <p:sldId id="267" r:id="rId19"/>
-    <p:sldId id="268" r:id="rId20"/>
-    <p:sldId id="269" r:id="rId21"/>
-    <p:sldId id="270" r:id="rId22"/>
+    <p:sldId id="256" r:id="rId2"/>
+    <p:sldId id="257" r:id="rId3"/>
+    <p:sldId id="258" r:id="rId4"/>
+    <p:sldId id="259" r:id="rId5"/>
+    <p:sldId id="260" r:id="rId6"/>
+    <p:sldId id="261" r:id="rId7"/>
+    <p:sldId id="262" r:id="rId8"/>
+    <p:sldId id="263" r:id="rId9"/>
+    <p:sldId id="264" r:id="rId10"/>
+    <p:sldId id="265" r:id="rId11"/>
+    <p:sldId id="266" r:id="rId12"/>
+    <p:sldId id="267" r:id="rId13"/>
+    <p:sldId id="268" r:id="rId14"/>
+    <p:sldId id="269" r:id="rId15"/>
+    <p:sldId id="270" r:id="rId16"/>
+    <p:sldId id="272" r:id="rId17"/>
+    <p:sldId id="273" r:id="rId18"/>
+    <p:sldId id="274" r:id="rId19"/>
+    <p:sldId id="276" r:id="rId20"/>
+    <p:sldId id="277" r:id="rId21"/>
+    <p:sldId id="275" r:id="rId22"/>
     <p:sldId id="271" r:id="rId23"/>
   </p:sldIdLst>
-  <p:sldSz cx="9144000" cy="5143500"/>
+  <p:sldSz cx="9144000" cy="5143500" type="screen16x9"/>
   <p:notesSz cx="6858000" cy="9144000"/>
   <p:defaultTextStyle>
     <a:defPPr marL="0" marR="0" indent="0" algn="l" defTabSz="914400" rtl="0" fontAlgn="auto" latinLnBrk="1" hangingPunct="0">
@@ -43,7 +49,7 @@
       <a:buFontTx/>
       <a:buNone/>
       <a:tabLst/>
-      <a:defRPr b="0" baseline="0" cap="none" i="0" spc="0" strike="noStrike" sz="1800" u="none" kumimoji="0" normalizeH="0">
+      <a:defRPr kumimoji="0" sz="1800" b="0" i="0" u="none" strike="noStrike" cap="none" spc="0" normalizeH="0" baseline="0">
         <a:ln>
           <a:noFill/>
         </a:ln>
@@ -69,7 +75,7 @@
       <a:buFontTx/>
       <a:buNone/>
       <a:tabLst/>
-      <a:defRPr b="0" baseline="0" cap="none" i="0" spc="0" strike="noStrike" sz="1400" u="none" kumimoji="0" normalizeH="0">
+      <a:defRPr kumimoji="0" sz="1400" b="0" i="0" u="none" strike="noStrike" cap="none" spc="0" normalizeH="0" baseline="0">
         <a:ln>
           <a:noFill/>
         </a:ln>
@@ -99,7 +105,7 @@
       <a:buFontTx/>
       <a:buNone/>
       <a:tabLst/>
-      <a:defRPr b="0" baseline="0" cap="none" i="0" spc="0" strike="noStrike" sz="1400" u="none" kumimoji="0" normalizeH="0">
+      <a:defRPr kumimoji="0" sz="1400" b="0" i="0" u="none" strike="noStrike" cap="none" spc="0" normalizeH="0" baseline="0">
         <a:ln>
           <a:noFill/>
         </a:ln>
@@ -129,7 +135,7 @@
       <a:buFontTx/>
       <a:buNone/>
       <a:tabLst/>
-      <a:defRPr b="0" baseline="0" cap="none" i="0" spc="0" strike="noStrike" sz="1400" u="none" kumimoji="0" normalizeH="0">
+      <a:defRPr kumimoji="0" sz="1400" b="0" i="0" u="none" strike="noStrike" cap="none" spc="0" normalizeH="0" baseline="0">
         <a:ln>
           <a:noFill/>
         </a:ln>
@@ -159,7 +165,7 @@
       <a:buFontTx/>
       <a:buNone/>
       <a:tabLst/>
-      <a:defRPr b="0" baseline="0" cap="none" i="0" spc="0" strike="noStrike" sz="1400" u="none" kumimoji="0" normalizeH="0">
+      <a:defRPr kumimoji="0" sz="1400" b="0" i="0" u="none" strike="noStrike" cap="none" spc="0" normalizeH="0" baseline="0">
         <a:ln>
           <a:noFill/>
         </a:ln>
@@ -189,7 +195,7 @@
       <a:buFontTx/>
       <a:buNone/>
       <a:tabLst/>
-      <a:defRPr b="0" baseline="0" cap="none" i="0" spc="0" strike="noStrike" sz="1400" u="none" kumimoji="0" normalizeH="0">
+      <a:defRPr kumimoji="0" sz="1400" b="0" i="0" u="none" strike="noStrike" cap="none" spc="0" normalizeH="0" baseline="0">
         <a:ln>
           <a:noFill/>
         </a:ln>
@@ -219,7 +225,7 @@
       <a:buFontTx/>
       <a:buNone/>
       <a:tabLst/>
-      <a:defRPr b="0" baseline="0" cap="none" i="0" spc="0" strike="noStrike" sz="1400" u="none" kumimoji="0" normalizeH="0">
+      <a:defRPr kumimoji="0" sz="1400" b="0" i="0" u="none" strike="noStrike" cap="none" spc="0" normalizeH="0" baseline="0">
         <a:ln>
           <a:noFill/>
         </a:ln>
@@ -249,7 +255,7 @@
       <a:buFontTx/>
       <a:buNone/>
       <a:tabLst/>
-      <a:defRPr b="0" baseline="0" cap="none" i="0" spc="0" strike="noStrike" sz="1400" u="none" kumimoji="0" normalizeH="0">
+      <a:defRPr kumimoji="0" sz="1400" b="0" i="0" u="none" strike="noStrike" cap="none" spc="0" normalizeH="0" baseline="0">
         <a:ln>
           <a:noFill/>
         </a:ln>
@@ -279,7 +285,7 @@
       <a:buFontTx/>
       <a:buNone/>
       <a:tabLst/>
-      <a:defRPr b="0" baseline="0" cap="none" i="0" spc="0" strike="noStrike" sz="1400" u="none" kumimoji="0" normalizeH="0">
+      <a:defRPr kumimoji="0" sz="1400" b="0" i="0" u="none" strike="noStrike" cap="none" spc="0" normalizeH="0" baseline="0">
         <a:ln>
           <a:noFill/>
         </a:ln>
@@ -309,7 +315,7 @@
       <a:buFontTx/>
       <a:buNone/>
       <a:tabLst/>
-      <a:defRPr b="0" baseline="0" cap="none" i="0" spc="0" strike="noStrike" sz="1400" u="none" kumimoji="0" normalizeH="0">
+      <a:defRPr kumimoji="0" sz="1400" b="0" i="0" u="none" strike="noStrike" cap="none" spc="0" normalizeH="0" baseline="0">
         <a:ln>
           <a:noFill/>
         </a:ln>
@@ -325,16 +331,22 @@
       </a:defRPr>
     </a:lvl9pPr>
   </p:defaultTextStyle>
+  <p:extLst>
+    <p:ext uri="{EFAFB233-063F-42B5-8137-9DF3F51BA10A}">
+      <p15:sldGuideLst xmlns:p15="http://schemas.microsoft.com/office/powerpoint/2012/main"/>
+    </p:ext>
+  </p:extLst>
 </p:presentation>
 </file>
 
-<file path=ppt/commentAuthors.xml><?xml version="1.0" encoding="utf-8"?>
-<p:cmAuthorLst xmlns:a="http://schemas.openxmlformats.org/drawingml/2006/main" xmlns:r="http://schemas.openxmlformats.org/officeDocument/2006/relationships" xmlns:p="http://schemas.openxmlformats.org/presentationml/2006/main" xmlns:m="http://schemas.openxmlformats.org/officeDocument/2006/math" xmlns:a14="http://schemas.microsoft.com/office/drawing/2010/main"/>
-</file>
-
 <file path=ppt/notesMasters/notesMaster1.xml><?xml version="1.0" encoding="utf-8"?>
-<p:notesMaster xmlns:a="http://schemas.openxmlformats.org/drawingml/2006/main" xmlns:r="http://schemas.openxmlformats.org/officeDocument/2006/relationships" xmlns:p="http://schemas.openxmlformats.org/presentationml/2006/main" xmlns:m="http://schemas.openxmlformats.org/officeDocument/2006/math" xmlns:a14="http://schemas.microsoft.com/office/drawing/2010/main">
+<p:notesMaster xmlns:a="http://schemas.openxmlformats.org/drawingml/2006/main" xmlns:r="http://schemas.openxmlformats.org/officeDocument/2006/relationships" xmlns:p="http://schemas.openxmlformats.org/presentationml/2006/main">
   <p:cSld>
+    <p:bg>
+      <p:bgRef idx="1001">
+        <a:schemeClr val="bg1"/>
+      </p:bgRef>
+    </p:bg>
     <p:spTree>
       <p:nvGrpSpPr>
         <p:cNvPr id="1" name=""/>
@@ -352,7 +364,9 @@
       <p:sp>
         <p:nvSpPr>
           <p:cNvPr id="202" name="Shape 202"/>
-          <p:cNvSpPr/>
+          <p:cNvSpPr>
+            <a:spLocks noGrp="1" noRot="1" noChangeAspect="1"/>
+          </p:cNvSpPr>
           <p:nvPr>
             <p:ph type="sldImg"/>
           </p:nvPr>
@@ -370,14 +384,16 @@
           <a:bodyPr/>
           <a:lstStyle/>
           <a:p>
-            <a:pPr/>
+            <a:endParaRPr/>
           </a:p>
         </p:txBody>
       </p:sp>
       <p:sp>
         <p:nvSpPr>
           <p:cNvPr id="203" name="Shape 203"/>
-          <p:cNvSpPr/>
+          <p:cNvSpPr>
+            <a:spLocks noGrp="1"/>
+          </p:cNvSpPr>
           <p:nvPr>
             <p:ph type="body" sz="quarter" idx="1"/>
           </p:nvPr>
@@ -395,7 +411,7 @@
           <a:bodyPr/>
           <a:lstStyle/>
           <a:p>
-            <a:pPr/>
+            <a:endParaRPr/>
           </a:p>
         </p:txBody>
       </p:sp>
@@ -480,7 +496,7 @@
 </file>
 
 <file path=ppt/slideLayouts/slideLayout1.xml><?xml version="1.0" encoding="utf-8"?>
-<p:sldLayout xmlns:a="http://schemas.openxmlformats.org/drawingml/2006/main" xmlns:r="http://schemas.openxmlformats.org/officeDocument/2006/relationships" xmlns:p="http://schemas.openxmlformats.org/presentationml/2006/main" xmlns:m="http://schemas.openxmlformats.org/officeDocument/2006/math" xmlns:a14="http://schemas.microsoft.com/office/drawing/2010/main" type="title" showMasterSp="1" showMasterPhAnim="1">
+<p:sldLayout xmlns:a="http://schemas.openxmlformats.org/drawingml/2006/main" xmlns:r="http://schemas.openxmlformats.org/officeDocument/2006/relationships" xmlns:p="http://schemas.openxmlformats.org/presentationml/2006/main" type="title">
   <p:cSld name="TITLE">
     <p:spTree>
       <p:nvGrpSpPr>
@@ -499,7 +515,9 @@
       <p:sp>
         <p:nvSpPr>
           <p:cNvPr id="11" name="Title Text"/>
-          <p:cNvSpPr txBox="1"/>
+          <p:cNvSpPr txBox="1">
+            <a:spLocks noGrp="1"/>
+          </p:cNvSpPr>
           <p:nvPr>
             <p:ph type="title"/>
           </p:nvPr>
@@ -521,7 +539,6 @@
             </a:lvl1pPr>
           </a:lstStyle>
           <a:p>
-            <a:pPr/>
             <a:r>
               <a:t>Title Text</a:t>
             </a:r>
@@ -531,7 +548,9 @@
       <p:sp>
         <p:nvSpPr>
           <p:cNvPr id="12" name="Body Level One…"/>
-          <p:cNvSpPr txBox="1"/>
+          <p:cNvSpPr txBox="1">
+            <a:spLocks noGrp="1"/>
+          </p:cNvSpPr>
           <p:nvPr>
             <p:ph type="body" sz="quarter" idx="1"/>
           </p:nvPr>
@@ -600,7 +619,6 @@
             </a:lvl5pPr>
           </a:lstStyle>
           <a:p>
-            <a:pPr/>
             <a:r>
               <a:t>Body Level One</a:t>
             </a:r>
@@ -634,7 +652,9 @@
       <p:sp>
         <p:nvSpPr>
           <p:cNvPr id="13" name="Slide Number"/>
-          <p:cNvSpPr txBox="1"/>
+          <p:cNvSpPr txBox="1">
+            <a:spLocks noGrp="1"/>
+          </p:cNvSpPr>
           <p:nvPr>
             <p:ph type="sldNum" sz="quarter" idx="2"/>
           </p:nvPr>
@@ -648,8 +668,10 @@
           <a:bodyPr/>
           <a:lstStyle/>
           <a:p>
-            <a:pPr/>
-            <a:fld id="{86CB4B4D-7CA3-9044-876B-883B54F8677D}" type="slidenum"/>
+            <a:fld id="{86CB4B4D-7CA3-9044-876B-883B54F8677D}" type="slidenum">
+              <a:t>‹#›</a:t>
+            </a:fld>
+            <a:endParaRPr/>
           </a:p>
         </p:txBody>
       </p:sp>
@@ -658,12 +680,12 @@
   <p:clrMapOvr>
     <a:masterClrMapping/>
   </p:clrMapOvr>
-  <p:transition xmlns:p14="http://schemas.microsoft.com/office/powerpoint/2010/main" spd="med" advClick="1"/>
+  <p:transition spd="med"/>
 </p:sldLayout>
 </file>
 
 <file path=ppt/slideLayouts/slideLayout10.xml><?xml version="1.0" encoding="utf-8"?>
-<p:sldLayout xmlns:a="http://schemas.openxmlformats.org/drawingml/2006/main" xmlns:r="http://schemas.openxmlformats.org/officeDocument/2006/relationships" xmlns:p="http://schemas.openxmlformats.org/presentationml/2006/main" xmlns:m="http://schemas.openxmlformats.org/officeDocument/2006/math" xmlns:a14="http://schemas.microsoft.com/office/drawing/2010/main" type="tx" showMasterSp="1" showMasterPhAnim="1">
+<p:sldLayout xmlns:a="http://schemas.openxmlformats.org/drawingml/2006/main" xmlns:r="http://schemas.openxmlformats.org/officeDocument/2006/relationships" xmlns:p="http://schemas.openxmlformats.org/presentationml/2006/main" type="tx">
   <p:cSld name="BIG_NUMBER">
     <p:spTree>
       <p:nvGrpSpPr>
@@ -682,7 +704,9 @@
       <p:sp>
         <p:nvSpPr>
           <p:cNvPr id="91" name="xx%"/>
-          <p:cNvSpPr txBox="1"/>
+          <p:cNvSpPr txBox="1">
+            <a:spLocks noGrp="1"/>
+          </p:cNvSpPr>
           <p:nvPr>
             <p:ph type="title" hasCustomPrompt="1"/>
           </p:nvPr>
@@ -704,7 +728,6 @@
             </a:lvl1pPr>
           </a:lstStyle>
           <a:p>
-            <a:pPr/>
             <a:r>
               <a:t>xx%</a:t>
             </a:r>
@@ -714,7 +737,9 @@
       <p:sp>
         <p:nvSpPr>
           <p:cNvPr id="92" name="Body Level One…"/>
-          <p:cNvSpPr txBox="1"/>
+          <p:cNvSpPr txBox="1">
+            <a:spLocks noGrp="1"/>
+          </p:cNvSpPr>
           <p:nvPr>
             <p:ph type="body" sz="half" idx="1"/>
           </p:nvPr>
@@ -738,7 +763,6 @@
             <a:lvl5pPr algn="ctr"/>
           </a:lstStyle>
           <a:p>
-            <a:pPr/>
             <a:r>
               <a:t>Body Level One</a:t>
             </a:r>
@@ -772,7 +796,9 @@
       <p:sp>
         <p:nvSpPr>
           <p:cNvPr id="93" name="Slide Number"/>
-          <p:cNvSpPr txBox="1"/>
+          <p:cNvSpPr txBox="1">
+            <a:spLocks noGrp="1"/>
+          </p:cNvSpPr>
           <p:nvPr>
             <p:ph type="sldNum" sz="quarter" idx="2"/>
           </p:nvPr>
@@ -786,8 +812,10 @@
           <a:bodyPr/>
           <a:lstStyle/>
           <a:p>
-            <a:pPr/>
-            <a:fld id="{86CB4B4D-7CA3-9044-876B-883B54F8677D}" type="slidenum"/>
+            <a:fld id="{86CB4B4D-7CA3-9044-876B-883B54F8677D}" type="slidenum">
+              <a:t>‹#›</a:t>
+            </a:fld>
+            <a:endParaRPr/>
           </a:p>
         </p:txBody>
       </p:sp>
@@ -796,12 +824,12 @@
   <p:clrMapOvr>
     <a:masterClrMapping/>
   </p:clrMapOvr>
-  <p:transition xmlns:p14="http://schemas.microsoft.com/office/powerpoint/2010/main" spd="med" advClick="1"/>
+  <p:transition spd="med"/>
 </p:sldLayout>
 </file>
 
 <file path=ppt/slideLayouts/slideLayout11.xml><?xml version="1.0" encoding="utf-8"?>
-<p:sldLayout xmlns:a="http://schemas.openxmlformats.org/drawingml/2006/main" xmlns:r="http://schemas.openxmlformats.org/officeDocument/2006/relationships" xmlns:p="http://schemas.openxmlformats.org/presentationml/2006/main" xmlns:m="http://schemas.openxmlformats.org/officeDocument/2006/math" xmlns:a14="http://schemas.microsoft.com/office/drawing/2010/main" type="tx" showMasterSp="1" showMasterPhAnim="1">
+<p:sldLayout xmlns:a="http://schemas.openxmlformats.org/drawingml/2006/main" xmlns:r="http://schemas.openxmlformats.org/officeDocument/2006/relationships" xmlns:p="http://schemas.openxmlformats.org/presentationml/2006/main" type="tx">
   <p:cSld name="BLANK">
     <p:spTree>
       <p:nvGrpSpPr>
@@ -820,7 +848,9 @@
       <p:sp>
         <p:nvSpPr>
           <p:cNvPr id="100" name="Slide Number"/>
-          <p:cNvSpPr txBox="1"/>
+          <p:cNvSpPr txBox="1">
+            <a:spLocks noGrp="1"/>
+          </p:cNvSpPr>
           <p:nvPr>
             <p:ph type="sldNum" sz="quarter" idx="2"/>
           </p:nvPr>
@@ -834,8 +864,10 @@
           <a:bodyPr/>
           <a:lstStyle/>
           <a:p>
-            <a:pPr/>
-            <a:fld id="{86CB4B4D-7CA3-9044-876B-883B54F8677D}" type="slidenum"/>
+            <a:fld id="{86CB4B4D-7CA3-9044-876B-883B54F8677D}" type="slidenum">
+              <a:t>‹#›</a:t>
+            </a:fld>
+            <a:endParaRPr/>
           </a:p>
         </p:txBody>
       </p:sp>
@@ -844,12 +876,12 @@
   <p:clrMapOvr>
     <a:masterClrMapping/>
   </p:clrMapOvr>
-  <p:transition xmlns:p14="http://schemas.microsoft.com/office/powerpoint/2010/main" spd="med" advClick="1"/>
+  <p:transition spd="med"/>
 </p:sldLayout>
 </file>
 
 <file path=ppt/slideLayouts/slideLayout12.xml><?xml version="1.0" encoding="utf-8"?>
-<p:sldLayout xmlns:a="http://schemas.openxmlformats.org/drawingml/2006/main" xmlns:r="http://schemas.openxmlformats.org/officeDocument/2006/relationships" xmlns:p="http://schemas.openxmlformats.org/presentationml/2006/main" xmlns:m="http://schemas.openxmlformats.org/officeDocument/2006/math" xmlns:a14="http://schemas.microsoft.com/office/drawing/2010/main" type="tx" showMasterSp="1" showMasterPhAnim="1">
+<p:sldLayout xmlns:a="http://schemas.openxmlformats.org/drawingml/2006/main" xmlns:r="http://schemas.openxmlformats.org/officeDocument/2006/relationships" xmlns:p="http://schemas.openxmlformats.org/presentationml/2006/main" type="tx">
   <p:cSld name="TITLE">
     <p:spTree>
       <p:nvGrpSpPr>
@@ -868,7 +900,9 @@
       <p:sp>
         <p:nvSpPr>
           <p:cNvPr id="107" name="Title Text"/>
-          <p:cNvSpPr txBox="1"/>
+          <p:cNvSpPr txBox="1">
+            <a:spLocks noGrp="1"/>
+          </p:cNvSpPr>
           <p:nvPr>
             <p:ph type="title"/>
           </p:nvPr>
@@ -890,7 +924,6 @@
             </a:lvl1pPr>
           </a:lstStyle>
           <a:p>
-            <a:pPr/>
             <a:r>
               <a:t>Title Text</a:t>
             </a:r>
@@ -900,7 +933,9 @@
       <p:sp>
         <p:nvSpPr>
           <p:cNvPr id="108" name="Body Level One…"/>
-          <p:cNvSpPr txBox="1"/>
+          <p:cNvSpPr txBox="1">
+            <a:spLocks noGrp="1"/>
+          </p:cNvSpPr>
           <p:nvPr>
             <p:ph type="body" sz="quarter" idx="1"/>
           </p:nvPr>
@@ -969,7 +1004,6 @@
             </a:lvl5pPr>
           </a:lstStyle>
           <a:p>
-            <a:pPr/>
             <a:r>
               <a:t>Body Level One</a:t>
             </a:r>
@@ -1003,7 +1037,9 @@
       <p:sp>
         <p:nvSpPr>
           <p:cNvPr id="109" name="Slide Number"/>
-          <p:cNvSpPr txBox="1"/>
+          <p:cNvSpPr txBox="1">
+            <a:spLocks noGrp="1"/>
+          </p:cNvSpPr>
           <p:nvPr>
             <p:ph type="sldNum" sz="quarter" idx="2"/>
           </p:nvPr>
@@ -1017,8 +1053,10 @@
           <a:bodyPr/>
           <a:lstStyle/>
           <a:p>
-            <a:pPr/>
-            <a:fld id="{86CB4B4D-7CA3-9044-876B-883B54F8677D}" type="slidenum"/>
+            <a:fld id="{86CB4B4D-7CA3-9044-876B-883B54F8677D}" type="slidenum">
+              <a:t>‹#›</a:t>
+            </a:fld>
+            <a:endParaRPr/>
           </a:p>
         </p:txBody>
       </p:sp>
@@ -1027,12 +1065,12 @@
   <p:clrMapOvr>
     <a:masterClrMapping/>
   </p:clrMapOvr>
-  <p:transition xmlns:p14="http://schemas.microsoft.com/office/powerpoint/2010/main" spd="med" advClick="1"/>
+  <p:transition spd="med"/>
 </p:sldLayout>
 </file>
 
 <file path=ppt/slideLayouts/slideLayout13.xml><?xml version="1.0" encoding="utf-8"?>
-<p:sldLayout xmlns:a="http://schemas.openxmlformats.org/drawingml/2006/main" xmlns:r="http://schemas.openxmlformats.org/officeDocument/2006/relationships" xmlns:p="http://schemas.openxmlformats.org/presentationml/2006/main" xmlns:m="http://schemas.openxmlformats.org/officeDocument/2006/math" xmlns:a14="http://schemas.microsoft.com/office/drawing/2010/main" type="tx" showMasterSp="1" showMasterPhAnim="1">
+<p:sldLayout xmlns:a="http://schemas.openxmlformats.org/drawingml/2006/main" xmlns:r="http://schemas.openxmlformats.org/officeDocument/2006/relationships" xmlns:p="http://schemas.openxmlformats.org/presentationml/2006/main" type="tx">
   <p:cSld name="TITLE_AND_TWO_COLUMNS">
     <p:spTree>
       <p:nvGrpSpPr>
@@ -1051,7 +1089,9 @@
       <p:sp>
         <p:nvSpPr>
           <p:cNvPr id="116" name="Title Text"/>
-          <p:cNvSpPr txBox="1"/>
+          <p:cNvSpPr txBox="1">
+            <a:spLocks noGrp="1"/>
+          </p:cNvSpPr>
           <p:nvPr>
             <p:ph type="title"/>
           </p:nvPr>
@@ -1065,7 +1105,6 @@
           <a:bodyPr/>
           <a:lstStyle/>
           <a:p>
-            <a:pPr/>
             <a:r>
               <a:t>Title Text</a:t>
             </a:r>
@@ -1075,7 +1114,9 @@
       <p:sp>
         <p:nvSpPr>
           <p:cNvPr id="117" name="Body Level One…"/>
-          <p:cNvSpPr txBox="1"/>
+          <p:cNvSpPr txBox="1">
+            <a:spLocks noGrp="1"/>
+          </p:cNvSpPr>
           <p:nvPr>
             <p:ph type="body" sz="half" idx="1"/>
           </p:nvPr>
@@ -1114,7 +1155,6 @@
             </a:lvl5pPr>
           </a:lstStyle>
           <a:p>
-            <a:pPr/>
             <a:r>
               <a:t>Body Level One</a:t>
             </a:r>
@@ -1148,7 +1188,9 @@
       <p:sp>
         <p:nvSpPr>
           <p:cNvPr id="118" name="Google Shape;61;p15"/>
-          <p:cNvSpPr txBox="1"/>
+          <p:cNvSpPr txBox="1">
+            <a:spLocks noGrp="1"/>
+          </p:cNvSpPr>
           <p:nvPr>
             <p:ph type="body" sz="half" idx="21"/>
           </p:nvPr>
@@ -1170,13 +1212,16 @@
               <a:buSzPts val="1400"/>
               <a:defRPr sz="1400"/>
             </a:pPr>
+            <a:endParaRPr/>
           </a:p>
         </p:txBody>
       </p:sp>
       <p:sp>
         <p:nvSpPr>
           <p:cNvPr id="119" name="Slide Number"/>
-          <p:cNvSpPr txBox="1"/>
+          <p:cNvSpPr txBox="1">
+            <a:spLocks noGrp="1"/>
+          </p:cNvSpPr>
           <p:nvPr>
             <p:ph type="sldNum" sz="quarter" idx="2"/>
           </p:nvPr>
@@ -1190,8 +1235,10 @@
           <a:bodyPr/>
           <a:lstStyle/>
           <a:p>
-            <a:pPr/>
-            <a:fld id="{86CB4B4D-7CA3-9044-876B-883B54F8677D}" type="slidenum"/>
+            <a:fld id="{86CB4B4D-7CA3-9044-876B-883B54F8677D}" type="slidenum">
+              <a:t>‹#›</a:t>
+            </a:fld>
+            <a:endParaRPr/>
           </a:p>
         </p:txBody>
       </p:sp>
@@ -1200,12 +1247,12 @@
   <p:clrMapOvr>
     <a:masterClrMapping/>
   </p:clrMapOvr>
-  <p:transition xmlns:p14="http://schemas.microsoft.com/office/powerpoint/2010/main" spd="med" advClick="1"/>
+  <p:transition spd="med"/>
 </p:sldLayout>
 </file>
 
 <file path=ppt/slideLayouts/slideLayout14.xml><?xml version="1.0" encoding="utf-8"?>
-<p:sldLayout xmlns:a="http://schemas.openxmlformats.org/drawingml/2006/main" xmlns:r="http://schemas.openxmlformats.org/officeDocument/2006/relationships" xmlns:p="http://schemas.openxmlformats.org/presentationml/2006/main" xmlns:m="http://schemas.openxmlformats.org/officeDocument/2006/math" xmlns:a14="http://schemas.microsoft.com/office/drawing/2010/main" type="tx" showMasterSp="1" showMasterPhAnim="1">
+<p:sldLayout xmlns:a="http://schemas.openxmlformats.org/drawingml/2006/main" xmlns:r="http://schemas.openxmlformats.org/officeDocument/2006/relationships" xmlns:p="http://schemas.openxmlformats.org/presentationml/2006/main" type="tx">
   <p:cSld name="TITLE_AND_BODY">
     <p:spTree>
       <p:nvGrpSpPr>
@@ -1224,7 +1271,9 @@
       <p:sp>
         <p:nvSpPr>
           <p:cNvPr id="126" name="Title Text"/>
-          <p:cNvSpPr txBox="1"/>
+          <p:cNvSpPr txBox="1">
+            <a:spLocks noGrp="1"/>
+          </p:cNvSpPr>
           <p:nvPr>
             <p:ph type="title"/>
           </p:nvPr>
@@ -1238,7 +1287,6 @@
           <a:bodyPr/>
           <a:lstStyle/>
           <a:p>
-            <a:pPr/>
             <a:r>
               <a:t>Title Text</a:t>
             </a:r>
@@ -1248,7 +1296,9 @@
       <p:sp>
         <p:nvSpPr>
           <p:cNvPr id="127" name="Body Level One…"/>
-          <p:cNvSpPr txBox="1"/>
+          <p:cNvSpPr txBox="1">
+            <a:spLocks noGrp="1"/>
+          </p:cNvSpPr>
           <p:nvPr>
             <p:ph type="body" idx="1"/>
           </p:nvPr>
@@ -1262,7 +1312,6 @@
           <a:bodyPr/>
           <a:lstStyle/>
           <a:p>
-            <a:pPr/>
             <a:r>
               <a:t>Body Level One</a:t>
             </a:r>
@@ -1296,7 +1345,9 @@
       <p:sp>
         <p:nvSpPr>
           <p:cNvPr id="128" name="Slide Number"/>
-          <p:cNvSpPr txBox="1"/>
+          <p:cNvSpPr txBox="1">
+            <a:spLocks noGrp="1"/>
+          </p:cNvSpPr>
           <p:nvPr>
             <p:ph type="sldNum" sz="quarter" idx="2"/>
           </p:nvPr>
@@ -1310,8 +1361,10 @@
           <a:bodyPr/>
           <a:lstStyle/>
           <a:p>
-            <a:pPr/>
-            <a:fld id="{86CB4B4D-7CA3-9044-876B-883B54F8677D}" type="slidenum"/>
+            <a:fld id="{86CB4B4D-7CA3-9044-876B-883B54F8677D}" type="slidenum">
+              <a:t>‹#›</a:t>
+            </a:fld>
+            <a:endParaRPr/>
           </a:p>
         </p:txBody>
       </p:sp>
@@ -1320,12 +1373,12 @@
   <p:clrMapOvr>
     <a:masterClrMapping/>
   </p:clrMapOvr>
-  <p:transition xmlns:p14="http://schemas.microsoft.com/office/powerpoint/2010/main" spd="med" advClick="1"/>
+  <p:transition spd="med"/>
 </p:sldLayout>
 </file>
 
 <file path=ppt/slideLayouts/slideLayout15.xml><?xml version="1.0" encoding="utf-8"?>
-<p:sldLayout xmlns:a="http://schemas.openxmlformats.org/drawingml/2006/main" xmlns:r="http://schemas.openxmlformats.org/officeDocument/2006/relationships" xmlns:p="http://schemas.openxmlformats.org/presentationml/2006/main" xmlns:m="http://schemas.openxmlformats.org/officeDocument/2006/math" xmlns:a14="http://schemas.microsoft.com/office/drawing/2010/main" type="tx" showMasterSp="1" showMasterPhAnim="1">
+<p:sldLayout xmlns:a="http://schemas.openxmlformats.org/drawingml/2006/main" xmlns:r="http://schemas.openxmlformats.org/officeDocument/2006/relationships" xmlns:p="http://schemas.openxmlformats.org/presentationml/2006/main" type="tx">
   <p:cSld name="SECTION_HEADER">
     <p:spTree>
       <p:nvGrpSpPr>
@@ -1344,7 +1397,9 @@
       <p:sp>
         <p:nvSpPr>
           <p:cNvPr id="135" name="Title Text"/>
-          <p:cNvSpPr txBox="1"/>
+          <p:cNvSpPr txBox="1">
+            <a:spLocks noGrp="1"/>
+          </p:cNvSpPr>
           <p:nvPr>
             <p:ph type="title"/>
           </p:nvPr>
@@ -1366,7 +1421,6 @@
             </a:lvl1pPr>
           </a:lstStyle>
           <a:p>
-            <a:pPr/>
             <a:r>
               <a:t>Title Text</a:t>
             </a:r>
@@ -1376,7 +1430,9 @@
       <p:sp>
         <p:nvSpPr>
           <p:cNvPr id="136" name="Slide Number"/>
-          <p:cNvSpPr txBox="1"/>
+          <p:cNvSpPr txBox="1">
+            <a:spLocks noGrp="1"/>
+          </p:cNvSpPr>
           <p:nvPr>
             <p:ph type="sldNum" sz="quarter" idx="2"/>
           </p:nvPr>
@@ -1390,8 +1446,10 @@
           <a:bodyPr/>
           <a:lstStyle/>
           <a:p>
-            <a:pPr/>
-            <a:fld id="{86CB4B4D-7CA3-9044-876B-883B54F8677D}" type="slidenum"/>
+            <a:fld id="{86CB4B4D-7CA3-9044-876B-883B54F8677D}" type="slidenum">
+              <a:t>‹#›</a:t>
+            </a:fld>
+            <a:endParaRPr/>
           </a:p>
         </p:txBody>
       </p:sp>
@@ -1400,12 +1458,12 @@
   <p:clrMapOvr>
     <a:masterClrMapping/>
   </p:clrMapOvr>
-  <p:transition xmlns:p14="http://schemas.microsoft.com/office/powerpoint/2010/main" spd="med" advClick="1"/>
+  <p:transition spd="med"/>
 </p:sldLayout>
 </file>
 
 <file path=ppt/slideLayouts/slideLayout16.xml><?xml version="1.0" encoding="utf-8"?>
-<p:sldLayout xmlns:a="http://schemas.openxmlformats.org/drawingml/2006/main" xmlns:r="http://schemas.openxmlformats.org/officeDocument/2006/relationships" xmlns:p="http://schemas.openxmlformats.org/presentationml/2006/main" xmlns:m="http://schemas.openxmlformats.org/officeDocument/2006/math" xmlns:a14="http://schemas.microsoft.com/office/drawing/2010/main" type="tx" showMasterSp="1" showMasterPhAnim="1">
+<p:sldLayout xmlns:a="http://schemas.openxmlformats.org/drawingml/2006/main" xmlns:r="http://schemas.openxmlformats.org/officeDocument/2006/relationships" xmlns:p="http://schemas.openxmlformats.org/presentationml/2006/main" type="tx">
   <p:cSld name="TITLE_ONLY">
     <p:spTree>
       <p:nvGrpSpPr>
@@ -1424,7 +1482,9 @@
       <p:sp>
         <p:nvSpPr>
           <p:cNvPr id="143" name="Title Text"/>
-          <p:cNvSpPr txBox="1"/>
+          <p:cNvSpPr txBox="1">
+            <a:spLocks noGrp="1"/>
+          </p:cNvSpPr>
           <p:nvPr>
             <p:ph type="title"/>
           </p:nvPr>
@@ -1438,7 +1498,6 @@
           <a:bodyPr/>
           <a:lstStyle/>
           <a:p>
-            <a:pPr/>
             <a:r>
               <a:t>Title Text</a:t>
             </a:r>
@@ -1448,7 +1507,9 @@
       <p:sp>
         <p:nvSpPr>
           <p:cNvPr id="144" name="Slide Number"/>
-          <p:cNvSpPr txBox="1"/>
+          <p:cNvSpPr txBox="1">
+            <a:spLocks noGrp="1"/>
+          </p:cNvSpPr>
           <p:nvPr>
             <p:ph type="sldNum" sz="quarter" idx="2"/>
           </p:nvPr>
@@ -1462,8 +1523,10 @@
           <a:bodyPr/>
           <a:lstStyle/>
           <a:p>
-            <a:pPr/>
-            <a:fld id="{86CB4B4D-7CA3-9044-876B-883B54F8677D}" type="slidenum"/>
+            <a:fld id="{86CB4B4D-7CA3-9044-876B-883B54F8677D}" type="slidenum">
+              <a:t>‹#›</a:t>
+            </a:fld>
+            <a:endParaRPr/>
           </a:p>
         </p:txBody>
       </p:sp>
@@ -1472,12 +1535,12 @@
   <p:clrMapOvr>
     <a:masterClrMapping/>
   </p:clrMapOvr>
-  <p:transition xmlns:p14="http://schemas.microsoft.com/office/powerpoint/2010/main" spd="med" advClick="1"/>
+  <p:transition spd="med"/>
 </p:sldLayout>
 </file>
 
 <file path=ppt/slideLayouts/slideLayout17.xml><?xml version="1.0" encoding="utf-8"?>
-<p:sldLayout xmlns:a="http://schemas.openxmlformats.org/drawingml/2006/main" xmlns:r="http://schemas.openxmlformats.org/officeDocument/2006/relationships" xmlns:p="http://schemas.openxmlformats.org/presentationml/2006/main" xmlns:m="http://schemas.openxmlformats.org/officeDocument/2006/math" xmlns:a14="http://schemas.microsoft.com/office/drawing/2010/main" type="tx" showMasterSp="1" showMasterPhAnim="1">
+<p:sldLayout xmlns:a="http://schemas.openxmlformats.org/drawingml/2006/main" xmlns:r="http://schemas.openxmlformats.org/officeDocument/2006/relationships" xmlns:p="http://schemas.openxmlformats.org/presentationml/2006/main" type="tx">
   <p:cSld name="ONE_COLUMN_TEXT">
     <p:spTree>
       <p:nvGrpSpPr>
@@ -1496,7 +1559,9 @@
       <p:sp>
         <p:nvSpPr>
           <p:cNvPr id="151" name="Title Text"/>
-          <p:cNvSpPr txBox="1"/>
+          <p:cNvSpPr txBox="1">
+            <a:spLocks noGrp="1"/>
+          </p:cNvSpPr>
           <p:nvPr>
             <p:ph type="title"/>
           </p:nvPr>
@@ -1518,7 +1583,6 @@
             </a:lvl1pPr>
           </a:lstStyle>
           <a:p>
-            <a:pPr/>
             <a:r>
               <a:t>Title Text</a:t>
             </a:r>
@@ -1528,7 +1592,9 @@
       <p:sp>
         <p:nvSpPr>
           <p:cNvPr id="152" name="Body Level One…"/>
-          <p:cNvSpPr txBox="1"/>
+          <p:cNvSpPr txBox="1">
+            <a:spLocks noGrp="1"/>
+          </p:cNvSpPr>
           <p:nvPr>
             <p:ph type="body" sz="quarter" idx="1"/>
           </p:nvPr>
@@ -1567,7 +1633,6 @@
             </a:lvl5pPr>
           </a:lstStyle>
           <a:p>
-            <a:pPr/>
             <a:r>
               <a:t>Body Level One</a:t>
             </a:r>
@@ -1601,7 +1666,9 @@
       <p:sp>
         <p:nvSpPr>
           <p:cNvPr id="153" name="Slide Number"/>
-          <p:cNvSpPr txBox="1"/>
+          <p:cNvSpPr txBox="1">
+            <a:spLocks noGrp="1"/>
+          </p:cNvSpPr>
           <p:nvPr>
             <p:ph type="sldNum" sz="quarter" idx="2"/>
           </p:nvPr>
@@ -1615,8 +1682,10 @@
           <a:bodyPr/>
           <a:lstStyle/>
           <a:p>
-            <a:pPr/>
-            <a:fld id="{86CB4B4D-7CA3-9044-876B-883B54F8677D}" type="slidenum"/>
+            <a:fld id="{86CB4B4D-7CA3-9044-876B-883B54F8677D}" type="slidenum">
+              <a:t>‹#›</a:t>
+            </a:fld>
+            <a:endParaRPr/>
           </a:p>
         </p:txBody>
       </p:sp>
@@ -1625,12 +1694,12 @@
   <p:clrMapOvr>
     <a:masterClrMapping/>
   </p:clrMapOvr>
-  <p:transition xmlns:p14="http://schemas.microsoft.com/office/powerpoint/2010/main" spd="med" advClick="1"/>
+  <p:transition spd="med"/>
 </p:sldLayout>
 </file>
 
 <file path=ppt/slideLayouts/slideLayout18.xml><?xml version="1.0" encoding="utf-8"?>
-<p:sldLayout xmlns:a="http://schemas.openxmlformats.org/drawingml/2006/main" xmlns:r="http://schemas.openxmlformats.org/officeDocument/2006/relationships" xmlns:p="http://schemas.openxmlformats.org/presentationml/2006/main" xmlns:m="http://schemas.openxmlformats.org/officeDocument/2006/math" xmlns:a14="http://schemas.microsoft.com/office/drawing/2010/main" type="tx" showMasterSp="1" showMasterPhAnim="1">
+<p:sldLayout xmlns:a="http://schemas.openxmlformats.org/drawingml/2006/main" xmlns:r="http://schemas.openxmlformats.org/officeDocument/2006/relationships" xmlns:p="http://schemas.openxmlformats.org/presentationml/2006/main" type="tx">
   <p:cSld name="MAIN_POINT">
     <p:spTree>
       <p:nvGrpSpPr>
@@ -1649,7 +1718,9 @@
       <p:sp>
         <p:nvSpPr>
           <p:cNvPr id="160" name="Title Text"/>
-          <p:cNvSpPr txBox="1"/>
+          <p:cNvSpPr txBox="1">
+            <a:spLocks noGrp="1"/>
+          </p:cNvSpPr>
           <p:nvPr>
             <p:ph type="title"/>
           </p:nvPr>
@@ -1671,7 +1742,6 @@
             </a:lvl1pPr>
           </a:lstStyle>
           <a:p>
-            <a:pPr/>
             <a:r>
               <a:t>Title Text</a:t>
             </a:r>
@@ -1681,7 +1751,9 @@
       <p:sp>
         <p:nvSpPr>
           <p:cNvPr id="161" name="Slide Number"/>
-          <p:cNvSpPr txBox="1"/>
+          <p:cNvSpPr txBox="1">
+            <a:spLocks noGrp="1"/>
+          </p:cNvSpPr>
           <p:nvPr>
             <p:ph type="sldNum" sz="quarter" idx="2"/>
           </p:nvPr>
@@ -1695,8 +1767,10 @@
           <a:bodyPr/>
           <a:lstStyle/>
           <a:p>
-            <a:pPr/>
-            <a:fld id="{86CB4B4D-7CA3-9044-876B-883B54F8677D}" type="slidenum"/>
+            <a:fld id="{86CB4B4D-7CA3-9044-876B-883B54F8677D}" type="slidenum">
+              <a:t>‹#›</a:t>
+            </a:fld>
+            <a:endParaRPr/>
           </a:p>
         </p:txBody>
       </p:sp>
@@ -1705,12 +1779,12 @@
   <p:clrMapOvr>
     <a:masterClrMapping/>
   </p:clrMapOvr>
-  <p:transition xmlns:p14="http://schemas.microsoft.com/office/powerpoint/2010/main" spd="med" advClick="1"/>
+  <p:transition spd="med"/>
 </p:sldLayout>
 </file>
 
 <file path=ppt/slideLayouts/slideLayout19.xml><?xml version="1.0" encoding="utf-8"?>
-<p:sldLayout xmlns:a="http://schemas.openxmlformats.org/drawingml/2006/main" xmlns:r="http://schemas.openxmlformats.org/officeDocument/2006/relationships" xmlns:p="http://schemas.openxmlformats.org/presentationml/2006/main" xmlns:m="http://schemas.openxmlformats.org/officeDocument/2006/math" xmlns:a14="http://schemas.microsoft.com/office/drawing/2010/main" type="tx" showMasterSp="1" showMasterPhAnim="1">
+<p:sldLayout xmlns:a="http://schemas.openxmlformats.org/drawingml/2006/main" xmlns:r="http://schemas.openxmlformats.org/officeDocument/2006/relationships" xmlns:p="http://schemas.openxmlformats.org/presentationml/2006/main" type="tx">
   <p:cSld name="SECTION_TITLE_AND_DESCRIPTION">
     <p:spTree>
       <p:nvGrpSpPr>
@@ -1751,14 +1825,16 @@
           <a:bodyPr lIns="0" tIns="0" rIns="0" bIns="0" anchor="ctr"/>
           <a:lstStyle/>
           <a:p>
-            <a:pPr/>
+            <a:endParaRPr/>
           </a:p>
         </p:txBody>
       </p:sp>
       <p:sp>
         <p:nvSpPr>
           <p:cNvPr id="169" name="Title Text"/>
-          <p:cNvSpPr txBox="1"/>
+          <p:cNvSpPr txBox="1">
+            <a:spLocks noGrp="1"/>
+          </p:cNvSpPr>
           <p:nvPr>
             <p:ph type="title"/>
           </p:nvPr>
@@ -1780,7 +1856,6 @@
             </a:lvl1pPr>
           </a:lstStyle>
           <a:p>
-            <a:pPr/>
             <a:r>
               <a:t>Title Text</a:t>
             </a:r>
@@ -1790,7 +1865,9 @@
       <p:sp>
         <p:nvSpPr>
           <p:cNvPr id="170" name="Body Level One…"/>
-          <p:cNvSpPr txBox="1"/>
+          <p:cNvSpPr txBox="1">
+            <a:spLocks noGrp="1"/>
+          </p:cNvSpPr>
           <p:nvPr>
             <p:ph type="body" sz="quarter" idx="1"/>
           </p:nvPr>
@@ -1859,7 +1936,6 @@
             </a:lvl5pPr>
           </a:lstStyle>
           <a:p>
-            <a:pPr/>
             <a:r>
               <a:t>Body Level One</a:t>
             </a:r>
@@ -1893,7 +1969,9 @@
       <p:sp>
         <p:nvSpPr>
           <p:cNvPr id="171" name="Google Shape;84;p21"/>
-          <p:cNvSpPr txBox="1"/>
+          <p:cNvSpPr txBox="1">
+            <a:spLocks noGrp="1"/>
+          </p:cNvSpPr>
           <p:nvPr>
             <p:ph type="body" sz="half" idx="21"/>
           </p:nvPr>
@@ -1911,14 +1989,16 @@
           <a:bodyPr anchor="ctr"/>
           <a:lstStyle/>
           <a:p>
-            <a:pPr/>
+            <a:endParaRPr/>
           </a:p>
         </p:txBody>
       </p:sp>
       <p:sp>
         <p:nvSpPr>
           <p:cNvPr id="172" name="Slide Number"/>
-          <p:cNvSpPr txBox="1"/>
+          <p:cNvSpPr txBox="1">
+            <a:spLocks noGrp="1"/>
+          </p:cNvSpPr>
           <p:nvPr>
             <p:ph type="sldNum" sz="quarter" idx="2"/>
           </p:nvPr>
@@ -1932,8 +2012,10 @@
           <a:bodyPr/>
           <a:lstStyle/>
           <a:p>
-            <a:pPr/>
-            <a:fld id="{86CB4B4D-7CA3-9044-876B-883B54F8677D}" type="slidenum"/>
+            <a:fld id="{86CB4B4D-7CA3-9044-876B-883B54F8677D}" type="slidenum">
+              <a:t>‹#›</a:t>
+            </a:fld>
+            <a:endParaRPr/>
           </a:p>
         </p:txBody>
       </p:sp>
@@ -1942,12 +2024,12 @@
   <p:clrMapOvr>
     <a:masterClrMapping/>
   </p:clrMapOvr>
-  <p:transition xmlns:p14="http://schemas.microsoft.com/office/powerpoint/2010/main" spd="med" advClick="1"/>
+  <p:transition spd="med"/>
 </p:sldLayout>
 </file>
 
 <file path=ppt/slideLayouts/slideLayout2.xml><?xml version="1.0" encoding="utf-8"?>
-<p:sldLayout xmlns:a="http://schemas.openxmlformats.org/drawingml/2006/main" xmlns:r="http://schemas.openxmlformats.org/officeDocument/2006/relationships" xmlns:p="http://schemas.openxmlformats.org/presentationml/2006/main" xmlns:m="http://schemas.openxmlformats.org/officeDocument/2006/math" xmlns:a14="http://schemas.microsoft.com/office/drawing/2010/main" type="tx" showMasterSp="1" showMasterPhAnim="1">
+<p:sldLayout xmlns:a="http://schemas.openxmlformats.org/drawingml/2006/main" xmlns:r="http://schemas.openxmlformats.org/officeDocument/2006/relationships" xmlns:p="http://schemas.openxmlformats.org/presentationml/2006/main" type="tx">
   <p:cSld name="SECTION_HEADER">
     <p:spTree>
       <p:nvGrpSpPr>
@@ -1966,7 +2048,9 @@
       <p:sp>
         <p:nvSpPr>
           <p:cNvPr id="20" name="Title Text"/>
-          <p:cNvSpPr txBox="1"/>
+          <p:cNvSpPr txBox="1">
+            <a:spLocks noGrp="1"/>
+          </p:cNvSpPr>
           <p:nvPr>
             <p:ph type="title"/>
           </p:nvPr>
@@ -1988,7 +2072,6 @@
             </a:lvl1pPr>
           </a:lstStyle>
           <a:p>
-            <a:pPr/>
             <a:r>
               <a:t>Title Text</a:t>
             </a:r>
@@ -1998,7 +2081,9 @@
       <p:sp>
         <p:nvSpPr>
           <p:cNvPr id="21" name="Slide Number"/>
-          <p:cNvSpPr txBox="1"/>
+          <p:cNvSpPr txBox="1">
+            <a:spLocks noGrp="1"/>
+          </p:cNvSpPr>
           <p:nvPr>
             <p:ph type="sldNum" sz="quarter" idx="2"/>
           </p:nvPr>
@@ -2012,8 +2097,10 @@
           <a:bodyPr/>
           <a:lstStyle/>
           <a:p>
-            <a:pPr/>
-            <a:fld id="{86CB4B4D-7CA3-9044-876B-883B54F8677D}" type="slidenum"/>
+            <a:fld id="{86CB4B4D-7CA3-9044-876B-883B54F8677D}" type="slidenum">
+              <a:t>‹#›</a:t>
+            </a:fld>
+            <a:endParaRPr/>
           </a:p>
         </p:txBody>
       </p:sp>
@@ -2022,12 +2109,12 @@
   <p:clrMapOvr>
     <a:masterClrMapping/>
   </p:clrMapOvr>
-  <p:transition xmlns:p14="http://schemas.microsoft.com/office/powerpoint/2010/main" spd="med" advClick="1"/>
+  <p:transition spd="med"/>
 </p:sldLayout>
 </file>
 
 <file path=ppt/slideLayouts/slideLayout20.xml><?xml version="1.0" encoding="utf-8"?>
-<p:sldLayout xmlns:a="http://schemas.openxmlformats.org/drawingml/2006/main" xmlns:r="http://schemas.openxmlformats.org/officeDocument/2006/relationships" xmlns:p="http://schemas.openxmlformats.org/presentationml/2006/main" xmlns:m="http://schemas.openxmlformats.org/officeDocument/2006/math" xmlns:a14="http://schemas.microsoft.com/office/drawing/2010/main" type="tx" showMasterSp="1" showMasterPhAnim="1">
+<p:sldLayout xmlns:a="http://schemas.openxmlformats.org/drawingml/2006/main" xmlns:r="http://schemas.openxmlformats.org/officeDocument/2006/relationships" xmlns:p="http://schemas.openxmlformats.org/presentationml/2006/main" type="tx">
   <p:cSld name="CAPTION_ONLY">
     <p:spTree>
       <p:nvGrpSpPr>
@@ -2046,7 +2133,9 @@
       <p:sp>
         <p:nvSpPr>
           <p:cNvPr id="179" name="Body Level One…"/>
-          <p:cNvSpPr txBox="1"/>
+          <p:cNvSpPr txBox="1">
+            <a:spLocks noGrp="1"/>
+          </p:cNvSpPr>
           <p:nvPr>
             <p:ph type="body" sz="quarter" idx="1"/>
           </p:nvPr>
@@ -2102,7 +2191,6 @@
             </a:lvl5pPr>
           </a:lstStyle>
           <a:p>
-            <a:pPr/>
             <a:r>
               <a:t>Body Level One</a:t>
             </a:r>
@@ -2136,7 +2224,9 @@
       <p:sp>
         <p:nvSpPr>
           <p:cNvPr id="180" name="Slide Number"/>
-          <p:cNvSpPr txBox="1"/>
+          <p:cNvSpPr txBox="1">
+            <a:spLocks noGrp="1"/>
+          </p:cNvSpPr>
           <p:nvPr>
             <p:ph type="sldNum" sz="quarter" idx="2"/>
           </p:nvPr>
@@ -2150,8 +2240,10 @@
           <a:bodyPr/>
           <a:lstStyle/>
           <a:p>
-            <a:pPr/>
-            <a:fld id="{86CB4B4D-7CA3-9044-876B-883B54F8677D}" type="slidenum"/>
+            <a:fld id="{86CB4B4D-7CA3-9044-876B-883B54F8677D}" type="slidenum">
+              <a:t>‹#›</a:t>
+            </a:fld>
+            <a:endParaRPr/>
           </a:p>
         </p:txBody>
       </p:sp>
@@ -2160,12 +2252,12 @@
   <p:clrMapOvr>
     <a:masterClrMapping/>
   </p:clrMapOvr>
-  <p:transition xmlns:p14="http://schemas.microsoft.com/office/powerpoint/2010/main" spd="med" advClick="1"/>
+  <p:transition spd="med"/>
 </p:sldLayout>
 </file>
 
 <file path=ppt/slideLayouts/slideLayout21.xml><?xml version="1.0" encoding="utf-8"?>
-<p:sldLayout xmlns:a="http://schemas.openxmlformats.org/drawingml/2006/main" xmlns:r="http://schemas.openxmlformats.org/officeDocument/2006/relationships" xmlns:p="http://schemas.openxmlformats.org/presentationml/2006/main" xmlns:m="http://schemas.openxmlformats.org/officeDocument/2006/math" xmlns:a14="http://schemas.microsoft.com/office/drawing/2010/main" type="tx" showMasterSp="1" showMasterPhAnim="1">
+<p:sldLayout xmlns:a="http://schemas.openxmlformats.org/drawingml/2006/main" xmlns:r="http://schemas.openxmlformats.org/officeDocument/2006/relationships" xmlns:p="http://schemas.openxmlformats.org/presentationml/2006/main" type="tx">
   <p:cSld name="BIG_NUMBER">
     <p:spTree>
       <p:nvGrpSpPr>
@@ -2184,7 +2276,9 @@
       <p:sp>
         <p:nvSpPr>
           <p:cNvPr id="187" name="xx%"/>
-          <p:cNvSpPr txBox="1"/>
+          <p:cNvSpPr txBox="1">
+            <a:spLocks noGrp="1"/>
+          </p:cNvSpPr>
           <p:nvPr>
             <p:ph type="title" hasCustomPrompt="1"/>
           </p:nvPr>
@@ -2206,7 +2300,6 @@
             </a:lvl1pPr>
           </a:lstStyle>
           <a:p>
-            <a:pPr/>
             <a:r>
               <a:t>xx%</a:t>
             </a:r>
@@ -2216,7 +2309,9 @@
       <p:sp>
         <p:nvSpPr>
           <p:cNvPr id="188" name="Body Level One…"/>
-          <p:cNvSpPr txBox="1"/>
+          <p:cNvSpPr txBox="1">
+            <a:spLocks noGrp="1"/>
+          </p:cNvSpPr>
           <p:nvPr>
             <p:ph type="body" sz="half" idx="1"/>
           </p:nvPr>
@@ -2240,7 +2335,6 @@
             <a:lvl5pPr algn="ctr"/>
           </a:lstStyle>
           <a:p>
-            <a:pPr/>
             <a:r>
               <a:t>Body Level One</a:t>
             </a:r>
@@ -2274,7 +2368,9 @@
       <p:sp>
         <p:nvSpPr>
           <p:cNvPr id="189" name="Slide Number"/>
-          <p:cNvSpPr txBox="1"/>
+          <p:cNvSpPr txBox="1">
+            <a:spLocks noGrp="1"/>
+          </p:cNvSpPr>
           <p:nvPr>
             <p:ph type="sldNum" sz="quarter" idx="2"/>
           </p:nvPr>
@@ -2288,8 +2384,10 @@
           <a:bodyPr/>
           <a:lstStyle/>
           <a:p>
-            <a:pPr/>
-            <a:fld id="{86CB4B4D-7CA3-9044-876B-883B54F8677D}" type="slidenum"/>
+            <a:fld id="{86CB4B4D-7CA3-9044-876B-883B54F8677D}" type="slidenum">
+              <a:t>‹#›</a:t>
+            </a:fld>
+            <a:endParaRPr/>
           </a:p>
         </p:txBody>
       </p:sp>
@@ -2298,12 +2396,12 @@
   <p:clrMapOvr>
     <a:masterClrMapping/>
   </p:clrMapOvr>
-  <p:transition xmlns:p14="http://schemas.microsoft.com/office/powerpoint/2010/main" spd="med" advClick="1"/>
+  <p:transition spd="med"/>
 </p:sldLayout>
 </file>
 
 <file path=ppt/slideLayouts/slideLayout22.xml><?xml version="1.0" encoding="utf-8"?>
-<p:sldLayout xmlns:a="http://schemas.openxmlformats.org/drawingml/2006/main" xmlns:r="http://schemas.openxmlformats.org/officeDocument/2006/relationships" xmlns:p="http://schemas.openxmlformats.org/presentationml/2006/main" xmlns:m="http://schemas.openxmlformats.org/officeDocument/2006/math" xmlns:a14="http://schemas.microsoft.com/office/drawing/2010/main" type="tx" showMasterSp="1" showMasterPhAnim="1">
+<p:sldLayout xmlns:a="http://schemas.openxmlformats.org/drawingml/2006/main" xmlns:r="http://schemas.openxmlformats.org/officeDocument/2006/relationships" xmlns:p="http://schemas.openxmlformats.org/presentationml/2006/main" type="tx">
   <p:cSld name="BLANK">
     <p:spTree>
       <p:nvGrpSpPr>
@@ -2322,7 +2420,9 @@
       <p:sp>
         <p:nvSpPr>
           <p:cNvPr id="196" name="Slide Number"/>
-          <p:cNvSpPr txBox="1"/>
+          <p:cNvSpPr txBox="1">
+            <a:spLocks noGrp="1"/>
+          </p:cNvSpPr>
           <p:nvPr>
             <p:ph type="sldNum" sz="quarter" idx="2"/>
           </p:nvPr>
@@ -2336,8 +2436,10 @@
           <a:bodyPr/>
           <a:lstStyle/>
           <a:p>
-            <a:pPr/>
-            <a:fld id="{86CB4B4D-7CA3-9044-876B-883B54F8677D}" type="slidenum"/>
+            <a:fld id="{86CB4B4D-7CA3-9044-876B-883B54F8677D}" type="slidenum">
+              <a:t>‹#›</a:t>
+            </a:fld>
+            <a:endParaRPr/>
           </a:p>
         </p:txBody>
       </p:sp>
@@ -2346,12 +2448,12 @@
   <p:clrMapOvr>
     <a:masterClrMapping/>
   </p:clrMapOvr>
-  <p:transition xmlns:p14="http://schemas.microsoft.com/office/powerpoint/2010/main" spd="med" advClick="1"/>
+  <p:transition spd="med"/>
 </p:sldLayout>
 </file>
 
 <file path=ppt/slideLayouts/slideLayout3.xml><?xml version="1.0" encoding="utf-8"?>
-<p:sldLayout xmlns:a="http://schemas.openxmlformats.org/drawingml/2006/main" xmlns:r="http://schemas.openxmlformats.org/officeDocument/2006/relationships" xmlns:p="http://schemas.openxmlformats.org/presentationml/2006/main" xmlns:m="http://schemas.openxmlformats.org/officeDocument/2006/math" xmlns:a14="http://schemas.microsoft.com/office/drawing/2010/main" type="tx" showMasterSp="1" showMasterPhAnim="1">
+<p:sldLayout xmlns:a="http://schemas.openxmlformats.org/drawingml/2006/main" xmlns:r="http://schemas.openxmlformats.org/officeDocument/2006/relationships" xmlns:p="http://schemas.openxmlformats.org/presentationml/2006/main" type="tx">
   <p:cSld name="TITLE_AND_BODY">
     <p:spTree>
       <p:nvGrpSpPr>
@@ -2370,7 +2472,9 @@
       <p:sp>
         <p:nvSpPr>
           <p:cNvPr id="28" name="Title Text"/>
-          <p:cNvSpPr txBox="1"/>
+          <p:cNvSpPr txBox="1">
+            <a:spLocks noGrp="1"/>
+          </p:cNvSpPr>
           <p:nvPr>
             <p:ph type="title"/>
           </p:nvPr>
@@ -2384,7 +2488,6 @@
           <a:bodyPr/>
           <a:lstStyle/>
           <a:p>
-            <a:pPr/>
             <a:r>
               <a:t>Title Text</a:t>
             </a:r>
@@ -2394,7 +2497,9 @@
       <p:sp>
         <p:nvSpPr>
           <p:cNvPr id="29" name="Body Level One…"/>
-          <p:cNvSpPr txBox="1"/>
+          <p:cNvSpPr txBox="1">
+            <a:spLocks noGrp="1"/>
+          </p:cNvSpPr>
           <p:nvPr>
             <p:ph type="body" idx="1"/>
           </p:nvPr>
@@ -2408,7 +2513,6 @@
           <a:bodyPr/>
           <a:lstStyle/>
           <a:p>
-            <a:pPr/>
             <a:r>
               <a:t>Body Level One</a:t>
             </a:r>
@@ -2442,7 +2546,9 @@
       <p:sp>
         <p:nvSpPr>
           <p:cNvPr id="30" name="Slide Number"/>
-          <p:cNvSpPr txBox="1"/>
+          <p:cNvSpPr txBox="1">
+            <a:spLocks noGrp="1"/>
+          </p:cNvSpPr>
           <p:nvPr>
             <p:ph type="sldNum" sz="quarter" idx="2"/>
           </p:nvPr>
@@ -2456,8 +2562,10 @@
           <a:bodyPr/>
           <a:lstStyle/>
           <a:p>
-            <a:pPr/>
-            <a:fld id="{86CB4B4D-7CA3-9044-876B-883B54F8677D}" type="slidenum"/>
+            <a:fld id="{86CB4B4D-7CA3-9044-876B-883B54F8677D}" type="slidenum">
+              <a:t>‹#›</a:t>
+            </a:fld>
+            <a:endParaRPr/>
           </a:p>
         </p:txBody>
       </p:sp>
@@ -2466,12 +2574,12 @@
   <p:clrMapOvr>
     <a:masterClrMapping/>
   </p:clrMapOvr>
-  <p:transition xmlns:p14="http://schemas.microsoft.com/office/powerpoint/2010/main" spd="med" advClick="1"/>
+  <p:transition spd="med"/>
 </p:sldLayout>
 </file>
 
 <file path=ppt/slideLayouts/slideLayout4.xml><?xml version="1.0" encoding="utf-8"?>
-<p:sldLayout xmlns:a="http://schemas.openxmlformats.org/drawingml/2006/main" xmlns:r="http://schemas.openxmlformats.org/officeDocument/2006/relationships" xmlns:p="http://schemas.openxmlformats.org/presentationml/2006/main" xmlns:m="http://schemas.openxmlformats.org/officeDocument/2006/math" xmlns:a14="http://schemas.microsoft.com/office/drawing/2010/main" type="tx" showMasterSp="1" showMasterPhAnim="1">
+<p:sldLayout xmlns:a="http://schemas.openxmlformats.org/drawingml/2006/main" xmlns:r="http://schemas.openxmlformats.org/officeDocument/2006/relationships" xmlns:p="http://schemas.openxmlformats.org/presentationml/2006/main" type="tx">
   <p:cSld name="TITLE_AND_TWO_COLUMNS">
     <p:spTree>
       <p:nvGrpSpPr>
@@ -2490,7 +2598,9 @@
       <p:sp>
         <p:nvSpPr>
           <p:cNvPr id="37" name="Title Text"/>
-          <p:cNvSpPr txBox="1"/>
+          <p:cNvSpPr txBox="1">
+            <a:spLocks noGrp="1"/>
+          </p:cNvSpPr>
           <p:nvPr>
             <p:ph type="title"/>
           </p:nvPr>
@@ -2504,7 +2614,6 @@
           <a:bodyPr/>
           <a:lstStyle/>
           <a:p>
-            <a:pPr/>
             <a:r>
               <a:t>Title Text</a:t>
             </a:r>
@@ -2514,7 +2623,9 @@
       <p:sp>
         <p:nvSpPr>
           <p:cNvPr id="38" name="Body Level One…"/>
-          <p:cNvSpPr txBox="1"/>
+          <p:cNvSpPr txBox="1">
+            <a:spLocks noGrp="1"/>
+          </p:cNvSpPr>
           <p:nvPr>
             <p:ph type="body" sz="half" idx="1"/>
           </p:nvPr>
@@ -2553,7 +2664,6 @@
             </a:lvl5pPr>
           </a:lstStyle>
           <a:p>
-            <a:pPr/>
             <a:r>
               <a:t>Body Level One</a:t>
             </a:r>
@@ -2587,7 +2697,9 @@
       <p:sp>
         <p:nvSpPr>
           <p:cNvPr id="39" name="Google Shape;23;p5"/>
-          <p:cNvSpPr txBox="1"/>
+          <p:cNvSpPr txBox="1">
+            <a:spLocks noGrp="1"/>
+          </p:cNvSpPr>
           <p:nvPr>
             <p:ph type="body" sz="half" idx="21"/>
           </p:nvPr>
@@ -2609,13 +2721,16 @@
               <a:buSzPts val="1400"/>
               <a:defRPr sz="1400"/>
             </a:pPr>
+            <a:endParaRPr/>
           </a:p>
         </p:txBody>
       </p:sp>
       <p:sp>
         <p:nvSpPr>
           <p:cNvPr id="40" name="Slide Number"/>
-          <p:cNvSpPr txBox="1"/>
+          <p:cNvSpPr txBox="1">
+            <a:spLocks noGrp="1"/>
+          </p:cNvSpPr>
           <p:nvPr>
             <p:ph type="sldNum" sz="quarter" idx="2"/>
           </p:nvPr>
@@ -2629,8 +2744,10 @@
           <a:bodyPr/>
           <a:lstStyle/>
           <a:p>
-            <a:pPr/>
-            <a:fld id="{86CB4B4D-7CA3-9044-876B-883B54F8677D}" type="slidenum"/>
+            <a:fld id="{86CB4B4D-7CA3-9044-876B-883B54F8677D}" type="slidenum">
+              <a:t>‹#›</a:t>
+            </a:fld>
+            <a:endParaRPr/>
           </a:p>
         </p:txBody>
       </p:sp>
@@ -2639,12 +2756,12 @@
   <p:clrMapOvr>
     <a:masterClrMapping/>
   </p:clrMapOvr>
-  <p:transition xmlns:p14="http://schemas.microsoft.com/office/powerpoint/2010/main" spd="med" advClick="1"/>
+  <p:transition spd="med"/>
 </p:sldLayout>
 </file>
 
 <file path=ppt/slideLayouts/slideLayout5.xml><?xml version="1.0" encoding="utf-8"?>
-<p:sldLayout xmlns:a="http://schemas.openxmlformats.org/drawingml/2006/main" xmlns:r="http://schemas.openxmlformats.org/officeDocument/2006/relationships" xmlns:p="http://schemas.openxmlformats.org/presentationml/2006/main" xmlns:m="http://schemas.openxmlformats.org/officeDocument/2006/math" xmlns:a14="http://schemas.microsoft.com/office/drawing/2010/main" type="tx" showMasterSp="1" showMasterPhAnim="1">
+<p:sldLayout xmlns:a="http://schemas.openxmlformats.org/drawingml/2006/main" xmlns:r="http://schemas.openxmlformats.org/officeDocument/2006/relationships" xmlns:p="http://schemas.openxmlformats.org/presentationml/2006/main" type="tx">
   <p:cSld name="TITLE_ONLY">
     <p:spTree>
       <p:nvGrpSpPr>
@@ -2663,7 +2780,9 @@
       <p:sp>
         <p:nvSpPr>
           <p:cNvPr id="47" name="Title Text"/>
-          <p:cNvSpPr txBox="1"/>
+          <p:cNvSpPr txBox="1">
+            <a:spLocks noGrp="1"/>
+          </p:cNvSpPr>
           <p:nvPr>
             <p:ph type="title"/>
           </p:nvPr>
@@ -2677,7 +2796,6 @@
           <a:bodyPr/>
           <a:lstStyle/>
           <a:p>
-            <a:pPr/>
             <a:r>
               <a:t>Title Text</a:t>
             </a:r>
@@ -2687,7 +2805,9 @@
       <p:sp>
         <p:nvSpPr>
           <p:cNvPr id="48" name="Slide Number"/>
-          <p:cNvSpPr txBox="1"/>
+          <p:cNvSpPr txBox="1">
+            <a:spLocks noGrp="1"/>
+          </p:cNvSpPr>
           <p:nvPr>
             <p:ph type="sldNum" sz="quarter" idx="2"/>
           </p:nvPr>
@@ -2701,8 +2821,10 @@
           <a:bodyPr/>
           <a:lstStyle/>
           <a:p>
-            <a:pPr/>
-            <a:fld id="{86CB4B4D-7CA3-9044-876B-883B54F8677D}" type="slidenum"/>
+            <a:fld id="{86CB4B4D-7CA3-9044-876B-883B54F8677D}" type="slidenum">
+              <a:t>‹#›</a:t>
+            </a:fld>
+            <a:endParaRPr/>
           </a:p>
         </p:txBody>
       </p:sp>
@@ -2711,12 +2833,12 @@
   <p:clrMapOvr>
     <a:masterClrMapping/>
   </p:clrMapOvr>
-  <p:transition xmlns:p14="http://schemas.microsoft.com/office/powerpoint/2010/main" spd="med" advClick="1"/>
+  <p:transition spd="med"/>
 </p:sldLayout>
 </file>
 
 <file path=ppt/slideLayouts/slideLayout6.xml><?xml version="1.0" encoding="utf-8"?>
-<p:sldLayout xmlns:a="http://schemas.openxmlformats.org/drawingml/2006/main" xmlns:r="http://schemas.openxmlformats.org/officeDocument/2006/relationships" xmlns:p="http://schemas.openxmlformats.org/presentationml/2006/main" xmlns:m="http://schemas.openxmlformats.org/officeDocument/2006/math" xmlns:a14="http://schemas.microsoft.com/office/drawing/2010/main" type="tx" showMasterSp="1" showMasterPhAnim="1">
+<p:sldLayout xmlns:a="http://schemas.openxmlformats.org/drawingml/2006/main" xmlns:r="http://schemas.openxmlformats.org/officeDocument/2006/relationships" xmlns:p="http://schemas.openxmlformats.org/presentationml/2006/main" type="tx">
   <p:cSld name="ONE_COLUMN_TEXT">
     <p:spTree>
       <p:nvGrpSpPr>
@@ -2735,7 +2857,9 @@
       <p:sp>
         <p:nvSpPr>
           <p:cNvPr id="55" name="Title Text"/>
-          <p:cNvSpPr txBox="1"/>
+          <p:cNvSpPr txBox="1">
+            <a:spLocks noGrp="1"/>
+          </p:cNvSpPr>
           <p:nvPr>
             <p:ph type="title"/>
           </p:nvPr>
@@ -2757,7 +2881,6 @@
             </a:lvl1pPr>
           </a:lstStyle>
           <a:p>
-            <a:pPr/>
             <a:r>
               <a:t>Title Text</a:t>
             </a:r>
@@ -2767,7 +2890,9 @@
       <p:sp>
         <p:nvSpPr>
           <p:cNvPr id="56" name="Body Level One…"/>
-          <p:cNvSpPr txBox="1"/>
+          <p:cNvSpPr txBox="1">
+            <a:spLocks noGrp="1"/>
+          </p:cNvSpPr>
           <p:nvPr>
             <p:ph type="body" sz="quarter" idx="1"/>
           </p:nvPr>
@@ -2806,7 +2931,6 @@
             </a:lvl5pPr>
           </a:lstStyle>
           <a:p>
-            <a:pPr/>
             <a:r>
               <a:t>Body Level One</a:t>
             </a:r>
@@ -2840,7 +2964,9 @@
       <p:sp>
         <p:nvSpPr>
           <p:cNvPr id="57" name="Slide Number"/>
-          <p:cNvSpPr txBox="1"/>
+          <p:cNvSpPr txBox="1">
+            <a:spLocks noGrp="1"/>
+          </p:cNvSpPr>
           <p:nvPr>
             <p:ph type="sldNum" sz="quarter" idx="2"/>
           </p:nvPr>
@@ -2854,8 +2980,10 @@
           <a:bodyPr/>
           <a:lstStyle/>
           <a:p>
-            <a:pPr/>
-            <a:fld id="{86CB4B4D-7CA3-9044-876B-883B54F8677D}" type="slidenum"/>
+            <a:fld id="{86CB4B4D-7CA3-9044-876B-883B54F8677D}" type="slidenum">
+              <a:t>‹#›</a:t>
+            </a:fld>
+            <a:endParaRPr/>
           </a:p>
         </p:txBody>
       </p:sp>
@@ -2864,12 +2992,12 @@
   <p:clrMapOvr>
     <a:masterClrMapping/>
   </p:clrMapOvr>
-  <p:transition xmlns:p14="http://schemas.microsoft.com/office/powerpoint/2010/main" spd="med" advClick="1"/>
+  <p:transition spd="med"/>
 </p:sldLayout>
 </file>
 
 <file path=ppt/slideLayouts/slideLayout7.xml><?xml version="1.0" encoding="utf-8"?>
-<p:sldLayout xmlns:a="http://schemas.openxmlformats.org/drawingml/2006/main" xmlns:r="http://schemas.openxmlformats.org/officeDocument/2006/relationships" xmlns:p="http://schemas.openxmlformats.org/presentationml/2006/main" xmlns:m="http://schemas.openxmlformats.org/officeDocument/2006/math" xmlns:a14="http://schemas.microsoft.com/office/drawing/2010/main" type="tx" showMasterSp="1" showMasterPhAnim="1">
+<p:sldLayout xmlns:a="http://schemas.openxmlformats.org/drawingml/2006/main" xmlns:r="http://schemas.openxmlformats.org/officeDocument/2006/relationships" xmlns:p="http://schemas.openxmlformats.org/presentationml/2006/main" type="tx">
   <p:cSld name="MAIN_POINT">
     <p:spTree>
       <p:nvGrpSpPr>
@@ -2888,7 +3016,9 @@
       <p:sp>
         <p:nvSpPr>
           <p:cNvPr id="64" name="Title Text"/>
-          <p:cNvSpPr txBox="1"/>
+          <p:cNvSpPr txBox="1">
+            <a:spLocks noGrp="1"/>
+          </p:cNvSpPr>
           <p:nvPr>
             <p:ph type="title"/>
           </p:nvPr>
@@ -2910,7 +3040,6 @@
             </a:lvl1pPr>
           </a:lstStyle>
           <a:p>
-            <a:pPr/>
             <a:r>
               <a:t>Title Text</a:t>
             </a:r>
@@ -2920,7 +3049,9 @@
       <p:sp>
         <p:nvSpPr>
           <p:cNvPr id="65" name="Slide Number"/>
-          <p:cNvSpPr txBox="1"/>
+          <p:cNvSpPr txBox="1">
+            <a:spLocks noGrp="1"/>
+          </p:cNvSpPr>
           <p:nvPr>
             <p:ph type="sldNum" sz="quarter" idx="2"/>
           </p:nvPr>
@@ -2934,8 +3065,10 @@
           <a:bodyPr/>
           <a:lstStyle/>
           <a:p>
-            <a:pPr/>
-            <a:fld id="{86CB4B4D-7CA3-9044-876B-883B54F8677D}" type="slidenum"/>
+            <a:fld id="{86CB4B4D-7CA3-9044-876B-883B54F8677D}" type="slidenum">
+              <a:t>‹#›</a:t>
+            </a:fld>
+            <a:endParaRPr/>
           </a:p>
         </p:txBody>
       </p:sp>
@@ -2944,12 +3077,12 @@
   <p:clrMapOvr>
     <a:masterClrMapping/>
   </p:clrMapOvr>
-  <p:transition xmlns:p14="http://schemas.microsoft.com/office/powerpoint/2010/main" spd="med" advClick="1"/>
+  <p:transition spd="med"/>
 </p:sldLayout>
 </file>
 
 <file path=ppt/slideLayouts/slideLayout8.xml><?xml version="1.0" encoding="utf-8"?>
-<p:sldLayout xmlns:a="http://schemas.openxmlformats.org/drawingml/2006/main" xmlns:r="http://schemas.openxmlformats.org/officeDocument/2006/relationships" xmlns:p="http://schemas.openxmlformats.org/presentationml/2006/main" xmlns:m="http://schemas.openxmlformats.org/officeDocument/2006/math" xmlns:a14="http://schemas.microsoft.com/office/drawing/2010/main" type="tx" showMasterSp="1" showMasterPhAnim="1">
+<p:sldLayout xmlns:a="http://schemas.openxmlformats.org/drawingml/2006/main" xmlns:r="http://schemas.openxmlformats.org/officeDocument/2006/relationships" xmlns:p="http://schemas.openxmlformats.org/presentationml/2006/main" type="tx">
   <p:cSld name="SECTION_TITLE_AND_DESCRIPTION">
     <p:spTree>
       <p:nvGrpSpPr>
@@ -2990,14 +3123,16 @@
           <a:bodyPr lIns="0" tIns="0" rIns="0" bIns="0" anchor="ctr"/>
           <a:lstStyle/>
           <a:p>
-            <a:pPr/>
+            <a:endParaRPr/>
           </a:p>
         </p:txBody>
       </p:sp>
       <p:sp>
         <p:nvSpPr>
           <p:cNvPr id="73" name="Title Text"/>
-          <p:cNvSpPr txBox="1"/>
+          <p:cNvSpPr txBox="1">
+            <a:spLocks noGrp="1"/>
+          </p:cNvSpPr>
           <p:nvPr>
             <p:ph type="title"/>
           </p:nvPr>
@@ -3019,7 +3154,6 @@
             </a:lvl1pPr>
           </a:lstStyle>
           <a:p>
-            <a:pPr/>
             <a:r>
               <a:t>Title Text</a:t>
             </a:r>
@@ -3029,7 +3163,9 @@
       <p:sp>
         <p:nvSpPr>
           <p:cNvPr id="74" name="Body Level One…"/>
-          <p:cNvSpPr txBox="1"/>
+          <p:cNvSpPr txBox="1">
+            <a:spLocks noGrp="1"/>
+          </p:cNvSpPr>
           <p:nvPr>
             <p:ph type="body" sz="quarter" idx="1"/>
           </p:nvPr>
@@ -3098,7 +3234,6 @@
             </a:lvl5pPr>
           </a:lstStyle>
           <a:p>
-            <a:pPr/>
             <a:r>
               <a:t>Body Level One</a:t>
             </a:r>
@@ -3132,7 +3267,9 @@
       <p:sp>
         <p:nvSpPr>
           <p:cNvPr id="75" name="Google Shape;39;p9"/>
-          <p:cNvSpPr txBox="1"/>
+          <p:cNvSpPr txBox="1">
+            <a:spLocks noGrp="1"/>
+          </p:cNvSpPr>
           <p:nvPr>
             <p:ph type="body" sz="half" idx="21"/>
           </p:nvPr>
@@ -3150,14 +3287,16 @@
           <a:bodyPr anchor="ctr"/>
           <a:lstStyle/>
           <a:p>
-            <a:pPr/>
+            <a:endParaRPr/>
           </a:p>
         </p:txBody>
       </p:sp>
       <p:sp>
         <p:nvSpPr>
           <p:cNvPr id="76" name="Slide Number"/>
-          <p:cNvSpPr txBox="1"/>
+          <p:cNvSpPr txBox="1">
+            <a:spLocks noGrp="1"/>
+          </p:cNvSpPr>
           <p:nvPr>
             <p:ph type="sldNum" sz="quarter" idx="2"/>
           </p:nvPr>
@@ -3171,8 +3310,10 @@
           <a:bodyPr/>
           <a:lstStyle/>
           <a:p>
-            <a:pPr/>
-            <a:fld id="{86CB4B4D-7CA3-9044-876B-883B54F8677D}" type="slidenum"/>
+            <a:fld id="{86CB4B4D-7CA3-9044-876B-883B54F8677D}" type="slidenum">
+              <a:t>‹#›</a:t>
+            </a:fld>
+            <a:endParaRPr/>
           </a:p>
         </p:txBody>
       </p:sp>
@@ -3181,12 +3322,12 @@
   <p:clrMapOvr>
     <a:masterClrMapping/>
   </p:clrMapOvr>
-  <p:transition xmlns:p14="http://schemas.microsoft.com/office/powerpoint/2010/main" spd="med" advClick="1"/>
+  <p:transition spd="med"/>
 </p:sldLayout>
 </file>
 
 <file path=ppt/slideLayouts/slideLayout9.xml><?xml version="1.0" encoding="utf-8"?>
-<p:sldLayout xmlns:a="http://schemas.openxmlformats.org/drawingml/2006/main" xmlns:r="http://schemas.openxmlformats.org/officeDocument/2006/relationships" xmlns:p="http://schemas.openxmlformats.org/presentationml/2006/main" xmlns:m="http://schemas.openxmlformats.org/officeDocument/2006/math" xmlns:a14="http://schemas.microsoft.com/office/drawing/2010/main" type="tx" showMasterSp="1" showMasterPhAnim="1">
+<p:sldLayout xmlns:a="http://schemas.openxmlformats.org/drawingml/2006/main" xmlns:r="http://schemas.openxmlformats.org/officeDocument/2006/relationships" xmlns:p="http://schemas.openxmlformats.org/presentationml/2006/main" type="tx">
   <p:cSld name="CAPTION_ONLY">
     <p:spTree>
       <p:nvGrpSpPr>
@@ -3205,7 +3346,9 @@
       <p:sp>
         <p:nvSpPr>
           <p:cNvPr id="83" name="Body Level One…"/>
-          <p:cNvSpPr txBox="1"/>
+          <p:cNvSpPr txBox="1">
+            <a:spLocks noGrp="1"/>
+          </p:cNvSpPr>
           <p:nvPr>
             <p:ph type="body" sz="quarter" idx="1"/>
           </p:nvPr>
@@ -3261,7 +3404,6 @@
             </a:lvl5pPr>
           </a:lstStyle>
           <a:p>
-            <a:pPr/>
             <a:r>
               <a:t>Body Level One</a:t>
             </a:r>
@@ -3295,7 +3437,9 @@
       <p:sp>
         <p:nvSpPr>
           <p:cNvPr id="84" name="Slide Number"/>
-          <p:cNvSpPr txBox="1"/>
+          <p:cNvSpPr txBox="1">
+            <a:spLocks noGrp="1"/>
+          </p:cNvSpPr>
           <p:nvPr>
             <p:ph type="sldNum" sz="quarter" idx="2"/>
           </p:nvPr>
@@ -3309,8 +3453,10 @@
           <a:bodyPr/>
           <a:lstStyle/>
           <a:p>
-            <a:pPr/>
-            <a:fld id="{86CB4B4D-7CA3-9044-876B-883B54F8677D}" type="slidenum"/>
+            <a:fld id="{86CB4B4D-7CA3-9044-876B-883B54F8677D}" type="slidenum">
+              <a:t>‹#›</a:t>
+            </a:fld>
+            <a:endParaRPr/>
           </a:p>
         </p:txBody>
       </p:sp>
@@ -3319,18 +3465,19 @@
   <p:clrMapOvr>
     <a:masterClrMapping/>
   </p:clrMapOvr>
-  <p:transition xmlns:p14="http://schemas.microsoft.com/office/powerpoint/2010/main" spd="med" advClick="1"/>
+  <p:transition spd="med"/>
 </p:sldLayout>
 </file>
 
 <file path=ppt/slideMasters/slideMaster1.xml><?xml version="1.0" encoding="utf-8"?>
-<p:sldMaster xmlns:a="http://schemas.openxmlformats.org/drawingml/2006/main" xmlns:r="http://schemas.openxmlformats.org/officeDocument/2006/relationships" xmlns:p="http://schemas.openxmlformats.org/presentationml/2006/main" xmlns:m="http://schemas.openxmlformats.org/officeDocument/2006/math" xmlns:a14="http://schemas.microsoft.com/office/drawing/2010/main">
+<p:sldMaster xmlns:a="http://schemas.openxmlformats.org/drawingml/2006/main" xmlns:r="http://schemas.openxmlformats.org/officeDocument/2006/relationships" xmlns:p="http://schemas.openxmlformats.org/presentationml/2006/main">
   <p:cSld>
     <p:bg>
       <p:bgPr>
         <a:solidFill>
           <a:srgbClr val="FFFFFF"/>
         </a:solidFill>
+        <a:effectLst/>
       </p:bgPr>
     </p:bg>
     <p:spTree>
@@ -3350,7 +3497,9 @@
       <p:sp>
         <p:nvSpPr>
           <p:cNvPr id="2" name="Title Text"/>
-          <p:cNvSpPr txBox="1"/>
+          <p:cNvSpPr txBox="1">
+            <a:spLocks noGrp="1"/>
+          </p:cNvSpPr>
           <p:nvPr>
             <p:ph type="title"/>
           </p:nvPr>
@@ -3368,17 +3517,16 @@
           </a:ln>
           <a:extLst>
             <a:ext uri="{C572A759-6A51-4108-AA02-DFA0A04FC94B}">
-              <ma14:wrappingTextBoxFlag xmlns:ma14="http://schemas.microsoft.com/office/mac/drawingml/2011/main" val="1"/>
+              <ma14:wrappingTextBoxFlag xmlns="" xmlns:m="http://schemas.openxmlformats.org/officeDocument/2006/math" xmlns:a14="http://schemas.microsoft.com/office/drawing/2010/main" xmlns:ma14="http://schemas.microsoft.com/office/mac/drawingml/2011/main" val="1"/>
             </a:ext>
           </a:extLst>
         </p:spPr>
         <p:txBody>
           <a:bodyPr lIns="91424" tIns="91424" rIns="91424" bIns="91424">
-            <a:normAutofit fontScale="100000" lnSpcReduction="0"/>
+            <a:normAutofit/>
           </a:bodyPr>
           <a:lstStyle/>
           <a:p>
-            <a:pPr/>
             <a:r>
               <a:t>Title Text</a:t>
             </a:r>
@@ -3388,7 +3536,9 @@
       <p:sp>
         <p:nvSpPr>
           <p:cNvPr id="3" name="Body Level One…"/>
-          <p:cNvSpPr txBox="1"/>
+          <p:cNvSpPr txBox="1">
+            <a:spLocks noGrp="1"/>
+          </p:cNvSpPr>
           <p:nvPr>
             <p:ph type="body" idx="1"/>
           </p:nvPr>
@@ -3406,17 +3556,16 @@
           </a:ln>
           <a:extLst>
             <a:ext uri="{C572A759-6A51-4108-AA02-DFA0A04FC94B}">
-              <ma14:wrappingTextBoxFlag xmlns:ma14="http://schemas.microsoft.com/office/mac/drawingml/2011/main" val="1"/>
+              <ma14:wrappingTextBoxFlag xmlns="" xmlns:m="http://schemas.openxmlformats.org/officeDocument/2006/math" xmlns:a14="http://schemas.microsoft.com/office/drawing/2010/main" xmlns:ma14="http://schemas.microsoft.com/office/mac/drawingml/2011/main" val="1"/>
             </a:ext>
           </a:extLst>
         </p:spPr>
         <p:txBody>
           <a:bodyPr lIns="91424" tIns="91424" rIns="91424" bIns="91424">
-            <a:normAutofit fontScale="100000" lnSpcReduction="0"/>
+            <a:normAutofit/>
           </a:bodyPr>
           <a:lstStyle/>
           <a:p>
-            <a:pPr/>
             <a:r>
               <a:t>Body Level One</a:t>
             </a:r>
@@ -3450,7 +3599,9 @@
       <p:sp>
         <p:nvSpPr>
           <p:cNvPr id="4" name="Slide Number"/>
-          <p:cNvSpPr txBox="1"/>
+          <p:cNvSpPr txBox="1">
+            <a:spLocks noGrp="1"/>
+          </p:cNvSpPr>
           <p:nvPr>
             <p:ph type="sldNum" sz="quarter" idx="2"/>
           </p:nvPr>
@@ -3483,8 +3634,10 @@
             </a:lvl1pPr>
           </a:lstStyle>
           <a:p>
-            <a:pPr/>
-            <a:fld id="{86CB4B4D-7CA3-9044-876B-883B54F8677D}" type="slidenum"/>
+            <a:fld id="{86CB4B4D-7CA3-9044-876B-883B54F8677D}" type="slidenum">
+              <a:t>‹#›</a:t>
+            </a:fld>
+            <a:endParaRPr/>
           </a:p>
         </p:txBody>
       </p:sp>
@@ -3492,30 +3645,30 @@
   </p:cSld>
   <p:clrMap bg1="lt1" tx1="dk1" bg2="lt2" tx2="dk2" accent1="accent1" accent2="accent2" accent3="accent3" accent4="accent4" accent5="accent5" accent6="accent6" hlink="hlink" folHlink="folHlink"/>
   <p:sldLayoutIdLst>
-    <p:sldLayoutId id="2147483649" r:id="rId2"/>
-    <p:sldLayoutId id="2147483650" r:id="rId3"/>
-    <p:sldLayoutId id="2147483651" r:id="rId4"/>
-    <p:sldLayoutId id="2147483652" r:id="rId5"/>
-    <p:sldLayoutId id="2147483653" r:id="rId6"/>
-    <p:sldLayoutId id="2147483654" r:id="rId7"/>
-    <p:sldLayoutId id="2147483655" r:id="rId8"/>
-    <p:sldLayoutId id="2147483656" r:id="rId9"/>
-    <p:sldLayoutId id="2147483657" r:id="rId10"/>
-    <p:sldLayoutId id="2147483658" r:id="rId11"/>
-    <p:sldLayoutId id="2147483659" r:id="rId12"/>
-    <p:sldLayoutId id="2147483660" r:id="rId13"/>
-    <p:sldLayoutId id="2147483661" r:id="rId14"/>
-    <p:sldLayoutId id="2147483662" r:id="rId15"/>
-    <p:sldLayoutId id="2147483663" r:id="rId16"/>
-    <p:sldLayoutId id="2147483664" r:id="rId17"/>
-    <p:sldLayoutId id="2147483665" r:id="rId18"/>
-    <p:sldLayoutId id="2147483666" r:id="rId19"/>
-    <p:sldLayoutId id="2147483667" r:id="rId20"/>
-    <p:sldLayoutId id="2147483668" r:id="rId21"/>
-    <p:sldLayoutId id="2147483669" r:id="rId22"/>
-    <p:sldLayoutId id="2147483670" r:id="rId23"/>
+    <p:sldLayoutId id="2147483649" r:id="rId1"/>
+    <p:sldLayoutId id="2147483650" r:id="rId2"/>
+    <p:sldLayoutId id="2147483651" r:id="rId3"/>
+    <p:sldLayoutId id="2147483652" r:id="rId4"/>
+    <p:sldLayoutId id="2147483653" r:id="rId5"/>
+    <p:sldLayoutId id="2147483654" r:id="rId6"/>
+    <p:sldLayoutId id="2147483655" r:id="rId7"/>
+    <p:sldLayoutId id="2147483656" r:id="rId8"/>
+    <p:sldLayoutId id="2147483657" r:id="rId9"/>
+    <p:sldLayoutId id="2147483658" r:id="rId10"/>
+    <p:sldLayoutId id="2147483659" r:id="rId11"/>
+    <p:sldLayoutId id="2147483660" r:id="rId12"/>
+    <p:sldLayoutId id="2147483661" r:id="rId13"/>
+    <p:sldLayoutId id="2147483662" r:id="rId14"/>
+    <p:sldLayoutId id="2147483663" r:id="rId15"/>
+    <p:sldLayoutId id="2147483664" r:id="rId16"/>
+    <p:sldLayoutId id="2147483665" r:id="rId17"/>
+    <p:sldLayoutId id="2147483666" r:id="rId18"/>
+    <p:sldLayoutId id="2147483667" r:id="rId19"/>
+    <p:sldLayoutId id="2147483668" r:id="rId20"/>
+    <p:sldLayoutId id="2147483669" r:id="rId21"/>
+    <p:sldLayoutId id="2147483670" r:id="rId22"/>
   </p:sldLayoutIdLst>
-  <p:transition xmlns:p14="http://schemas.microsoft.com/office/powerpoint/2010/main" spd="med" advClick="1"/>
+  <p:transition spd="med"/>
   <p:txStyles>
     <p:titleStyle>
       <a:lvl1pPr marL="0" marR="0" indent="0" algn="l" defTabSz="914400" rtl="0" latinLnBrk="0">
@@ -3533,7 +3686,7 @@
         <a:buFontTx/>
         <a:buNone/>
         <a:tabLst/>
-        <a:defRPr b="0" baseline="0" cap="none" i="0" spc="0" strike="noStrike" sz="2800" u="none">
+        <a:defRPr sz="2800" b="0" i="0" u="none" strike="noStrike" cap="none" spc="0" baseline="0">
           <a:solidFill>
             <a:srgbClr val="000000"/>
           </a:solidFill>
@@ -3559,7 +3712,7 @@
         <a:buFontTx/>
         <a:buNone/>
         <a:tabLst/>
-        <a:defRPr b="0" baseline="0" cap="none" i="0" spc="0" strike="noStrike" sz="2800" u="none">
+        <a:defRPr sz="2800" b="0" i="0" u="none" strike="noStrike" cap="none" spc="0" baseline="0">
           <a:solidFill>
             <a:srgbClr val="000000"/>
           </a:solidFill>
@@ -3585,7 +3738,7 @@
         <a:buFontTx/>
         <a:buNone/>
         <a:tabLst/>
-        <a:defRPr b="0" baseline="0" cap="none" i="0" spc="0" strike="noStrike" sz="2800" u="none">
+        <a:defRPr sz="2800" b="0" i="0" u="none" strike="noStrike" cap="none" spc="0" baseline="0">
           <a:solidFill>
             <a:srgbClr val="000000"/>
           </a:solidFill>
@@ -3611,7 +3764,7 @@
         <a:buFontTx/>
         <a:buNone/>
         <a:tabLst/>
-        <a:defRPr b="0" baseline="0" cap="none" i="0" spc="0" strike="noStrike" sz="2800" u="none">
+        <a:defRPr sz="2800" b="0" i="0" u="none" strike="noStrike" cap="none" spc="0" baseline="0">
           <a:solidFill>
             <a:srgbClr val="000000"/>
           </a:solidFill>
@@ -3637,7 +3790,7 @@
         <a:buFontTx/>
         <a:buNone/>
         <a:tabLst/>
-        <a:defRPr b="0" baseline="0" cap="none" i="0" spc="0" strike="noStrike" sz="2800" u="none">
+        <a:defRPr sz="2800" b="0" i="0" u="none" strike="noStrike" cap="none" spc="0" baseline="0">
           <a:solidFill>
             <a:srgbClr val="000000"/>
           </a:solidFill>
@@ -3663,7 +3816,7 @@
         <a:buFontTx/>
         <a:buNone/>
         <a:tabLst/>
-        <a:defRPr b="0" baseline="0" cap="none" i="0" spc="0" strike="noStrike" sz="2800" u="none">
+        <a:defRPr sz="2800" b="0" i="0" u="none" strike="noStrike" cap="none" spc="0" baseline="0">
           <a:solidFill>
             <a:srgbClr val="000000"/>
           </a:solidFill>
@@ -3689,7 +3842,7 @@
         <a:buFontTx/>
         <a:buNone/>
         <a:tabLst/>
-        <a:defRPr b="0" baseline="0" cap="none" i="0" spc="0" strike="noStrike" sz="2800" u="none">
+        <a:defRPr sz="2800" b="0" i="0" u="none" strike="noStrike" cap="none" spc="0" baseline="0">
           <a:solidFill>
             <a:srgbClr val="000000"/>
           </a:solidFill>
@@ -3715,7 +3868,7 @@
         <a:buFontTx/>
         <a:buNone/>
         <a:tabLst/>
-        <a:defRPr b="0" baseline="0" cap="none" i="0" spc="0" strike="noStrike" sz="2800" u="none">
+        <a:defRPr sz="2800" b="0" i="0" u="none" strike="noStrike" cap="none" spc="0" baseline="0">
           <a:solidFill>
             <a:srgbClr val="000000"/>
           </a:solidFill>
@@ -3741,7 +3894,7 @@
         <a:buFontTx/>
         <a:buNone/>
         <a:tabLst/>
-        <a:defRPr b="0" baseline="0" cap="none" i="0" spc="0" strike="noStrike" sz="2800" u="none">
+        <a:defRPr sz="2800" b="0" i="0" u="none" strike="noStrike" cap="none" spc="0" baseline="0">
           <a:solidFill>
             <a:srgbClr val="000000"/>
           </a:solidFill>
@@ -3773,7 +3926,7 @@
         <a:buFont typeface="Arial"/>
         <a:buChar char="●"/>
         <a:tabLst/>
-        <a:defRPr b="0" baseline="0" cap="none" i="0" spc="0" strike="noStrike" sz="1800" u="none">
+        <a:defRPr sz="1800" b="0" i="0" u="none" strike="noStrike" cap="none" spc="0" baseline="0">
           <a:solidFill>
             <a:schemeClr val="accent2">
               <a:lumOff val="21764"/>
@@ -3805,7 +3958,7 @@
         <a:buFont typeface="Arial"/>
         <a:buChar char="○"/>
         <a:tabLst/>
-        <a:defRPr b="0" baseline="0" cap="none" i="0" spc="0" strike="noStrike" sz="1800" u="none">
+        <a:defRPr sz="1800" b="0" i="0" u="none" strike="noStrike" cap="none" spc="0" baseline="0">
           <a:solidFill>
             <a:schemeClr val="accent2">
               <a:lumOff val="21764"/>
@@ -3837,7 +3990,7 @@
         <a:buFont typeface="Arial"/>
         <a:buChar char="■"/>
         <a:tabLst/>
-        <a:defRPr b="0" baseline="0" cap="none" i="0" spc="0" strike="noStrike" sz="1800" u="none">
+        <a:defRPr sz="1800" b="0" i="0" u="none" strike="noStrike" cap="none" spc="0" baseline="0">
           <a:solidFill>
             <a:schemeClr val="accent2">
               <a:lumOff val="21764"/>
@@ -3869,7 +4022,7 @@
         <a:buFont typeface="Arial"/>
         <a:buChar char="●"/>
         <a:tabLst/>
-        <a:defRPr b="0" baseline="0" cap="none" i="0" spc="0" strike="noStrike" sz="1800" u="none">
+        <a:defRPr sz="1800" b="0" i="0" u="none" strike="noStrike" cap="none" spc="0" baseline="0">
           <a:solidFill>
             <a:schemeClr val="accent2">
               <a:lumOff val="21764"/>
@@ -3901,7 +4054,7 @@
         <a:buFont typeface="Arial"/>
         <a:buChar char="○"/>
         <a:tabLst/>
-        <a:defRPr b="0" baseline="0" cap="none" i="0" spc="0" strike="noStrike" sz="1800" u="none">
+        <a:defRPr sz="1800" b="0" i="0" u="none" strike="noStrike" cap="none" spc="0" baseline="0">
           <a:solidFill>
             <a:schemeClr val="accent2">
               <a:lumOff val="21764"/>
@@ -3933,7 +4086,7 @@
         <a:buFont typeface="Arial"/>
         <a:buChar char="■"/>
         <a:tabLst/>
-        <a:defRPr b="0" baseline="0" cap="none" i="0" spc="0" strike="noStrike" sz="1800" u="none">
+        <a:defRPr sz="1800" b="0" i="0" u="none" strike="noStrike" cap="none" spc="0" baseline="0">
           <a:solidFill>
             <a:schemeClr val="accent2">
               <a:lumOff val="21764"/>
@@ -3965,7 +4118,7 @@
         <a:buFont typeface="Arial"/>
         <a:buChar char="●"/>
         <a:tabLst/>
-        <a:defRPr b="0" baseline="0" cap="none" i="0" spc="0" strike="noStrike" sz="1800" u="none">
+        <a:defRPr sz="1800" b="0" i="0" u="none" strike="noStrike" cap="none" spc="0" baseline="0">
           <a:solidFill>
             <a:schemeClr val="accent2">
               <a:lumOff val="21764"/>
@@ -3997,7 +4150,7 @@
         <a:buFont typeface="Arial"/>
         <a:buChar char="○"/>
         <a:tabLst/>
-        <a:defRPr b="0" baseline="0" cap="none" i="0" spc="0" strike="noStrike" sz="1800" u="none">
+        <a:defRPr sz="1800" b="0" i="0" u="none" strike="noStrike" cap="none" spc="0" baseline="0">
           <a:solidFill>
             <a:schemeClr val="accent2">
               <a:lumOff val="21764"/>
@@ -4029,7 +4182,7 @@
         <a:buFont typeface="Arial"/>
         <a:buChar char="■"/>
         <a:tabLst/>
-        <a:defRPr b="0" baseline="0" cap="none" i="0" spc="0" strike="noStrike" sz="1800" u="none">
+        <a:defRPr sz="1800" b="0" i="0" u="none" strike="noStrike" cap="none" spc="0" baseline="0">
           <a:solidFill>
             <a:schemeClr val="accent2">
               <a:lumOff val="21764"/>
@@ -4059,7 +4212,7 @@
         <a:buFontTx/>
         <a:buNone/>
         <a:tabLst/>
-        <a:defRPr b="0" baseline="0" cap="none" i="0" spc="0" strike="noStrike" sz="1000" u="none">
+        <a:defRPr sz="1000" b="0" i="0" u="none" strike="noStrike" cap="none" spc="0" baseline="0">
           <a:solidFill>
             <a:schemeClr val="tx1"/>
           </a:solidFill>
@@ -4085,7 +4238,7 @@
         <a:buFontTx/>
         <a:buNone/>
         <a:tabLst/>
-        <a:defRPr b="0" baseline="0" cap="none" i="0" spc="0" strike="noStrike" sz="1000" u="none">
+        <a:defRPr sz="1000" b="0" i="0" u="none" strike="noStrike" cap="none" spc="0" baseline="0">
           <a:solidFill>
             <a:schemeClr val="tx1"/>
           </a:solidFill>
@@ -4111,7 +4264,7 @@
         <a:buFontTx/>
         <a:buNone/>
         <a:tabLst/>
-        <a:defRPr b="0" baseline="0" cap="none" i="0" spc="0" strike="noStrike" sz="1000" u="none">
+        <a:defRPr sz="1000" b="0" i="0" u="none" strike="noStrike" cap="none" spc="0" baseline="0">
           <a:solidFill>
             <a:schemeClr val="tx1"/>
           </a:solidFill>
@@ -4137,7 +4290,7 @@
         <a:buFontTx/>
         <a:buNone/>
         <a:tabLst/>
-        <a:defRPr b="0" baseline="0" cap="none" i="0" spc="0" strike="noStrike" sz="1000" u="none">
+        <a:defRPr sz="1000" b="0" i="0" u="none" strike="noStrike" cap="none" spc="0" baseline="0">
           <a:solidFill>
             <a:schemeClr val="tx1"/>
           </a:solidFill>
@@ -4163,7 +4316,7 @@
         <a:buFontTx/>
         <a:buNone/>
         <a:tabLst/>
-        <a:defRPr b="0" baseline="0" cap="none" i="0" spc="0" strike="noStrike" sz="1000" u="none">
+        <a:defRPr sz="1000" b="0" i="0" u="none" strike="noStrike" cap="none" spc="0" baseline="0">
           <a:solidFill>
             <a:schemeClr val="tx1"/>
           </a:solidFill>
@@ -4189,7 +4342,7 @@
         <a:buFontTx/>
         <a:buNone/>
         <a:tabLst/>
-        <a:defRPr b="0" baseline="0" cap="none" i="0" spc="0" strike="noStrike" sz="1000" u="none">
+        <a:defRPr sz="1000" b="0" i="0" u="none" strike="noStrike" cap="none" spc="0" baseline="0">
           <a:solidFill>
             <a:schemeClr val="tx1"/>
           </a:solidFill>
@@ -4215,7 +4368,7 @@
         <a:buFontTx/>
         <a:buNone/>
         <a:tabLst/>
-        <a:defRPr b="0" baseline="0" cap="none" i="0" spc="0" strike="noStrike" sz="1000" u="none">
+        <a:defRPr sz="1000" b="0" i="0" u="none" strike="noStrike" cap="none" spc="0" baseline="0">
           <a:solidFill>
             <a:schemeClr val="tx1"/>
           </a:solidFill>
@@ -4241,7 +4394,7 @@
         <a:buFontTx/>
         <a:buNone/>
         <a:tabLst/>
-        <a:defRPr b="0" baseline="0" cap="none" i="0" spc="0" strike="noStrike" sz="1000" u="none">
+        <a:defRPr sz="1000" b="0" i="0" u="none" strike="noStrike" cap="none" spc="0" baseline="0">
           <a:solidFill>
             <a:schemeClr val="tx1"/>
           </a:solidFill>
@@ -4267,7 +4420,7 @@
         <a:buFontTx/>
         <a:buNone/>
         <a:tabLst/>
-        <a:defRPr b="0" baseline="0" cap="none" i="0" spc="0" strike="noStrike" sz="1000" u="none">
+        <a:defRPr sz="1000" b="0" i="0" u="none" strike="noStrike" cap="none" spc="0" baseline="0">
           <a:solidFill>
             <a:schemeClr val="tx1"/>
           </a:solidFill>
@@ -4284,7 +4437,7 @@
 </file>
 
 <file path=ppt/slides/slide1.xml><?xml version="1.0" encoding="utf-8"?>
-<p:sld xmlns:a="http://schemas.openxmlformats.org/drawingml/2006/main" xmlns:r="http://schemas.openxmlformats.org/officeDocument/2006/relationships" xmlns:p="http://schemas.openxmlformats.org/presentationml/2006/main" xmlns:m="http://schemas.openxmlformats.org/officeDocument/2006/math" xmlns:a14="http://schemas.microsoft.com/office/drawing/2010/main" showMasterSp="1" showMasterPhAnim="1">
+<p:sld xmlns:a="http://schemas.openxmlformats.org/drawingml/2006/main" xmlns:r="http://schemas.openxmlformats.org/officeDocument/2006/relationships" xmlns:p="http://schemas.openxmlformats.org/presentationml/2006/main">
   <p:cSld>
     <p:spTree>
       <p:nvGrpSpPr>
@@ -4303,7 +4456,9 @@
       <p:sp>
         <p:nvSpPr>
           <p:cNvPr id="205" name="Google Shape;99;p25"/>
-          <p:cNvSpPr txBox="1"/>
+          <p:cNvSpPr txBox="1">
+            <a:spLocks noGrp="1"/>
+          </p:cNvSpPr>
           <p:nvPr>
             <p:ph type="title"/>
           </p:nvPr>
@@ -4321,7 +4476,6 @@
           <a:bodyPr/>
           <a:lstStyle/>
           <a:p>
-            <a:pPr/>
             <a:r>
               <a:t>CS 6476 Project 1</a:t>
             </a:r>
@@ -4331,7 +4485,9 @@
       <p:sp>
         <p:nvSpPr>
           <p:cNvPr id="206" name="Google Shape;100;p25"/>
-          <p:cNvSpPr txBox="1"/>
+          <p:cNvSpPr txBox="1">
+            <a:spLocks noGrp="1"/>
+          </p:cNvSpPr>
           <p:nvPr>
             <p:ph type="body" sz="half" idx="1"/>
           </p:nvPr>
@@ -4346,7 +4502,9 @@
           </a:prstGeom>
         </p:spPr>
         <p:txBody>
-          <a:bodyPr/>
+          <a:bodyPr>
+            <a:normAutofit lnSpcReduction="10000"/>
+          </a:bodyPr>
           <a:lstStyle/>
           <a:p>
             <a:pPr marL="0" indent="0"/>
@@ -4379,12 +4537,12 @@
   <p:clrMapOvr>
     <a:masterClrMapping/>
   </p:clrMapOvr>
-  <p:transition xmlns:p14="http://schemas.microsoft.com/office/powerpoint/2010/main" spd="med" advClick="1"/>
+  <p:transition spd="med"/>
 </p:sld>
 </file>
 
 <file path=ppt/slides/slide10.xml><?xml version="1.0" encoding="utf-8"?>
-<p:sld xmlns:a="http://schemas.openxmlformats.org/drawingml/2006/main" xmlns:r="http://schemas.openxmlformats.org/officeDocument/2006/relationships" xmlns:p="http://schemas.openxmlformats.org/presentationml/2006/main" xmlns:m="http://schemas.openxmlformats.org/officeDocument/2006/math" xmlns:a14="http://schemas.microsoft.com/office/drawing/2010/main" showMasterSp="1" showMasterPhAnim="1">
+<p:sld xmlns:a="http://schemas.openxmlformats.org/drawingml/2006/main" xmlns:r="http://schemas.openxmlformats.org/officeDocument/2006/relationships" xmlns:p="http://schemas.openxmlformats.org/presentationml/2006/main">
   <p:cSld>
     <p:spTree>
       <p:nvGrpSpPr>
@@ -4403,7 +4561,9 @@
       <p:sp>
         <p:nvSpPr>
           <p:cNvPr id="240" name="Google Shape;161;p34"/>
-          <p:cNvSpPr txBox="1"/>
+          <p:cNvSpPr txBox="1">
+            <a:spLocks noGrp="1"/>
+          </p:cNvSpPr>
           <p:nvPr>
             <p:ph type="title"/>
           </p:nvPr>
@@ -4418,14 +4578,15 @@
           </a:prstGeom>
         </p:spPr>
         <p:txBody>
-          <a:bodyPr/>
+          <a:bodyPr>
+            <a:normAutofit fontScale="90000"/>
+          </a:bodyPr>
           <a:lstStyle>
             <a:lvl1pPr defTabSz="877823">
               <a:defRPr sz="2688"/>
             </a:lvl1pPr>
           </a:lstStyle>
           <a:p>
-            <a:pPr/>
             <a:r>
               <a:t>Part 2: Hybrid images with PyTorch</a:t>
             </a:r>
@@ -4435,7 +4596,9 @@
       <p:sp>
         <p:nvSpPr>
           <p:cNvPr id="241" name="Google Shape;162;p34"/>
-          <p:cNvSpPr txBox="1"/>
+          <p:cNvSpPr txBox="1">
+            <a:spLocks noGrp="1"/>
+          </p:cNvSpPr>
           <p:nvPr>
             <p:ph type="body" sz="half" idx="1"/>
           </p:nvPr>
@@ -4479,7 +4642,9 @@
       <p:sp>
         <p:nvSpPr>
           <p:cNvPr id="242" name="Google Shape;163;p34"/>
-          <p:cNvSpPr txBox="1"/>
+          <p:cNvSpPr txBox="1">
+            <a:spLocks noGrp="1"/>
+          </p:cNvSpPr>
           <p:nvPr>
             <p:ph type="body" idx="21"/>
           </p:nvPr>
@@ -4490,7 +4655,7 @@
           </a:prstGeom>
           <a:extLst>
             <a:ext uri="{C572A759-6A51-4108-AA02-DFA0A04FC94B}">
-              <ma14:wrappingTextBoxFlag xmlns:ma14="http://schemas.microsoft.com/office/mac/drawingml/2011/main" val="1"/>
+              <ma14:wrappingTextBoxFlag xmlns="" xmlns:m="http://schemas.openxmlformats.org/officeDocument/2006/math" xmlns:a14="http://schemas.microsoft.com/office/drawing/2010/main" xmlns:ma14="http://schemas.microsoft.com/office/mac/drawingml/2011/main" val="1"/>
             </a:ext>
           </a:extLst>
         </p:spPr>
@@ -4501,7 +4666,7 @@
             <a:pPr marL="0" indent="0">
               <a:buSzTx/>
               <a:buNone/>
-              <a:defRPr b="1" sz="1400"/>
+              <a:defRPr sz="1400" b="1"/>
             </a:pPr>
             <a:r>
               <a:t>Part 1 vs. Part 2</a:t>
@@ -4527,12 +4692,12 @@
   <p:clrMapOvr>
     <a:masterClrMapping/>
   </p:clrMapOvr>
-  <p:transition xmlns:p14="http://schemas.microsoft.com/office/powerpoint/2010/main" spd="med" advClick="1"/>
+  <p:transition spd="med"/>
 </p:sld>
 </file>
 
 <file path=ppt/slides/slide11.xml><?xml version="1.0" encoding="utf-8"?>
-<p:sld xmlns:a="http://schemas.openxmlformats.org/drawingml/2006/main" xmlns:r="http://schemas.openxmlformats.org/officeDocument/2006/relationships" xmlns:p="http://schemas.openxmlformats.org/presentationml/2006/main" xmlns:m="http://schemas.openxmlformats.org/officeDocument/2006/math" xmlns:a14="http://schemas.microsoft.com/office/drawing/2010/main" showMasterSp="1" showMasterPhAnim="1">
+<p:sld xmlns:a="http://schemas.openxmlformats.org/drawingml/2006/main" xmlns:r="http://schemas.openxmlformats.org/officeDocument/2006/relationships" xmlns:p="http://schemas.openxmlformats.org/presentationml/2006/main">
   <p:cSld>
     <p:spTree>
       <p:nvGrpSpPr>
@@ -4551,7 +4716,9 @@
       <p:sp>
         <p:nvSpPr>
           <p:cNvPr id="244" name="Google Shape;168;p35"/>
-          <p:cNvSpPr txBox="1"/>
+          <p:cNvSpPr txBox="1">
+            <a:spLocks noGrp="1"/>
+          </p:cNvSpPr>
           <p:nvPr>
             <p:ph type="title"/>
           </p:nvPr>
@@ -4566,14 +4733,15 @@
           </a:prstGeom>
         </p:spPr>
         <p:txBody>
-          <a:bodyPr/>
+          <a:bodyPr>
+            <a:normAutofit fontScale="90000"/>
+          </a:bodyPr>
           <a:lstStyle>
             <a:lvl1pPr defTabSz="877823">
               <a:defRPr sz="2688"/>
             </a:lvl1pPr>
           </a:lstStyle>
           <a:p>
-            <a:pPr/>
             <a:r>
               <a:t>Part 3</a:t>
             </a:r>
@@ -4583,7 +4751,9 @@
       <p:sp>
         <p:nvSpPr>
           <p:cNvPr id="245" name="Google Shape;169;p35"/>
-          <p:cNvSpPr txBox="1"/>
+          <p:cNvSpPr txBox="1">
+            <a:spLocks noGrp="1"/>
+          </p:cNvSpPr>
           <p:nvPr>
             <p:ph type="body" sz="half" idx="1"/>
           </p:nvPr>
@@ -4650,7 +4820,9 @@
       <p:sp>
         <p:nvSpPr>
           <p:cNvPr id="246" name="Google Shape;170;p35"/>
-          <p:cNvSpPr txBox="1"/>
+          <p:cNvSpPr txBox="1">
+            <a:spLocks noGrp="1"/>
+          </p:cNvSpPr>
           <p:nvPr>
             <p:ph type="body" idx="21"/>
           </p:nvPr>
@@ -4661,7 +4833,7 @@
           </a:prstGeom>
           <a:extLst>
             <a:ext uri="{C572A759-6A51-4108-AA02-DFA0A04FC94B}">
-              <ma14:wrappingTextBoxFlag xmlns:ma14="http://schemas.microsoft.com/office/mac/drawingml/2011/main" val="1"/>
+              <ma14:wrappingTextBoxFlag xmlns="" xmlns:m="http://schemas.openxmlformats.org/officeDocument/2006/math" xmlns:a14="http://schemas.microsoft.com/office/drawing/2010/main" xmlns:ma14="http://schemas.microsoft.com/office/mac/drawingml/2011/main" val="1"/>
             </a:ext>
           </a:extLst>
         </p:spPr>
@@ -4725,12 +4897,12 @@
   <p:clrMapOvr>
     <a:masterClrMapping/>
   </p:clrMapOvr>
-  <p:transition xmlns:p14="http://schemas.microsoft.com/office/powerpoint/2010/main" spd="med" advClick="1"/>
+  <p:transition spd="med"/>
 </p:sld>
 </file>
 
 <file path=ppt/slides/slide12.xml><?xml version="1.0" encoding="utf-8"?>
-<p:sld xmlns:a="http://schemas.openxmlformats.org/drawingml/2006/main" xmlns:r="http://schemas.openxmlformats.org/officeDocument/2006/relationships" xmlns:p="http://schemas.openxmlformats.org/presentationml/2006/main" xmlns:m="http://schemas.openxmlformats.org/officeDocument/2006/math" xmlns:a14="http://schemas.microsoft.com/office/drawing/2010/main" showMasterSp="1" showMasterPhAnim="1">
+<p:sld xmlns:a="http://schemas.openxmlformats.org/drawingml/2006/main" xmlns:r="http://schemas.openxmlformats.org/officeDocument/2006/relationships" xmlns:p="http://schemas.openxmlformats.org/presentationml/2006/main">
   <p:cSld>
     <p:spTree>
       <p:nvGrpSpPr>
@@ -4749,7 +4921,9 @@
       <p:sp>
         <p:nvSpPr>
           <p:cNvPr id="248" name="Google Shape;175;p36"/>
-          <p:cNvSpPr txBox="1"/>
+          <p:cNvSpPr txBox="1">
+            <a:spLocks noGrp="1"/>
+          </p:cNvSpPr>
           <p:nvPr>
             <p:ph type="title"/>
           </p:nvPr>
@@ -4764,14 +4938,15 @@
           </a:prstGeom>
         </p:spPr>
         <p:txBody>
-          <a:bodyPr/>
+          <a:bodyPr>
+            <a:normAutofit fontScale="90000"/>
+          </a:bodyPr>
           <a:lstStyle>
             <a:lvl1pPr defTabSz="877823">
               <a:defRPr sz="2688"/>
             </a:lvl1pPr>
           </a:lstStyle>
           <a:p>
-            <a:pPr/>
             <a:r>
               <a:t>Part 3</a:t>
             </a:r>
@@ -4781,7 +4956,9 @@
       <p:sp>
         <p:nvSpPr>
           <p:cNvPr id="249" name="Google Shape;176;p36"/>
-          <p:cNvSpPr txBox="1"/>
+          <p:cNvSpPr txBox="1">
+            <a:spLocks noGrp="1"/>
+          </p:cNvSpPr>
           <p:nvPr>
             <p:ph type="body" sz="half" idx="1"/>
           </p:nvPr>
@@ -4804,44 +4981,9 @@
             </a:lvl1pPr>
           </a:lstStyle>
           <a:p>
-            <a:pPr/>
-            <a:r>
+            <a:r>
+              <a:rPr dirty="0"/>
               <a:t>[How many filters did we apply to the dog image?]</a:t>
-            </a:r>
-          </a:p>
-        </p:txBody>
-      </p:sp>
-      <p:sp>
-        <p:nvSpPr>
-          <p:cNvPr id="250" name="Google Shape;177;p36"/>
-          <p:cNvSpPr txBox="1"/>
-          <p:nvPr>
-            <p:ph type="body" idx="21"/>
-          </p:nvPr>
-        </p:nvSpPr>
-        <p:spPr>
-          <a:prstGeom prst="rect">
-            <a:avLst/>
-          </a:prstGeom>
-          <a:extLst>
-            <a:ext uri="{C572A759-6A51-4108-AA02-DFA0A04FC94B}">
-              <ma14:wrappingTextBoxFlag xmlns:ma14="http://schemas.microsoft.com/office/mac/drawingml/2011/main" val="1"/>
-            </a:ext>
-          </a:extLst>
-        </p:spPr>
-        <p:txBody>
-          <a:bodyPr/>
-          <a:lstStyle>
-            <a:lvl1pPr marL="0" indent="0">
-              <a:buSzTx/>
-              <a:buNone/>
-              <a:defRPr sz="1400"/>
-            </a:lvl1pPr>
-          </a:lstStyle>
-          <a:p>
-            <a:pPr/>
-            <a:r>
-              <a:t>[Why do the output dimensions adhere to the equations given in the instructions handout?]</a:t>
             </a:r>
           </a:p>
         </p:txBody>
@@ -4851,12 +4993,12 @@
   <p:clrMapOvr>
     <a:masterClrMapping/>
   </p:clrMapOvr>
-  <p:transition xmlns:p14="http://schemas.microsoft.com/office/powerpoint/2010/main" spd="med" advClick="1"/>
+  <p:transition spd="med"/>
 </p:sld>
 </file>
 
 <file path=ppt/slides/slide13.xml><?xml version="1.0" encoding="utf-8"?>
-<p:sld xmlns:a="http://schemas.openxmlformats.org/drawingml/2006/main" xmlns:r="http://schemas.openxmlformats.org/officeDocument/2006/relationships" xmlns:p="http://schemas.openxmlformats.org/presentationml/2006/main" xmlns:m="http://schemas.openxmlformats.org/officeDocument/2006/math" xmlns:a14="http://schemas.microsoft.com/office/drawing/2010/main" showMasterSp="1" showMasterPhAnim="1">
+<p:sld xmlns:a="http://schemas.openxmlformats.org/drawingml/2006/main" xmlns:r="http://schemas.openxmlformats.org/officeDocument/2006/relationships" xmlns:p="http://schemas.openxmlformats.org/presentationml/2006/main">
   <p:cSld>
     <p:spTree>
       <p:nvGrpSpPr>
@@ -4875,7 +5017,9 @@
       <p:sp>
         <p:nvSpPr>
           <p:cNvPr id="252" name="Google Shape;182;p37"/>
-          <p:cNvSpPr txBox="1"/>
+          <p:cNvSpPr txBox="1">
+            <a:spLocks noGrp="1"/>
+          </p:cNvSpPr>
           <p:nvPr>
             <p:ph type="title"/>
           </p:nvPr>
@@ -4890,14 +5034,15 @@
           </a:prstGeom>
         </p:spPr>
         <p:txBody>
-          <a:bodyPr/>
+          <a:bodyPr>
+            <a:normAutofit fontScale="90000"/>
+          </a:bodyPr>
           <a:lstStyle>
             <a:lvl1pPr defTabSz="877823">
               <a:defRPr sz="2688"/>
             </a:lvl1pPr>
           </a:lstStyle>
           <a:p>
-            <a:pPr/>
             <a:r>
               <a:t>Part 3</a:t>
             </a:r>
@@ -4907,7 +5052,9 @@
       <p:sp>
         <p:nvSpPr>
           <p:cNvPr id="253" name="Google Shape;183;p37"/>
-          <p:cNvSpPr txBox="1"/>
+          <p:cNvSpPr txBox="1">
+            <a:spLocks noGrp="1"/>
+          </p:cNvSpPr>
           <p:nvPr>
             <p:ph type="body" sz="half" idx="1"/>
           </p:nvPr>
@@ -4915,7 +5062,7 @@
         <p:spPr>
           <a:xfrm>
             <a:off x="311699" y="1152475"/>
-            <a:ext cx="3999902" cy="3416400"/>
+            <a:ext cx="8318796" cy="3416400"/>
           </a:xfrm>
           <a:prstGeom prst="rect">
             <a:avLst/>
@@ -4930,35 +5077,13 @@
             </a:lvl1pPr>
           </a:lstStyle>
           <a:p>
-            <a:pPr/>
-            <a:r>
-              <a:t>[What is the intuition behind this equation?]</a:t>
-            </a:r>
-          </a:p>
-        </p:txBody>
-      </p:sp>
-      <p:sp>
-        <p:nvSpPr>
-          <p:cNvPr id="254" name="Google Shape;184;p37"/>
-          <p:cNvSpPr txBox="1"/>
-          <p:nvPr>
-            <p:ph type="body" idx="21"/>
-          </p:nvPr>
-        </p:nvSpPr>
-        <p:spPr>
-          <a:prstGeom prst="rect">
-            <a:avLst/>
-          </a:prstGeom>
-        </p:spPr>
-        <p:txBody>
-          <a:bodyPr/>
-          <a:lstStyle/>
-          <a:p>
-            <a:pPr marL="0" indent="0">
-              <a:buSzTx/>
-              <a:buNone/>
-              <a:defRPr sz="1400"/>
-            </a:pPr>
+            <a:r>
+              <a:rPr lang="en-US" dirty="0"/>
+              <a:t>[Section 3 of the handout gives equations to calculate output dimensions given filter size, stride, and padding. What is the intuition behind this equation?]</a:t>
+            </a:r>
+          </a:p>
+          <a:p>
+            <a:endParaRPr dirty="0"/>
           </a:p>
         </p:txBody>
       </p:sp>
@@ -4967,12 +5092,12 @@
   <p:clrMapOvr>
     <a:masterClrMapping/>
   </p:clrMapOvr>
-  <p:transition xmlns:p14="http://schemas.microsoft.com/office/powerpoint/2010/main" spd="med" advClick="1"/>
+  <p:transition spd="med"/>
 </p:sld>
 </file>
 
 <file path=ppt/slides/slide14.xml><?xml version="1.0" encoding="utf-8"?>
-<p:sld xmlns:a="http://schemas.openxmlformats.org/drawingml/2006/main" xmlns:r="http://schemas.openxmlformats.org/officeDocument/2006/relationships" xmlns:p="http://schemas.openxmlformats.org/presentationml/2006/main" xmlns:m="http://schemas.openxmlformats.org/officeDocument/2006/math" xmlns:a14="http://schemas.microsoft.com/office/drawing/2010/main" showMasterSp="1" showMasterPhAnim="1">
+<p:sld xmlns:a="http://schemas.openxmlformats.org/drawingml/2006/main" xmlns:r="http://schemas.openxmlformats.org/officeDocument/2006/relationships" xmlns:p="http://schemas.openxmlformats.org/presentationml/2006/main">
   <p:cSld>
     <p:spTree>
       <p:nvGrpSpPr>
@@ -4991,7 +5116,9 @@
       <p:sp>
         <p:nvSpPr>
           <p:cNvPr id="256" name="Google Shape;189;p38"/>
-          <p:cNvSpPr txBox="1"/>
+          <p:cNvSpPr txBox="1">
+            <a:spLocks noGrp="1"/>
+          </p:cNvSpPr>
           <p:nvPr>
             <p:ph type="title"/>
           </p:nvPr>
@@ -5006,14 +5133,15 @@
           </a:prstGeom>
         </p:spPr>
         <p:txBody>
-          <a:bodyPr/>
+          <a:bodyPr>
+            <a:normAutofit fontScale="90000"/>
+          </a:bodyPr>
           <a:lstStyle>
             <a:lvl1pPr defTabSz="877823">
               <a:defRPr sz="2688"/>
             </a:lvl1pPr>
           </a:lstStyle>
           <a:p>
-            <a:pPr/>
             <a:r>
               <a:t>Part 3</a:t>
             </a:r>
@@ -5023,7 +5151,9 @@
       <p:sp>
         <p:nvSpPr>
           <p:cNvPr id="257" name="Google Shape;190;p38"/>
-          <p:cNvSpPr txBox="1"/>
+          <p:cNvSpPr txBox="1">
+            <a:spLocks noGrp="1"/>
+          </p:cNvSpPr>
           <p:nvPr>
             <p:ph type="body" sz="half" idx="1"/>
           </p:nvPr>
@@ -5046,7 +5176,6 @@
             </a:lvl1pPr>
           </a:lstStyle>
           <a:p>
-            <a:pPr/>
             <a:r>
               <a:t>[insert visualization 0 here]</a:t>
             </a:r>
@@ -5056,7 +5185,9 @@
       <p:sp>
         <p:nvSpPr>
           <p:cNvPr id="258" name="Google Shape;191;p38"/>
-          <p:cNvSpPr txBox="1"/>
+          <p:cNvSpPr txBox="1">
+            <a:spLocks noGrp="1"/>
+          </p:cNvSpPr>
           <p:nvPr>
             <p:ph type="body" idx="21"/>
           </p:nvPr>
@@ -5067,7 +5198,7 @@
           </a:prstGeom>
           <a:extLst>
             <a:ext uri="{C572A759-6A51-4108-AA02-DFA0A04FC94B}">
-              <ma14:wrappingTextBoxFlag xmlns:ma14="http://schemas.microsoft.com/office/mac/drawingml/2011/main" val="1"/>
+              <ma14:wrappingTextBoxFlag xmlns="" xmlns:m="http://schemas.openxmlformats.org/officeDocument/2006/math" xmlns:a14="http://schemas.microsoft.com/office/drawing/2010/main" xmlns:ma14="http://schemas.microsoft.com/office/mac/drawingml/2011/main" val="1"/>
             </a:ext>
           </a:extLst>
         </p:spPr>
@@ -5081,7 +5212,6 @@
             </a:lvl1pPr>
           </a:lstStyle>
           <a:p>
-            <a:pPr/>
             <a:r>
               <a:t>[insert visualization 1 here]</a:t>
             </a:r>
@@ -5093,12 +5223,12 @@
   <p:clrMapOvr>
     <a:masterClrMapping/>
   </p:clrMapOvr>
-  <p:transition xmlns:p14="http://schemas.microsoft.com/office/powerpoint/2010/main" spd="med" advClick="1"/>
+  <p:transition spd="med"/>
 </p:sld>
 </file>
 
 <file path=ppt/slides/slide15.xml><?xml version="1.0" encoding="utf-8"?>
-<p:sld xmlns:a="http://schemas.openxmlformats.org/drawingml/2006/main" xmlns:r="http://schemas.openxmlformats.org/officeDocument/2006/relationships" xmlns:p="http://schemas.openxmlformats.org/presentationml/2006/main" xmlns:m="http://schemas.openxmlformats.org/officeDocument/2006/math" xmlns:a14="http://schemas.microsoft.com/office/drawing/2010/main" showMasterSp="1" showMasterPhAnim="1">
+<p:sld xmlns:a="http://schemas.openxmlformats.org/drawingml/2006/main" xmlns:r="http://schemas.openxmlformats.org/officeDocument/2006/relationships" xmlns:p="http://schemas.openxmlformats.org/presentationml/2006/main">
   <p:cSld>
     <p:spTree>
       <p:nvGrpSpPr>
@@ -5117,7 +5247,9 @@
       <p:sp>
         <p:nvSpPr>
           <p:cNvPr id="260" name="Google Shape;196;p39"/>
-          <p:cNvSpPr txBox="1"/>
+          <p:cNvSpPr txBox="1">
+            <a:spLocks noGrp="1"/>
+          </p:cNvSpPr>
           <p:nvPr>
             <p:ph type="title"/>
           </p:nvPr>
@@ -5132,14 +5264,15 @@
           </a:prstGeom>
         </p:spPr>
         <p:txBody>
-          <a:bodyPr/>
+          <a:bodyPr>
+            <a:normAutofit fontScale="90000"/>
+          </a:bodyPr>
           <a:lstStyle>
             <a:lvl1pPr defTabSz="877823">
               <a:defRPr sz="2688"/>
             </a:lvl1pPr>
           </a:lstStyle>
           <a:p>
-            <a:pPr/>
             <a:r>
               <a:t>Part 3</a:t>
             </a:r>
@@ -5149,7 +5282,9 @@
       <p:sp>
         <p:nvSpPr>
           <p:cNvPr id="261" name="Google Shape;197;p39"/>
-          <p:cNvSpPr txBox="1"/>
+          <p:cNvSpPr txBox="1">
+            <a:spLocks noGrp="1"/>
+          </p:cNvSpPr>
           <p:nvPr>
             <p:ph type="body" sz="half" idx="1"/>
           </p:nvPr>
@@ -5172,7 +5307,6 @@
             </a:lvl1pPr>
           </a:lstStyle>
           <a:p>
-            <a:pPr/>
             <a:r>
               <a:t>[insert visualization 2 here]</a:t>
             </a:r>
@@ -5182,7 +5316,9 @@
       <p:sp>
         <p:nvSpPr>
           <p:cNvPr id="262" name="Google Shape;198;p39"/>
-          <p:cNvSpPr txBox="1"/>
+          <p:cNvSpPr txBox="1">
+            <a:spLocks noGrp="1"/>
+          </p:cNvSpPr>
           <p:nvPr>
             <p:ph type="body" idx="21"/>
           </p:nvPr>
@@ -5193,7 +5329,7 @@
           </a:prstGeom>
           <a:extLst>
             <a:ext uri="{C572A759-6A51-4108-AA02-DFA0A04FC94B}">
-              <ma14:wrappingTextBoxFlag xmlns:ma14="http://schemas.microsoft.com/office/mac/drawingml/2011/main" val="1"/>
+              <ma14:wrappingTextBoxFlag xmlns="" xmlns:m="http://schemas.openxmlformats.org/officeDocument/2006/math" xmlns:a14="http://schemas.microsoft.com/office/drawing/2010/main" xmlns:ma14="http://schemas.microsoft.com/office/mac/drawingml/2011/main" val="1"/>
             </a:ext>
           </a:extLst>
         </p:spPr>
@@ -5207,7 +5343,6 @@
             </a:lvl1pPr>
           </a:lstStyle>
           <a:p>
-            <a:pPr/>
             <a:r>
               <a:t>[insert visualization 3 here]</a:t>
             </a:r>
@@ -5219,12 +5354,12 @@
   <p:clrMapOvr>
     <a:masterClrMapping/>
   </p:clrMapOvr>
-  <p:transition xmlns:p14="http://schemas.microsoft.com/office/powerpoint/2010/main" spd="med" advClick="1"/>
+  <p:transition spd="med"/>
 </p:sld>
 </file>
 
 <file path=ppt/slides/slide16.xml><?xml version="1.0" encoding="utf-8"?>
-<p:sld xmlns:a="http://schemas.openxmlformats.org/drawingml/2006/main" xmlns:r="http://schemas.openxmlformats.org/officeDocument/2006/relationships" xmlns:p="http://schemas.openxmlformats.org/presentationml/2006/main" xmlns:m="http://schemas.openxmlformats.org/officeDocument/2006/math" xmlns:a14="http://schemas.microsoft.com/office/drawing/2010/main" showMasterSp="1" showMasterPhAnim="1">
+<p:sld xmlns:a="http://schemas.openxmlformats.org/drawingml/2006/main" xmlns:r="http://schemas.openxmlformats.org/officeDocument/2006/relationships" xmlns:p="http://schemas.openxmlformats.org/presentationml/2006/main">
   <p:cSld>
     <p:spTree>
       <p:nvGrpSpPr>
@@ -5242,8 +5377,10 @@
       </p:grpSpPr>
       <p:sp>
         <p:nvSpPr>
-          <p:cNvPr id="264" name="Google Shape;203;p40"/>
-          <p:cNvSpPr txBox="1"/>
+          <p:cNvPr id="244" name="Google Shape;168;p35"/>
+          <p:cNvSpPr txBox="1">
+            <a:spLocks noGrp="1"/>
+          </p:cNvSpPr>
           <p:nvPr>
             <p:ph type="title"/>
           </p:nvPr>
@@ -5258,32 +5395,41 @@
           </a:prstGeom>
         </p:spPr>
         <p:txBody>
-          <a:bodyPr/>
+          <a:bodyPr>
+            <a:normAutofit fontScale="90000"/>
+          </a:bodyPr>
           <a:lstStyle>
             <a:lvl1pPr defTabSz="877823">
               <a:defRPr sz="2688"/>
             </a:lvl1pPr>
           </a:lstStyle>
           <a:p>
-            <a:pPr/>
-            <a:r>
-              <a:t>Conclusion</a:t>
-            </a:r>
-          </a:p>
-        </p:txBody>
-      </p:sp>
-      <p:sp>
-        <p:nvSpPr>
-          <p:cNvPr id="265" name="Google Shape;204;p40"/>
-          <p:cNvSpPr txBox="1"/>
-          <p:nvPr>
-            <p:ph type="body" idx="1"/>
+            <a:r>
+              <a:rPr dirty="0"/>
+              <a:t>Part</a:t>
+            </a:r>
+            <a:r>
+              <a:rPr lang="en-US" dirty="0"/>
+              <a:t> 4: Frequency Domain Convolutions</a:t>
+            </a:r>
+            <a:endParaRPr dirty="0"/>
+          </a:p>
+        </p:txBody>
+      </p:sp>
+      <p:sp>
+        <p:nvSpPr>
+          <p:cNvPr id="245" name="Google Shape;169;p35"/>
+          <p:cNvSpPr txBox="1">
+            <a:spLocks noGrp="1"/>
+          </p:cNvSpPr>
+          <p:nvPr>
+            <p:ph type="body" sz="half" idx="1"/>
           </p:nvPr>
         </p:nvSpPr>
         <p:spPr>
           <a:xfrm>
             <a:off x="311699" y="1152475"/>
-            <a:ext cx="8520602" cy="3416400"/>
+            <a:ext cx="3999902" cy="3416400"/>
           </a:xfrm>
           <a:prstGeom prst="rect">
             <a:avLst/>
@@ -5291,34 +5437,84 @@
         </p:spPr>
         <p:txBody>
           <a:bodyPr/>
-          <a:lstStyle>
-            <a:lvl1pPr marL="0" indent="0">
-              <a:spcBef>
-                <a:spcPts val="1600"/>
-              </a:spcBef>
-              <a:buSzTx/>
-              <a:buNone/>
-            </a:lvl1pPr>
-          </a:lstStyle>
-          <a:p>
-            <a:pPr/>
-            <a:r>
-              <a:t>[How does varying the cutoff frequency value or swapping images within a pair influences the resulting hybrid image?]</a:t>
-            </a:r>
+          <a:lstStyle/>
+          <a:p>
+            <a:pPr marL="0" indent="0">
+              <a:buSzTx/>
+              <a:buNone/>
+            </a:pPr>
+            <a:r>
+              <a:rPr dirty="0"/>
+              <a:t>[</a:t>
+            </a:r>
+            <a:r>
+              <a:rPr lang="en-US" dirty="0"/>
+              <a:t>Insert the visualization of the dog image in the frequency domain]</a:t>
+            </a:r>
+            <a:endParaRPr dirty="0"/>
+          </a:p>
+        </p:txBody>
+      </p:sp>
+      <p:sp>
+        <p:nvSpPr>
+          <p:cNvPr id="246" name="Google Shape;170;p35"/>
+          <p:cNvSpPr txBox="1">
+            <a:spLocks noGrp="1"/>
+          </p:cNvSpPr>
+          <p:nvPr>
+            <p:ph type="body" idx="21"/>
+          </p:nvPr>
+        </p:nvSpPr>
+        <p:spPr>
+          <a:prstGeom prst="rect">
+            <a:avLst/>
+          </a:prstGeom>
+          <a:extLst>
+            <a:ext uri="{C572A759-6A51-4108-AA02-DFA0A04FC94B}">
+              <ma14:wrappingTextBoxFlag xmlns:ma14="http://schemas.microsoft.com/office/mac/drawingml/2011/main" xmlns:a14="http://schemas.microsoft.com/office/drawing/2010/main" xmlns:m="http://schemas.openxmlformats.org/officeDocument/2006/math" xmlns="" val="1"/>
+            </a:ext>
+          </a:extLst>
+        </p:spPr>
+        <p:txBody>
+          <a:bodyPr/>
+          <a:lstStyle/>
+          <a:p>
+            <a:pPr marL="0" indent="0">
+              <a:buSzTx/>
+              <a:buNone/>
+              <a:defRPr sz="1400"/>
+            </a:pPr>
+            <a:r>
+              <a:rPr lang="en-US" dirty="0"/>
+              <a:t>[Insert the visualization of the blurred dog image in the frequency domain]</a:t>
+            </a:r>
+          </a:p>
+          <a:p>
+            <a:pPr marL="0" indent="0">
+              <a:buSzTx/>
+              <a:buNone/>
+              <a:defRPr sz="1400"/>
+            </a:pPr>
+            <a:endParaRPr dirty="0"/>
           </a:p>
         </p:txBody>
       </p:sp>
     </p:spTree>
+    <p:extLst>
+      <p:ext uri="{BB962C8B-B14F-4D97-AF65-F5344CB8AC3E}">
+        <p14:creationId xmlns:p14="http://schemas.microsoft.com/office/powerpoint/2010/main" val="3633747566"/>
+      </p:ext>
+    </p:extLst>
   </p:cSld>
   <p:clrMapOvr>
     <a:masterClrMapping/>
   </p:clrMapOvr>
-  <p:transition xmlns:p14="http://schemas.microsoft.com/office/powerpoint/2010/main" spd="med" advClick="1"/>
+  <p:transition spd="med"/>
 </p:sld>
 </file>
 
-<file path=ppt/slides/slide2.xml><?xml version="1.0" encoding="utf-8"?>
-<p:sld xmlns:a="http://schemas.openxmlformats.org/drawingml/2006/main" xmlns:r="http://schemas.openxmlformats.org/officeDocument/2006/relationships" xmlns:p="http://schemas.openxmlformats.org/presentationml/2006/main" xmlns:m="http://schemas.openxmlformats.org/officeDocument/2006/math" xmlns:a14="http://schemas.microsoft.com/office/drawing/2010/main" showMasterSp="1" showMasterPhAnim="1">
+<file path=ppt/slides/slide17.xml><?xml version="1.0" encoding="utf-8"?>
+<p:sld xmlns:a="http://schemas.openxmlformats.org/drawingml/2006/main" xmlns:r="http://schemas.openxmlformats.org/officeDocument/2006/relationships" xmlns:p="http://schemas.openxmlformats.org/presentationml/2006/main">
   <p:cSld>
     <p:spTree>
       <p:nvGrpSpPr>
@@ -5336,8 +5532,10 @@
       </p:grpSpPr>
       <p:sp>
         <p:nvSpPr>
-          <p:cNvPr id="208" name="Google Shape;105;p26"/>
-          <p:cNvSpPr txBox="1"/>
+          <p:cNvPr id="244" name="Google Shape;168;p35"/>
+          <p:cNvSpPr txBox="1">
+            <a:spLocks noGrp="1"/>
+          </p:cNvSpPr>
           <p:nvPr>
             <p:ph type="title"/>
           </p:nvPr>
@@ -5352,24 +5550,33 @@
           </a:prstGeom>
         </p:spPr>
         <p:txBody>
-          <a:bodyPr/>
+          <a:bodyPr>
+            <a:normAutofit fontScale="90000"/>
+          </a:bodyPr>
           <a:lstStyle>
             <a:lvl1pPr defTabSz="877823">
               <a:defRPr sz="2688"/>
             </a:lvl1pPr>
           </a:lstStyle>
           <a:p>
-            <a:pPr/>
-            <a:r>
-              <a:t>Part 1: Image filtering</a:t>
-            </a:r>
-          </a:p>
-        </p:txBody>
-      </p:sp>
-      <p:sp>
-        <p:nvSpPr>
-          <p:cNvPr id="209" name="Google Shape;106;p26"/>
-          <p:cNvSpPr txBox="1"/>
+            <a:r>
+              <a:rPr dirty="0"/>
+              <a:t>Part</a:t>
+            </a:r>
+            <a:r>
+              <a:rPr lang="en-US" dirty="0"/>
+              <a:t> 4: Frequency Domain Convolutions</a:t>
+            </a:r>
+            <a:endParaRPr dirty="0"/>
+          </a:p>
+        </p:txBody>
+      </p:sp>
+      <p:sp>
+        <p:nvSpPr>
+          <p:cNvPr id="245" name="Google Shape;169;p35"/>
+          <p:cNvSpPr txBox="1">
+            <a:spLocks noGrp="1"/>
+          </p:cNvSpPr>
           <p:nvPr>
             <p:ph type="body" sz="half" idx="1"/>
           </p:nvPr>
@@ -5385,27 +5592,25 @@
         </p:spPr>
         <p:txBody>
           <a:bodyPr/>
-          <a:lstStyle>
-            <a:lvl1pPr marL="0" indent="0">
-              <a:spcBef>
-                <a:spcPts val="1600"/>
-              </a:spcBef>
-              <a:buSzTx/>
-              <a:buNone/>
-            </a:lvl1pPr>
-          </a:lstStyle>
-          <a:p>
-            <a:pPr/>
-            <a:r>
-              <a:t>[insert visualization of Gaussian kernel from project-1.ipynb here]</a:t>
-            </a:r>
-          </a:p>
-        </p:txBody>
-      </p:sp>
-      <p:sp>
-        <p:nvSpPr>
-          <p:cNvPr id="210" name="Google Shape;107;p26"/>
-          <p:cNvSpPr txBox="1"/>
+          <a:lstStyle/>
+          <a:p>
+            <a:pPr marL="0" indent="0">
+              <a:buSzTx/>
+              <a:buNone/>
+            </a:pPr>
+            <a:r>
+              <a:rPr lang="en-US" dirty="0"/>
+              <a:t>[Insert the visualization of the 2D Gaussian in the frequency domain]</a:t>
+            </a:r>
+          </a:p>
+        </p:txBody>
+      </p:sp>
+      <p:sp>
+        <p:nvSpPr>
+          <p:cNvPr id="246" name="Google Shape;170;p35"/>
+          <p:cNvSpPr txBox="1">
+            <a:spLocks noGrp="1"/>
+          </p:cNvSpPr>
           <p:nvPr>
             <p:ph type="body" idx="21"/>
           </p:nvPr>
@@ -5416,41 +5621,43 @@
           </a:prstGeom>
           <a:extLst>
             <a:ext uri="{C572A759-6A51-4108-AA02-DFA0A04FC94B}">
-              <ma14:wrappingTextBoxFlag xmlns:ma14="http://schemas.microsoft.com/office/mac/drawingml/2011/main" val="1"/>
+              <ma14:wrappingTextBoxFlag xmlns="" xmlns:m="http://schemas.openxmlformats.org/officeDocument/2006/math" xmlns:a14="http://schemas.microsoft.com/office/drawing/2010/main" xmlns:ma14="http://schemas.microsoft.com/office/mac/drawingml/2011/main" val="1"/>
             </a:ext>
           </a:extLst>
         </p:spPr>
         <p:txBody>
           <a:bodyPr/>
-          <a:lstStyle>
-            <a:lvl1pPr marL="0" indent="0">
-              <a:spcBef>
-                <a:spcPts val="1600"/>
-              </a:spcBef>
+          <a:lstStyle/>
+          <a:p>
+            <a:pPr marL="0" indent="0">
               <a:buSzTx/>
               <a:buNone/>
               <a:defRPr sz="1400"/>
-            </a:lvl1pPr>
-          </a:lstStyle>
-          <a:p>
-            <a:pPr/>
-            <a:r>
-              <a:t>[Describe your implementation of my_conv2d_numpy() in words. Make sure to discuss padding, and the operations used between the filter and image.]</a:t>
-            </a:r>
+            </a:pPr>
+            <a:r>
+              <a:rPr lang="en-US" dirty="0"/>
+              <a:t>[Why does our frequency domain representation of a Gaussian not look like a Gaussian itself? How could we adjust the kernel to make these look more similar?]</a:t>
+            </a:r>
+            <a:endParaRPr dirty="0"/>
           </a:p>
         </p:txBody>
       </p:sp>
     </p:spTree>
+    <p:extLst>
+      <p:ext uri="{BB962C8B-B14F-4D97-AF65-F5344CB8AC3E}">
+        <p14:creationId xmlns:p14="http://schemas.microsoft.com/office/powerpoint/2010/main" val="3571544464"/>
+      </p:ext>
+    </p:extLst>
   </p:cSld>
   <p:clrMapOvr>
     <a:masterClrMapping/>
   </p:clrMapOvr>
-  <p:transition xmlns:p14="http://schemas.microsoft.com/office/powerpoint/2010/main" spd="med" advClick="1"/>
+  <p:transition spd="med"/>
 </p:sld>
 </file>
 
-<file path=ppt/slides/slide3.xml><?xml version="1.0" encoding="utf-8"?>
-<p:sld xmlns:a="http://schemas.openxmlformats.org/drawingml/2006/main" xmlns:r="http://schemas.openxmlformats.org/officeDocument/2006/relationships" xmlns:p="http://schemas.openxmlformats.org/presentationml/2006/main" xmlns:m="http://schemas.openxmlformats.org/officeDocument/2006/math" xmlns:a14="http://schemas.microsoft.com/office/drawing/2010/main" showMasterSp="1" showMasterPhAnim="1">
+<file path=ppt/slides/slide18.xml><?xml version="1.0" encoding="utf-8"?>
+<p:sld xmlns:a="http://schemas.openxmlformats.org/drawingml/2006/main" xmlns:r="http://schemas.openxmlformats.org/officeDocument/2006/relationships" xmlns:p="http://schemas.openxmlformats.org/presentationml/2006/main">
   <p:cSld>
     <p:spTree>
       <p:nvGrpSpPr>
@@ -5468,8 +5675,10 @@
       </p:grpSpPr>
       <p:sp>
         <p:nvSpPr>
-          <p:cNvPr id="212" name="Google Shape;112;p27"/>
-          <p:cNvSpPr txBox="1"/>
+          <p:cNvPr id="244" name="Google Shape;168;p35"/>
+          <p:cNvSpPr txBox="1">
+            <a:spLocks noGrp="1"/>
+          </p:cNvSpPr>
           <p:nvPr>
             <p:ph type="title"/>
           </p:nvPr>
@@ -5484,37 +5693,45 @@
           </a:prstGeom>
         </p:spPr>
         <p:txBody>
-          <a:bodyPr/>
+          <a:bodyPr>
+            <a:normAutofit fontScale="90000"/>
+          </a:bodyPr>
           <a:lstStyle>
             <a:lvl1pPr defTabSz="877823">
               <a:defRPr sz="2688"/>
             </a:lvl1pPr>
           </a:lstStyle>
           <a:p>
-            <a:pPr/>
-            <a:r>
-              <a:t>Part 1: Image filtering</a:t>
-            </a:r>
-          </a:p>
-        </p:txBody>
-      </p:sp>
-      <p:sp>
-        <p:nvSpPr>
-          <p:cNvPr id="213" name="Google Shape;114;p27"/>
-          <p:cNvSpPr txBox="1"/>
-          <p:nvPr>
-            <p:ph type="body" idx="21"/>
-          </p:nvPr>
-        </p:nvSpPr>
-        <p:spPr>
-          <a:prstGeom prst="rect">
-            <a:avLst/>
-          </a:prstGeom>
-          <a:extLst>
-            <a:ext uri="{C572A759-6A51-4108-AA02-DFA0A04FC94B}">
-              <ma14:wrappingTextBoxFlag xmlns:ma14="http://schemas.microsoft.com/office/mac/drawingml/2011/main" val="1"/>
-            </a:ext>
-          </a:extLst>
+            <a:r>
+              <a:rPr dirty="0"/>
+              <a:t>Part</a:t>
+            </a:r>
+            <a:r>
+              <a:rPr lang="en-US" dirty="0"/>
+              <a:t> 4: Frequency Domain Convolutions</a:t>
+            </a:r>
+            <a:endParaRPr dirty="0"/>
+          </a:p>
+        </p:txBody>
+      </p:sp>
+      <p:sp>
+        <p:nvSpPr>
+          <p:cNvPr id="245" name="Google Shape;169;p35"/>
+          <p:cNvSpPr txBox="1">
+            <a:spLocks noGrp="1"/>
+          </p:cNvSpPr>
+          <p:nvPr>
+            <p:ph type="body" sz="half" idx="1"/>
+          </p:nvPr>
+        </p:nvSpPr>
+        <p:spPr>
+          <a:xfrm>
+            <a:off x="311698" y="1152475"/>
+            <a:ext cx="8039521" cy="3416400"/>
+          </a:xfrm>
+          <a:prstGeom prst="rect">
+            <a:avLst/>
+          </a:prstGeom>
         </p:spPr>
         <p:txBody>
           <a:bodyPr/>
@@ -5523,82 +5740,30 @@
             <a:pPr marL="0" indent="0">
               <a:buSzTx/>
               <a:buNone/>
-              <a:defRPr b="1" sz="1400"/>
             </a:pPr>
             <a:r>
-              <a:t>Small blur with a box filter</a:t>
-            </a:r>
-          </a:p>
-          <a:p>
-            <a:pPr marL="0" indent="0">
-              <a:spcBef>
-                <a:spcPts val="1600"/>
-              </a:spcBef>
-              <a:buSzTx/>
-              <a:buNone/>
-              <a:defRPr sz="1400"/>
-            </a:pPr>
-            <a:r>
-              <a:t>[insert the results from project-1.ipynb using 1b_cat.bmp with the box filter here]</a:t>
-            </a:r>
-          </a:p>
-        </p:txBody>
-      </p:sp>
-      <p:sp>
-        <p:nvSpPr>
-          <p:cNvPr id="214" name="Google Shape;113;p27"/>
-          <p:cNvSpPr txBox="1"/>
-          <p:nvPr>
-            <p:ph type="body" sz="half" idx="1"/>
-          </p:nvPr>
-        </p:nvSpPr>
-        <p:spPr>
-          <a:xfrm>
-            <a:off x="311699" y="1152475"/>
-            <a:ext cx="3999902" cy="3416400"/>
-          </a:xfrm>
-          <a:prstGeom prst="rect">
-            <a:avLst/>
-          </a:prstGeom>
-        </p:spPr>
-        <p:txBody>
-          <a:bodyPr/>
-          <a:lstStyle/>
-          <a:p>
-            <a:pPr marL="0" indent="0">
-              <a:buSzTx/>
-              <a:buNone/>
-              <a:defRPr b="1"/>
-            </a:pPr>
-            <a:r>
-              <a:t>Identity filter</a:t>
-            </a:r>
-          </a:p>
-          <a:p>
-            <a:pPr marL="0" indent="0">
-              <a:spcBef>
-                <a:spcPts val="1600"/>
-              </a:spcBef>
-              <a:buSzTx/>
-              <a:buNone/>
-            </a:pPr>
-            <a:r>
-              <a:t>[insert the results from project-1.ipynb using 1b_cat.bmp with the identity filter here]</a:t>
+              <a:rPr lang="en-US" dirty="0"/>
+              <a:t>[Briefly explain the Convolution Theorem and why this is related to deconvolution]</a:t>
             </a:r>
           </a:p>
         </p:txBody>
       </p:sp>
     </p:spTree>
+    <p:extLst>
+      <p:ext uri="{BB962C8B-B14F-4D97-AF65-F5344CB8AC3E}">
+        <p14:creationId xmlns:p14="http://schemas.microsoft.com/office/powerpoint/2010/main" val="1232422722"/>
+      </p:ext>
+    </p:extLst>
   </p:cSld>
   <p:clrMapOvr>
     <a:masterClrMapping/>
   </p:clrMapOvr>
-  <p:transition xmlns:p14="http://schemas.microsoft.com/office/powerpoint/2010/main" spd="med" advClick="1"/>
+  <p:transition spd="med"/>
 </p:sld>
 </file>
 
-<file path=ppt/slides/slide4.xml><?xml version="1.0" encoding="utf-8"?>
-<p:sld xmlns:a="http://schemas.openxmlformats.org/drawingml/2006/main" xmlns:r="http://schemas.openxmlformats.org/officeDocument/2006/relationships" xmlns:p="http://schemas.openxmlformats.org/presentationml/2006/main" xmlns:m="http://schemas.openxmlformats.org/officeDocument/2006/math" xmlns:a14="http://schemas.microsoft.com/office/drawing/2010/main" showMasterSp="1" showMasterPhAnim="1">
+<file path=ppt/slides/slide19.xml><?xml version="1.0" encoding="utf-8"?>
+<p:sld xmlns:a="http://schemas.openxmlformats.org/drawingml/2006/main" xmlns:r="http://schemas.openxmlformats.org/officeDocument/2006/relationships" xmlns:p="http://schemas.openxmlformats.org/presentationml/2006/main">
   <p:cSld>
     <p:spTree>
       <p:nvGrpSpPr>
@@ -5616,8 +5781,10 @@
       </p:grpSpPr>
       <p:sp>
         <p:nvSpPr>
-          <p:cNvPr id="216" name="Google Shape;119;p28"/>
-          <p:cNvSpPr txBox="1"/>
+          <p:cNvPr id="244" name="Google Shape;168;p35"/>
+          <p:cNvSpPr txBox="1">
+            <a:spLocks noGrp="1"/>
+          </p:cNvSpPr>
           <p:nvPr>
             <p:ph type="title"/>
           </p:nvPr>
@@ -5632,24 +5799,33 @@
           </a:prstGeom>
         </p:spPr>
         <p:txBody>
-          <a:bodyPr/>
+          <a:bodyPr>
+            <a:normAutofit fontScale="90000"/>
+          </a:bodyPr>
           <a:lstStyle>
             <a:lvl1pPr defTabSz="877823">
               <a:defRPr sz="2688"/>
             </a:lvl1pPr>
           </a:lstStyle>
           <a:p>
-            <a:pPr/>
-            <a:r>
-              <a:t>Part 1: Image filtering</a:t>
-            </a:r>
-          </a:p>
-        </p:txBody>
-      </p:sp>
-      <p:sp>
-        <p:nvSpPr>
-          <p:cNvPr id="217" name="Google Shape;120;p28"/>
-          <p:cNvSpPr txBox="1"/>
+            <a:r>
+              <a:rPr dirty="0"/>
+              <a:t>Part</a:t>
+            </a:r>
+            <a:r>
+              <a:rPr lang="en-US" dirty="0"/>
+              <a:t> 4: Frequency Domain Convolutions</a:t>
+            </a:r>
+            <a:endParaRPr dirty="0"/>
+          </a:p>
+        </p:txBody>
+      </p:sp>
+      <p:sp>
+        <p:nvSpPr>
+          <p:cNvPr id="245" name="Google Shape;169;p35"/>
+          <p:cNvSpPr txBox="1">
+            <a:spLocks noGrp="1"/>
+          </p:cNvSpPr>
           <p:nvPr>
             <p:ph type="body" sz="half" idx="1"/>
           </p:nvPr>
@@ -5670,30 +5846,25 @@
             <a:pPr marL="0" indent="0">
               <a:buSzTx/>
               <a:buNone/>
-              <a:defRPr b="1"/>
             </a:pPr>
             <a:r>
-              <a:t>Sobel filter</a:t>
-            </a:r>
-          </a:p>
-          <a:p>
-            <a:pPr marL="0" indent="0">
-              <a:spcBef>
-                <a:spcPts val="1600"/>
-              </a:spcBef>
-              <a:buSzTx/>
-              <a:buNone/>
-            </a:pPr>
-            <a:r>
-              <a:t>[insert the results from project-1.ipynb using 1b_cat.bmp with the Sobel filter here]</a:t>
-            </a:r>
-          </a:p>
-        </p:txBody>
-      </p:sp>
-      <p:sp>
-        <p:nvSpPr>
-          <p:cNvPr id="218" name="Google Shape;121;p28"/>
-          <p:cNvSpPr txBox="1"/>
+              <a:rPr dirty="0"/>
+              <a:t>[</a:t>
+            </a:r>
+            <a:r>
+              <a:rPr lang="en-US" dirty="0"/>
+              <a:t>Insert the visualization of the mystery image in the frequency domain]</a:t>
+            </a:r>
+            <a:endParaRPr dirty="0"/>
+          </a:p>
+        </p:txBody>
+      </p:sp>
+      <p:sp>
+        <p:nvSpPr>
+          <p:cNvPr id="246" name="Google Shape;170;p35"/>
+          <p:cNvSpPr txBox="1">
+            <a:spLocks noGrp="1"/>
+          </p:cNvSpPr>
           <p:nvPr>
             <p:ph type="body" idx="21"/>
           </p:nvPr>
@@ -5704,7 +5875,7 @@
           </a:prstGeom>
           <a:extLst>
             <a:ext uri="{C572A759-6A51-4108-AA02-DFA0A04FC94B}">
-              <ma14:wrappingTextBoxFlag xmlns:ma14="http://schemas.microsoft.com/office/mac/drawingml/2011/main" val="1"/>
+              <ma14:wrappingTextBoxFlag xmlns="" xmlns:m="http://schemas.openxmlformats.org/officeDocument/2006/math" xmlns:a14="http://schemas.microsoft.com/office/drawing/2010/main" xmlns:ma14="http://schemas.microsoft.com/office/mac/drawingml/2011/main" val="1"/>
             </a:ext>
           </a:extLst>
         </p:spPr>
@@ -5715,38 +5886,39 @@
             <a:pPr marL="0" indent="0">
               <a:buSzTx/>
               <a:buNone/>
-              <a:defRPr b="1" sz="1400"/>
-            </a:pPr>
-            <a:r>
-              <a:t>Discrete Laplacian filter</a:t>
-            </a:r>
-          </a:p>
-          <a:p>
-            <a:pPr marL="0" indent="0">
-              <a:spcBef>
-                <a:spcPts val="1600"/>
-              </a:spcBef>
-              <a:buSzTx/>
-              <a:buNone/>
               <a:defRPr sz="1400"/>
             </a:pPr>
             <a:r>
-              <a:t>[insert the results from project-1.ipynb using 1b_cat.bmp with the discrete Laplacian filter here]</a:t>
-            </a:r>
+              <a:rPr lang="en-US" dirty="0"/>
+              <a:t>[Insert the visualization of the mystery kernel in the frequency domain]</a:t>
+            </a:r>
+          </a:p>
+          <a:p>
+            <a:pPr marL="0" indent="0">
+              <a:buSzTx/>
+              <a:buNone/>
+              <a:defRPr sz="1400"/>
+            </a:pPr>
+            <a:endParaRPr dirty="0"/>
           </a:p>
         </p:txBody>
       </p:sp>
     </p:spTree>
+    <p:extLst>
+      <p:ext uri="{BB962C8B-B14F-4D97-AF65-F5344CB8AC3E}">
+        <p14:creationId xmlns:p14="http://schemas.microsoft.com/office/powerpoint/2010/main" val="2265757157"/>
+      </p:ext>
+    </p:extLst>
   </p:cSld>
   <p:clrMapOvr>
     <a:masterClrMapping/>
   </p:clrMapOvr>
-  <p:transition xmlns:p14="http://schemas.microsoft.com/office/powerpoint/2010/main" spd="med" advClick="1"/>
+  <p:transition spd="med"/>
 </p:sld>
 </file>
 
-<file path=ppt/slides/slide5.xml><?xml version="1.0" encoding="utf-8"?>
-<p:sld xmlns:a="http://schemas.openxmlformats.org/drawingml/2006/main" xmlns:r="http://schemas.openxmlformats.org/officeDocument/2006/relationships" xmlns:p="http://schemas.openxmlformats.org/presentationml/2006/main" xmlns:m="http://schemas.openxmlformats.org/officeDocument/2006/math" xmlns:a14="http://schemas.microsoft.com/office/drawing/2010/main" showMasterSp="1" showMasterPhAnim="1">
+<file path=ppt/slides/slide2.xml><?xml version="1.0" encoding="utf-8"?>
+<p:sld xmlns:a="http://schemas.openxmlformats.org/drawingml/2006/main" xmlns:r="http://schemas.openxmlformats.org/officeDocument/2006/relationships" xmlns:p="http://schemas.openxmlformats.org/presentationml/2006/main">
   <p:cSld>
     <p:spTree>
       <p:nvGrpSpPr>
@@ -5764,8 +5936,10 @@
       </p:grpSpPr>
       <p:sp>
         <p:nvSpPr>
-          <p:cNvPr id="220" name="Google Shape;126;p29"/>
-          <p:cNvSpPr txBox="1"/>
+          <p:cNvPr id="208" name="Google Shape;105;p26"/>
+          <p:cNvSpPr txBox="1">
+            <a:spLocks noGrp="1"/>
+          </p:cNvSpPr>
           <p:nvPr>
             <p:ph type="title"/>
           </p:nvPr>
@@ -5780,24 +5954,27 @@
           </a:prstGeom>
         </p:spPr>
         <p:txBody>
-          <a:bodyPr/>
+          <a:bodyPr>
+            <a:normAutofit fontScale="90000"/>
+          </a:bodyPr>
           <a:lstStyle>
             <a:lvl1pPr defTabSz="877823">
               <a:defRPr sz="2688"/>
             </a:lvl1pPr>
           </a:lstStyle>
           <a:p>
-            <a:pPr/>
-            <a:r>
-              <a:t>Part 1: Hybrid images</a:t>
-            </a:r>
-          </a:p>
-        </p:txBody>
-      </p:sp>
-      <p:sp>
-        <p:nvSpPr>
-          <p:cNvPr id="221" name="Google Shape;127;p29"/>
-          <p:cNvSpPr txBox="1"/>
+            <a:r>
+              <a:t>Part 1: Image filtering</a:t>
+            </a:r>
+          </a:p>
+        </p:txBody>
+      </p:sp>
+      <p:sp>
+        <p:nvSpPr>
+          <p:cNvPr id="209" name="Google Shape;106;p26"/>
+          <p:cNvSpPr txBox="1">
+            <a:spLocks noGrp="1"/>
+          </p:cNvSpPr>
           <p:nvPr>
             <p:ph type="body" sz="half" idx="1"/>
           </p:nvPr>
@@ -5823,17 +6000,18 @@
             </a:lvl1pPr>
           </a:lstStyle>
           <a:p>
-            <a:pPr/>
-            <a:r>
-              <a:t>[Describe the three main steps of create_hybrid_image() here. Explain how to ensure the output values are within the appropriate range for matplotlib visualizations.]</a:t>
-            </a:r>
-          </a:p>
-        </p:txBody>
-      </p:sp>
-      <p:sp>
-        <p:nvSpPr>
-          <p:cNvPr id="222" name="Google Shape;128;p29"/>
-          <p:cNvSpPr txBox="1"/>
+            <a:r>
+              <a:t>[insert visualization of Gaussian kernel from project-1.ipynb here]</a:t>
+            </a:r>
+          </a:p>
+        </p:txBody>
+      </p:sp>
+      <p:sp>
+        <p:nvSpPr>
+          <p:cNvPr id="210" name="Google Shape;107;p26"/>
+          <p:cNvSpPr txBox="1">
+            <a:spLocks noGrp="1"/>
+          </p:cNvSpPr>
           <p:nvPr>
             <p:ph type="body" idx="21"/>
           </p:nvPr>
@@ -5844,87 +6022,25 @@
           </a:prstGeom>
           <a:extLst>
             <a:ext uri="{C572A759-6A51-4108-AA02-DFA0A04FC94B}">
-              <ma14:wrappingTextBoxFlag xmlns:ma14="http://schemas.microsoft.com/office/mac/drawingml/2011/main" val="1"/>
+              <ma14:wrappingTextBoxFlag xmlns="" xmlns:m="http://schemas.openxmlformats.org/officeDocument/2006/math" xmlns:a14="http://schemas.microsoft.com/office/drawing/2010/main" xmlns:ma14="http://schemas.microsoft.com/office/mac/drawingml/2011/main" val="1"/>
             </a:ext>
           </a:extLst>
         </p:spPr>
         <p:txBody>
           <a:bodyPr/>
-          <a:lstStyle/>
-          <a:p>
-            <a:pPr marL="0" indent="0">
-              <a:buSzTx/>
-              <a:buNone/>
-              <a:defRPr b="1" sz="1400"/>
-            </a:pPr>
-            <a:r>
-              <a:t>Cat + Dog</a:t>
-            </a:r>
-          </a:p>
-          <a:p>
-            <a:pPr marL="0" indent="0">
+          <a:lstStyle>
+            <a:lvl1pPr marL="0" indent="0">
               <a:spcBef>
                 <a:spcPts val="1600"/>
               </a:spcBef>
               <a:buSzTx/>
               <a:buNone/>
               <a:defRPr sz="1400"/>
-            </a:pPr>
-            <a:r>
-              <a:t>[insert your hybrid image here]</a:t>
-            </a:r>
-          </a:p>
-          <a:p>
-            <a:pPr marL="0" indent="0">
-              <a:spcBef>
-                <a:spcPts val="1600"/>
-              </a:spcBef>
-              <a:buSzTx/>
-              <a:buNone/>
-              <a:defRPr sz="1400"/>
-            </a:pPr>
-          </a:p>
-          <a:p>
-            <a:pPr marL="0" indent="0">
-              <a:spcBef>
-                <a:spcPts val="1600"/>
-              </a:spcBef>
-              <a:buSzTx/>
-              <a:buNone/>
-              <a:defRPr sz="1400"/>
-            </a:pPr>
-          </a:p>
-          <a:p>
-            <a:pPr marL="0" indent="0">
-              <a:spcBef>
-                <a:spcPts val="1600"/>
-              </a:spcBef>
-              <a:buSzTx/>
-              <a:buNone/>
-              <a:defRPr sz="1400"/>
-            </a:pPr>
-          </a:p>
-          <a:p>
-            <a:pPr marL="0" indent="0">
-              <a:spcBef>
-                <a:spcPts val="1600"/>
-              </a:spcBef>
-              <a:buSzTx/>
-              <a:buNone/>
-              <a:defRPr sz="1400"/>
-            </a:pPr>
-          </a:p>
-          <a:p>
-            <a:pPr marL="0" indent="0">
-              <a:spcBef>
-                <a:spcPts val="1600"/>
-              </a:spcBef>
-              <a:buSzTx/>
-              <a:buNone/>
-              <a:defRPr sz="1400"/>
-            </a:pPr>
-            <a:r>
-              <a:t>Cutoff frequency: [insert the value you used for this image pair]</a:t>
+            </a:lvl1pPr>
+          </a:lstStyle>
+          <a:p>
+            <a:r>
+              <a:t>[Describe your implementation of my_conv2d_numpy() in words. Make sure to discuss padding, and the operations used between the filter and image.]</a:t>
             </a:r>
           </a:p>
         </p:txBody>
@@ -5934,12 +6050,12 @@
   <p:clrMapOvr>
     <a:masterClrMapping/>
   </p:clrMapOvr>
-  <p:transition xmlns:p14="http://schemas.microsoft.com/office/powerpoint/2010/main" spd="med" advClick="1"/>
+  <p:transition spd="med"/>
 </p:sld>
 </file>
 
-<file path=ppt/slides/slide6.xml><?xml version="1.0" encoding="utf-8"?>
-<p:sld xmlns:a="http://schemas.openxmlformats.org/drawingml/2006/main" xmlns:r="http://schemas.openxmlformats.org/officeDocument/2006/relationships" xmlns:p="http://schemas.openxmlformats.org/presentationml/2006/main" xmlns:m="http://schemas.openxmlformats.org/officeDocument/2006/math" xmlns:a14="http://schemas.microsoft.com/office/drawing/2010/main" showMasterSp="1" showMasterPhAnim="1">
+<file path=ppt/slides/slide20.xml><?xml version="1.0" encoding="utf-8"?>
+<p:sld xmlns:a="http://schemas.openxmlformats.org/drawingml/2006/main" xmlns:r="http://schemas.openxmlformats.org/officeDocument/2006/relationships" xmlns:p="http://schemas.openxmlformats.org/presentationml/2006/main">
   <p:cSld>
     <p:spTree>
       <p:nvGrpSpPr>
@@ -5957,8 +6073,10 @@
       </p:grpSpPr>
       <p:sp>
         <p:nvSpPr>
-          <p:cNvPr id="224" name="Google Shape;133;p30"/>
-          <p:cNvSpPr txBox="1"/>
+          <p:cNvPr id="244" name="Google Shape;168;p35"/>
+          <p:cNvSpPr txBox="1">
+            <a:spLocks noGrp="1"/>
+          </p:cNvSpPr>
           <p:nvPr>
             <p:ph type="title"/>
           </p:nvPr>
@@ -5973,24 +6091,33 @@
           </a:prstGeom>
         </p:spPr>
         <p:txBody>
-          <a:bodyPr/>
+          <a:bodyPr>
+            <a:normAutofit fontScale="90000"/>
+          </a:bodyPr>
           <a:lstStyle>
             <a:lvl1pPr defTabSz="877823">
               <a:defRPr sz="2688"/>
             </a:lvl1pPr>
           </a:lstStyle>
           <a:p>
-            <a:pPr/>
-            <a:r>
-              <a:t>Part 1: Hybrid images</a:t>
-            </a:r>
-          </a:p>
-        </p:txBody>
-      </p:sp>
-      <p:sp>
-        <p:nvSpPr>
-          <p:cNvPr id="225" name="Google Shape;134;p30"/>
-          <p:cNvSpPr txBox="1"/>
+            <a:r>
+              <a:rPr dirty="0"/>
+              <a:t>Part</a:t>
+            </a:r>
+            <a:r>
+              <a:rPr lang="en-US" dirty="0"/>
+              <a:t> 4: Frequency Domain Convolutions</a:t>
+            </a:r>
+            <a:endParaRPr dirty="0"/>
+          </a:p>
+        </p:txBody>
+      </p:sp>
+      <p:sp>
+        <p:nvSpPr>
+          <p:cNvPr id="245" name="Google Shape;169;p35"/>
+          <p:cNvSpPr txBox="1">
+            <a:spLocks noGrp="1"/>
+          </p:cNvSpPr>
           <p:nvPr>
             <p:ph type="body" sz="half" idx="1"/>
           </p:nvPr>
@@ -6011,78 +6138,25 @@
             <a:pPr marL="0" indent="0">
               <a:buSzTx/>
               <a:buNone/>
-              <a:defRPr b="1"/>
             </a:pPr>
             <a:r>
-              <a:t>Motorcycle + Bicycle</a:t>
-            </a:r>
-          </a:p>
-          <a:p>
-            <a:pPr marL="0" indent="0">
-              <a:spcBef>
-                <a:spcPts val="1600"/>
-              </a:spcBef>
-              <a:buSzTx/>
-              <a:buNone/>
-            </a:pPr>
-            <a:r>
-              <a:t>[insert your hybrid image here]</a:t>
-            </a:r>
-          </a:p>
-          <a:p>
-            <a:pPr marL="0" indent="0">
-              <a:spcBef>
-                <a:spcPts val="1600"/>
-              </a:spcBef>
-              <a:buSzTx/>
-              <a:buNone/>
-            </a:pPr>
-          </a:p>
-          <a:p>
-            <a:pPr marL="0" indent="0">
-              <a:spcBef>
-                <a:spcPts val="1600"/>
-              </a:spcBef>
-              <a:buSzTx/>
-              <a:buNone/>
-            </a:pPr>
-          </a:p>
-          <a:p>
-            <a:pPr marL="0" indent="0">
-              <a:spcBef>
-                <a:spcPts val="1600"/>
-              </a:spcBef>
-              <a:buSzTx/>
-              <a:buNone/>
-            </a:pPr>
-          </a:p>
-          <a:p>
-            <a:pPr marL="0" indent="0">
-              <a:spcBef>
-                <a:spcPts val="1600"/>
-              </a:spcBef>
-              <a:buSzTx/>
-              <a:buNone/>
-            </a:pPr>
-          </a:p>
-          <a:p>
-            <a:pPr marL="0" indent="0">
-              <a:spcBef>
-                <a:spcPts val="1600"/>
-              </a:spcBef>
-              <a:buSzTx/>
-              <a:buNone/>
-            </a:pPr>
-            <a:r>
-              <a:t>Cutoff frequency: [insert the value you used for this image pair]</a:t>
-            </a:r>
-          </a:p>
-        </p:txBody>
-      </p:sp>
-      <p:sp>
-        <p:nvSpPr>
-          <p:cNvPr id="226" name="Google Shape;135;p30"/>
-          <p:cNvSpPr txBox="1"/>
+              <a:rPr dirty="0"/>
+              <a:t>[</a:t>
+            </a:r>
+            <a:r>
+              <a:rPr lang="en-US" dirty="0"/>
+              <a:t>Insert the de-blurred mystery image and its visualization in the frequency domain]</a:t>
+            </a:r>
+            <a:endParaRPr dirty="0"/>
+          </a:p>
+        </p:txBody>
+      </p:sp>
+      <p:sp>
+        <p:nvSpPr>
+          <p:cNvPr id="246" name="Google Shape;170;p35"/>
+          <p:cNvSpPr txBox="1">
+            <a:spLocks noGrp="1"/>
+          </p:cNvSpPr>
           <p:nvPr>
             <p:ph type="body" idx="21"/>
           </p:nvPr>
@@ -6093,7 +6167,7 @@
           </a:prstGeom>
           <a:extLst>
             <a:ext uri="{C572A759-6A51-4108-AA02-DFA0A04FC94B}">
-              <ma14:wrappingTextBoxFlag xmlns:ma14="http://schemas.microsoft.com/office/mac/drawingml/2011/main" val="1"/>
+              <ma14:wrappingTextBoxFlag xmlns:ma14="http://schemas.microsoft.com/office/mac/drawingml/2011/main" xmlns:a14="http://schemas.microsoft.com/office/drawing/2010/main" xmlns:m="http://schemas.openxmlformats.org/officeDocument/2006/math" xmlns="" val="1"/>
             </a:ext>
           </a:extLst>
         </p:spPr>
@@ -6104,91 +6178,32 @@
             <a:pPr marL="0" indent="0">
               <a:buSzTx/>
               <a:buNone/>
-              <a:defRPr b="1" sz="1400"/>
-            </a:pPr>
-            <a:r>
-              <a:t>Plane + Bird</a:t>
-            </a:r>
-          </a:p>
-          <a:p>
-            <a:pPr marL="0" indent="0">
-              <a:spcBef>
-                <a:spcPts val="1600"/>
-              </a:spcBef>
-              <a:buSzTx/>
-              <a:buNone/>
               <a:defRPr sz="1400"/>
             </a:pPr>
             <a:r>
-              <a:t>[insert your hybrid image here]</a:t>
-            </a:r>
-          </a:p>
-          <a:p>
-            <a:pPr marL="0" indent="0">
-              <a:spcBef>
-                <a:spcPts val="1600"/>
-              </a:spcBef>
-              <a:buSzTx/>
-              <a:buNone/>
-              <a:defRPr sz="1400"/>
-            </a:pPr>
-          </a:p>
-          <a:p>
-            <a:pPr marL="0" indent="0">
-              <a:spcBef>
-                <a:spcPts val="1600"/>
-              </a:spcBef>
-              <a:buSzTx/>
-              <a:buNone/>
-              <a:defRPr sz="1400"/>
-            </a:pPr>
-          </a:p>
-          <a:p>
-            <a:pPr marL="0" indent="0">
-              <a:spcBef>
-                <a:spcPts val="1600"/>
-              </a:spcBef>
-              <a:buSzTx/>
-              <a:buNone/>
-              <a:defRPr sz="1400"/>
-            </a:pPr>
-          </a:p>
-          <a:p>
-            <a:pPr marL="0" indent="0">
-              <a:spcBef>
-                <a:spcPts val="1600"/>
-              </a:spcBef>
-              <a:buSzTx/>
-              <a:buNone/>
-              <a:defRPr sz="1400"/>
-            </a:pPr>
-          </a:p>
-          <a:p>
-            <a:pPr marL="0" indent="0">
-              <a:spcBef>
-                <a:spcPts val="1600"/>
-              </a:spcBef>
-              <a:buSzTx/>
-              <a:buNone/>
-              <a:defRPr sz="1400"/>
-            </a:pPr>
-            <a:r>
-              <a:t>Cutoff frequency: [insert the value you used for this image pair]</a:t>
-            </a:r>
+              <a:rPr lang="en-US" dirty="0"/>
+              <a:t>[Insert the de-blurred mystery image and its visualization in the frequency domain after adding salt and pepper noise]</a:t>
+            </a:r>
+            <a:endParaRPr dirty="0"/>
           </a:p>
         </p:txBody>
       </p:sp>
     </p:spTree>
+    <p:extLst>
+      <p:ext uri="{BB962C8B-B14F-4D97-AF65-F5344CB8AC3E}">
+        <p14:creationId xmlns:p14="http://schemas.microsoft.com/office/powerpoint/2010/main" val="1367324130"/>
+      </p:ext>
+    </p:extLst>
   </p:cSld>
   <p:clrMapOvr>
     <a:masterClrMapping/>
   </p:clrMapOvr>
-  <p:transition xmlns:p14="http://schemas.microsoft.com/office/powerpoint/2010/main" spd="med" advClick="1"/>
+  <p:transition spd="med"/>
 </p:sld>
 </file>
 
-<file path=ppt/slides/slide7.xml><?xml version="1.0" encoding="utf-8"?>
-<p:sld xmlns:a="http://schemas.openxmlformats.org/drawingml/2006/main" xmlns:r="http://schemas.openxmlformats.org/officeDocument/2006/relationships" xmlns:p="http://schemas.openxmlformats.org/presentationml/2006/main" xmlns:m="http://schemas.openxmlformats.org/officeDocument/2006/math" xmlns:a14="http://schemas.microsoft.com/office/drawing/2010/main" showMasterSp="1" showMasterPhAnim="1">
+<file path=ppt/slides/slide21.xml><?xml version="1.0" encoding="utf-8"?>
+<p:sld xmlns:a="http://schemas.openxmlformats.org/drawingml/2006/main" xmlns:r="http://schemas.openxmlformats.org/officeDocument/2006/relationships" xmlns:p="http://schemas.openxmlformats.org/presentationml/2006/main">
   <p:cSld>
     <p:spTree>
       <p:nvGrpSpPr>
@@ -6206,8 +6221,10 @@
       </p:grpSpPr>
       <p:sp>
         <p:nvSpPr>
-          <p:cNvPr id="228" name="Google Shape;140;p31"/>
-          <p:cNvSpPr txBox="1"/>
+          <p:cNvPr id="244" name="Google Shape;168;p35"/>
+          <p:cNvSpPr txBox="1">
+            <a:spLocks noGrp="1"/>
+          </p:cNvSpPr>
           <p:nvPr>
             <p:ph type="title"/>
           </p:nvPr>
@@ -6222,32 +6239,41 @@
           </a:prstGeom>
         </p:spPr>
         <p:txBody>
-          <a:bodyPr/>
+          <a:bodyPr>
+            <a:normAutofit fontScale="90000"/>
+          </a:bodyPr>
           <a:lstStyle>
             <a:lvl1pPr defTabSz="877823">
               <a:defRPr sz="2688"/>
             </a:lvl1pPr>
           </a:lstStyle>
           <a:p>
-            <a:pPr/>
-            <a:r>
-              <a:t>Part 1: Hybrid images</a:t>
-            </a:r>
-          </a:p>
-        </p:txBody>
-      </p:sp>
-      <p:sp>
-        <p:nvSpPr>
-          <p:cNvPr id="229" name="Google Shape;141;p31"/>
-          <p:cNvSpPr txBox="1"/>
+            <a:r>
+              <a:rPr dirty="0"/>
+              <a:t>Part</a:t>
+            </a:r>
+            <a:r>
+              <a:rPr lang="en-US" dirty="0"/>
+              <a:t> 4: Frequency Domain Convolutions</a:t>
+            </a:r>
+            <a:endParaRPr dirty="0"/>
+          </a:p>
+        </p:txBody>
+      </p:sp>
+      <p:sp>
+        <p:nvSpPr>
+          <p:cNvPr id="245" name="Google Shape;169;p35"/>
+          <p:cNvSpPr txBox="1">
+            <a:spLocks noGrp="1"/>
+          </p:cNvSpPr>
           <p:nvPr>
             <p:ph type="body" sz="half" idx="1"/>
           </p:nvPr>
         </p:nvSpPr>
         <p:spPr>
           <a:xfrm>
-            <a:off x="311699" y="1152475"/>
-            <a:ext cx="3999902" cy="3416400"/>
+            <a:off x="311698" y="1152475"/>
+            <a:ext cx="8039521" cy="3416400"/>
           </a:xfrm>
           <a:prstGeom prst="rect">
             <a:avLst/>
@@ -6260,184 +6286,31 @@
             <a:pPr marL="0" indent="0">
               <a:buSzTx/>
               <a:buNone/>
-              <a:defRPr b="1"/>
-            </a:pPr>
-            <a:r>
-              <a:t>Einstein + Marilyn</a:t>
-            </a:r>
-          </a:p>
-          <a:p>
-            <a:pPr marL="0" indent="0">
-              <a:spcBef>
-                <a:spcPts val="1600"/>
-              </a:spcBef>
-              <a:buSzTx/>
-              <a:buNone/>
-            </a:pPr>
-            <a:r>
-              <a:t>[insert your hybrid image here]</a:t>
-            </a:r>
-          </a:p>
-          <a:p>
-            <a:pPr marL="0" indent="0">
-              <a:spcBef>
-                <a:spcPts val="1600"/>
-              </a:spcBef>
-              <a:buSzTx/>
-              <a:buNone/>
-            </a:pPr>
-          </a:p>
-          <a:p>
-            <a:pPr marL="0" indent="0">
-              <a:spcBef>
-                <a:spcPts val="1600"/>
-              </a:spcBef>
-              <a:buSzTx/>
-              <a:buNone/>
-            </a:pPr>
-          </a:p>
-          <a:p>
-            <a:pPr marL="0" indent="0">
-              <a:spcBef>
-                <a:spcPts val="1600"/>
-              </a:spcBef>
-              <a:buSzTx/>
-              <a:buNone/>
-            </a:pPr>
-          </a:p>
-          <a:p>
-            <a:pPr marL="0" indent="0">
-              <a:spcBef>
-                <a:spcPts val="1600"/>
-              </a:spcBef>
-              <a:buSzTx/>
-              <a:buNone/>
-            </a:pPr>
-          </a:p>
-          <a:p>
-            <a:pPr marL="0" indent="0">
-              <a:spcBef>
-                <a:spcPts val="1600"/>
-              </a:spcBef>
-              <a:buSzTx/>
-              <a:buNone/>
-            </a:pPr>
-            <a:r>
-              <a:t>Cutoff frequency: [insert the value you used for this image pair]</a:t>
-            </a:r>
-          </a:p>
-        </p:txBody>
-      </p:sp>
-      <p:sp>
-        <p:nvSpPr>
-          <p:cNvPr id="230" name="Google Shape;142;p31"/>
-          <p:cNvSpPr txBox="1"/>
-          <p:nvPr>
-            <p:ph type="body" idx="21"/>
-          </p:nvPr>
-        </p:nvSpPr>
-        <p:spPr>
-          <a:prstGeom prst="rect">
-            <a:avLst/>
-          </a:prstGeom>
-          <a:extLst>
-            <a:ext uri="{C572A759-6A51-4108-AA02-DFA0A04FC94B}">
-              <ma14:wrappingTextBoxFlag xmlns:ma14="http://schemas.microsoft.com/office/mac/drawingml/2011/main" val="1"/>
-            </a:ext>
-          </a:extLst>
-        </p:spPr>
-        <p:txBody>
-          <a:bodyPr/>
-          <a:lstStyle/>
-          <a:p>
-            <a:pPr marL="0" indent="0">
-              <a:buSzTx/>
-              <a:buNone/>
-              <a:defRPr b="1" sz="1400"/>
-            </a:pPr>
-            <a:r>
-              <a:t>Submarine + Fish</a:t>
-            </a:r>
-          </a:p>
-          <a:p>
-            <a:pPr marL="0" indent="0">
-              <a:spcBef>
-                <a:spcPts val="1600"/>
-              </a:spcBef>
-              <a:buSzTx/>
-              <a:buNone/>
               <a:defRPr sz="1400"/>
             </a:pPr>
             <a:r>
-              <a:t>[insert your hybrid image here]</a:t>
-            </a:r>
-          </a:p>
-          <a:p>
-            <a:pPr marL="0" indent="0">
-              <a:spcBef>
-                <a:spcPts val="1600"/>
-              </a:spcBef>
-              <a:buSzTx/>
-              <a:buNone/>
-              <a:defRPr sz="1400"/>
-            </a:pPr>
-          </a:p>
-          <a:p>
-            <a:pPr marL="0" indent="0">
-              <a:spcBef>
-                <a:spcPts val="1600"/>
-              </a:spcBef>
-              <a:buSzTx/>
-              <a:buNone/>
-              <a:defRPr sz="1400"/>
-            </a:pPr>
-          </a:p>
-          <a:p>
-            <a:pPr marL="0" indent="0">
-              <a:spcBef>
-                <a:spcPts val="1600"/>
-              </a:spcBef>
-              <a:buSzTx/>
-              <a:buNone/>
-              <a:defRPr sz="1400"/>
-            </a:pPr>
-          </a:p>
-          <a:p>
-            <a:pPr marL="0" indent="0">
-              <a:spcBef>
-                <a:spcPts val="1600"/>
-              </a:spcBef>
-              <a:buSzTx/>
-              <a:buNone/>
-              <a:defRPr sz="1400"/>
-            </a:pPr>
-          </a:p>
-          <a:p>
-            <a:pPr marL="0" indent="0">
-              <a:spcBef>
-                <a:spcPts val="1600"/>
-              </a:spcBef>
-              <a:buSzTx/>
-              <a:buNone/>
-              <a:defRPr sz="1400"/>
-            </a:pPr>
-            <a:r>
-              <a:t>Cutoff frequency: [insert the value you used for this image pair]</a:t>
+              <a:rPr lang="en-US" dirty="0"/>
+              <a:t>[What factors limit the potential uses of deconvolution in the real world? Give two possible factors]</a:t>
             </a:r>
           </a:p>
         </p:txBody>
       </p:sp>
     </p:spTree>
+    <p:extLst>
+      <p:ext uri="{BB962C8B-B14F-4D97-AF65-F5344CB8AC3E}">
+        <p14:creationId xmlns:p14="http://schemas.microsoft.com/office/powerpoint/2010/main" val="1028200377"/>
+      </p:ext>
+    </p:extLst>
   </p:cSld>
   <p:clrMapOvr>
     <a:masterClrMapping/>
   </p:clrMapOvr>
-  <p:transition xmlns:p14="http://schemas.microsoft.com/office/powerpoint/2010/main" spd="med" advClick="1"/>
+  <p:transition spd="med"/>
 </p:sld>
 </file>
 
-<file path=ppt/slides/slide8.xml><?xml version="1.0" encoding="utf-8"?>
-<p:sld xmlns:a="http://schemas.openxmlformats.org/drawingml/2006/main" xmlns:r="http://schemas.openxmlformats.org/officeDocument/2006/relationships" xmlns:p="http://schemas.openxmlformats.org/presentationml/2006/main" xmlns:m="http://schemas.openxmlformats.org/officeDocument/2006/math" xmlns:a14="http://schemas.microsoft.com/office/drawing/2010/main" showMasterSp="1" showMasterPhAnim="1">
+<file path=ppt/slides/slide22.xml><?xml version="1.0" encoding="utf-8"?>
+<p:sld xmlns:a="http://schemas.openxmlformats.org/drawingml/2006/main" xmlns:r="http://schemas.openxmlformats.org/officeDocument/2006/relationships" xmlns:p="http://schemas.openxmlformats.org/presentationml/2006/main">
   <p:cSld>
     <p:spTree>
       <p:nvGrpSpPr>
@@ -6455,8 +6328,10 @@
       </p:grpSpPr>
       <p:sp>
         <p:nvSpPr>
-          <p:cNvPr id="232" name="Google Shape;147;p32"/>
-          <p:cNvSpPr txBox="1"/>
+          <p:cNvPr id="264" name="Google Shape;203;p40"/>
+          <p:cNvSpPr txBox="1">
+            <a:spLocks noGrp="1"/>
+          </p:cNvSpPr>
           <p:nvPr>
             <p:ph type="title"/>
           </p:nvPr>
@@ -6471,32 +6346,35 @@
           </a:prstGeom>
         </p:spPr>
         <p:txBody>
-          <a:bodyPr/>
+          <a:bodyPr>
+            <a:normAutofit fontScale="90000"/>
+          </a:bodyPr>
           <a:lstStyle>
             <a:lvl1pPr defTabSz="877823">
               <a:defRPr sz="2688"/>
             </a:lvl1pPr>
           </a:lstStyle>
           <a:p>
-            <a:pPr/>
-            <a:r>
-              <a:t>Part 2: Hybrid images with PyTorch</a:t>
-            </a:r>
-          </a:p>
-        </p:txBody>
-      </p:sp>
-      <p:sp>
-        <p:nvSpPr>
-          <p:cNvPr id="233" name="Google Shape;148;p32"/>
-          <p:cNvSpPr txBox="1"/>
-          <p:nvPr>
-            <p:ph type="body" sz="half" idx="1"/>
+            <a:r>
+              <a:t>Conclusion</a:t>
+            </a:r>
+          </a:p>
+        </p:txBody>
+      </p:sp>
+      <p:sp>
+        <p:nvSpPr>
+          <p:cNvPr id="265" name="Google Shape;204;p40"/>
+          <p:cNvSpPr txBox="1">
+            <a:spLocks noGrp="1"/>
+          </p:cNvSpPr>
+          <p:nvPr>
+            <p:ph type="body" idx="1"/>
           </p:nvPr>
         </p:nvSpPr>
         <p:spPr>
           <a:xfrm>
             <a:off x="311699" y="1152475"/>
-            <a:ext cx="3999902" cy="3416400"/>
+            <a:ext cx="8520602" cy="3416400"/>
           </a:xfrm>
           <a:prstGeom prst="rect">
             <a:avLst/>
@@ -6504,73 +6382,18 @@
         </p:spPr>
         <p:txBody>
           <a:bodyPr/>
-          <a:lstStyle/>
-          <a:p>
-            <a:pPr marL="0" indent="0">
-              <a:buSzTx/>
-              <a:buNone/>
-              <a:defRPr b="1"/>
-            </a:pPr>
-            <a:r>
-              <a:t>Cat + Dog</a:t>
-            </a:r>
-          </a:p>
-          <a:p>
-            <a:pPr marL="0" indent="0">
+          <a:lstStyle>
+            <a:lvl1pPr marL="0" indent="0">
               <a:spcBef>
                 <a:spcPts val="1600"/>
               </a:spcBef>
               <a:buSzTx/>
               <a:buNone/>
-            </a:pPr>
-            <a:r>
-              <a:t>[insert your hybrid image here]</a:t>
-            </a:r>
-          </a:p>
-        </p:txBody>
-      </p:sp>
-      <p:sp>
-        <p:nvSpPr>
-          <p:cNvPr id="234" name="Google Shape;149;p32"/>
-          <p:cNvSpPr txBox="1"/>
-          <p:nvPr>
-            <p:ph type="body" idx="21"/>
-          </p:nvPr>
-        </p:nvSpPr>
-        <p:spPr>
-          <a:prstGeom prst="rect">
-            <a:avLst/>
-          </a:prstGeom>
-          <a:extLst>
-            <a:ext uri="{C572A759-6A51-4108-AA02-DFA0A04FC94B}">
-              <ma14:wrappingTextBoxFlag xmlns:ma14="http://schemas.microsoft.com/office/mac/drawingml/2011/main" val="1"/>
-            </a:ext>
-          </a:extLst>
-        </p:spPr>
-        <p:txBody>
-          <a:bodyPr/>
-          <a:lstStyle/>
-          <a:p>
-            <a:pPr marL="0" indent="0">
-              <a:buSzTx/>
-              <a:buNone/>
-              <a:defRPr b="1" sz="1400"/>
-            </a:pPr>
-            <a:r>
-              <a:t>Motorcycle + Bicycle</a:t>
-            </a:r>
-          </a:p>
-          <a:p>
-            <a:pPr marL="0" indent="0">
-              <a:spcBef>
-                <a:spcPts val="1600"/>
-              </a:spcBef>
-              <a:buSzTx/>
-              <a:buNone/>
-              <a:defRPr sz="1400"/>
-            </a:pPr>
-            <a:r>
-              <a:t>[insert your hybrid image here]</a:t>
+            </a:lvl1pPr>
+          </a:lstStyle>
+          <a:p>
+            <a:r>
+              <a:t>[How does varying the cutoff frequency value or swapping images within a pair influences the resulting hybrid image?]</a:t>
             </a:r>
           </a:p>
         </p:txBody>
@@ -6580,12 +6403,12 @@
   <p:clrMapOvr>
     <a:masterClrMapping/>
   </p:clrMapOvr>
-  <p:transition xmlns:p14="http://schemas.microsoft.com/office/powerpoint/2010/main" spd="med" advClick="1"/>
+  <p:transition spd="med"/>
 </p:sld>
 </file>
 
-<file path=ppt/slides/slide9.xml><?xml version="1.0" encoding="utf-8"?>
-<p:sld xmlns:a="http://schemas.openxmlformats.org/drawingml/2006/main" xmlns:r="http://schemas.openxmlformats.org/officeDocument/2006/relationships" xmlns:p="http://schemas.openxmlformats.org/presentationml/2006/main" xmlns:m="http://schemas.openxmlformats.org/officeDocument/2006/math" xmlns:a14="http://schemas.microsoft.com/office/drawing/2010/main" showMasterSp="1" showMasterPhAnim="1">
+<file path=ppt/slides/slide3.xml><?xml version="1.0" encoding="utf-8"?>
+<p:sld xmlns:a="http://schemas.openxmlformats.org/drawingml/2006/main" xmlns:r="http://schemas.openxmlformats.org/officeDocument/2006/relationships" xmlns:p="http://schemas.openxmlformats.org/presentationml/2006/main">
   <p:cSld>
     <p:spTree>
       <p:nvGrpSpPr>
@@ -6603,8 +6426,10 @@
       </p:grpSpPr>
       <p:sp>
         <p:nvSpPr>
-          <p:cNvPr id="236" name="Google Shape;154;p33"/>
-          <p:cNvSpPr txBox="1"/>
+          <p:cNvPr id="212" name="Google Shape;112;p27"/>
+          <p:cNvSpPr txBox="1">
+            <a:spLocks noGrp="1"/>
+          </p:cNvSpPr>
           <p:nvPr>
             <p:ph type="title"/>
           </p:nvPr>
@@ -6619,24 +6444,75 @@
           </a:prstGeom>
         </p:spPr>
         <p:txBody>
-          <a:bodyPr/>
+          <a:bodyPr>
+            <a:normAutofit fontScale="90000"/>
+          </a:bodyPr>
           <a:lstStyle>
             <a:lvl1pPr defTabSz="877823">
               <a:defRPr sz="2688"/>
             </a:lvl1pPr>
           </a:lstStyle>
           <a:p>
-            <a:pPr/>
-            <a:r>
-              <a:t>Part 2: Hybrid images with PyTorch</a:t>
-            </a:r>
-          </a:p>
-        </p:txBody>
-      </p:sp>
-      <p:sp>
-        <p:nvSpPr>
-          <p:cNvPr id="237" name="Google Shape;155;p33"/>
-          <p:cNvSpPr txBox="1"/>
+            <a:r>
+              <a:t>Part 1: Image filtering</a:t>
+            </a:r>
+          </a:p>
+        </p:txBody>
+      </p:sp>
+      <p:sp>
+        <p:nvSpPr>
+          <p:cNvPr id="213" name="Google Shape;114;p27"/>
+          <p:cNvSpPr txBox="1">
+            <a:spLocks noGrp="1"/>
+          </p:cNvSpPr>
+          <p:nvPr>
+            <p:ph type="body" idx="21"/>
+          </p:nvPr>
+        </p:nvSpPr>
+        <p:spPr>
+          <a:prstGeom prst="rect">
+            <a:avLst/>
+          </a:prstGeom>
+          <a:extLst>
+            <a:ext uri="{C572A759-6A51-4108-AA02-DFA0A04FC94B}">
+              <ma14:wrappingTextBoxFlag xmlns="" xmlns:m="http://schemas.openxmlformats.org/officeDocument/2006/math" xmlns:a14="http://schemas.microsoft.com/office/drawing/2010/main" xmlns:ma14="http://schemas.microsoft.com/office/mac/drawingml/2011/main" val="1"/>
+            </a:ext>
+          </a:extLst>
+        </p:spPr>
+        <p:txBody>
+          <a:bodyPr/>
+          <a:lstStyle/>
+          <a:p>
+            <a:pPr marL="0" indent="0">
+              <a:buSzTx/>
+              <a:buNone/>
+              <a:defRPr sz="1400" b="1"/>
+            </a:pPr>
+            <a:r>
+              <a:t>Small blur with a box filter</a:t>
+            </a:r>
+          </a:p>
+          <a:p>
+            <a:pPr marL="0" indent="0">
+              <a:spcBef>
+                <a:spcPts val="1600"/>
+              </a:spcBef>
+              <a:buSzTx/>
+              <a:buNone/>
+              <a:defRPr sz="1400"/>
+            </a:pPr>
+            <a:r>
+              <a:t>[insert the results from project-1.ipynb using 1b_cat.bmp with the box filter here]</a:t>
+            </a:r>
+          </a:p>
+        </p:txBody>
+      </p:sp>
+      <p:sp>
+        <p:nvSpPr>
+          <p:cNvPr id="214" name="Google Shape;113;p27"/>
+          <p:cNvSpPr txBox="1">
+            <a:spLocks noGrp="1"/>
+          </p:cNvSpPr>
           <p:nvPr>
             <p:ph type="body" sz="half" idx="1"/>
           </p:nvPr>
@@ -6660,7 +6536,7 @@
               <a:defRPr b="1"/>
             </a:pPr>
             <a:r>
-              <a:t>Plane + Bird</a:t>
+              <a:t>Identity filter</a:t>
             </a:r>
           </a:p>
           <a:p>
@@ -6672,53 +6548,7 @@
               <a:buNone/>
             </a:pPr>
             <a:r>
-              <a:t>[insert your hybrid image here]</a:t>
-            </a:r>
-          </a:p>
-        </p:txBody>
-      </p:sp>
-      <p:sp>
-        <p:nvSpPr>
-          <p:cNvPr id="238" name="Google Shape;156;p33"/>
-          <p:cNvSpPr txBox="1"/>
-          <p:nvPr>
-            <p:ph type="body" idx="21"/>
-          </p:nvPr>
-        </p:nvSpPr>
-        <p:spPr>
-          <a:prstGeom prst="rect">
-            <a:avLst/>
-          </a:prstGeom>
-          <a:extLst>
-            <a:ext uri="{C572A759-6A51-4108-AA02-DFA0A04FC94B}">
-              <ma14:wrappingTextBoxFlag xmlns:ma14="http://schemas.microsoft.com/office/mac/drawingml/2011/main" val="1"/>
-            </a:ext>
-          </a:extLst>
-        </p:spPr>
-        <p:txBody>
-          <a:bodyPr/>
-          <a:lstStyle/>
-          <a:p>
-            <a:pPr marL="0" indent="0">
-              <a:buSzTx/>
-              <a:buNone/>
-              <a:defRPr b="1" sz="1400"/>
-            </a:pPr>
-            <a:r>
-              <a:t>Einstein + Marilyn</a:t>
-            </a:r>
-          </a:p>
-          <a:p>
-            <a:pPr marL="0" indent="0">
-              <a:spcBef>
-                <a:spcPts val="1600"/>
-              </a:spcBef>
-              <a:buSzTx/>
-              <a:buNone/>
-              <a:defRPr sz="1400"/>
-            </a:pPr>
-            <a:r>
-              <a:t>[insert your hybrid image here]</a:t>
+              <a:t>[insert the results from project-1.ipynb using 1b_cat.bmp with the identity filter here]</a:t>
             </a:r>
           </a:p>
         </p:txBody>
@@ -6728,12 +6558,1208 @@
   <p:clrMapOvr>
     <a:masterClrMapping/>
   </p:clrMapOvr>
-  <p:transition xmlns:p14="http://schemas.microsoft.com/office/powerpoint/2010/main" spd="med" advClick="1"/>
+  <p:transition spd="med"/>
+</p:sld>
+</file>
+
+<file path=ppt/slides/slide4.xml><?xml version="1.0" encoding="utf-8"?>
+<p:sld xmlns:a="http://schemas.openxmlformats.org/drawingml/2006/main" xmlns:r="http://schemas.openxmlformats.org/officeDocument/2006/relationships" xmlns:p="http://schemas.openxmlformats.org/presentationml/2006/main">
+  <p:cSld>
+    <p:spTree>
+      <p:nvGrpSpPr>
+        <p:cNvPr id="1" name=""/>
+        <p:cNvGrpSpPr/>
+        <p:nvPr/>
+      </p:nvGrpSpPr>
+      <p:grpSpPr>
+        <a:xfrm>
+          <a:off x="0" y="0"/>
+          <a:ext cx="0" cy="0"/>
+          <a:chOff x="0" y="0"/>
+          <a:chExt cx="0" cy="0"/>
+        </a:xfrm>
+      </p:grpSpPr>
+      <p:sp>
+        <p:nvSpPr>
+          <p:cNvPr id="216" name="Google Shape;119;p28"/>
+          <p:cNvSpPr txBox="1">
+            <a:spLocks noGrp="1"/>
+          </p:cNvSpPr>
+          <p:nvPr>
+            <p:ph type="title"/>
+          </p:nvPr>
+        </p:nvSpPr>
+        <p:spPr>
+          <a:xfrm>
+            <a:off x="311699" y="445025"/>
+            <a:ext cx="8520602" cy="572701"/>
+          </a:xfrm>
+          <a:prstGeom prst="rect">
+            <a:avLst/>
+          </a:prstGeom>
+        </p:spPr>
+        <p:txBody>
+          <a:bodyPr>
+            <a:normAutofit fontScale="90000"/>
+          </a:bodyPr>
+          <a:lstStyle>
+            <a:lvl1pPr defTabSz="877823">
+              <a:defRPr sz="2688"/>
+            </a:lvl1pPr>
+          </a:lstStyle>
+          <a:p>
+            <a:r>
+              <a:t>Part 1: Image filtering</a:t>
+            </a:r>
+          </a:p>
+        </p:txBody>
+      </p:sp>
+      <p:sp>
+        <p:nvSpPr>
+          <p:cNvPr id="217" name="Google Shape;120;p28"/>
+          <p:cNvSpPr txBox="1">
+            <a:spLocks noGrp="1"/>
+          </p:cNvSpPr>
+          <p:nvPr>
+            <p:ph type="body" sz="half" idx="1"/>
+          </p:nvPr>
+        </p:nvSpPr>
+        <p:spPr>
+          <a:xfrm>
+            <a:off x="311699" y="1152475"/>
+            <a:ext cx="3999902" cy="3416400"/>
+          </a:xfrm>
+          <a:prstGeom prst="rect">
+            <a:avLst/>
+          </a:prstGeom>
+        </p:spPr>
+        <p:txBody>
+          <a:bodyPr/>
+          <a:lstStyle/>
+          <a:p>
+            <a:pPr marL="0" indent="0">
+              <a:buSzTx/>
+              <a:buNone/>
+              <a:defRPr b="1"/>
+            </a:pPr>
+            <a:r>
+              <a:t>Sobel filter</a:t>
+            </a:r>
+          </a:p>
+          <a:p>
+            <a:pPr marL="0" indent="0">
+              <a:spcBef>
+                <a:spcPts val="1600"/>
+              </a:spcBef>
+              <a:buSzTx/>
+              <a:buNone/>
+            </a:pPr>
+            <a:r>
+              <a:t>[insert the results from project-1.ipynb using 1b_cat.bmp with the Sobel filter here]</a:t>
+            </a:r>
+          </a:p>
+        </p:txBody>
+      </p:sp>
+      <p:sp>
+        <p:nvSpPr>
+          <p:cNvPr id="218" name="Google Shape;121;p28"/>
+          <p:cNvSpPr txBox="1">
+            <a:spLocks noGrp="1"/>
+          </p:cNvSpPr>
+          <p:nvPr>
+            <p:ph type="body" idx="21"/>
+          </p:nvPr>
+        </p:nvSpPr>
+        <p:spPr>
+          <a:prstGeom prst="rect">
+            <a:avLst/>
+          </a:prstGeom>
+          <a:extLst>
+            <a:ext uri="{C572A759-6A51-4108-AA02-DFA0A04FC94B}">
+              <ma14:wrappingTextBoxFlag xmlns="" xmlns:m="http://schemas.openxmlformats.org/officeDocument/2006/math" xmlns:a14="http://schemas.microsoft.com/office/drawing/2010/main" xmlns:ma14="http://schemas.microsoft.com/office/mac/drawingml/2011/main" val="1"/>
+            </a:ext>
+          </a:extLst>
+        </p:spPr>
+        <p:txBody>
+          <a:bodyPr/>
+          <a:lstStyle/>
+          <a:p>
+            <a:pPr marL="0" indent="0">
+              <a:buSzTx/>
+              <a:buNone/>
+              <a:defRPr sz="1400" b="1"/>
+            </a:pPr>
+            <a:r>
+              <a:t>Discrete Laplacian filter</a:t>
+            </a:r>
+          </a:p>
+          <a:p>
+            <a:pPr marL="0" indent="0">
+              <a:spcBef>
+                <a:spcPts val="1600"/>
+              </a:spcBef>
+              <a:buSzTx/>
+              <a:buNone/>
+              <a:defRPr sz="1400"/>
+            </a:pPr>
+            <a:r>
+              <a:t>[insert the results from project-1.ipynb using 1b_cat.bmp with the discrete Laplacian filter here]</a:t>
+            </a:r>
+          </a:p>
+        </p:txBody>
+      </p:sp>
+    </p:spTree>
+  </p:cSld>
+  <p:clrMapOvr>
+    <a:masterClrMapping/>
+  </p:clrMapOvr>
+  <p:transition spd="med"/>
+</p:sld>
+</file>
+
+<file path=ppt/slides/slide5.xml><?xml version="1.0" encoding="utf-8"?>
+<p:sld xmlns:a="http://schemas.openxmlformats.org/drawingml/2006/main" xmlns:r="http://schemas.openxmlformats.org/officeDocument/2006/relationships" xmlns:p="http://schemas.openxmlformats.org/presentationml/2006/main">
+  <p:cSld>
+    <p:spTree>
+      <p:nvGrpSpPr>
+        <p:cNvPr id="1" name=""/>
+        <p:cNvGrpSpPr/>
+        <p:nvPr/>
+      </p:nvGrpSpPr>
+      <p:grpSpPr>
+        <a:xfrm>
+          <a:off x="0" y="0"/>
+          <a:ext cx="0" cy="0"/>
+          <a:chOff x="0" y="0"/>
+          <a:chExt cx="0" cy="0"/>
+        </a:xfrm>
+      </p:grpSpPr>
+      <p:sp>
+        <p:nvSpPr>
+          <p:cNvPr id="220" name="Google Shape;126;p29"/>
+          <p:cNvSpPr txBox="1">
+            <a:spLocks noGrp="1"/>
+          </p:cNvSpPr>
+          <p:nvPr>
+            <p:ph type="title"/>
+          </p:nvPr>
+        </p:nvSpPr>
+        <p:spPr>
+          <a:xfrm>
+            <a:off x="311699" y="445025"/>
+            <a:ext cx="8520602" cy="572701"/>
+          </a:xfrm>
+          <a:prstGeom prst="rect">
+            <a:avLst/>
+          </a:prstGeom>
+        </p:spPr>
+        <p:txBody>
+          <a:bodyPr>
+            <a:normAutofit fontScale="90000"/>
+          </a:bodyPr>
+          <a:lstStyle>
+            <a:lvl1pPr defTabSz="877823">
+              <a:defRPr sz="2688"/>
+            </a:lvl1pPr>
+          </a:lstStyle>
+          <a:p>
+            <a:r>
+              <a:t>Part 1: Hybrid images</a:t>
+            </a:r>
+          </a:p>
+        </p:txBody>
+      </p:sp>
+      <p:sp>
+        <p:nvSpPr>
+          <p:cNvPr id="221" name="Google Shape;127;p29"/>
+          <p:cNvSpPr txBox="1">
+            <a:spLocks noGrp="1"/>
+          </p:cNvSpPr>
+          <p:nvPr>
+            <p:ph type="body" sz="half" idx="1"/>
+          </p:nvPr>
+        </p:nvSpPr>
+        <p:spPr>
+          <a:xfrm>
+            <a:off x="311699" y="1152475"/>
+            <a:ext cx="3999902" cy="3416400"/>
+          </a:xfrm>
+          <a:prstGeom prst="rect">
+            <a:avLst/>
+          </a:prstGeom>
+        </p:spPr>
+        <p:txBody>
+          <a:bodyPr/>
+          <a:lstStyle>
+            <a:lvl1pPr marL="0" indent="0">
+              <a:spcBef>
+                <a:spcPts val="1600"/>
+              </a:spcBef>
+              <a:buSzTx/>
+              <a:buNone/>
+            </a:lvl1pPr>
+          </a:lstStyle>
+          <a:p>
+            <a:r>
+              <a:t>[Describe the three main steps of create_hybrid_image() here. Explain how to ensure the output values are within the appropriate range for matplotlib visualizations.]</a:t>
+            </a:r>
+          </a:p>
+        </p:txBody>
+      </p:sp>
+      <p:sp>
+        <p:nvSpPr>
+          <p:cNvPr id="222" name="Google Shape;128;p29"/>
+          <p:cNvSpPr txBox="1">
+            <a:spLocks noGrp="1"/>
+          </p:cNvSpPr>
+          <p:nvPr>
+            <p:ph type="body" idx="21"/>
+          </p:nvPr>
+        </p:nvSpPr>
+        <p:spPr>
+          <a:prstGeom prst="rect">
+            <a:avLst/>
+          </a:prstGeom>
+          <a:extLst>
+            <a:ext uri="{C572A759-6A51-4108-AA02-DFA0A04FC94B}">
+              <ma14:wrappingTextBoxFlag xmlns="" xmlns:m="http://schemas.openxmlformats.org/officeDocument/2006/math" xmlns:a14="http://schemas.microsoft.com/office/drawing/2010/main" xmlns:ma14="http://schemas.microsoft.com/office/mac/drawingml/2011/main" val="1"/>
+            </a:ext>
+          </a:extLst>
+        </p:spPr>
+        <p:txBody>
+          <a:bodyPr/>
+          <a:lstStyle/>
+          <a:p>
+            <a:pPr marL="0" indent="0">
+              <a:buSzTx/>
+              <a:buNone/>
+              <a:defRPr sz="1400" b="1"/>
+            </a:pPr>
+            <a:r>
+              <a:t>Cat + Dog</a:t>
+            </a:r>
+          </a:p>
+          <a:p>
+            <a:pPr marL="0" indent="0">
+              <a:spcBef>
+                <a:spcPts val="1600"/>
+              </a:spcBef>
+              <a:buSzTx/>
+              <a:buNone/>
+              <a:defRPr sz="1400"/>
+            </a:pPr>
+            <a:r>
+              <a:t>[insert your hybrid image here]</a:t>
+            </a:r>
+          </a:p>
+          <a:p>
+            <a:pPr marL="0" indent="0">
+              <a:spcBef>
+                <a:spcPts val="1600"/>
+              </a:spcBef>
+              <a:buSzTx/>
+              <a:buNone/>
+              <a:defRPr sz="1400"/>
+            </a:pPr>
+            <a:endParaRPr/>
+          </a:p>
+          <a:p>
+            <a:pPr marL="0" indent="0">
+              <a:spcBef>
+                <a:spcPts val="1600"/>
+              </a:spcBef>
+              <a:buSzTx/>
+              <a:buNone/>
+              <a:defRPr sz="1400"/>
+            </a:pPr>
+            <a:endParaRPr/>
+          </a:p>
+          <a:p>
+            <a:pPr marL="0" indent="0">
+              <a:spcBef>
+                <a:spcPts val="1600"/>
+              </a:spcBef>
+              <a:buSzTx/>
+              <a:buNone/>
+              <a:defRPr sz="1400"/>
+            </a:pPr>
+            <a:endParaRPr/>
+          </a:p>
+          <a:p>
+            <a:pPr marL="0" indent="0">
+              <a:spcBef>
+                <a:spcPts val="1600"/>
+              </a:spcBef>
+              <a:buSzTx/>
+              <a:buNone/>
+              <a:defRPr sz="1400"/>
+            </a:pPr>
+            <a:endParaRPr/>
+          </a:p>
+          <a:p>
+            <a:pPr marL="0" indent="0">
+              <a:spcBef>
+                <a:spcPts val="1600"/>
+              </a:spcBef>
+              <a:buSzTx/>
+              <a:buNone/>
+              <a:defRPr sz="1400"/>
+            </a:pPr>
+            <a:r>
+              <a:t>Cutoff frequency: [insert the value you used for this image pair]</a:t>
+            </a:r>
+          </a:p>
+        </p:txBody>
+      </p:sp>
+    </p:spTree>
+  </p:cSld>
+  <p:clrMapOvr>
+    <a:masterClrMapping/>
+  </p:clrMapOvr>
+  <p:transition spd="med"/>
+</p:sld>
+</file>
+
+<file path=ppt/slides/slide6.xml><?xml version="1.0" encoding="utf-8"?>
+<p:sld xmlns:a="http://schemas.openxmlformats.org/drawingml/2006/main" xmlns:r="http://schemas.openxmlformats.org/officeDocument/2006/relationships" xmlns:p="http://schemas.openxmlformats.org/presentationml/2006/main">
+  <p:cSld>
+    <p:spTree>
+      <p:nvGrpSpPr>
+        <p:cNvPr id="1" name=""/>
+        <p:cNvGrpSpPr/>
+        <p:nvPr/>
+      </p:nvGrpSpPr>
+      <p:grpSpPr>
+        <a:xfrm>
+          <a:off x="0" y="0"/>
+          <a:ext cx="0" cy="0"/>
+          <a:chOff x="0" y="0"/>
+          <a:chExt cx="0" cy="0"/>
+        </a:xfrm>
+      </p:grpSpPr>
+      <p:sp>
+        <p:nvSpPr>
+          <p:cNvPr id="224" name="Google Shape;133;p30"/>
+          <p:cNvSpPr txBox="1">
+            <a:spLocks noGrp="1"/>
+          </p:cNvSpPr>
+          <p:nvPr>
+            <p:ph type="title"/>
+          </p:nvPr>
+        </p:nvSpPr>
+        <p:spPr>
+          <a:xfrm>
+            <a:off x="311699" y="445025"/>
+            <a:ext cx="8520602" cy="572701"/>
+          </a:xfrm>
+          <a:prstGeom prst="rect">
+            <a:avLst/>
+          </a:prstGeom>
+        </p:spPr>
+        <p:txBody>
+          <a:bodyPr>
+            <a:normAutofit fontScale="90000"/>
+          </a:bodyPr>
+          <a:lstStyle>
+            <a:lvl1pPr defTabSz="877823">
+              <a:defRPr sz="2688"/>
+            </a:lvl1pPr>
+          </a:lstStyle>
+          <a:p>
+            <a:r>
+              <a:t>Part 1: Hybrid images</a:t>
+            </a:r>
+          </a:p>
+        </p:txBody>
+      </p:sp>
+      <p:sp>
+        <p:nvSpPr>
+          <p:cNvPr id="225" name="Google Shape;134;p30"/>
+          <p:cNvSpPr txBox="1">
+            <a:spLocks noGrp="1"/>
+          </p:cNvSpPr>
+          <p:nvPr>
+            <p:ph type="body" sz="half" idx="1"/>
+          </p:nvPr>
+        </p:nvSpPr>
+        <p:spPr>
+          <a:xfrm>
+            <a:off x="311699" y="1152475"/>
+            <a:ext cx="3999902" cy="3416400"/>
+          </a:xfrm>
+          <a:prstGeom prst="rect">
+            <a:avLst/>
+          </a:prstGeom>
+        </p:spPr>
+        <p:txBody>
+          <a:bodyPr/>
+          <a:lstStyle/>
+          <a:p>
+            <a:pPr marL="0" indent="0">
+              <a:buSzTx/>
+              <a:buNone/>
+              <a:defRPr b="1"/>
+            </a:pPr>
+            <a:r>
+              <a:t>Motorcycle + Bicycle</a:t>
+            </a:r>
+          </a:p>
+          <a:p>
+            <a:pPr marL="0" indent="0">
+              <a:spcBef>
+                <a:spcPts val="1600"/>
+              </a:spcBef>
+              <a:buSzTx/>
+              <a:buNone/>
+            </a:pPr>
+            <a:r>
+              <a:t>[insert your hybrid image here]</a:t>
+            </a:r>
+          </a:p>
+          <a:p>
+            <a:pPr marL="0" indent="0">
+              <a:spcBef>
+                <a:spcPts val="1600"/>
+              </a:spcBef>
+              <a:buSzTx/>
+              <a:buNone/>
+            </a:pPr>
+            <a:endParaRPr/>
+          </a:p>
+          <a:p>
+            <a:pPr marL="0" indent="0">
+              <a:spcBef>
+                <a:spcPts val="1600"/>
+              </a:spcBef>
+              <a:buSzTx/>
+              <a:buNone/>
+            </a:pPr>
+            <a:endParaRPr/>
+          </a:p>
+          <a:p>
+            <a:pPr marL="0" indent="0">
+              <a:spcBef>
+                <a:spcPts val="1600"/>
+              </a:spcBef>
+              <a:buSzTx/>
+              <a:buNone/>
+            </a:pPr>
+            <a:endParaRPr/>
+          </a:p>
+          <a:p>
+            <a:pPr marL="0" indent="0">
+              <a:spcBef>
+                <a:spcPts val="1600"/>
+              </a:spcBef>
+              <a:buSzTx/>
+              <a:buNone/>
+            </a:pPr>
+            <a:endParaRPr/>
+          </a:p>
+          <a:p>
+            <a:pPr marL="0" indent="0">
+              <a:spcBef>
+                <a:spcPts val="1600"/>
+              </a:spcBef>
+              <a:buSzTx/>
+              <a:buNone/>
+            </a:pPr>
+            <a:r>
+              <a:t>Cutoff frequency: [insert the value you used for this image pair]</a:t>
+            </a:r>
+          </a:p>
+        </p:txBody>
+      </p:sp>
+      <p:sp>
+        <p:nvSpPr>
+          <p:cNvPr id="226" name="Google Shape;135;p30"/>
+          <p:cNvSpPr txBox="1">
+            <a:spLocks noGrp="1"/>
+          </p:cNvSpPr>
+          <p:nvPr>
+            <p:ph type="body" idx="21"/>
+          </p:nvPr>
+        </p:nvSpPr>
+        <p:spPr>
+          <a:prstGeom prst="rect">
+            <a:avLst/>
+          </a:prstGeom>
+          <a:extLst>
+            <a:ext uri="{C572A759-6A51-4108-AA02-DFA0A04FC94B}">
+              <ma14:wrappingTextBoxFlag xmlns="" xmlns:m="http://schemas.openxmlformats.org/officeDocument/2006/math" xmlns:a14="http://schemas.microsoft.com/office/drawing/2010/main" xmlns:ma14="http://schemas.microsoft.com/office/mac/drawingml/2011/main" val="1"/>
+            </a:ext>
+          </a:extLst>
+        </p:spPr>
+        <p:txBody>
+          <a:bodyPr/>
+          <a:lstStyle/>
+          <a:p>
+            <a:pPr marL="0" indent="0">
+              <a:buSzTx/>
+              <a:buNone/>
+              <a:defRPr sz="1400" b="1"/>
+            </a:pPr>
+            <a:r>
+              <a:t>Plane + Bird</a:t>
+            </a:r>
+          </a:p>
+          <a:p>
+            <a:pPr marL="0" indent="0">
+              <a:spcBef>
+                <a:spcPts val="1600"/>
+              </a:spcBef>
+              <a:buSzTx/>
+              <a:buNone/>
+              <a:defRPr sz="1400"/>
+            </a:pPr>
+            <a:r>
+              <a:t>[insert your hybrid image here]</a:t>
+            </a:r>
+          </a:p>
+          <a:p>
+            <a:pPr marL="0" indent="0">
+              <a:spcBef>
+                <a:spcPts val="1600"/>
+              </a:spcBef>
+              <a:buSzTx/>
+              <a:buNone/>
+              <a:defRPr sz="1400"/>
+            </a:pPr>
+            <a:endParaRPr/>
+          </a:p>
+          <a:p>
+            <a:pPr marL="0" indent="0">
+              <a:spcBef>
+                <a:spcPts val="1600"/>
+              </a:spcBef>
+              <a:buSzTx/>
+              <a:buNone/>
+              <a:defRPr sz="1400"/>
+            </a:pPr>
+            <a:endParaRPr/>
+          </a:p>
+          <a:p>
+            <a:pPr marL="0" indent="0">
+              <a:spcBef>
+                <a:spcPts val="1600"/>
+              </a:spcBef>
+              <a:buSzTx/>
+              <a:buNone/>
+              <a:defRPr sz="1400"/>
+            </a:pPr>
+            <a:endParaRPr/>
+          </a:p>
+          <a:p>
+            <a:pPr marL="0" indent="0">
+              <a:spcBef>
+                <a:spcPts val="1600"/>
+              </a:spcBef>
+              <a:buSzTx/>
+              <a:buNone/>
+              <a:defRPr sz="1400"/>
+            </a:pPr>
+            <a:endParaRPr/>
+          </a:p>
+          <a:p>
+            <a:pPr marL="0" indent="0">
+              <a:spcBef>
+                <a:spcPts val="1600"/>
+              </a:spcBef>
+              <a:buSzTx/>
+              <a:buNone/>
+              <a:defRPr sz="1400"/>
+            </a:pPr>
+            <a:r>
+              <a:t>Cutoff frequency: [insert the value you used for this image pair]</a:t>
+            </a:r>
+          </a:p>
+        </p:txBody>
+      </p:sp>
+    </p:spTree>
+  </p:cSld>
+  <p:clrMapOvr>
+    <a:masterClrMapping/>
+  </p:clrMapOvr>
+  <p:transition spd="med"/>
+</p:sld>
+</file>
+
+<file path=ppt/slides/slide7.xml><?xml version="1.0" encoding="utf-8"?>
+<p:sld xmlns:a="http://schemas.openxmlformats.org/drawingml/2006/main" xmlns:r="http://schemas.openxmlformats.org/officeDocument/2006/relationships" xmlns:p="http://schemas.openxmlformats.org/presentationml/2006/main">
+  <p:cSld>
+    <p:spTree>
+      <p:nvGrpSpPr>
+        <p:cNvPr id="1" name=""/>
+        <p:cNvGrpSpPr/>
+        <p:nvPr/>
+      </p:nvGrpSpPr>
+      <p:grpSpPr>
+        <a:xfrm>
+          <a:off x="0" y="0"/>
+          <a:ext cx="0" cy="0"/>
+          <a:chOff x="0" y="0"/>
+          <a:chExt cx="0" cy="0"/>
+        </a:xfrm>
+      </p:grpSpPr>
+      <p:sp>
+        <p:nvSpPr>
+          <p:cNvPr id="228" name="Google Shape;140;p31"/>
+          <p:cNvSpPr txBox="1">
+            <a:spLocks noGrp="1"/>
+          </p:cNvSpPr>
+          <p:nvPr>
+            <p:ph type="title"/>
+          </p:nvPr>
+        </p:nvSpPr>
+        <p:spPr>
+          <a:xfrm>
+            <a:off x="311699" y="445025"/>
+            <a:ext cx="8520602" cy="572701"/>
+          </a:xfrm>
+          <a:prstGeom prst="rect">
+            <a:avLst/>
+          </a:prstGeom>
+        </p:spPr>
+        <p:txBody>
+          <a:bodyPr>
+            <a:normAutofit fontScale="90000"/>
+          </a:bodyPr>
+          <a:lstStyle>
+            <a:lvl1pPr defTabSz="877823">
+              <a:defRPr sz="2688"/>
+            </a:lvl1pPr>
+          </a:lstStyle>
+          <a:p>
+            <a:r>
+              <a:t>Part 1: Hybrid images</a:t>
+            </a:r>
+          </a:p>
+        </p:txBody>
+      </p:sp>
+      <p:sp>
+        <p:nvSpPr>
+          <p:cNvPr id="229" name="Google Shape;141;p31"/>
+          <p:cNvSpPr txBox="1">
+            <a:spLocks noGrp="1"/>
+          </p:cNvSpPr>
+          <p:nvPr>
+            <p:ph type="body" sz="half" idx="1"/>
+          </p:nvPr>
+        </p:nvSpPr>
+        <p:spPr>
+          <a:xfrm>
+            <a:off x="311699" y="1152475"/>
+            <a:ext cx="3999902" cy="3416400"/>
+          </a:xfrm>
+          <a:prstGeom prst="rect">
+            <a:avLst/>
+          </a:prstGeom>
+        </p:spPr>
+        <p:txBody>
+          <a:bodyPr/>
+          <a:lstStyle/>
+          <a:p>
+            <a:pPr marL="0" indent="0">
+              <a:buSzTx/>
+              <a:buNone/>
+              <a:defRPr b="1"/>
+            </a:pPr>
+            <a:r>
+              <a:t>Einstein + Marilyn</a:t>
+            </a:r>
+          </a:p>
+          <a:p>
+            <a:pPr marL="0" indent="0">
+              <a:spcBef>
+                <a:spcPts val="1600"/>
+              </a:spcBef>
+              <a:buSzTx/>
+              <a:buNone/>
+            </a:pPr>
+            <a:r>
+              <a:t>[insert your hybrid image here]</a:t>
+            </a:r>
+          </a:p>
+          <a:p>
+            <a:pPr marL="0" indent="0">
+              <a:spcBef>
+                <a:spcPts val="1600"/>
+              </a:spcBef>
+              <a:buSzTx/>
+              <a:buNone/>
+            </a:pPr>
+            <a:endParaRPr/>
+          </a:p>
+          <a:p>
+            <a:pPr marL="0" indent="0">
+              <a:spcBef>
+                <a:spcPts val="1600"/>
+              </a:spcBef>
+              <a:buSzTx/>
+              <a:buNone/>
+            </a:pPr>
+            <a:endParaRPr/>
+          </a:p>
+          <a:p>
+            <a:pPr marL="0" indent="0">
+              <a:spcBef>
+                <a:spcPts val="1600"/>
+              </a:spcBef>
+              <a:buSzTx/>
+              <a:buNone/>
+            </a:pPr>
+            <a:endParaRPr/>
+          </a:p>
+          <a:p>
+            <a:pPr marL="0" indent="0">
+              <a:spcBef>
+                <a:spcPts val="1600"/>
+              </a:spcBef>
+              <a:buSzTx/>
+              <a:buNone/>
+            </a:pPr>
+            <a:endParaRPr/>
+          </a:p>
+          <a:p>
+            <a:pPr marL="0" indent="0">
+              <a:spcBef>
+                <a:spcPts val="1600"/>
+              </a:spcBef>
+              <a:buSzTx/>
+              <a:buNone/>
+            </a:pPr>
+            <a:r>
+              <a:t>Cutoff frequency: [insert the value you used for this image pair]</a:t>
+            </a:r>
+          </a:p>
+        </p:txBody>
+      </p:sp>
+      <p:sp>
+        <p:nvSpPr>
+          <p:cNvPr id="230" name="Google Shape;142;p31"/>
+          <p:cNvSpPr txBox="1">
+            <a:spLocks noGrp="1"/>
+          </p:cNvSpPr>
+          <p:nvPr>
+            <p:ph type="body" idx="21"/>
+          </p:nvPr>
+        </p:nvSpPr>
+        <p:spPr>
+          <a:prstGeom prst="rect">
+            <a:avLst/>
+          </a:prstGeom>
+          <a:extLst>
+            <a:ext uri="{C572A759-6A51-4108-AA02-DFA0A04FC94B}">
+              <ma14:wrappingTextBoxFlag xmlns="" xmlns:m="http://schemas.openxmlformats.org/officeDocument/2006/math" xmlns:a14="http://schemas.microsoft.com/office/drawing/2010/main" xmlns:ma14="http://schemas.microsoft.com/office/mac/drawingml/2011/main" val="1"/>
+            </a:ext>
+          </a:extLst>
+        </p:spPr>
+        <p:txBody>
+          <a:bodyPr/>
+          <a:lstStyle/>
+          <a:p>
+            <a:pPr marL="0" indent="0">
+              <a:buSzTx/>
+              <a:buNone/>
+              <a:defRPr sz="1400" b="1"/>
+            </a:pPr>
+            <a:r>
+              <a:t>Submarine + Fish</a:t>
+            </a:r>
+          </a:p>
+          <a:p>
+            <a:pPr marL="0" indent="0">
+              <a:spcBef>
+                <a:spcPts val="1600"/>
+              </a:spcBef>
+              <a:buSzTx/>
+              <a:buNone/>
+              <a:defRPr sz="1400"/>
+            </a:pPr>
+            <a:r>
+              <a:t>[insert your hybrid image here]</a:t>
+            </a:r>
+          </a:p>
+          <a:p>
+            <a:pPr marL="0" indent="0">
+              <a:spcBef>
+                <a:spcPts val="1600"/>
+              </a:spcBef>
+              <a:buSzTx/>
+              <a:buNone/>
+              <a:defRPr sz="1400"/>
+            </a:pPr>
+            <a:endParaRPr/>
+          </a:p>
+          <a:p>
+            <a:pPr marL="0" indent="0">
+              <a:spcBef>
+                <a:spcPts val="1600"/>
+              </a:spcBef>
+              <a:buSzTx/>
+              <a:buNone/>
+              <a:defRPr sz="1400"/>
+            </a:pPr>
+            <a:endParaRPr/>
+          </a:p>
+          <a:p>
+            <a:pPr marL="0" indent="0">
+              <a:spcBef>
+                <a:spcPts val="1600"/>
+              </a:spcBef>
+              <a:buSzTx/>
+              <a:buNone/>
+              <a:defRPr sz="1400"/>
+            </a:pPr>
+            <a:endParaRPr/>
+          </a:p>
+          <a:p>
+            <a:pPr marL="0" indent="0">
+              <a:spcBef>
+                <a:spcPts val="1600"/>
+              </a:spcBef>
+              <a:buSzTx/>
+              <a:buNone/>
+              <a:defRPr sz="1400"/>
+            </a:pPr>
+            <a:endParaRPr/>
+          </a:p>
+          <a:p>
+            <a:pPr marL="0" indent="0">
+              <a:spcBef>
+                <a:spcPts val="1600"/>
+              </a:spcBef>
+              <a:buSzTx/>
+              <a:buNone/>
+              <a:defRPr sz="1400"/>
+            </a:pPr>
+            <a:r>
+              <a:t>Cutoff frequency: [insert the value you used for this image pair]</a:t>
+            </a:r>
+          </a:p>
+        </p:txBody>
+      </p:sp>
+    </p:spTree>
+  </p:cSld>
+  <p:clrMapOvr>
+    <a:masterClrMapping/>
+  </p:clrMapOvr>
+  <p:transition spd="med"/>
+</p:sld>
+</file>
+
+<file path=ppt/slides/slide8.xml><?xml version="1.0" encoding="utf-8"?>
+<p:sld xmlns:a="http://schemas.openxmlformats.org/drawingml/2006/main" xmlns:r="http://schemas.openxmlformats.org/officeDocument/2006/relationships" xmlns:p="http://schemas.openxmlformats.org/presentationml/2006/main">
+  <p:cSld>
+    <p:spTree>
+      <p:nvGrpSpPr>
+        <p:cNvPr id="1" name=""/>
+        <p:cNvGrpSpPr/>
+        <p:nvPr/>
+      </p:nvGrpSpPr>
+      <p:grpSpPr>
+        <a:xfrm>
+          <a:off x="0" y="0"/>
+          <a:ext cx="0" cy="0"/>
+          <a:chOff x="0" y="0"/>
+          <a:chExt cx="0" cy="0"/>
+        </a:xfrm>
+      </p:grpSpPr>
+      <p:sp>
+        <p:nvSpPr>
+          <p:cNvPr id="232" name="Google Shape;147;p32"/>
+          <p:cNvSpPr txBox="1">
+            <a:spLocks noGrp="1"/>
+          </p:cNvSpPr>
+          <p:nvPr>
+            <p:ph type="title"/>
+          </p:nvPr>
+        </p:nvSpPr>
+        <p:spPr>
+          <a:xfrm>
+            <a:off x="311699" y="445025"/>
+            <a:ext cx="8520602" cy="572701"/>
+          </a:xfrm>
+          <a:prstGeom prst="rect">
+            <a:avLst/>
+          </a:prstGeom>
+        </p:spPr>
+        <p:txBody>
+          <a:bodyPr>
+            <a:normAutofit fontScale="90000"/>
+          </a:bodyPr>
+          <a:lstStyle>
+            <a:lvl1pPr defTabSz="877823">
+              <a:defRPr sz="2688"/>
+            </a:lvl1pPr>
+          </a:lstStyle>
+          <a:p>
+            <a:r>
+              <a:t>Part 2: Hybrid images with PyTorch</a:t>
+            </a:r>
+          </a:p>
+        </p:txBody>
+      </p:sp>
+      <p:sp>
+        <p:nvSpPr>
+          <p:cNvPr id="233" name="Google Shape;148;p32"/>
+          <p:cNvSpPr txBox="1">
+            <a:spLocks noGrp="1"/>
+          </p:cNvSpPr>
+          <p:nvPr>
+            <p:ph type="body" sz="half" idx="1"/>
+          </p:nvPr>
+        </p:nvSpPr>
+        <p:spPr>
+          <a:xfrm>
+            <a:off x="311699" y="1152475"/>
+            <a:ext cx="3999902" cy="3416400"/>
+          </a:xfrm>
+          <a:prstGeom prst="rect">
+            <a:avLst/>
+          </a:prstGeom>
+        </p:spPr>
+        <p:txBody>
+          <a:bodyPr/>
+          <a:lstStyle/>
+          <a:p>
+            <a:pPr marL="0" indent="0">
+              <a:buSzTx/>
+              <a:buNone/>
+              <a:defRPr b="1"/>
+            </a:pPr>
+            <a:r>
+              <a:t>Cat + Dog</a:t>
+            </a:r>
+          </a:p>
+          <a:p>
+            <a:pPr marL="0" indent="0">
+              <a:spcBef>
+                <a:spcPts val="1600"/>
+              </a:spcBef>
+              <a:buSzTx/>
+              <a:buNone/>
+            </a:pPr>
+            <a:r>
+              <a:t>[insert your hybrid image here]</a:t>
+            </a:r>
+          </a:p>
+        </p:txBody>
+      </p:sp>
+      <p:sp>
+        <p:nvSpPr>
+          <p:cNvPr id="234" name="Google Shape;149;p32"/>
+          <p:cNvSpPr txBox="1">
+            <a:spLocks noGrp="1"/>
+          </p:cNvSpPr>
+          <p:nvPr>
+            <p:ph type="body" idx="21"/>
+          </p:nvPr>
+        </p:nvSpPr>
+        <p:spPr>
+          <a:prstGeom prst="rect">
+            <a:avLst/>
+          </a:prstGeom>
+          <a:extLst>
+            <a:ext uri="{C572A759-6A51-4108-AA02-DFA0A04FC94B}">
+              <ma14:wrappingTextBoxFlag xmlns="" xmlns:m="http://schemas.openxmlformats.org/officeDocument/2006/math" xmlns:a14="http://schemas.microsoft.com/office/drawing/2010/main" xmlns:ma14="http://schemas.microsoft.com/office/mac/drawingml/2011/main" val="1"/>
+            </a:ext>
+          </a:extLst>
+        </p:spPr>
+        <p:txBody>
+          <a:bodyPr/>
+          <a:lstStyle/>
+          <a:p>
+            <a:pPr marL="0" indent="0">
+              <a:buSzTx/>
+              <a:buNone/>
+              <a:defRPr sz="1400" b="1"/>
+            </a:pPr>
+            <a:r>
+              <a:t>Motorcycle + Bicycle</a:t>
+            </a:r>
+          </a:p>
+          <a:p>
+            <a:pPr marL="0" indent="0">
+              <a:spcBef>
+                <a:spcPts val="1600"/>
+              </a:spcBef>
+              <a:buSzTx/>
+              <a:buNone/>
+              <a:defRPr sz="1400"/>
+            </a:pPr>
+            <a:r>
+              <a:t>[insert your hybrid image here]</a:t>
+            </a:r>
+          </a:p>
+        </p:txBody>
+      </p:sp>
+    </p:spTree>
+  </p:cSld>
+  <p:clrMapOvr>
+    <a:masterClrMapping/>
+  </p:clrMapOvr>
+  <p:transition spd="med"/>
+</p:sld>
+</file>
+
+<file path=ppt/slides/slide9.xml><?xml version="1.0" encoding="utf-8"?>
+<p:sld xmlns:a="http://schemas.openxmlformats.org/drawingml/2006/main" xmlns:r="http://schemas.openxmlformats.org/officeDocument/2006/relationships" xmlns:p="http://schemas.openxmlformats.org/presentationml/2006/main">
+  <p:cSld>
+    <p:spTree>
+      <p:nvGrpSpPr>
+        <p:cNvPr id="1" name=""/>
+        <p:cNvGrpSpPr/>
+        <p:nvPr/>
+      </p:nvGrpSpPr>
+      <p:grpSpPr>
+        <a:xfrm>
+          <a:off x="0" y="0"/>
+          <a:ext cx="0" cy="0"/>
+          <a:chOff x="0" y="0"/>
+          <a:chExt cx="0" cy="0"/>
+        </a:xfrm>
+      </p:grpSpPr>
+      <p:sp>
+        <p:nvSpPr>
+          <p:cNvPr id="236" name="Google Shape;154;p33"/>
+          <p:cNvSpPr txBox="1">
+            <a:spLocks noGrp="1"/>
+          </p:cNvSpPr>
+          <p:nvPr>
+            <p:ph type="title"/>
+          </p:nvPr>
+        </p:nvSpPr>
+        <p:spPr>
+          <a:xfrm>
+            <a:off x="311699" y="445025"/>
+            <a:ext cx="8520602" cy="572701"/>
+          </a:xfrm>
+          <a:prstGeom prst="rect">
+            <a:avLst/>
+          </a:prstGeom>
+        </p:spPr>
+        <p:txBody>
+          <a:bodyPr>
+            <a:normAutofit fontScale="90000"/>
+          </a:bodyPr>
+          <a:lstStyle>
+            <a:lvl1pPr defTabSz="877823">
+              <a:defRPr sz="2688"/>
+            </a:lvl1pPr>
+          </a:lstStyle>
+          <a:p>
+            <a:r>
+              <a:t>Part 2: Hybrid images with PyTorch</a:t>
+            </a:r>
+          </a:p>
+        </p:txBody>
+      </p:sp>
+      <p:sp>
+        <p:nvSpPr>
+          <p:cNvPr id="237" name="Google Shape;155;p33"/>
+          <p:cNvSpPr txBox="1">
+            <a:spLocks noGrp="1"/>
+          </p:cNvSpPr>
+          <p:nvPr>
+            <p:ph type="body" sz="half" idx="1"/>
+          </p:nvPr>
+        </p:nvSpPr>
+        <p:spPr>
+          <a:xfrm>
+            <a:off x="311699" y="1152475"/>
+            <a:ext cx="3999902" cy="3416400"/>
+          </a:xfrm>
+          <a:prstGeom prst="rect">
+            <a:avLst/>
+          </a:prstGeom>
+        </p:spPr>
+        <p:txBody>
+          <a:bodyPr/>
+          <a:lstStyle/>
+          <a:p>
+            <a:pPr marL="0" indent="0">
+              <a:buSzTx/>
+              <a:buNone/>
+              <a:defRPr b="1"/>
+            </a:pPr>
+            <a:r>
+              <a:t>Plane + Bird</a:t>
+            </a:r>
+          </a:p>
+          <a:p>
+            <a:pPr marL="0" indent="0">
+              <a:spcBef>
+                <a:spcPts val="1600"/>
+              </a:spcBef>
+              <a:buSzTx/>
+              <a:buNone/>
+            </a:pPr>
+            <a:r>
+              <a:t>[insert your hybrid image here]</a:t>
+            </a:r>
+          </a:p>
+        </p:txBody>
+      </p:sp>
+      <p:sp>
+        <p:nvSpPr>
+          <p:cNvPr id="238" name="Google Shape;156;p33"/>
+          <p:cNvSpPr txBox="1">
+            <a:spLocks noGrp="1"/>
+          </p:cNvSpPr>
+          <p:nvPr>
+            <p:ph type="body" idx="21"/>
+          </p:nvPr>
+        </p:nvSpPr>
+        <p:spPr>
+          <a:prstGeom prst="rect">
+            <a:avLst/>
+          </a:prstGeom>
+          <a:extLst>
+            <a:ext uri="{C572A759-6A51-4108-AA02-DFA0A04FC94B}">
+              <ma14:wrappingTextBoxFlag xmlns="" xmlns:m="http://schemas.openxmlformats.org/officeDocument/2006/math" xmlns:a14="http://schemas.microsoft.com/office/drawing/2010/main" xmlns:ma14="http://schemas.microsoft.com/office/mac/drawingml/2011/main" val="1"/>
+            </a:ext>
+          </a:extLst>
+        </p:spPr>
+        <p:txBody>
+          <a:bodyPr/>
+          <a:lstStyle/>
+          <a:p>
+            <a:pPr marL="0" indent="0">
+              <a:buSzTx/>
+              <a:buNone/>
+              <a:defRPr sz="1400" b="1"/>
+            </a:pPr>
+            <a:r>
+              <a:t>Einstein + Marilyn</a:t>
+            </a:r>
+          </a:p>
+          <a:p>
+            <a:pPr marL="0" indent="0">
+              <a:spcBef>
+                <a:spcPts val="1600"/>
+              </a:spcBef>
+              <a:buSzTx/>
+              <a:buNone/>
+              <a:defRPr sz="1400"/>
+            </a:pPr>
+            <a:r>
+              <a:t>[insert your hybrid image here]</a:t>
+            </a:r>
+          </a:p>
+        </p:txBody>
+      </p:sp>
+    </p:spTree>
+  </p:cSld>
+  <p:clrMapOvr>
+    <a:masterClrMapping/>
+  </p:clrMapOvr>
+  <p:transition spd="med"/>
 </p:sld>
 </file>
 
 <file path=ppt/theme/theme1.xml><?xml version="1.0" encoding="utf-8"?>
-<a:theme xmlns:a="http://schemas.openxmlformats.org/drawingml/2006/main" xmlns:r="http://schemas.openxmlformats.org/officeDocument/2006/relationships" name="Simple Light">
+<a:theme xmlns:a="http://schemas.openxmlformats.org/drawingml/2006/main" name="Simple Light">
   <a:themeElements>
     <a:clrScheme name="Simple Light">
       <a:dk1>
@@ -6865,7 +7891,7 @@
         </a:effectStyle>
         <a:effectStyle>
           <a:effectLst>
-            <a:outerShdw sx="100000" sy="100000" kx="0" ky="0" algn="b" rotWithShape="0" blurRad="38100" dist="20000" dir="5400000">
+            <a:outerShdw blurRad="38100" dist="20000" dir="5400000" rotWithShape="0">
               <a:srgbClr val="000000">
                 <a:alpha val="38000"/>
               </a:srgbClr>
@@ -6941,7 +7967,7 @@
         <a:effectLst/>
         <a:sp3d/>
       </a:spPr>
-      <a:bodyPr rot="0" spcFirstLastPara="1" vertOverflow="overflow" horzOverflow="overflow" vert="horz" wrap="square" lIns="0" tIns="0" rIns="0" bIns="0" numCol="1" spcCol="38100" rtlCol="0" anchor="t" upright="0">
+      <a:bodyPr rot="0" spcFirstLastPara="1" vertOverflow="overflow" horzOverflow="overflow" vert="horz" wrap="square" lIns="0" tIns="0" rIns="0" bIns="0" numCol="1" spcCol="38100" rtlCol="0" anchor="t">
         <a:spAutoFit/>
       </a:bodyPr>
       <a:lstStyle>
@@ -6960,7 +7986,7 @@
           <a:buFontTx/>
           <a:buNone/>
           <a:tabLst/>
-          <a:defRPr b="0" baseline="0" cap="none" i="0" spc="0" strike="noStrike" sz="1400" u="none" kumimoji="0" normalizeH="0">
+          <a:defRPr kumimoji="0" sz="1400" b="0" i="0" u="none" strike="noStrike" cap="none" spc="0" normalizeH="0" baseline="0">
             <a:ln>
               <a:noFill/>
             </a:ln>
@@ -6990,7 +8016,7 @@
           <a:buFontTx/>
           <a:buNone/>
           <a:tabLst/>
-          <a:defRPr b="0" baseline="0" cap="none" i="0" spc="0" strike="noStrike" sz="1800" u="none" kumimoji="0" normalizeH="0">
+          <a:defRPr kumimoji="0" sz="1800" b="0" i="0" u="none" strike="noStrike" cap="none" spc="0" normalizeH="0" baseline="0">
             <a:ln>
               <a:noFill/>
             </a:ln>
@@ -7016,7 +8042,7 @@
           <a:buFontTx/>
           <a:buNone/>
           <a:tabLst/>
-          <a:defRPr b="0" baseline="0" cap="none" i="0" spc="0" strike="noStrike" sz="1800" u="none" kumimoji="0" normalizeH="0">
+          <a:defRPr kumimoji="0" sz="1800" b="0" i="0" u="none" strike="noStrike" cap="none" spc="0" normalizeH="0" baseline="0">
             <a:ln>
               <a:noFill/>
             </a:ln>
@@ -7042,7 +8068,7 @@
           <a:buFontTx/>
           <a:buNone/>
           <a:tabLst/>
-          <a:defRPr b="0" baseline="0" cap="none" i="0" spc="0" strike="noStrike" sz="1800" u="none" kumimoji="0" normalizeH="0">
+          <a:defRPr kumimoji="0" sz="1800" b="0" i="0" u="none" strike="noStrike" cap="none" spc="0" normalizeH="0" baseline="0">
             <a:ln>
               <a:noFill/>
             </a:ln>
@@ -7068,7 +8094,7 @@
           <a:buFontTx/>
           <a:buNone/>
           <a:tabLst/>
-          <a:defRPr b="0" baseline="0" cap="none" i="0" spc="0" strike="noStrike" sz="1800" u="none" kumimoji="0" normalizeH="0">
+          <a:defRPr kumimoji="0" sz="1800" b="0" i="0" u="none" strike="noStrike" cap="none" spc="0" normalizeH="0" baseline="0">
             <a:ln>
               <a:noFill/>
             </a:ln>
@@ -7094,7 +8120,7 @@
           <a:buFontTx/>
           <a:buNone/>
           <a:tabLst/>
-          <a:defRPr b="0" baseline="0" cap="none" i="0" spc="0" strike="noStrike" sz="1800" u="none" kumimoji="0" normalizeH="0">
+          <a:defRPr kumimoji="0" sz="1800" b="0" i="0" u="none" strike="noStrike" cap="none" spc="0" normalizeH="0" baseline="0">
             <a:ln>
               <a:noFill/>
             </a:ln>
@@ -7120,7 +8146,7 @@
           <a:buFontTx/>
           <a:buNone/>
           <a:tabLst/>
-          <a:defRPr b="0" baseline="0" cap="none" i="0" spc="0" strike="noStrike" sz="1800" u="none" kumimoji="0" normalizeH="0">
+          <a:defRPr kumimoji="0" sz="1800" b="0" i="0" u="none" strike="noStrike" cap="none" spc="0" normalizeH="0" baseline="0">
             <a:ln>
               <a:noFill/>
             </a:ln>
@@ -7146,7 +8172,7 @@
           <a:buFontTx/>
           <a:buNone/>
           <a:tabLst/>
-          <a:defRPr b="0" baseline="0" cap="none" i="0" spc="0" strike="noStrike" sz="1800" u="none" kumimoji="0" normalizeH="0">
+          <a:defRPr kumimoji="0" sz="1800" b="0" i="0" u="none" strike="noStrike" cap="none" spc="0" normalizeH="0" baseline="0">
             <a:ln>
               <a:noFill/>
             </a:ln>
@@ -7172,7 +8198,7 @@
           <a:buFontTx/>
           <a:buNone/>
           <a:tabLst/>
-          <a:defRPr b="0" baseline="0" cap="none" i="0" spc="0" strike="noStrike" sz="1800" u="none" kumimoji="0" normalizeH="0">
+          <a:defRPr kumimoji="0" sz="1800" b="0" i="0" u="none" strike="noStrike" cap="none" spc="0" normalizeH="0" baseline="0">
             <a:ln>
               <a:noFill/>
             </a:ln>
@@ -7198,7 +8224,7 @@
           <a:buFontTx/>
           <a:buNone/>
           <a:tabLst/>
-          <a:defRPr b="0" baseline="0" cap="none" i="0" spc="0" strike="noStrike" sz="1800" u="none" kumimoji="0" normalizeH="0">
+          <a:defRPr kumimoji="0" sz="1800" b="0" i="0" u="none" strike="noStrike" cap="none" spc="0" normalizeH="0" baseline="0">
             <a:ln>
               <a:noFill/>
             </a:ln>
@@ -7211,9 +8237,15 @@
         </a:lvl9pPr>
       </a:lstStyle>
       <a:style>
-        <a:lnRef idx="0"/>
-        <a:fillRef idx="0"/>
-        <a:effectRef idx="0"/>
+        <a:lnRef idx="0">
+          <a:scrgbClr r="0" g="0" b="0"/>
+        </a:lnRef>
+        <a:fillRef idx="0">
+          <a:scrgbClr r="0" g="0" b="0"/>
+        </a:fillRef>
+        <a:effectRef idx="0">
+          <a:scrgbClr r="0" g="0" b="0"/>
+        </a:effectRef>
         <a:fontRef idx="none"/>
       </a:style>
     </a:spDef>
@@ -7228,7 +8260,7 @@
           <a:round/>
         </a:ln>
         <a:effectLst>
-          <a:outerShdw sx="100000" sy="100000" kx="0" ky="0" algn="b" rotWithShape="0" blurRad="38100" dist="20000" dir="5400000">
+          <a:outerShdw blurRad="38100" dist="20000" dir="5400000" rotWithShape="0">
             <a:srgbClr val="000000">
               <a:alpha val="38000"/>
             </a:srgbClr>
@@ -7236,7 +8268,7 @@
         </a:effectLst>
         <a:sp3d/>
       </a:spPr>
-      <a:bodyPr rot="0" spcFirstLastPara="1" vertOverflow="overflow" horzOverflow="overflow" vert="horz" wrap="square" lIns="91439" tIns="45719" rIns="91439" bIns="45719" numCol="1" spcCol="38100" rtlCol="0" anchor="t" upright="0">
+      <a:bodyPr rot="0" spcFirstLastPara="1" vertOverflow="overflow" horzOverflow="overflow" vert="horz" wrap="square" lIns="91439" tIns="45719" rIns="91439" bIns="45719" numCol="1" spcCol="38100" rtlCol="0" anchor="t">
         <a:noAutofit/>
       </a:bodyPr>
       <a:lstStyle>
@@ -7255,7 +8287,7 @@
           <a:buFontTx/>
           <a:buNone/>
           <a:tabLst/>
-          <a:defRPr b="0" baseline="0" cap="none" i="0" spc="0" strike="noStrike" sz="1800" u="none" kumimoji="0" normalizeH="0">
+          <a:defRPr kumimoji="0" sz="1800" b="0" i="0" u="none" strike="noStrike" cap="none" spc="0" normalizeH="0" baseline="0">
             <a:ln>
               <a:noFill/>
             </a:ln>
@@ -7281,7 +8313,7 @@
           <a:buFontTx/>
           <a:buNone/>
           <a:tabLst/>
-          <a:defRPr b="0" baseline="0" cap="none" i="0" spc="0" strike="noStrike" sz="1800" u="none" kumimoji="0" normalizeH="0">
+          <a:defRPr kumimoji="0" sz="1800" b="0" i="0" u="none" strike="noStrike" cap="none" spc="0" normalizeH="0" baseline="0">
             <a:ln>
               <a:noFill/>
             </a:ln>
@@ -7307,7 +8339,7 @@
           <a:buFontTx/>
           <a:buNone/>
           <a:tabLst/>
-          <a:defRPr b="0" baseline="0" cap="none" i="0" spc="0" strike="noStrike" sz="1800" u="none" kumimoji="0" normalizeH="0">
+          <a:defRPr kumimoji="0" sz="1800" b="0" i="0" u="none" strike="noStrike" cap="none" spc="0" normalizeH="0" baseline="0">
             <a:ln>
               <a:noFill/>
             </a:ln>
@@ -7333,7 +8365,7 @@
           <a:buFontTx/>
           <a:buNone/>
           <a:tabLst/>
-          <a:defRPr b="0" baseline="0" cap="none" i="0" spc="0" strike="noStrike" sz="1800" u="none" kumimoji="0" normalizeH="0">
+          <a:defRPr kumimoji="0" sz="1800" b="0" i="0" u="none" strike="noStrike" cap="none" spc="0" normalizeH="0" baseline="0">
             <a:ln>
               <a:noFill/>
             </a:ln>
@@ -7359,7 +8391,7 @@
           <a:buFontTx/>
           <a:buNone/>
           <a:tabLst/>
-          <a:defRPr b="0" baseline="0" cap="none" i="0" spc="0" strike="noStrike" sz="1800" u="none" kumimoji="0" normalizeH="0">
+          <a:defRPr kumimoji="0" sz="1800" b="0" i="0" u="none" strike="noStrike" cap="none" spc="0" normalizeH="0" baseline="0">
             <a:ln>
               <a:noFill/>
             </a:ln>
@@ -7385,7 +8417,7 @@
           <a:buFontTx/>
           <a:buNone/>
           <a:tabLst/>
-          <a:defRPr b="0" baseline="0" cap="none" i="0" spc="0" strike="noStrike" sz="1800" u="none" kumimoji="0" normalizeH="0">
+          <a:defRPr kumimoji="0" sz="1800" b="0" i="0" u="none" strike="noStrike" cap="none" spc="0" normalizeH="0" baseline="0">
             <a:ln>
               <a:noFill/>
             </a:ln>
@@ -7411,7 +8443,7 @@
           <a:buFontTx/>
           <a:buNone/>
           <a:tabLst/>
-          <a:defRPr b="0" baseline="0" cap="none" i="0" spc="0" strike="noStrike" sz="1800" u="none" kumimoji="0" normalizeH="0">
+          <a:defRPr kumimoji="0" sz="1800" b="0" i="0" u="none" strike="noStrike" cap="none" spc="0" normalizeH="0" baseline="0">
             <a:ln>
               <a:noFill/>
             </a:ln>
@@ -7437,7 +8469,7 @@
           <a:buFontTx/>
           <a:buNone/>
           <a:tabLst/>
-          <a:defRPr b="0" baseline="0" cap="none" i="0" spc="0" strike="noStrike" sz="1800" u="none" kumimoji="0" normalizeH="0">
+          <a:defRPr kumimoji="0" sz="1800" b="0" i="0" u="none" strike="noStrike" cap="none" spc="0" normalizeH="0" baseline="0">
             <a:ln>
               <a:noFill/>
             </a:ln>
@@ -7463,7 +8495,7 @@
           <a:buFontTx/>
           <a:buNone/>
           <a:tabLst/>
-          <a:defRPr b="0" baseline="0" cap="none" i="0" spc="0" strike="noStrike" sz="1800" u="none" kumimoji="0" normalizeH="0">
+          <a:defRPr kumimoji="0" sz="1800" b="0" i="0" u="none" strike="noStrike" cap="none" spc="0" normalizeH="0" baseline="0">
             <a:ln>
               <a:noFill/>
             </a:ln>
@@ -7489,7 +8521,7 @@
           <a:buFontTx/>
           <a:buNone/>
           <a:tabLst/>
-          <a:defRPr b="0" baseline="0" cap="none" i="0" spc="0" strike="noStrike" sz="1800" u="none" kumimoji="0" normalizeH="0">
+          <a:defRPr kumimoji="0" sz="1800" b="0" i="0" u="none" strike="noStrike" cap="none" spc="0" normalizeH="0" baseline="0">
             <a:ln>
               <a:noFill/>
             </a:ln>
@@ -7502,9 +8534,15 @@
         </a:lvl9pPr>
       </a:lstStyle>
       <a:style>
-        <a:lnRef idx="0"/>
-        <a:fillRef idx="0"/>
-        <a:effectRef idx="0"/>
+        <a:lnRef idx="0">
+          <a:scrgbClr r="0" g="0" b="0"/>
+        </a:lnRef>
+        <a:fillRef idx="0">
+          <a:scrgbClr r="0" g="0" b="0"/>
+        </a:fillRef>
+        <a:effectRef idx="0">
+          <a:scrgbClr r="0" g="0" b="0"/>
+        </a:effectRef>
         <a:fontRef idx="none"/>
       </a:style>
     </a:lnDef>
@@ -7518,7 +8556,7 @@
         <a:effectLst/>
         <a:sp3d/>
       </a:spPr>
-      <a:bodyPr rot="0" spcFirstLastPara="1" vertOverflow="overflow" horzOverflow="overflow" vert="horz" wrap="square" lIns="0" tIns="0" rIns="0" bIns="0" numCol="1" spcCol="38100" rtlCol="0" anchor="t" upright="0">
+      <a:bodyPr rot="0" spcFirstLastPara="1" vertOverflow="overflow" horzOverflow="overflow" vert="horz" wrap="square" lIns="0" tIns="0" rIns="0" bIns="0" numCol="1" spcCol="38100" rtlCol="0" anchor="t">
         <a:spAutoFit/>
       </a:bodyPr>
       <a:lstStyle>
@@ -7537,7 +8575,7 @@
           <a:buFontTx/>
           <a:buNone/>
           <a:tabLst/>
-          <a:defRPr b="0" baseline="0" cap="none" i="0" spc="0" strike="noStrike" sz="1400" u="none" kumimoji="0" normalizeH="0">
+          <a:defRPr kumimoji="0" sz="1400" b="0" i="0" u="none" strike="noStrike" cap="none" spc="0" normalizeH="0" baseline="0">
             <a:ln>
               <a:noFill/>
             </a:ln>
@@ -7567,7 +8605,7 @@
           <a:buFontTx/>
           <a:buNone/>
           <a:tabLst/>
-          <a:defRPr b="0" baseline="0" cap="none" i="0" spc="0" strike="noStrike" sz="1800" u="none" kumimoji="0" normalizeH="0">
+          <a:defRPr kumimoji="0" sz="1800" b="0" i="0" u="none" strike="noStrike" cap="none" spc="0" normalizeH="0" baseline="0">
             <a:ln>
               <a:noFill/>
             </a:ln>
@@ -7593,7 +8631,7 @@
           <a:buFontTx/>
           <a:buNone/>
           <a:tabLst/>
-          <a:defRPr b="0" baseline="0" cap="none" i="0" spc="0" strike="noStrike" sz="1800" u="none" kumimoji="0" normalizeH="0">
+          <a:defRPr kumimoji="0" sz="1800" b="0" i="0" u="none" strike="noStrike" cap="none" spc="0" normalizeH="0" baseline="0">
             <a:ln>
               <a:noFill/>
             </a:ln>
@@ -7619,7 +8657,7 @@
           <a:buFontTx/>
           <a:buNone/>
           <a:tabLst/>
-          <a:defRPr b="0" baseline="0" cap="none" i="0" spc="0" strike="noStrike" sz="1800" u="none" kumimoji="0" normalizeH="0">
+          <a:defRPr kumimoji="0" sz="1800" b="0" i="0" u="none" strike="noStrike" cap="none" spc="0" normalizeH="0" baseline="0">
             <a:ln>
               <a:noFill/>
             </a:ln>
@@ -7645,7 +8683,7 @@
           <a:buFontTx/>
           <a:buNone/>
           <a:tabLst/>
-          <a:defRPr b="0" baseline="0" cap="none" i="0" spc="0" strike="noStrike" sz="1800" u="none" kumimoji="0" normalizeH="0">
+          <a:defRPr kumimoji="0" sz="1800" b="0" i="0" u="none" strike="noStrike" cap="none" spc="0" normalizeH="0" baseline="0">
             <a:ln>
               <a:noFill/>
             </a:ln>
@@ -7671,7 +8709,7 @@
           <a:buFontTx/>
           <a:buNone/>
           <a:tabLst/>
-          <a:defRPr b="0" baseline="0" cap="none" i="0" spc="0" strike="noStrike" sz="1800" u="none" kumimoji="0" normalizeH="0">
+          <a:defRPr kumimoji="0" sz="1800" b="0" i="0" u="none" strike="noStrike" cap="none" spc="0" normalizeH="0" baseline="0">
             <a:ln>
               <a:noFill/>
             </a:ln>
@@ -7697,7 +8735,7 @@
           <a:buFontTx/>
           <a:buNone/>
           <a:tabLst/>
-          <a:defRPr b="0" baseline="0" cap="none" i="0" spc="0" strike="noStrike" sz="1800" u="none" kumimoji="0" normalizeH="0">
+          <a:defRPr kumimoji="0" sz="1800" b="0" i="0" u="none" strike="noStrike" cap="none" spc="0" normalizeH="0" baseline="0">
             <a:ln>
               <a:noFill/>
             </a:ln>
@@ -7723,7 +8761,7 @@
           <a:buFontTx/>
           <a:buNone/>
           <a:tabLst/>
-          <a:defRPr b="0" baseline="0" cap="none" i="0" spc="0" strike="noStrike" sz="1800" u="none" kumimoji="0" normalizeH="0">
+          <a:defRPr kumimoji="0" sz="1800" b="0" i="0" u="none" strike="noStrike" cap="none" spc="0" normalizeH="0" baseline="0">
             <a:ln>
               <a:noFill/>
             </a:ln>
@@ -7749,7 +8787,7 @@
           <a:buFontTx/>
           <a:buNone/>
           <a:tabLst/>
-          <a:defRPr b="0" baseline="0" cap="none" i="0" spc="0" strike="noStrike" sz="1800" u="none" kumimoji="0" normalizeH="0">
+          <a:defRPr kumimoji="0" sz="1800" b="0" i="0" u="none" strike="noStrike" cap="none" spc="0" normalizeH="0" baseline="0">
             <a:ln>
               <a:noFill/>
             </a:ln>
@@ -7775,7 +8813,7 @@
           <a:buFontTx/>
           <a:buNone/>
           <a:tabLst/>
-          <a:defRPr b="0" baseline="0" cap="none" i="0" spc="0" strike="noStrike" sz="1800" u="none" kumimoji="0" normalizeH="0">
+          <a:defRPr kumimoji="0" sz="1800" b="0" i="0" u="none" strike="noStrike" cap="none" spc="0" normalizeH="0" baseline="0">
             <a:ln>
               <a:noFill/>
             </a:ln>
@@ -7788,18 +8826,25 @@
         </a:lvl9pPr>
       </a:lstStyle>
       <a:style>
-        <a:lnRef idx="0"/>
-        <a:fillRef idx="0"/>
-        <a:effectRef idx="0"/>
+        <a:lnRef idx="0">
+          <a:scrgbClr r="0" g="0" b="0"/>
+        </a:lnRef>
+        <a:fillRef idx="0">
+          <a:scrgbClr r="0" g="0" b="0"/>
+        </a:fillRef>
+        <a:effectRef idx="0">
+          <a:scrgbClr r="0" g="0" b="0"/>
+        </a:effectRef>
         <a:fontRef idx="none"/>
       </a:style>
     </a:txDef>
   </a:objectDefaults>
+  <a:extraClrSchemeLst/>
 </a:theme>
 </file>
 
 <file path=ppt/theme/theme2.xml><?xml version="1.0" encoding="utf-8"?>
-<a:theme xmlns:a="http://schemas.openxmlformats.org/drawingml/2006/main" xmlns:r="http://schemas.openxmlformats.org/officeDocument/2006/relationships" name="Simple Light">
+<a:theme xmlns:a="http://schemas.openxmlformats.org/drawingml/2006/main" name="Simple Light">
   <a:themeElements>
     <a:clrScheme name="Simple Light">
       <a:dk1>
@@ -7931,7 +8976,7 @@
         </a:effectStyle>
         <a:effectStyle>
           <a:effectLst>
-            <a:outerShdw sx="100000" sy="100000" kx="0" ky="0" algn="b" rotWithShape="0" blurRad="38100" dist="20000" dir="5400000">
+            <a:outerShdw blurRad="38100" dist="20000" dir="5400000" rotWithShape="0">
               <a:srgbClr val="000000">
                 <a:alpha val="38000"/>
               </a:srgbClr>
@@ -8007,7 +9052,7 @@
         <a:effectLst/>
         <a:sp3d/>
       </a:spPr>
-      <a:bodyPr rot="0" spcFirstLastPara="1" vertOverflow="overflow" horzOverflow="overflow" vert="horz" wrap="square" lIns="0" tIns="0" rIns="0" bIns="0" numCol="1" spcCol="38100" rtlCol="0" anchor="t" upright="0">
+      <a:bodyPr rot="0" spcFirstLastPara="1" vertOverflow="overflow" horzOverflow="overflow" vert="horz" wrap="square" lIns="0" tIns="0" rIns="0" bIns="0" numCol="1" spcCol="38100" rtlCol="0" anchor="t">
         <a:spAutoFit/>
       </a:bodyPr>
       <a:lstStyle>
@@ -8026,7 +9071,7 @@
           <a:buFontTx/>
           <a:buNone/>
           <a:tabLst/>
-          <a:defRPr b="0" baseline="0" cap="none" i="0" spc="0" strike="noStrike" sz="1400" u="none" kumimoji="0" normalizeH="0">
+          <a:defRPr kumimoji="0" sz="1400" b="0" i="0" u="none" strike="noStrike" cap="none" spc="0" normalizeH="0" baseline="0">
             <a:ln>
               <a:noFill/>
             </a:ln>
@@ -8056,7 +9101,7 @@
           <a:buFontTx/>
           <a:buNone/>
           <a:tabLst/>
-          <a:defRPr b="0" baseline="0" cap="none" i="0" spc="0" strike="noStrike" sz="1800" u="none" kumimoji="0" normalizeH="0">
+          <a:defRPr kumimoji="0" sz="1800" b="0" i="0" u="none" strike="noStrike" cap="none" spc="0" normalizeH="0" baseline="0">
             <a:ln>
               <a:noFill/>
             </a:ln>
@@ -8082,7 +9127,7 @@
           <a:buFontTx/>
           <a:buNone/>
           <a:tabLst/>
-          <a:defRPr b="0" baseline="0" cap="none" i="0" spc="0" strike="noStrike" sz="1800" u="none" kumimoji="0" normalizeH="0">
+          <a:defRPr kumimoji="0" sz="1800" b="0" i="0" u="none" strike="noStrike" cap="none" spc="0" normalizeH="0" baseline="0">
             <a:ln>
               <a:noFill/>
             </a:ln>
@@ -8108,7 +9153,7 @@
           <a:buFontTx/>
           <a:buNone/>
           <a:tabLst/>
-          <a:defRPr b="0" baseline="0" cap="none" i="0" spc="0" strike="noStrike" sz="1800" u="none" kumimoji="0" normalizeH="0">
+          <a:defRPr kumimoji="0" sz="1800" b="0" i="0" u="none" strike="noStrike" cap="none" spc="0" normalizeH="0" baseline="0">
             <a:ln>
               <a:noFill/>
             </a:ln>
@@ -8134,7 +9179,7 @@
           <a:buFontTx/>
           <a:buNone/>
           <a:tabLst/>
-          <a:defRPr b="0" baseline="0" cap="none" i="0" spc="0" strike="noStrike" sz="1800" u="none" kumimoji="0" normalizeH="0">
+          <a:defRPr kumimoji="0" sz="1800" b="0" i="0" u="none" strike="noStrike" cap="none" spc="0" normalizeH="0" baseline="0">
             <a:ln>
               <a:noFill/>
             </a:ln>
@@ -8160,7 +9205,7 @@
           <a:buFontTx/>
           <a:buNone/>
           <a:tabLst/>
-          <a:defRPr b="0" baseline="0" cap="none" i="0" spc="0" strike="noStrike" sz="1800" u="none" kumimoji="0" normalizeH="0">
+          <a:defRPr kumimoji="0" sz="1800" b="0" i="0" u="none" strike="noStrike" cap="none" spc="0" normalizeH="0" baseline="0">
             <a:ln>
               <a:noFill/>
             </a:ln>
@@ -8186,7 +9231,7 @@
           <a:buFontTx/>
           <a:buNone/>
           <a:tabLst/>
-          <a:defRPr b="0" baseline="0" cap="none" i="0" spc="0" strike="noStrike" sz="1800" u="none" kumimoji="0" normalizeH="0">
+          <a:defRPr kumimoji="0" sz="1800" b="0" i="0" u="none" strike="noStrike" cap="none" spc="0" normalizeH="0" baseline="0">
             <a:ln>
               <a:noFill/>
             </a:ln>
@@ -8212,7 +9257,7 @@
           <a:buFontTx/>
           <a:buNone/>
           <a:tabLst/>
-          <a:defRPr b="0" baseline="0" cap="none" i="0" spc="0" strike="noStrike" sz="1800" u="none" kumimoji="0" normalizeH="0">
+          <a:defRPr kumimoji="0" sz="1800" b="0" i="0" u="none" strike="noStrike" cap="none" spc="0" normalizeH="0" baseline="0">
             <a:ln>
               <a:noFill/>
             </a:ln>
@@ -8238,7 +9283,7 @@
           <a:buFontTx/>
           <a:buNone/>
           <a:tabLst/>
-          <a:defRPr b="0" baseline="0" cap="none" i="0" spc="0" strike="noStrike" sz="1800" u="none" kumimoji="0" normalizeH="0">
+          <a:defRPr kumimoji="0" sz="1800" b="0" i="0" u="none" strike="noStrike" cap="none" spc="0" normalizeH="0" baseline="0">
             <a:ln>
               <a:noFill/>
             </a:ln>
@@ -8264,7 +9309,7 @@
           <a:buFontTx/>
           <a:buNone/>
           <a:tabLst/>
-          <a:defRPr b="0" baseline="0" cap="none" i="0" spc="0" strike="noStrike" sz="1800" u="none" kumimoji="0" normalizeH="0">
+          <a:defRPr kumimoji="0" sz="1800" b="0" i="0" u="none" strike="noStrike" cap="none" spc="0" normalizeH="0" baseline="0">
             <a:ln>
               <a:noFill/>
             </a:ln>
@@ -8277,9 +9322,15 @@
         </a:lvl9pPr>
       </a:lstStyle>
       <a:style>
-        <a:lnRef idx="0"/>
-        <a:fillRef idx="0"/>
-        <a:effectRef idx="0"/>
+        <a:lnRef idx="0">
+          <a:scrgbClr r="0" g="0" b="0"/>
+        </a:lnRef>
+        <a:fillRef idx="0">
+          <a:scrgbClr r="0" g="0" b="0"/>
+        </a:fillRef>
+        <a:effectRef idx="0">
+          <a:scrgbClr r="0" g="0" b="0"/>
+        </a:effectRef>
         <a:fontRef idx="none"/>
       </a:style>
     </a:spDef>
@@ -8294,7 +9345,7 @@
           <a:round/>
         </a:ln>
         <a:effectLst>
-          <a:outerShdw sx="100000" sy="100000" kx="0" ky="0" algn="b" rotWithShape="0" blurRad="38100" dist="20000" dir="5400000">
+          <a:outerShdw blurRad="38100" dist="20000" dir="5400000" rotWithShape="0">
             <a:srgbClr val="000000">
               <a:alpha val="38000"/>
             </a:srgbClr>
@@ -8302,7 +9353,7 @@
         </a:effectLst>
         <a:sp3d/>
       </a:spPr>
-      <a:bodyPr rot="0" spcFirstLastPara="1" vertOverflow="overflow" horzOverflow="overflow" vert="horz" wrap="square" lIns="91439" tIns="45719" rIns="91439" bIns="45719" numCol="1" spcCol="38100" rtlCol="0" anchor="t" upright="0">
+      <a:bodyPr rot="0" spcFirstLastPara="1" vertOverflow="overflow" horzOverflow="overflow" vert="horz" wrap="square" lIns="91439" tIns="45719" rIns="91439" bIns="45719" numCol="1" spcCol="38100" rtlCol="0" anchor="t">
         <a:noAutofit/>
       </a:bodyPr>
       <a:lstStyle>
@@ -8321,7 +9372,7 @@
           <a:buFontTx/>
           <a:buNone/>
           <a:tabLst/>
-          <a:defRPr b="0" baseline="0" cap="none" i="0" spc="0" strike="noStrike" sz="1800" u="none" kumimoji="0" normalizeH="0">
+          <a:defRPr kumimoji="0" sz="1800" b="0" i="0" u="none" strike="noStrike" cap="none" spc="0" normalizeH="0" baseline="0">
             <a:ln>
               <a:noFill/>
             </a:ln>
@@ -8347,7 +9398,7 @@
           <a:buFontTx/>
           <a:buNone/>
           <a:tabLst/>
-          <a:defRPr b="0" baseline="0" cap="none" i="0" spc="0" strike="noStrike" sz="1800" u="none" kumimoji="0" normalizeH="0">
+          <a:defRPr kumimoji="0" sz="1800" b="0" i="0" u="none" strike="noStrike" cap="none" spc="0" normalizeH="0" baseline="0">
             <a:ln>
               <a:noFill/>
             </a:ln>
@@ -8373,7 +9424,7 @@
           <a:buFontTx/>
           <a:buNone/>
           <a:tabLst/>
-          <a:defRPr b="0" baseline="0" cap="none" i="0" spc="0" strike="noStrike" sz="1800" u="none" kumimoji="0" normalizeH="0">
+          <a:defRPr kumimoji="0" sz="1800" b="0" i="0" u="none" strike="noStrike" cap="none" spc="0" normalizeH="0" baseline="0">
             <a:ln>
               <a:noFill/>
             </a:ln>
@@ -8399,7 +9450,7 @@
           <a:buFontTx/>
           <a:buNone/>
           <a:tabLst/>
-          <a:defRPr b="0" baseline="0" cap="none" i="0" spc="0" strike="noStrike" sz="1800" u="none" kumimoji="0" normalizeH="0">
+          <a:defRPr kumimoji="0" sz="1800" b="0" i="0" u="none" strike="noStrike" cap="none" spc="0" normalizeH="0" baseline="0">
             <a:ln>
               <a:noFill/>
             </a:ln>
@@ -8425,7 +9476,7 @@
           <a:buFontTx/>
           <a:buNone/>
           <a:tabLst/>
-          <a:defRPr b="0" baseline="0" cap="none" i="0" spc="0" strike="noStrike" sz="1800" u="none" kumimoji="0" normalizeH="0">
+          <a:defRPr kumimoji="0" sz="1800" b="0" i="0" u="none" strike="noStrike" cap="none" spc="0" normalizeH="0" baseline="0">
             <a:ln>
               <a:noFill/>
             </a:ln>
@@ -8451,7 +9502,7 @@
           <a:buFontTx/>
           <a:buNone/>
           <a:tabLst/>
-          <a:defRPr b="0" baseline="0" cap="none" i="0" spc="0" strike="noStrike" sz="1800" u="none" kumimoji="0" normalizeH="0">
+          <a:defRPr kumimoji="0" sz="1800" b="0" i="0" u="none" strike="noStrike" cap="none" spc="0" normalizeH="0" baseline="0">
             <a:ln>
               <a:noFill/>
             </a:ln>
@@ -8477,7 +9528,7 @@
           <a:buFontTx/>
           <a:buNone/>
           <a:tabLst/>
-          <a:defRPr b="0" baseline="0" cap="none" i="0" spc="0" strike="noStrike" sz="1800" u="none" kumimoji="0" normalizeH="0">
+          <a:defRPr kumimoji="0" sz="1800" b="0" i="0" u="none" strike="noStrike" cap="none" spc="0" normalizeH="0" baseline="0">
             <a:ln>
               <a:noFill/>
             </a:ln>
@@ -8503,7 +9554,7 @@
           <a:buFontTx/>
           <a:buNone/>
           <a:tabLst/>
-          <a:defRPr b="0" baseline="0" cap="none" i="0" spc="0" strike="noStrike" sz="1800" u="none" kumimoji="0" normalizeH="0">
+          <a:defRPr kumimoji="0" sz="1800" b="0" i="0" u="none" strike="noStrike" cap="none" spc="0" normalizeH="0" baseline="0">
             <a:ln>
               <a:noFill/>
             </a:ln>
@@ -8529,7 +9580,7 @@
           <a:buFontTx/>
           <a:buNone/>
           <a:tabLst/>
-          <a:defRPr b="0" baseline="0" cap="none" i="0" spc="0" strike="noStrike" sz="1800" u="none" kumimoji="0" normalizeH="0">
+          <a:defRPr kumimoji="0" sz="1800" b="0" i="0" u="none" strike="noStrike" cap="none" spc="0" normalizeH="0" baseline="0">
             <a:ln>
               <a:noFill/>
             </a:ln>
@@ -8555,7 +9606,7 @@
           <a:buFontTx/>
           <a:buNone/>
           <a:tabLst/>
-          <a:defRPr b="0" baseline="0" cap="none" i="0" spc="0" strike="noStrike" sz="1800" u="none" kumimoji="0" normalizeH="0">
+          <a:defRPr kumimoji="0" sz="1800" b="0" i="0" u="none" strike="noStrike" cap="none" spc="0" normalizeH="0" baseline="0">
             <a:ln>
               <a:noFill/>
             </a:ln>
@@ -8568,9 +9619,15 @@
         </a:lvl9pPr>
       </a:lstStyle>
       <a:style>
-        <a:lnRef idx="0"/>
-        <a:fillRef idx="0"/>
-        <a:effectRef idx="0"/>
+        <a:lnRef idx="0">
+          <a:scrgbClr r="0" g="0" b="0"/>
+        </a:lnRef>
+        <a:fillRef idx="0">
+          <a:scrgbClr r="0" g="0" b="0"/>
+        </a:fillRef>
+        <a:effectRef idx="0">
+          <a:scrgbClr r="0" g="0" b="0"/>
+        </a:effectRef>
         <a:fontRef idx="none"/>
       </a:style>
     </a:lnDef>
@@ -8584,7 +9641,7 @@
         <a:effectLst/>
         <a:sp3d/>
       </a:spPr>
-      <a:bodyPr rot="0" spcFirstLastPara="1" vertOverflow="overflow" horzOverflow="overflow" vert="horz" wrap="square" lIns="0" tIns="0" rIns="0" bIns="0" numCol="1" spcCol="38100" rtlCol="0" anchor="t" upright="0">
+      <a:bodyPr rot="0" spcFirstLastPara="1" vertOverflow="overflow" horzOverflow="overflow" vert="horz" wrap="square" lIns="0" tIns="0" rIns="0" bIns="0" numCol="1" spcCol="38100" rtlCol="0" anchor="t">
         <a:spAutoFit/>
       </a:bodyPr>
       <a:lstStyle>
@@ -8603,7 +9660,7 @@
           <a:buFontTx/>
           <a:buNone/>
           <a:tabLst/>
-          <a:defRPr b="0" baseline="0" cap="none" i="0" spc="0" strike="noStrike" sz="1400" u="none" kumimoji="0" normalizeH="0">
+          <a:defRPr kumimoji="0" sz="1400" b="0" i="0" u="none" strike="noStrike" cap="none" spc="0" normalizeH="0" baseline="0">
             <a:ln>
               <a:noFill/>
             </a:ln>
@@ -8633,7 +9690,7 @@
           <a:buFontTx/>
           <a:buNone/>
           <a:tabLst/>
-          <a:defRPr b="0" baseline="0" cap="none" i="0" spc="0" strike="noStrike" sz="1800" u="none" kumimoji="0" normalizeH="0">
+          <a:defRPr kumimoji="0" sz="1800" b="0" i="0" u="none" strike="noStrike" cap="none" spc="0" normalizeH="0" baseline="0">
             <a:ln>
               <a:noFill/>
             </a:ln>
@@ -8659,7 +9716,7 @@
           <a:buFontTx/>
           <a:buNone/>
           <a:tabLst/>
-          <a:defRPr b="0" baseline="0" cap="none" i="0" spc="0" strike="noStrike" sz="1800" u="none" kumimoji="0" normalizeH="0">
+          <a:defRPr kumimoji="0" sz="1800" b="0" i="0" u="none" strike="noStrike" cap="none" spc="0" normalizeH="0" baseline="0">
             <a:ln>
               <a:noFill/>
             </a:ln>
@@ -8685,7 +9742,7 @@
           <a:buFontTx/>
           <a:buNone/>
           <a:tabLst/>
-          <a:defRPr b="0" baseline="0" cap="none" i="0" spc="0" strike="noStrike" sz="1800" u="none" kumimoji="0" normalizeH="0">
+          <a:defRPr kumimoji="0" sz="1800" b="0" i="0" u="none" strike="noStrike" cap="none" spc="0" normalizeH="0" baseline="0">
             <a:ln>
               <a:noFill/>
             </a:ln>
@@ -8711,7 +9768,7 @@
           <a:buFontTx/>
           <a:buNone/>
           <a:tabLst/>
-          <a:defRPr b="0" baseline="0" cap="none" i="0" spc="0" strike="noStrike" sz="1800" u="none" kumimoji="0" normalizeH="0">
+          <a:defRPr kumimoji="0" sz="1800" b="0" i="0" u="none" strike="noStrike" cap="none" spc="0" normalizeH="0" baseline="0">
             <a:ln>
               <a:noFill/>
             </a:ln>
@@ -8737,7 +9794,7 @@
           <a:buFontTx/>
           <a:buNone/>
           <a:tabLst/>
-          <a:defRPr b="0" baseline="0" cap="none" i="0" spc="0" strike="noStrike" sz="1800" u="none" kumimoji="0" normalizeH="0">
+          <a:defRPr kumimoji="0" sz="1800" b="0" i="0" u="none" strike="noStrike" cap="none" spc="0" normalizeH="0" baseline="0">
             <a:ln>
               <a:noFill/>
             </a:ln>
@@ -8763,7 +9820,7 @@
           <a:buFontTx/>
           <a:buNone/>
           <a:tabLst/>
-          <a:defRPr b="0" baseline="0" cap="none" i="0" spc="0" strike="noStrike" sz="1800" u="none" kumimoji="0" normalizeH="0">
+          <a:defRPr kumimoji="0" sz="1800" b="0" i="0" u="none" strike="noStrike" cap="none" spc="0" normalizeH="0" baseline="0">
             <a:ln>
               <a:noFill/>
             </a:ln>
@@ -8789,7 +9846,7 @@
           <a:buFontTx/>
           <a:buNone/>
           <a:tabLst/>
-          <a:defRPr b="0" baseline="0" cap="none" i="0" spc="0" strike="noStrike" sz="1800" u="none" kumimoji="0" normalizeH="0">
+          <a:defRPr kumimoji="0" sz="1800" b="0" i="0" u="none" strike="noStrike" cap="none" spc="0" normalizeH="0" baseline="0">
             <a:ln>
               <a:noFill/>
             </a:ln>
@@ -8815,7 +9872,7 @@
           <a:buFontTx/>
           <a:buNone/>
           <a:tabLst/>
-          <a:defRPr b="0" baseline="0" cap="none" i="0" spc="0" strike="noStrike" sz="1800" u="none" kumimoji="0" normalizeH="0">
+          <a:defRPr kumimoji="0" sz="1800" b="0" i="0" u="none" strike="noStrike" cap="none" spc="0" normalizeH="0" baseline="0">
             <a:ln>
               <a:noFill/>
             </a:ln>
@@ -8841,7 +9898,7 @@
           <a:buFontTx/>
           <a:buNone/>
           <a:tabLst/>
-          <a:defRPr b="0" baseline="0" cap="none" i="0" spc="0" strike="noStrike" sz="1800" u="none" kumimoji="0" normalizeH="0">
+          <a:defRPr kumimoji="0" sz="1800" b="0" i="0" u="none" strike="noStrike" cap="none" spc="0" normalizeH="0" baseline="0">
             <a:ln>
               <a:noFill/>
             </a:ln>
@@ -8854,12 +9911,19 @@
         </a:lvl9pPr>
       </a:lstStyle>
       <a:style>
-        <a:lnRef idx="0"/>
-        <a:fillRef idx="0"/>
-        <a:effectRef idx="0"/>
+        <a:lnRef idx="0">
+          <a:scrgbClr r="0" g="0" b="0"/>
+        </a:lnRef>
+        <a:fillRef idx="0">
+          <a:scrgbClr r="0" g="0" b="0"/>
+        </a:fillRef>
+        <a:effectRef idx="0">
+          <a:scrgbClr r="0" g="0" b="0"/>
+        </a:effectRef>
         <a:fontRef idx="none"/>
       </a:style>
     </a:txDef>
   </a:objectDefaults>
+  <a:extraClrSchemeLst/>
 </a:theme>
 </file>
--- a/docs/report.pptx
+++ b/docs/report.pptx
@@ -5,7 +5,7 @@
     <p:sldMasterId id="2147483648" r:id="rId1"/>
   </p:sldMasterIdLst>
   <p:notesMasterIdLst>
-    <p:notesMasterId r:id="rId24"/>
+    <p:notesMasterId r:id="rId23"/>
   </p:notesMasterIdLst>
   <p:sldIdLst>
     <p:sldId id="256" r:id="rId2"/>
@@ -19,17 +19,16 @@
     <p:sldId id="264" r:id="rId10"/>
     <p:sldId id="265" r:id="rId11"/>
     <p:sldId id="266" r:id="rId12"/>
-    <p:sldId id="267" r:id="rId13"/>
-    <p:sldId id="268" r:id="rId14"/>
-    <p:sldId id="269" r:id="rId15"/>
-    <p:sldId id="270" r:id="rId16"/>
-    <p:sldId id="272" r:id="rId17"/>
-    <p:sldId id="273" r:id="rId18"/>
-    <p:sldId id="274" r:id="rId19"/>
-    <p:sldId id="276" r:id="rId20"/>
-    <p:sldId id="277" r:id="rId21"/>
-    <p:sldId id="275" r:id="rId22"/>
-    <p:sldId id="271" r:id="rId23"/>
+    <p:sldId id="268" r:id="rId13"/>
+    <p:sldId id="269" r:id="rId14"/>
+    <p:sldId id="270" r:id="rId15"/>
+    <p:sldId id="272" r:id="rId16"/>
+    <p:sldId id="273" r:id="rId17"/>
+    <p:sldId id="274" r:id="rId18"/>
+    <p:sldId id="276" r:id="rId19"/>
+    <p:sldId id="277" r:id="rId20"/>
+    <p:sldId id="275" r:id="rId21"/>
+    <p:sldId id="271" r:id="rId22"/>
   </p:sldIdLst>
   <p:sldSz cx="9144000" cy="5143500" type="screen16x9"/>
   <p:notesSz cx="6858000" cy="9144000"/>
@@ -3517,7 +3516,7 @@
           </a:ln>
           <a:extLst>
             <a:ext uri="{C572A759-6A51-4108-AA02-DFA0A04FC94B}">
-              <ma14:wrappingTextBoxFlag xmlns="" xmlns:m="http://schemas.openxmlformats.org/officeDocument/2006/math" xmlns:a14="http://schemas.microsoft.com/office/drawing/2010/main" xmlns:ma14="http://schemas.microsoft.com/office/mac/drawingml/2011/main" val="1"/>
+              <ma14:wrappingTextBoxFlag xmlns:ma14="http://schemas.microsoft.com/office/mac/drawingml/2011/main" xmlns:a14="http://schemas.microsoft.com/office/drawing/2010/main" xmlns:m="http://schemas.openxmlformats.org/officeDocument/2006/math" xmlns="" val="1"/>
             </a:ext>
           </a:extLst>
         </p:spPr>
@@ -3556,7 +3555,7 @@
           </a:ln>
           <a:extLst>
             <a:ext uri="{C572A759-6A51-4108-AA02-DFA0A04FC94B}">
-              <ma14:wrappingTextBoxFlag xmlns="" xmlns:m="http://schemas.openxmlformats.org/officeDocument/2006/math" xmlns:a14="http://schemas.microsoft.com/office/drawing/2010/main" xmlns:ma14="http://schemas.microsoft.com/office/mac/drawingml/2011/main" val="1"/>
+              <ma14:wrappingTextBoxFlag xmlns:ma14="http://schemas.microsoft.com/office/mac/drawingml/2011/main" xmlns:a14="http://schemas.microsoft.com/office/drawing/2010/main" xmlns:m="http://schemas.openxmlformats.org/officeDocument/2006/math" xmlns="" val="1"/>
             </a:ext>
           </a:extLst>
         </p:spPr>
@@ -4655,7 +4654,7 @@
           </a:prstGeom>
           <a:extLst>
             <a:ext uri="{C572A759-6A51-4108-AA02-DFA0A04FC94B}">
-              <ma14:wrappingTextBoxFlag xmlns="" xmlns:m="http://schemas.openxmlformats.org/officeDocument/2006/math" xmlns:a14="http://schemas.microsoft.com/office/drawing/2010/main" xmlns:ma14="http://schemas.microsoft.com/office/mac/drawingml/2011/main" val="1"/>
+              <ma14:wrappingTextBoxFlag xmlns:ma14="http://schemas.microsoft.com/office/mac/drawingml/2011/main" xmlns:a14="http://schemas.microsoft.com/office/drawing/2010/main" xmlns:m="http://schemas.openxmlformats.org/officeDocument/2006/math" xmlns="" val="1"/>
             </a:ext>
           </a:extLst>
         </p:spPr>
@@ -4743,8 +4742,14 @@
           </a:lstStyle>
           <a:p>
             <a:r>
+              <a:rPr dirty="0"/>
               <a:t>Part 3</a:t>
             </a:r>
+            <a:r>
+              <a:rPr lang="en-US" dirty="0"/>
+              <a:t>: Understanding input/output shapes in PyTorch</a:t>
+            </a:r>
+            <a:endParaRPr dirty="0"/>
           </a:p>
         </p:txBody>
       </p:sp>
@@ -4833,7 +4838,7 @@
           </a:prstGeom>
           <a:extLst>
             <a:ext uri="{C572A759-6A51-4108-AA02-DFA0A04FC94B}">
-              <ma14:wrappingTextBoxFlag xmlns="" xmlns:m="http://schemas.openxmlformats.org/officeDocument/2006/math" xmlns:a14="http://schemas.microsoft.com/office/drawing/2010/main" xmlns:ma14="http://schemas.microsoft.com/office/mac/drawingml/2011/main" val="1"/>
+              <ma14:wrappingTextBoxFlag xmlns:ma14="http://schemas.microsoft.com/office/mac/drawingml/2011/main" xmlns:a14="http://schemas.microsoft.com/office/drawing/2010/main" xmlns:m="http://schemas.openxmlformats.org/officeDocument/2006/math" xmlns="" val="1"/>
             </a:ext>
           </a:extLst>
         </p:spPr>
@@ -4920,7 +4925,7 @@
       </p:grpSpPr>
       <p:sp>
         <p:nvSpPr>
-          <p:cNvPr id="248" name="Google Shape;175;p36"/>
+          <p:cNvPr id="252" name="Google Shape;182;p37"/>
           <p:cNvSpPr txBox="1">
             <a:spLocks noGrp="1"/>
           </p:cNvSpPr>
@@ -4948,20 +4953,68 @@
           </a:lstStyle>
           <a:p>
             <a:r>
+              <a:rPr dirty="0"/>
               <a:t>Part 3</a:t>
             </a:r>
-          </a:p>
-        </p:txBody>
-      </p:sp>
-      <p:sp>
-        <p:nvSpPr>
-          <p:cNvPr id="249" name="Google Shape;176;p36"/>
+            <a:r>
+              <a:rPr lang="en-US" dirty="0"/>
+              <a:t>: Understanding input/output shapes in PyTorch</a:t>
+            </a:r>
+            <a:endParaRPr dirty="0"/>
+          </a:p>
+        </p:txBody>
+      </p:sp>
+      <p:sp>
+        <p:nvSpPr>
+          <p:cNvPr id="253" name="Google Shape;183;p37"/>
           <p:cNvSpPr txBox="1">
             <a:spLocks noGrp="1"/>
           </p:cNvSpPr>
           <p:nvPr>
             <p:ph type="body" sz="half" idx="1"/>
           </p:nvPr>
+        </p:nvSpPr>
+        <p:spPr>
+          <a:xfrm>
+            <a:off x="4486415" y="1152475"/>
+            <a:ext cx="4144079" cy="3416400"/>
+          </a:xfrm>
+          <a:prstGeom prst="rect">
+            <a:avLst/>
+          </a:prstGeom>
+        </p:spPr>
+        <p:txBody>
+          <a:bodyPr/>
+          <a:lstStyle>
+            <a:lvl1pPr marL="0" indent="0">
+              <a:buSzTx/>
+              <a:buNone/>
+            </a:lvl1pPr>
+          </a:lstStyle>
+          <a:p>
+            <a:r>
+              <a:rPr lang="en-US" dirty="0"/>
+              <a:t>[Section 3 of the handout gives equations to calculate output dimensions given filter size, stride, and padding. What is the intuition behind this equation?]</a:t>
+            </a:r>
+          </a:p>
+          <a:p>
+            <a:endParaRPr dirty="0"/>
+          </a:p>
+        </p:txBody>
+      </p:sp>
+      <p:sp>
+        <p:nvSpPr>
+          <p:cNvPr id="4" name="Google Shape;176;p36">
+            <a:extLst>
+              <a:ext uri="{FF2B5EF4-FFF2-40B4-BE49-F238E27FC236}">
+                <a16:creationId xmlns:a16="http://schemas.microsoft.com/office/drawing/2014/main" id="{9D456C8C-54E4-BC49-8CE2-BD68F478A90C}"/>
+              </a:ext>
+            </a:extLst>
+          </p:cNvPr>
+          <p:cNvSpPr txBox="1">
+            <a:spLocks/>
+          </p:cNvSpPr>
+          <p:nvPr/>
         </p:nvSpPr>
         <p:spPr>
           <a:xfrm>
@@ -4971,20 +5024,316 @@
           <a:prstGeom prst="rect">
             <a:avLst/>
           </a:prstGeom>
-        </p:spPr>
-        <p:txBody>
-          <a:bodyPr/>
+          <a:ln w="12700">
+            <a:miter lim="400000"/>
+          </a:ln>
+          <a:extLst>
+            <a:ext uri="{C572A759-6A51-4108-AA02-DFA0A04FC94B}">
+              <ma14:wrappingTextBoxFlag xmlns:ma14="http://schemas.microsoft.com/office/mac/drawingml/2011/main" xmlns:a14="http://schemas.microsoft.com/office/drawing/2010/main" xmlns:m="http://schemas.openxmlformats.org/officeDocument/2006/math" xmlns="" val="1"/>
+            </a:ext>
+          </a:extLst>
+        </p:spPr>
+        <p:txBody>
+          <a:bodyPr lIns="91424" tIns="91424" rIns="91424" bIns="91424">
+            <a:normAutofit/>
+          </a:bodyPr>
           <a:lstStyle>
-            <a:lvl1pPr marL="0" indent="0">
-              <a:buSzTx/>
-              <a:buNone/>
+            <a:lvl1pPr marL="0" marR="0" indent="0" algn="l" defTabSz="914400" rtl="0" latinLnBrk="0">
+              <a:lnSpc>
+                <a:spcPct val="115000"/>
+              </a:lnSpc>
+              <a:spcBef>
+                <a:spcPts val="0"/>
+              </a:spcBef>
+              <a:spcAft>
+                <a:spcPts val="0"/>
+              </a:spcAft>
+              <a:buClr>
+                <a:schemeClr val="accent2">
+                  <a:lumOff val="21764"/>
+                </a:schemeClr>
+              </a:buClr>
+              <a:buSzTx/>
+              <a:buFont typeface="Arial"/>
+              <a:buNone/>
+              <a:tabLst/>
+              <a:defRPr sz="1400" b="0" i="0" u="none" strike="noStrike" cap="none" spc="0" baseline="0">
+                <a:solidFill>
+                  <a:schemeClr val="accent2">
+                    <a:lumOff val="21764"/>
+                  </a:schemeClr>
+                </a:solidFill>
+                <a:uFillTx/>
+                <a:latin typeface="+mj-lt"/>
+                <a:ea typeface="+mj-ea"/>
+                <a:cs typeface="+mj-cs"/>
+                <a:sym typeface="Arial"/>
+              </a:defRPr>
             </a:lvl1pPr>
+            <a:lvl2pPr marL="965200" marR="0" indent="-355600" algn="l" defTabSz="914400" rtl="0" latinLnBrk="0">
+              <a:lnSpc>
+                <a:spcPct val="115000"/>
+              </a:lnSpc>
+              <a:spcBef>
+                <a:spcPts val="0"/>
+              </a:spcBef>
+              <a:spcAft>
+                <a:spcPts val="0"/>
+              </a:spcAft>
+              <a:buClr>
+                <a:schemeClr val="accent2">
+                  <a:lumOff val="21764"/>
+                </a:schemeClr>
+              </a:buClr>
+              <a:buSzPts val="1400"/>
+              <a:buFont typeface="Arial"/>
+              <a:buChar char="○"/>
+              <a:tabLst/>
+              <a:defRPr sz="1400" b="0" i="0" u="none" strike="noStrike" cap="none" spc="0" baseline="0">
+                <a:solidFill>
+                  <a:schemeClr val="accent2">
+                    <a:lumOff val="21764"/>
+                  </a:schemeClr>
+                </a:solidFill>
+                <a:uFillTx/>
+                <a:latin typeface="+mj-lt"/>
+                <a:ea typeface="+mj-ea"/>
+                <a:cs typeface="+mj-cs"/>
+                <a:sym typeface="Arial"/>
+              </a:defRPr>
+            </a:lvl2pPr>
+            <a:lvl3pPr marL="1422400" marR="0" indent="-355600" algn="l" defTabSz="914400" rtl="0" latinLnBrk="0">
+              <a:lnSpc>
+                <a:spcPct val="115000"/>
+              </a:lnSpc>
+              <a:spcBef>
+                <a:spcPts val="0"/>
+              </a:spcBef>
+              <a:spcAft>
+                <a:spcPts val="0"/>
+              </a:spcAft>
+              <a:buClr>
+                <a:schemeClr val="accent2">
+                  <a:lumOff val="21764"/>
+                </a:schemeClr>
+              </a:buClr>
+              <a:buSzPts val="1400"/>
+              <a:buFont typeface="Arial"/>
+              <a:buChar char="■"/>
+              <a:tabLst/>
+              <a:defRPr sz="1400" b="0" i="0" u="none" strike="noStrike" cap="none" spc="0" baseline="0">
+                <a:solidFill>
+                  <a:schemeClr val="accent2">
+                    <a:lumOff val="21764"/>
+                  </a:schemeClr>
+                </a:solidFill>
+                <a:uFillTx/>
+                <a:latin typeface="+mj-lt"/>
+                <a:ea typeface="+mj-ea"/>
+                <a:cs typeface="+mj-cs"/>
+                <a:sym typeface="Arial"/>
+              </a:defRPr>
+            </a:lvl3pPr>
+            <a:lvl4pPr marL="1879600" marR="0" indent="-355600" algn="l" defTabSz="914400" rtl="0" latinLnBrk="0">
+              <a:lnSpc>
+                <a:spcPct val="115000"/>
+              </a:lnSpc>
+              <a:spcBef>
+                <a:spcPts val="0"/>
+              </a:spcBef>
+              <a:spcAft>
+                <a:spcPts val="0"/>
+              </a:spcAft>
+              <a:buClr>
+                <a:schemeClr val="accent2">
+                  <a:lumOff val="21764"/>
+                </a:schemeClr>
+              </a:buClr>
+              <a:buSzPts val="1400"/>
+              <a:buFont typeface="Arial"/>
+              <a:buChar char="●"/>
+              <a:tabLst/>
+              <a:defRPr sz="1400" b="0" i="0" u="none" strike="noStrike" cap="none" spc="0" baseline="0">
+                <a:solidFill>
+                  <a:schemeClr val="accent2">
+                    <a:lumOff val="21764"/>
+                  </a:schemeClr>
+                </a:solidFill>
+                <a:uFillTx/>
+                <a:latin typeface="+mj-lt"/>
+                <a:ea typeface="+mj-ea"/>
+                <a:cs typeface="+mj-cs"/>
+                <a:sym typeface="Arial"/>
+              </a:defRPr>
+            </a:lvl4pPr>
+            <a:lvl5pPr marL="2336800" marR="0" indent="-355600" algn="l" defTabSz="914400" rtl="0" latinLnBrk="0">
+              <a:lnSpc>
+                <a:spcPct val="115000"/>
+              </a:lnSpc>
+              <a:spcBef>
+                <a:spcPts val="0"/>
+              </a:spcBef>
+              <a:spcAft>
+                <a:spcPts val="0"/>
+              </a:spcAft>
+              <a:buClr>
+                <a:schemeClr val="accent2">
+                  <a:lumOff val="21764"/>
+                </a:schemeClr>
+              </a:buClr>
+              <a:buSzPts val="1400"/>
+              <a:buFont typeface="Arial"/>
+              <a:buChar char="○"/>
+              <a:tabLst/>
+              <a:defRPr sz="1400" b="0" i="0" u="none" strike="noStrike" cap="none" spc="0" baseline="0">
+                <a:solidFill>
+                  <a:schemeClr val="accent2">
+                    <a:lumOff val="21764"/>
+                  </a:schemeClr>
+                </a:solidFill>
+                <a:uFillTx/>
+                <a:latin typeface="+mj-lt"/>
+                <a:ea typeface="+mj-ea"/>
+                <a:cs typeface="+mj-cs"/>
+                <a:sym typeface="Arial"/>
+              </a:defRPr>
+            </a:lvl5pPr>
+            <a:lvl6pPr marL="2833914" marR="0" indent="-408214" algn="l" defTabSz="914400" rtl="0" latinLnBrk="0">
+              <a:lnSpc>
+                <a:spcPct val="115000"/>
+              </a:lnSpc>
+              <a:spcBef>
+                <a:spcPts val="0"/>
+              </a:spcBef>
+              <a:spcAft>
+                <a:spcPts val="0"/>
+              </a:spcAft>
+              <a:buClr>
+                <a:schemeClr val="accent2">
+                  <a:lumOff val="21764"/>
+                </a:schemeClr>
+              </a:buClr>
+              <a:buSzPts val="1800"/>
+              <a:buFont typeface="Arial"/>
+              <a:buChar char="■"/>
+              <a:tabLst/>
+              <a:defRPr sz="1800" b="0" i="0" u="none" strike="noStrike" cap="none" spc="0" baseline="0">
+                <a:solidFill>
+                  <a:schemeClr val="accent2">
+                    <a:lumOff val="21764"/>
+                  </a:schemeClr>
+                </a:solidFill>
+                <a:uFillTx/>
+                <a:latin typeface="+mj-lt"/>
+                <a:ea typeface="+mj-ea"/>
+                <a:cs typeface="+mj-cs"/>
+                <a:sym typeface="Arial"/>
+              </a:defRPr>
+            </a:lvl6pPr>
+            <a:lvl7pPr marL="3291114" marR="0" indent="-408214" algn="l" defTabSz="914400" rtl="0" latinLnBrk="0">
+              <a:lnSpc>
+                <a:spcPct val="115000"/>
+              </a:lnSpc>
+              <a:spcBef>
+                <a:spcPts val="0"/>
+              </a:spcBef>
+              <a:spcAft>
+                <a:spcPts val="0"/>
+              </a:spcAft>
+              <a:buClr>
+                <a:schemeClr val="accent2">
+                  <a:lumOff val="21764"/>
+                </a:schemeClr>
+              </a:buClr>
+              <a:buSzPts val="1800"/>
+              <a:buFont typeface="Arial"/>
+              <a:buChar char="●"/>
+              <a:tabLst/>
+              <a:defRPr sz="1800" b="0" i="0" u="none" strike="noStrike" cap="none" spc="0" baseline="0">
+                <a:solidFill>
+                  <a:schemeClr val="accent2">
+                    <a:lumOff val="21764"/>
+                  </a:schemeClr>
+                </a:solidFill>
+                <a:uFillTx/>
+                <a:latin typeface="+mj-lt"/>
+                <a:ea typeface="+mj-ea"/>
+                <a:cs typeface="+mj-cs"/>
+                <a:sym typeface="Arial"/>
+              </a:defRPr>
+            </a:lvl7pPr>
+            <a:lvl8pPr marL="3748314" marR="0" indent="-408214" algn="l" defTabSz="914400" rtl="0" latinLnBrk="0">
+              <a:lnSpc>
+                <a:spcPct val="115000"/>
+              </a:lnSpc>
+              <a:spcBef>
+                <a:spcPts val="0"/>
+              </a:spcBef>
+              <a:spcAft>
+                <a:spcPts val="0"/>
+              </a:spcAft>
+              <a:buClr>
+                <a:schemeClr val="accent2">
+                  <a:lumOff val="21764"/>
+                </a:schemeClr>
+              </a:buClr>
+              <a:buSzPts val="1800"/>
+              <a:buFont typeface="Arial"/>
+              <a:buChar char="○"/>
+              <a:tabLst/>
+              <a:defRPr sz="1800" b="0" i="0" u="none" strike="noStrike" cap="none" spc="0" baseline="0">
+                <a:solidFill>
+                  <a:schemeClr val="accent2">
+                    <a:lumOff val="21764"/>
+                  </a:schemeClr>
+                </a:solidFill>
+                <a:uFillTx/>
+                <a:latin typeface="+mj-lt"/>
+                <a:ea typeface="+mj-ea"/>
+                <a:cs typeface="+mj-cs"/>
+                <a:sym typeface="Arial"/>
+              </a:defRPr>
+            </a:lvl8pPr>
+            <a:lvl9pPr marL="4205514" marR="0" indent="-408214" algn="l" defTabSz="914400" rtl="0" latinLnBrk="0">
+              <a:lnSpc>
+                <a:spcPct val="115000"/>
+              </a:lnSpc>
+              <a:spcBef>
+                <a:spcPts val="0"/>
+              </a:spcBef>
+              <a:spcAft>
+                <a:spcPts val="0"/>
+              </a:spcAft>
+              <a:buClr>
+                <a:schemeClr val="accent2">
+                  <a:lumOff val="21764"/>
+                </a:schemeClr>
+              </a:buClr>
+              <a:buSzPts val="1800"/>
+              <a:buFont typeface="Arial"/>
+              <a:buChar char="■"/>
+              <a:tabLst/>
+              <a:defRPr sz="1800" b="0" i="0" u="none" strike="noStrike" cap="none" spc="0" baseline="0">
+                <a:solidFill>
+                  <a:schemeClr val="accent2">
+                    <a:lumOff val="21764"/>
+                  </a:schemeClr>
+                </a:solidFill>
+                <a:uFillTx/>
+                <a:latin typeface="+mj-lt"/>
+                <a:ea typeface="+mj-ea"/>
+                <a:cs typeface="+mj-cs"/>
+                <a:sym typeface="Arial"/>
+              </a:defRPr>
+            </a:lvl9pPr>
           </a:lstStyle>
           <a:p>
-            <a:r>
-              <a:rPr dirty="0"/>
+            <a:pPr hangingPunct="1"/>
+            <a:r>
+              <a:rPr lang="en-US"/>
               <a:t>[How many filters did we apply to the dog image?]</a:t>
             </a:r>
+            <a:endParaRPr lang="en-US" dirty="0"/>
           </a:p>
         </p:txBody>
       </p:sp>
@@ -5016,7 +5365,7 @@
       </p:grpSpPr>
       <p:sp>
         <p:nvSpPr>
-          <p:cNvPr id="252" name="Google Shape;182;p37"/>
+          <p:cNvPr id="256" name="Google Shape;189;p38"/>
           <p:cNvSpPr txBox="1">
             <a:spLocks noGrp="1"/>
           </p:cNvSpPr>
@@ -5044,14 +5393,20 @@
           </a:lstStyle>
           <a:p>
             <a:r>
+              <a:rPr dirty="0"/>
               <a:t>Part 3</a:t>
             </a:r>
-          </a:p>
-        </p:txBody>
-      </p:sp>
-      <p:sp>
-        <p:nvSpPr>
-          <p:cNvPr id="253" name="Google Shape;183;p37"/>
+            <a:r>
+              <a:rPr lang="en-US" dirty="0"/>
+              <a:t>: Understanding input/output shapes in PyTorch</a:t>
+            </a:r>
+            <a:endParaRPr dirty="0"/>
+          </a:p>
+        </p:txBody>
+      </p:sp>
+      <p:sp>
+        <p:nvSpPr>
+          <p:cNvPr id="257" name="Google Shape;190;p38"/>
           <p:cNvSpPr txBox="1">
             <a:spLocks noGrp="1"/>
           </p:cNvSpPr>
@@ -5062,7 +5417,7 @@
         <p:spPr>
           <a:xfrm>
             <a:off x="311699" y="1152475"/>
-            <a:ext cx="8318796" cy="3416400"/>
+            <a:ext cx="3999902" cy="3416400"/>
           </a:xfrm>
           <a:prstGeom prst="rect">
             <a:avLst/>
@@ -5078,12 +5433,44 @@
           </a:lstStyle>
           <a:p>
             <a:r>
-              <a:rPr lang="en-US" dirty="0"/>
-              <a:t>[Section 3 of the handout gives equations to calculate output dimensions given filter size, stride, and padding. What is the intuition behind this equation?]</a:t>
-            </a:r>
-          </a:p>
-          <a:p>
-            <a:endParaRPr dirty="0"/>
+              <a:t>[insert visualization 0 here]</a:t>
+            </a:r>
+          </a:p>
+        </p:txBody>
+      </p:sp>
+      <p:sp>
+        <p:nvSpPr>
+          <p:cNvPr id="258" name="Google Shape;191;p38"/>
+          <p:cNvSpPr txBox="1">
+            <a:spLocks noGrp="1"/>
+          </p:cNvSpPr>
+          <p:nvPr>
+            <p:ph type="body" idx="21"/>
+          </p:nvPr>
+        </p:nvSpPr>
+        <p:spPr>
+          <a:prstGeom prst="rect">
+            <a:avLst/>
+          </a:prstGeom>
+          <a:extLst>
+            <a:ext uri="{C572A759-6A51-4108-AA02-DFA0A04FC94B}">
+              <ma14:wrappingTextBoxFlag xmlns:ma14="http://schemas.microsoft.com/office/mac/drawingml/2011/main" xmlns:a14="http://schemas.microsoft.com/office/drawing/2010/main" xmlns:m="http://schemas.openxmlformats.org/officeDocument/2006/math" xmlns="" val="1"/>
+            </a:ext>
+          </a:extLst>
+        </p:spPr>
+        <p:txBody>
+          <a:bodyPr/>
+          <a:lstStyle>
+            <a:lvl1pPr marL="0" indent="0">
+              <a:buSzTx/>
+              <a:buNone/>
+              <a:defRPr sz="1400"/>
+            </a:lvl1pPr>
+          </a:lstStyle>
+          <a:p>
+            <a:r>
+              <a:t>[insert visualization 1 here]</a:t>
+            </a:r>
           </a:p>
         </p:txBody>
       </p:sp>
@@ -5115,7 +5502,7 @@
       </p:grpSpPr>
       <p:sp>
         <p:nvSpPr>
-          <p:cNvPr id="256" name="Google Shape;189;p38"/>
+          <p:cNvPr id="260" name="Google Shape;196;p39"/>
           <p:cNvSpPr txBox="1">
             <a:spLocks noGrp="1"/>
           </p:cNvSpPr>
@@ -5143,14 +5530,20 @@
           </a:lstStyle>
           <a:p>
             <a:r>
+              <a:rPr dirty="0"/>
               <a:t>Part 3</a:t>
             </a:r>
-          </a:p>
-        </p:txBody>
-      </p:sp>
-      <p:sp>
-        <p:nvSpPr>
-          <p:cNvPr id="257" name="Google Shape;190;p38"/>
+            <a:r>
+              <a:rPr lang="en-US" dirty="0"/>
+              <a:t>: Understanding input/output shapes in PyTorch</a:t>
+            </a:r>
+            <a:endParaRPr dirty="0"/>
+          </a:p>
+        </p:txBody>
+      </p:sp>
+      <p:sp>
+        <p:nvSpPr>
+          <p:cNvPr id="261" name="Google Shape;197;p39"/>
           <p:cNvSpPr txBox="1">
             <a:spLocks noGrp="1"/>
           </p:cNvSpPr>
@@ -5177,14 +5570,14 @@
           </a:lstStyle>
           <a:p>
             <a:r>
-              <a:t>[insert visualization 0 here]</a:t>
-            </a:r>
-          </a:p>
-        </p:txBody>
-      </p:sp>
-      <p:sp>
-        <p:nvSpPr>
-          <p:cNvPr id="258" name="Google Shape;191;p38"/>
+              <a:t>[insert visualization 2 here]</a:t>
+            </a:r>
+          </a:p>
+        </p:txBody>
+      </p:sp>
+      <p:sp>
+        <p:nvSpPr>
+          <p:cNvPr id="262" name="Google Shape;198;p39"/>
           <p:cNvSpPr txBox="1">
             <a:spLocks noGrp="1"/>
           </p:cNvSpPr>
@@ -5198,7 +5591,7 @@
           </a:prstGeom>
           <a:extLst>
             <a:ext uri="{C572A759-6A51-4108-AA02-DFA0A04FC94B}">
-              <ma14:wrappingTextBoxFlag xmlns="" xmlns:m="http://schemas.openxmlformats.org/officeDocument/2006/math" xmlns:a14="http://schemas.microsoft.com/office/drawing/2010/main" xmlns:ma14="http://schemas.microsoft.com/office/mac/drawingml/2011/main" val="1"/>
+              <ma14:wrappingTextBoxFlag xmlns:ma14="http://schemas.microsoft.com/office/mac/drawingml/2011/main" xmlns:a14="http://schemas.microsoft.com/office/drawing/2010/main" xmlns:m="http://schemas.openxmlformats.org/officeDocument/2006/math" xmlns="" val="1"/>
             </a:ext>
           </a:extLst>
         </p:spPr>
@@ -5213,7 +5606,7 @@
           </a:lstStyle>
           <a:p>
             <a:r>
-              <a:t>[insert visualization 1 here]</a:t>
+              <a:t>[insert visualization 3 here]</a:t>
             </a:r>
           </a:p>
         </p:txBody>
@@ -5246,7 +5639,7 @@
       </p:grpSpPr>
       <p:sp>
         <p:nvSpPr>
-          <p:cNvPr id="260" name="Google Shape;196;p39"/>
+          <p:cNvPr id="244" name="Google Shape;168;p35"/>
           <p:cNvSpPr txBox="1">
             <a:spLocks noGrp="1"/>
           </p:cNvSpPr>
@@ -5274,14 +5667,20 @@
           </a:lstStyle>
           <a:p>
             <a:r>
-              <a:t>Part 3</a:t>
-            </a:r>
-          </a:p>
-        </p:txBody>
-      </p:sp>
-      <p:sp>
-        <p:nvSpPr>
-          <p:cNvPr id="261" name="Google Shape;197;p39"/>
+              <a:rPr dirty="0"/>
+              <a:t>Part</a:t>
+            </a:r>
+            <a:r>
+              <a:rPr lang="en-US" dirty="0"/>
+              <a:t> 4: Frequency Domain Convolutions</a:t>
+            </a:r>
+            <a:endParaRPr dirty="0"/>
+          </a:p>
+        </p:txBody>
+      </p:sp>
+      <p:sp>
+        <p:nvSpPr>
+          <p:cNvPr id="245" name="Google Shape;169;p35"/>
           <p:cNvSpPr txBox="1">
             <a:spLocks noGrp="1"/>
           </p:cNvSpPr>
@@ -5300,22 +5699,27 @@
         </p:spPr>
         <p:txBody>
           <a:bodyPr/>
-          <a:lstStyle>
-            <a:lvl1pPr marL="0" indent="0">
-              <a:buSzTx/>
-              <a:buNone/>
-            </a:lvl1pPr>
-          </a:lstStyle>
-          <a:p>
-            <a:r>
-              <a:t>[insert visualization 2 here]</a:t>
-            </a:r>
-          </a:p>
-        </p:txBody>
-      </p:sp>
-      <p:sp>
-        <p:nvSpPr>
-          <p:cNvPr id="262" name="Google Shape;198;p39"/>
+          <a:lstStyle/>
+          <a:p>
+            <a:pPr marL="0" indent="0">
+              <a:buSzTx/>
+              <a:buNone/>
+            </a:pPr>
+            <a:r>
+              <a:rPr dirty="0"/>
+              <a:t>[</a:t>
+            </a:r>
+            <a:r>
+              <a:rPr lang="en-US" dirty="0"/>
+              <a:t>Insert the visualizations of the dog image in the spatial and frequency domain]</a:t>
+            </a:r>
+            <a:endParaRPr dirty="0"/>
+          </a:p>
+        </p:txBody>
+      </p:sp>
+      <p:sp>
+        <p:nvSpPr>
+          <p:cNvPr id="246" name="Google Shape;170;p35"/>
           <p:cNvSpPr txBox="1">
             <a:spLocks noGrp="1"/>
           </p:cNvSpPr>
@@ -5335,21 +5739,34 @@
         </p:spPr>
         <p:txBody>
           <a:bodyPr/>
-          <a:lstStyle>
-            <a:lvl1pPr marL="0" indent="0">
+          <a:lstStyle/>
+          <a:p>
+            <a:pPr marL="0" indent="0">
               <a:buSzTx/>
               <a:buNone/>
               <a:defRPr sz="1400"/>
-            </a:lvl1pPr>
-          </a:lstStyle>
-          <a:p>
-            <a:r>
-              <a:t>[insert visualization 3 here]</a:t>
-            </a:r>
+            </a:pPr>
+            <a:r>
+              <a:rPr lang="en-US" dirty="0"/>
+              <a:t>[Insert the visualizations of the blurred dog image in the spatial and frequency domain]</a:t>
+            </a:r>
+          </a:p>
+          <a:p>
+            <a:pPr marL="0" indent="0">
+              <a:buSzTx/>
+              <a:buNone/>
+              <a:defRPr sz="1400"/>
+            </a:pPr>
+            <a:endParaRPr dirty="0"/>
           </a:p>
         </p:txBody>
       </p:sp>
     </p:spTree>
+    <p:extLst>
+      <p:ext uri="{BB962C8B-B14F-4D97-AF65-F5344CB8AC3E}">
+        <p14:creationId xmlns:p14="http://schemas.microsoft.com/office/powerpoint/2010/main" val="3633747566"/>
+      </p:ext>
+    </p:extLst>
   </p:cSld>
   <p:clrMapOvr>
     <a:masterClrMapping/>
@@ -5444,14 +5861,9 @@
               <a:buNone/>
             </a:pPr>
             <a:r>
-              <a:rPr dirty="0"/>
-              <a:t>[</a:t>
-            </a:r>
-            <a:r>
               <a:rPr lang="en-US" dirty="0"/>
-              <a:t>Insert the visualization of the dog image in the frequency domain]</a:t>
-            </a:r>
-            <a:endParaRPr dirty="0"/>
+              <a:t>[Insert the visualizations of the 2D Gaussian in the spatial and frequency domain]</a:t>
+            </a:r>
           </a:p>
         </p:txBody>
       </p:sp>
@@ -5486,15 +5898,8 @@
             </a:pPr>
             <a:r>
               <a:rPr lang="en-US" dirty="0"/>
-              <a:t>[Insert the visualization of the blurred dog image in the frequency domain]</a:t>
-            </a:r>
-          </a:p>
-          <a:p>
-            <a:pPr marL="0" indent="0">
-              <a:buSzTx/>
-              <a:buNone/>
-              <a:defRPr sz="1400"/>
-            </a:pPr>
+              <a:t>[Why does our frequency domain representation of a Gaussian not look like a Gaussian itself? How could we adjust the kernel to make these look more similar?]</a:t>
+            </a:r>
             <a:endParaRPr dirty="0"/>
           </a:p>
         </p:txBody>
@@ -5502,7 +5907,7 @@
     </p:spTree>
     <p:extLst>
       <p:ext uri="{BB962C8B-B14F-4D97-AF65-F5344CB8AC3E}">
-        <p14:creationId xmlns:p14="http://schemas.microsoft.com/office/powerpoint/2010/main" val="3633747566"/>
+        <p14:creationId xmlns:p14="http://schemas.microsoft.com/office/powerpoint/2010/main" val="3571544464"/>
       </p:ext>
     </p:extLst>
   </p:cSld>
@@ -5583,8 +5988,8 @@
         </p:nvSpPr>
         <p:spPr>
           <a:xfrm>
-            <a:off x="311699" y="1152475"/>
-            <a:ext cx="3999902" cy="3416400"/>
+            <a:off x="311698" y="1152475"/>
+            <a:ext cx="8039521" cy="3416400"/>
           </a:xfrm>
           <a:prstGeom prst="rect">
             <a:avLst/>
@@ -5600,52 +6005,15 @@
             </a:pPr>
             <a:r>
               <a:rPr lang="en-US" dirty="0"/>
-              <a:t>[Insert the visualization of the 2D Gaussian in the frequency domain]</a:t>
-            </a:r>
-          </a:p>
-        </p:txBody>
-      </p:sp>
-      <p:sp>
-        <p:nvSpPr>
-          <p:cNvPr id="246" name="Google Shape;170;p35"/>
-          <p:cNvSpPr txBox="1">
-            <a:spLocks noGrp="1"/>
-          </p:cNvSpPr>
-          <p:nvPr>
-            <p:ph type="body" idx="21"/>
-          </p:nvPr>
-        </p:nvSpPr>
-        <p:spPr>
-          <a:prstGeom prst="rect">
-            <a:avLst/>
-          </a:prstGeom>
-          <a:extLst>
-            <a:ext uri="{C572A759-6A51-4108-AA02-DFA0A04FC94B}">
-              <ma14:wrappingTextBoxFlag xmlns="" xmlns:m="http://schemas.openxmlformats.org/officeDocument/2006/math" xmlns:a14="http://schemas.microsoft.com/office/drawing/2010/main" xmlns:ma14="http://schemas.microsoft.com/office/mac/drawingml/2011/main" val="1"/>
-            </a:ext>
-          </a:extLst>
-        </p:spPr>
-        <p:txBody>
-          <a:bodyPr/>
-          <a:lstStyle/>
-          <a:p>
-            <a:pPr marL="0" indent="0">
-              <a:buSzTx/>
-              <a:buNone/>
-              <a:defRPr sz="1400"/>
-            </a:pPr>
-            <a:r>
-              <a:rPr lang="en-US" dirty="0"/>
-              <a:t>[Why does our frequency domain representation of a Gaussian not look like a Gaussian itself? How could we adjust the kernel to make these look more similar?]</a:t>
-            </a:r>
-            <a:endParaRPr dirty="0"/>
+              <a:t>[Briefly explain the Convolution Theorem and why this is related to deconvolution]</a:t>
+            </a:r>
           </a:p>
         </p:txBody>
       </p:sp>
     </p:spTree>
     <p:extLst>
       <p:ext uri="{BB962C8B-B14F-4D97-AF65-F5344CB8AC3E}">
-        <p14:creationId xmlns:p14="http://schemas.microsoft.com/office/powerpoint/2010/main" val="3571544464"/>
+        <p14:creationId xmlns:p14="http://schemas.microsoft.com/office/powerpoint/2010/main" val="1232422722"/>
       </p:ext>
     </p:extLst>
   </p:cSld>
@@ -5726,8 +6094,8 @@
         </p:nvSpPr>
         <p:spPr>
           <a:xfrm>
-            <a:off x="311698" y="1152475"/>
-            <a:ext cx="8039521" cy="3416400"/>
+            <a:off x="311699" y="1152475"/>
+            <a:ext cx="3999902" cy="3416400"/>
           </a:xfrm>
           <a:prstGeom prst="rect">
             <a:avLst/>
@@ -5742,16 +6110,65 @@
               <a:buNone/>
             </a:pPr>
             <a:r>
+              <a:rPr dirty="0"/>
+              <a:t>[</a:t>
+            </a:r>
+            <a:r>
               <a:rPr lang="en-US" dirty="0"/>
-              <a:t>[Briefly explain the Convolution Theorem and why this is related to deconvolution]</a:t>
-            </a:r>
+              <a:t>Insert the visualizations of the mystery image in the spatial and frequency domain]</a:t>
+            </a:r>
+            <a:endParaRPr dirty="0"/>
+          </a:p>
+        </p:txBody>
+      </p:sp>
+      <p:sp>
+        <p:nvSpPr>
+          <p:cNvPr id="246" name="Google Shape;170;p35"/>
+          <p:cNvSpPr txBox="1">
+            <a:spLocks noGrp="1"/>
+          </p:cNvSpPr>
+          <p:nvPr>
+            <p:ph type="body" idx="21"/>
+          </p:nvPr>
+        </p:nvSpPr>
+        <p:spPr>
+          <a:prstGeom prst="rect">
+            <a:avLst/>
+          </a:prstGeom>
+          <a:extLst>
+            <a:ext uri="{C572A759-6A51-4108-AA02-DFA0A04FC94B}">
+              <ma14:wrappingTextBoxFlag xmlns:ma14="http://schemas.microsoft.com/office/mac/drawingml/2011/main" xmlns:a14="http://schemas.microsoft.com/office/drawing/2010/main" xmlns:m="http://schemas.openxmlformats.org/officeDocument/2006/math" xmlns="" val="1"/>
+            </a:ext>
+          </a:extLst>
+        </p:spPr>
+        <p:txBody>
+          <a:bodyPr/>
+          <a:lstStyle/>
+          <a:p>
+            <a:pPr marL="0" indent="0">
+              <a:buSzTx/>
+              <a:buNone/>
+              <a:defRPr sz="1400"/>
+            </a:pPr>
+            <a:r>
+              <a:rPr lang="en-US" dirty="0"/>
+              <a:t>[Insert the visualizations of the mystery kernel in the spatial and frequency domain]</a:t>
+            </a:r>
+          </a:p>
+          <a:p>
+            <a:pPr marL="0" indent="0">
+              <a:buSzTx/>
+              <a:buNone/>
+              <a:defRPr sz="1400"/>
+            </a:pPr>
+            <a:endParaRPr dirty="0"/>
           </a:p>
         </p:txBody>
       </p:sp>
     </p:spTree>
     <p:extLst>
       <p:ext uri="{BB962C8B-B14F-4D97-AF65-F5344CB8AC3E}">
-        <p14:creationId xmlns:p14="http://schemas.microsoft.com/office/powerpoint/2010/main" val="1232422722"/>
+        <p14:creationId xmlns:p14="http://schemas.microsoft.com/office/powerpoint/2010/main" val="2265757157"/>
       </p:ext>
     </p:extLst>
   </p:cSld>
@@ -5853,7 +6270,7 @@
             </a:r>
             <a:r>
               <a:rPr lang="en-US" dirty="0"/>
-              <a:t>Insert the visualization of the mystery image in the frequency domain]</a:t>
+              <a:t>Insert the de-blurred mystery image and its visualizations in the spatial and frequency domain]</a:t>
             </a:r>
             <a:endParaRPr dirty="0"/>
           </a:p>
@@ -5890,15 +6307,8 @@
             </a:pPr>
             <a:r>
               <a:rPr lang="en-US" dirty="0"/>
-              <a:t>[Insert the visualization of the mystery kernel in the frequency domain]</a:t>
-            </a:r>
-          </a:p>
-          <a:p>
-            <a:pPr marL="0" indent="0">
-              <a:buSzTx/>
-              <a:buNone/>
-              <a:defRPr sz="1400"/>
-            </a:pPr>
+              <a:t>[Insert the de-blurred mystery image and its visualizations in the spatial and frequency domain after adding salt and pepper noise]</a:t>
+            </a:r>
             <a:endParaRPr dirty="0"/>
           </a:p>
         </p:txBody>
@@ -5906,7 +6316,7 @@
     </p:spTree>
     <p:extLst>
       <p:ext uri="{BB962C8B-B14F-4D97-AF65-F5344CB8AC3E}">
-        <p14:creationId xmlns:p14="http://schemas.microsoft.com/office/powerpoint/2010/main" val="2265757157"/>
+        <p14:creationId xmlns:p14="http://schemas.microsoft.com/office/powerpoint/2010/main" val="1367324130"/>
       </p:ext>
     </p:extLst>
   </p:cSld>
@@ -6022,7 +6432,7 @@
           </a:prstGeom>
           <a:extLst>
             <a:ext uri="{C572A759-6A51-4108-AA02-DFA0A04FC94B}">
-              <ma14:wrappingTextBoxFlag xmlns="" xmlns:m="http://schemas.openxmlformats.org/officeDocument/2006/math" xmlns:a14="http://schemas.microsoft.com/office/drawing/2010/main" xmlns:ma14="http://schemas.microsoft.com/office/mac/drawingml/2011/main" val="1"/>
+              <ma14:wrappingTextBoxFlag xmlns:ma14="http://schemas.microsoft.com/office/mac/drawingml/2011/main" xmlns:a14="http://schemas.microsoft.com/office/drawing/2010/main" xmlns:m="http://schemas.openxmlformats.org/officeDocument/2006/math" xmlns="" val="1"/>
             </a:ext>
           </a:extLst>
         </p:spPr>
@@ -6125,7 +6535,7 @@
         <p:spPr>
           <a:xfrm>
             <a:off x="311699" y="1152475"/>
-            <a:ext cx="3999902" cy="3416400"/>
+            <a:ext cx="4174718" cy="3416400"/>
           </a:xfrm>
           <a:prstGeom prst="rect">
             <a:avLst/>
@@ -6138,33 +6548,40 @@
             <a:pPr marL="0" indent="0">
               <a:buSzTx/>
               <a:buNone/>
+              <a:defRPr sz="1400"/>
             </a:pPr>
             <a:r>
-              <a:rPr dirty="0"/>
-              <a:t>[</a:t>
-            </a:r>
-            <a:r>
               <a:rPr lang="en-US" dirty="0"/>
-              <a:t>Insert the de-blurred mystery image and its visualization in the frequency domain]</a:t>
-            </a:r>
-            <a:endParaRPr dirty="0"/>
-          </a:p>
-        </p:txBody>
-      </p:sp>
-      <p:sp>
-        <p:nvSpPr>
-          <p:cNvPr id="246" name="Google Shape;170;p35"/>
-          <p:cNvSpPr txBox="1">
-            <a:spLocks noGrp="1"/>
-          </p:cNvSpPr>
-          <p:nvPr>
-            <p:ph type="body" idx="21"/>
-          </p:nvPr>
-        </p:nvSpPr>
-        <p:spPr>
-          <a:prstGeom prst="rect">
-            <a:avLst/>
-          </a:prstGeom>
+              <a:t>[What factors limit the potential uses of deconvolution in the real world? Give two possible factors]</a:t>
+            </a:r>
+          </a:p>
+        </p:txBody>
+      </p:sp>
+      <p:sp>
+        <p:nvSpPr>
+          <p:cNvPr id="4" name="Google Shape;169;p35">
+            <a:extLst>
+              <a:ext uri="{FF2B5EF4-FFF2-40B4-BE49-F238E27FC236}">
+                <a16:creationId xmlns:a16="http://schemas.microsoft.com/office/drawing/2014/main" id="{CBC4779F-BBD2-3F49-9926-A96DCE5BC7C8}"/>
+              </a:ext>
+            </a:extLst>
+          </p:cNvPr>
+          <p:cNvSpPr txBox="1">
+            <a:spLocks/>
+          </p:cNvSpPr>
+          <p:nvPr/>
+        </p:nvSpPr>
+        <p:spPr>
+          <a:xfrm>
+            <a:off x="4657585" y="1152475"/>
+            <a:ext cx="4174718" cy="3416400"/>
+          </a:xfrm>
+          <a:prstGeom prst="rect">
+            <a:avLst/>
+          </a:prstGeom>
+          <a:ln w="12700">
+            <a:miter lim="400000"/>
+          </a:ln>
           <a:extLst>
             <a:ext uri="{C572A759-6A51-4108-AA02-DFA0A04FC94B}">
               <ma14:wrappingTextBoxFlag xmlns:ma14="http://schemas.microsoft.com/office/mac/drawingml/2011/main" xmlns:a14="http://schemas.microsoft.com/office/drawing/2010/main" xmlns:m="http://schemas.openxmlformats.org/officeDocument/2006/math" xmlns="" val="1"/>
@@ -6172,26 +6589,325 @@
           </a:extLst>
         </p:spPr>
         <p:txBody>
-          <a:bodyPr/>
-          <a:lstStyle/>
-          <a:p>
-            <a:pPr marL="0" indent="0">
-              <a:buSzTx/>
+          <a:bodyPr lIns="91424" tIns="91424" rIns="91424" bIns="91424">
+            <a:normAutofit/>
+          </a:bodyPr>
+          <a:lstStyle>
+            <a:lvl1pPr marL="457200" marR="0" indent="-317500" algn="l" defTabSz="914400" rtl="0" latinLnBrk="0">
+              <a:lnSpc>
+                <a:spcPct val="115000"/>
+              </a:lnSpc>
+              <a:spcBef>
+                <a:spcPts val="0"/>
+              </a:spcBef>
+              <a:spcAft>
+                <a:spcPts val="0"/>
+              </a:spcAft>
+              <a:buClr>
+                <a:schemeClr val="accent2">
+                  <a:lumOff val="21764"/>
+                </a:schemeClr>
+              </a:buClr>
+              <a:buSzPts val="1400"/>
+              <a:buFont typeface="Arial"/>
+              <a:buChar char="●"/>
+              <a:tabLst/>
+              <a:defRPr sz="1400" b="0" i="0" u="none" strike="noStrike" cap="none" spc="0" baseline="0">
+                <a:solidFill>
+                  <a:schemeClr val="accent2">
+                    <a:lumOff val="21764"/>
+                  </a:schemeClr>
+                </a:solidFill>
+                <a:uFillTx/>
+                <a:latin typeface="+mj-lt"/>
+                <a:ea typeface="+mj-ea"/>
+                <a:cs typeface="+mj-cs"/>
+                <a:sym typeface="Arial"/>
+              </a:defRPr>
+            </a:lvl1pPr>
+            <a:lvl2pPr marL="965200" marR="0" indent="-355600" algn="l" defTabSz="914400" rtl="0" latinLnBrk="0">
+              <a:lnSpc>
+                <a:spcPct val="115000"/>
+              </a:lnSpc>
+              <a:spcBef>
+                <a:spcPts val="0"/>
+              </a:spcBef>
+              <a:spcAft>
+                <a:spcPts val="0"/>
+              </a:spcAft>
+              <a:buClr>
+                <a:schemeClr val="accent2">
+                  <a:lumOff val="21764"/>
+                </a:schemeClr>
+              </a:buClr>
+              <a:buSzPts val="1400"/>
+              <a:buFont typeface="Arial"/>
+              <a:buChar char="○"/>
+              <a:tabLst/>
+              <a:defRPr sz="1400" b="0" i="0" u="none" strike="noStrike" cap="none" spc="0" baseline="0">
+                <a:solidFill>
+                  <a:schemeClr val="accent2">
+                    <a:lumOff val="21764"/>
+                  </a:schemeClr>
+                </a:solidFill>
+                <a:uFillTx/>
+                <a:latin typeface="+mj-lt"/>
+                <a:ea typeface="+mj-ea"/>
+                <a:cs typeface="+mj-cs"/>
+                <a:sym typeface="Arial"/>
+              </a:defRPr>
+            </a:lvl2pPr>
+            <a:lvl3pPr marL="1422400" marR="0" indent="-355600" algn="l" defTabSz="914400" rtl="0" latinLnBrk="0">
+              <a:lnSpc>
+                <a:spcPct val="115000"/>
+              </a:lnSpc>
+              <a:spcBef>
+                <a:spcPts val="0"/>
+              </a:spcBef>
+              <a:spcAft>
+                <a:spcPts val="0"/>
+              </a:spcAft>
+              <a:buClr>
+                <a:schemeClr val="accent2">
+                  <a:lumOff val="21764"/>
+                </a:schemeClr>
+              </a:buClr>
+              <a:buSzPts val="1400"/>
+              <a:buFont typeface="Arial"/>
+              <a:buChar char="■"/>
+              <a:tabLst/>
+              <a:defRPr sz="1400" b="0" i="0" u="none" strike="noStrike" cap="none" spc="0" baseline="0">
+                <a:solidFill>
+                  <a:schemeClr val="accent2">
+                    <a:lumOff val="21764"/>
+                  </a:schemeClr>
+                </a:solidFill>
+                <a:uFillTx/>
+                <a:latin typeface="+mj-lt"/>
+                <a:ea typeface="+mj-ea"/>
+                <a:cs typeface="+mj-cs"/>
+                <a:sym typeface="Arial"/>
+              </a:defRPr>
+            </a:lvl3pPr>
+            <a:lvl4pPr marL="1879600" marR="0" indent="-355600" algn="l" defTabSz="914400" rtl="0" latinLnBrk="0">
+              <a:lnSpc>
+                <a:spcPct val="115000"/>
+              </a:lnSpc>
+              <a:spcBef>
+                <a:spcPts val="0"/>
+              </a:spcBef>
+              <a:spcAft>
+                <a:spcPts val="0"/>
+              </a:spcAft>
+              <a:buClr>
+                <a:schemeClr val="accent2">
+                  <a:lumOff val="21764"/>
+                </a:schemeClr>
+              </a:buClr>
+              <a:buSzPts val="1400"/>
+              <a:buFont typeface="Arial"/>
+              <a:buChar char="●"/>
+              <a:tabLst/>
+              <a:defRPr sz="1400" b="0" i="0" u="none" strike="noStrike" cap="none" spc="0" baseline="0">
+                <a:solidFill>
+                  <a:schemeClr val="accent2">
+                    <a:lumOff val="21764"/>
+                  </a:schemeClr>
+                </a:solidFill>
+                <a:uFillTx/>
+                <a:latin typeface="+mj-lt"/>
+                <a:ea typeface="+mj-ea"/>
+                <a:cs typeface="+mj-cs"/>
+                <a:sym typeface="Arial"/>
+              </a:defRPr>
+            </a:lvl4pPr>
+            <a:lvl5pPr marL="2336800" marR="0" indent="-355600" algn="l" defTabSz="914400" rtl="0" latinLnBrk="0">
+              <a:lnSpc>
+                <a:spcPct val="115000"/>
+              </a:lnSpc>
+              <a:spcBef>
+                <a:spcPts val="0"/>
+              </a:spcBef>
+              <a:spcAft>
+                <a:spcPts val="0"/>
+              </a:spcAft>
+              <a:buClr>
+                <a:schemeClr val="accent2">
+                  <a:lumOff val="21764"/>
+                </a:schemeClr>
+              </a:buClr>
+              <a:buSzPts val="1400"/>
+              <a:buFont typeface="Arial"/>
+              <a:buChar char="○"/>
+              <a:tabLst/>
+              <a:defRPr sz="1400" b="0" i="0" u="none" strike="noStrike" cap="none" spc="0" baseline="0">
+                <a:solidFill>
+                  <a:schemeClr val="accent2">
+                    <a:lumOff val="21764"/>
+                  </a:schemeClr>
+                </a:solidFill>
+                <a:uFillTx/>
+                <a:latin typeface="+mj-lt"/>
+                <a:ea typeface="+mj-ea"/>
+                <a:cs typeface="+mj-cs"/>
+                <a:sym typeface="Arial"/>
+              </a:defRPr>
+            </a:lvl5pPr>
+            <a:lvl6pPr marL="2833914" marR="0" indent="-408214" algn="l" defTabSz="914400" rtl="0" latinLnBrk="0">
+              <a:lnSpc>
+                <a:spcPct val="115000"/>
+              </a:lnSpc>
+              <a:spcBef>
+                <a:spcPts val="0"/>
+              </a:spcBef>
+              <a:spcAft>
+                <a:spcPts val="0"/>
+              </a:spcAft>
+              <a:buClr>
+                <a:schemeClr val="accent2">
+                  <a:lumOff val="21764"/>
+                </a:schemeClr>
+              </a:buClr>
+              <a:buSzPts val="1800"/>
+              <a:buFont typeface="Arial"/>
+              <a:buChar char="■"/>
+              <a:tabLst/>
+              <a:defRPr sz="1800" b="0" i="0" u="none" strike="noStrike" cap="none" spc="0" baseline="0">
+                <a:solidFill>
+                  <a:schemeClr val="accent2">
+                    <a:lumOff val="21764"/>
+                  </a:schemeClr>
+                </a:solidFill>
+                <a:uFillTx/>
+                <a:latin typeface="+mj-lt"/>
+                <a:ea typeface="+mj-ea"/>
+                <a:cs typeface="+mj-cs"/>
+                <a:sym typeface="Arial"/>
+              </a:defRPr>
+            </a:lvl6pPr>
+            <a:lvl7pPr marL="3291114" marR="0" indent="-408214" algn="l" defTabSz="914400" rtl="0" latinLnBrk="0">
+              <a:lnSpc>
+                <a:spcPct val="115000"/>
+              </a:lnSpc>
+              <a:spcBef>
+                <a:spcPts val="0"/>
+              </a:spcBef>
+              <a:spcAft>
+                <a:spcPts val="0"/>
+              </a:spcAft>
+              <a:buClr>
+                <a:schemeClr val="accent2">
+                  <a:lumOff val="21764"/>
+                </a:schemeClr>
+              </a:buClr>
+              <a:buSzPts val="1800"/>
+              <a:buFont typeface="Arial"/>
+              <a:buChar char="●"/>
+              <a:tabLst/>
+              <a:defRPr sz="1800" b="0" i="0" u="none" strike="noStrike" cap="none" spc="0" baseline="0">
+                <a:solidFill>
+                  <a:schemeClr val="accent2">
+                    <a:lumOff val="21764"/>
+                  </a:schemeClr>
+                </a:solidFill>
+                <a:uFillTx/>
+                <a:latin typeface="+mj-lt"/>
+                <a:ea typeface="+mj-ea"/>
+                <a:cs typeface="+mj-cs"/>
+                <a:sym typeface="Arial"/>
+              </a:defRPr>
+            </a:lvl7pPr>
+            <a:lvl8pPr marL="3748314" marR="0" indent="-408214" algn="l" defTabSz="914400" rtl="0" latinLnBrk="0">
+              <a:lnSpc>
+                <a:spcPct val="115000"/>
+              </a:lnSpc>
+              <a:spcBef>
+                <a:spcPts val="0"/>
+              </a:spcBef>
+              <a:spcAft>
+                <a:spcPts val="0"/>
+              </a:spcAft>
+              <a:buClr>
+                <a:schemeClr val="accent2">
+                  <a:lumOff val="21764"/>
+                </a:schemeClr>
+              </a:buClr>
+              <a:buSzPts val="1800"/>
+              <a:buFont typeface="Arial"/>
+              <a:buChar char="○"/>
+              <a:tabLst/>
+              <a:defRPr sz="1800" b="0" i="0" u="none" strike="noStrike" cap="none" spc="0" baseline="0">
+                <a:solidFill>
+                  <a:schemeClr val="accent2">
+                    <a:lumOff val="21764"/>
+                  </a:schemeClr>
+                </a:solidFill>
+                <a:uFillTx/>
+                <a:latin typeface="+mj-lt"/>
+                <a:ea typeface="+mj-ea"/>
+                <a:cs typeface="+mj-cs"/>
+                <a:sym typeface="Arial"/>
+              </a:defRPr>
+            </a:lvl8pPr>
+            <a:lvl9pPr marL="4205514" marR="0" indent="-408214" algn="l" defTabSz="914400" rtl="0" latinLnBrk="0">
+              <a:lnSpc>
+                <a:spcPct val="115000"/>
+              </a:lnSpc>
+              <a:spcBef>
+                <a:spcPts val="0"/>
+              </a:spcBef>
+              <a:spcAft>
+                <a:spcPts val="0"/>
+              </a:spcAft>
+              <a:buClr>
+                <a:schemeClr val="accent2">
+                  <a:lumOff val="21764"/>
+                </a:schemeClr>
+              </a:buClr>
+              <a:buSzPts val="1800"/>
+              <a:buFont typeface="Arial"/>
+              <a:buChar char="■"/>
+              <a:tabLst/>
+              <a:defRPr sz="1800" b="0" i="0" u="none" strike="noStrike" cap="none" spc="0" baseline="0">
+                <a:solidFill>
+                  <a:schemeClr val="accent2">
+                    <a:lumOff val="21764"/>
+                  </a:schemeClr>
+                </a:solidFill>
+                <a:uFillTx/>
+                <a:latin typeface="+mj-lt"/>
+                <a:ea typeface="+mj-ea"/>
+                <a:cs typeface="+mj-cs"/>
+                <a:sym typeface="Arial"/>
+              </a:defRPr>
+            </a:lvl9pPr>
+          </a:lstStyle>
+          <a:p>
+            <a:pPr marL="0" indent="0" hangingPunct="1">
+              <a:buSzTx/>
+              <a:buFont typeface="Arial"/>
               <a:buNone/>
               <a:defRPr sz="1400"/>
             </a:pPr>
             <a:r>
               <a:rPr lang="en-US" dirty="0"/>
-              <a:t>[Insert the de-blurred mystery image and its visualization in the frequency domain after adding salt and pepper noise]</a:t>
-            </a:r>
-            <a:endParaRPr dirty="0"/>
+              <a:t>[We performed two convolutions of the dog image with the same Gaussian (one in the spatial domain, one in the </a:t>
+            </a:r>
+            <a:r>
+              <a:rPr lang="en-US"/>
+              <a:t>frequency domain). </a:t>
+            </a:r>
+            <a:r>
+              <a:rPr lang="en-US" dirty="0"/>
+              <a:t>How do the two compare, and why might they be different?]</a:t>
+            </a:r>
           </a:p>
         </p:txBody>
       </p:sp>
     </p:spTree>
     <p:extLst>
       <p:ext uri="{BB962C8B-B14F-4D97-AF65-F5344CB8AC3E}">
-        <p14:creationId xmlns:p14="http://schemas.microsoft.com/office/powerpoint/2010/main" val="1367324130"/>
+        <p14:creationId xmlns:p14="http://schemas.microsoft.com/office/powerpoint/2010/main" val="1028200377"/>
       </p:ext>
     </p:extLst>
   </p:cSld>
@@ -6221,113 +6937,6 @@
       </p:grpSpPr>
       <p:sp>
         <p:nvSpPr>
-          <p:cNvPr id="244" name="Google Shape;168;p35"/>
-          <p:cNvSpPr txBox="1">
-            <a:spLocks noGrp="1"/>
-          </p:cNvSpPr>
-          <p:nvPr>
-            <p:ph type="title"/>
-          </p:nvPr>
-        </p:nvSpPr>
-        <p:spPr>
-          <a:xfrm>
-            <a:off x="311699" y="445025"/>
-            <a:ext cx="8520602" cy="572701"/>
-          </a:xfrm>
-          <a:prstGeom prst="rect">
-            <a:avLst/>
-          </a:prstGeom>
-        </p:spPr>
-        <p:txBody>
-          <a:bodyPr>
-            <a:normAutofit fontScale="90000"/>
-          </a:bodyPr>
-          <a:lstStyle>
-            <a:lvl1pPr defTabSz="877823">
-              <a:defRPr sz="2688"/>
-            </a:lvl1pPr>
-          </a:lstStyle>
-          <a:p>
-            <a:r>
-              <a:rPr dirty="0"/>
-              <a:t>Part</a:t>
-            </a:r>
-            <a:r>
-              <a:rPr lang="en-US" dirty="0"/>
-              <a:t> 4: Frequency Domain Convolutions</a:t>
-            </a:r>
-            <a:endParaRPr dirty="0"/>
-          </a:p>
-        </p:txBody>
-      </p:sp>
-      <p:sp>
-        <p:nvSpPr>
-          <p:cNvPr id="245" name="Google Shape;169;p35"/>
-          <p:cNvSpPr txBox="1">
-            <a:spLocks noGrp="1"/>
-          </p:cNvSpPr>
-          <p:nvPr>
-            <p:ph type="body" sz="half" idx="1"/>
-          </p:nvPr>
-        </p:nvSpPr>
-        <p:spPr>
-          <a:xfrm>
-            <a:off x="311698" y="1152475"/>
-            <a:ext cx="8039521" cy="3416400"/>
-          </a:xfrm>
-          <a:prstGeom prst="rect">
-            <a:avLst/>
-          </a:prstGeom>
-        </p:spPr>
-        <p:txBody>
-          <a:bodyPr/>
-          <a:lstStyle/>
-          <a:p>
-            <a:pPr marL="0" indent="0">
-              <a:buSzTx/>
-              <a:buNone/>
-              <a:defRPr sz="1400"/>
-            </a:pPr>
-            <a:r>
-              <a:rPr lang="en-US" dirty="0"/>
-              <a:t>[What factors limit the potential uses of deconvolution in the real world? Give two possible factors]</a:t>
-            </a:r>
-          </a:p>
-        </p:txBody>
-      </p:sp>
-    </p:spTree>
-    <p:extLst>
-      <p:ext uri="{BB962C8B-B14F-4D97-AF65-F5344CB8AC3E}">
-        <p14:creationId xmlns:p14="http://schemas.microsoft.com/office/powerpoint/2010/main" val="1028200377"/>
-      </p:ext>
-    </p:extLst>
-  </p:cSld>
-  <p:clrMapOvr>
-    <a:masterClrMapping/>
-  </p:clrMapOvr>
-  <p:transition spd="med"/>
-</p:sld>
-</file>
-
-<file path=ppt/slides/slide22.xml><?xml version="1.0" encoding="utf-8"?>
-<p:sld xmlns:a="http://schemas.openxmlformats.org/drawingml/2006/main" xmlns:r="http://schemas.openxmlformats.org/officeDocument/2006/relationships" xmlns:p="http://schemas.openxmlformats.org/presentationml/2006/main">
-  <p:cSld>
-    <p:spTree>
-      <p:nvGrpSpPr>
-        <p:cNvPr id="1" name=""/>
-        <p:cNvGrpSpPr/>
-        <p:nvPr/>
-      </p:nvGrpSpPr>
-      <p:grpSpPr>
-        <a:xfrm>
-          <a:off x="0" y="0"/>
-          <a:ext cx="0" cy="0"/>
-          <a:chOff x="0" y="0"/>
-          <a:chExt cx="0" cy="0"/>
-        </a:xfrm>
-      </p:grpSpPr>
-      <p:sp>
-        <p:nvSpPr>
           <p:cNvPr id="264" name="Google Shape;203;p40"/>
           <p:cNvSpPr txBox="1">
             <a:spLocks noGrp="1"/>
@@ -6475,7 +7084,7 @@
           </a:prstGeom>
           <a:extLst>
             <a:ext uri="{C572A759-6A51-4108-AA02-DFA0A04FC94B}">
-              <ma14:wrappingTextBoxFlag xmlns="" xmlns:m="http://schemas.openxmlformats.org/officeDocument/2006/math" xmlns:a14="http://schemas.microsoft.com/office/drawing/2010/main" xmlns:ma14="http://schemas.microsoft.com/office/mac/drawingml/2011/main" val="1"/>
+              <ma14:wrappingTextBoxFlag xmlns:ma14="http://schemas.microsoft.com/office/mac/drawingml/2011/main" xmlns:a14="http://schemas.microsoft.com/office/drawing/2010/main" xmlns:m="http://schemas.openxmlformats.org/officeDocument/2006/math" xmlns="" val="1"/>
             </a:ext>
           </a:extLst>
         </p:spPr>
@@ -6676,7 +7285,7 @@
           </a:prstGeom>
           <a:extLst>
             <a:ext uri="{C572A759-6A51-4108-AA02-DFA0A04FC94B}">
-              <ma14:wrappingTextBoxFlag xmlns="" xmlns:m="http://schemas.openxmlformats.org/officeDocument/2006/math" xmlns:a14="http://schemas.microsoft.com/office/drawing/2010/main" xmlns:ma14="http://schemas.microsoft.com/office/mac/drawingml/2011/main" val="1"/>
+              <ma14:wrappingTextBoxFlag xmlns:ma14="http://schemas.microsoft.com/office/mac/drawingml/2011/main" xmlns:a14="http://schemas.microsoft.com/office/drawing/2010/main" xmlns:m="http://schemas.openxmlformats.org/officeDocument/2006/math" xmlns="" val="1"/>
             </a:ext>
           </a:extLst>
         </p:spPr>
@@ -6822,7 +7431,7 @@
           </a:prstGeom>
           <a:extLst>
             <a:ext uri="{C572A759-6A51-4108-AA02-DFA0A04FC94B}">
-              <ma14:wrappingTextBoxFlag xmlns="" xmlns:m="http://schemas.openxmlformats.org/officeDocument/2006/math" xmlns:a14="http://schemas.microsoft.com/office/drawing/2010/main" xmlns:ma14="http://schemas.microsoft.com/office/mac/drawingml/2011/main" val="1"/>
+              <ma14:wrappingTextBoxFlag xmlns:ma14="http://schemas.microsoft.com/office/mac/drawingml/2011/main" xmlns:a14="http://schemas.microsoft.com/office/drawing/2010/main" xmlns:m="http://schemas.openxmlformats.org/officeDocument/2006/math" xmlns="" val="1"/>
             </a:ext>
           </a:extLst>
         </p:spPr>
@@ -7086,7 +7695,7 @@
           </a:prstGeom>
           <a:extLst>
             <a:ext uri="{C572A759-6A51-4108-AA02-DFA0A04FC94B}">
-              <ma14:wrappingTextBoxFlag xmlns="" xmlns:m="http://schemas.openxmlformats.org/officeDocument/2006/math" xmlns:a14="http://schemas.microsoft.com/office/drawing/2010/main" xmlns:ma14="http://schemas.microsoft.com/office/mac/drawingml/2011/main" val="1"/>
+              <ma14:wrappingTextBoxFlag xmlns:ma14="http://schemas.microsoft.com/office/mac/drawingml/2011/main" xmlns:a14="http://schemas.microsoft.com/office/drawing/2010/main" xmlns:m="http://schemas.openxmlformats.org/officeDocument/2006/math" xmlns="" val="1"/>
             </a:ext>
           </a:extLst>
         </p:spPr>
@@ -7350,7 +7959,7 @@
           </a:prstGeom>
           <a:extLst>
             <a:ext uri="{C572A759-6A51-4108-AA02-DFA0A04FC94B}">
-              <ma14:wrappingTextBoxFlag xmlns="" xmlns:m="http://schemas.openxmlformats.org/officeDocument/2006/math" xmlns:a14="http://schemas.microsoft.com/office/drawing/2010/main" xmlns:ma14="http://schemas.microsoft.com/office/mac/drawingml/2011/main" val="1"/>
+              <ma14:wrappingTextBoxFlag xmlns:ma14="http://schemas.microsoft.com/office/mac/drawingml/2011/main" xmlns:a14="http://schemas.microsoft.com/office/drawing/2010/main" xmlns:m="http://schemas.openxmlformats.org/officeDocument/2006/math" xmlns="" val="1"/>
             </a:ext>
           </a:extLst>
         </p:spPr>
@@ -7562,7 +8171,7 @@
           </a:prstGeom>
           <a:extLst>
             <a:ext uri="{C572A759-6A51-4108-AA02-DFA0A04FC94B}">
-              <ma14:wrappingTextBoxFlag xmlns="" xmlns:m="http://schemas.openxmlformats.org/officeDocument/2006/math" xmlns:a14="http://schemas.microsoft.com/office/drawing/2010/main" xmlns:ma14="http://schemas.microsoft.com/office/mac/drawingml/2011/main" val="1"/>
+              <ma14:wrappingTextBoxFlag xmlns:ma14="http://schemas.microsoft.com/office/mac/drawingml/2011/main" xmlns:a14="http://schemas.microsoft.com/office/drawing/2010/main" xmlns:m="http://schemas.openxmlformats.org/officeDocument/2006/math" xmlns="" val="1"/>
             </a:ext>
           </a:extLst>
         </p:spPr>
@@ -7717,7 +8326,7 @@
           </a:prstGeom>
           <a:extLst>
             <a:ext uri="{C572A759-6A51-4108-AA02-DFA0A04FC94B}">
-              <ma14:wrappingTextBoxFlag xmlns="" xmlns:m="http://schemas.openxmlformats.org/officeDocument/2006/math" xmlns:a14="http://schemas.microsoft.com/office/drawing/2010/main" xmlns:ma14="http://schemas.microsoft.com/office/mac/drawingml/2011/main" val="1"/>
+              <ma14:wrappingTextBoxFlag xmlns:ma14="http://schemas.microsoft.com/office/mac/drawingml/2011/main" xmlns:a14="http://schemas.microsoft.com/office/drawing/2010/main" xmlns:m="http://schemas.openxmlformats.org/officeDocument/2006/math" xmlns="" val="1"/>
             </a:ext>
           </a:extLst>
         </p:spPr>

--- a/docs/report.pptx
+++ b/docs/report.pptx
@@ -3516,7 +3516,7 @@
           </a:ln>
           <a:extLst>
             <a:ext uri="{C572A759-6A51-4108-AA02-DFA0A04FC94B}">
-              <ma14:wrappingTextBoxFlag xmlns:ma14="http://schemas.microsoft.com/office/mac/drawingml/2011/main" xmlns:a14="http://schemas.microsoft.com/office/drawing/2010/main" xmlns:m="http://schemas.openxmlformats.org/officeDocument/2006/math" xmlns="" val="1"/>
+              <ma14:wrappingTextBoxFlag xmlns="" xmlns:m="http://schemas.openxmlformats.org/officeDocument/2006/math" xmlns:a14="http://schemas.microsoft.com/office/drawing/2010/main" xmlns:ma14="http://schemas.microsoft.com/office/mac/drawingml/2011/main" val="1"/>
             </a:ext>
           </a:extLst>
         </p:spPr>
@@ -3555,7 +3555,7 @@
           </a:ln>
           <a:extLst>
             <a:ext uri="{C572A759-6A51-4108-AA02-DFA0A04FC94B}">
-              <ma14:wrappingTextBoxFlag xmlns:ma14="http://schemas.microsoft.com/office/mac/drawingml/2011/main" xmlns:a14="http://schemas.microsoft.com/office/drawing/2010/main" xmlns:m="http://schemas.openxmlformats.org/officeDocument/2006/math" xmlns="" val="1"/>
+              <ma14:wrappingTextBoxFlag xmlns="" xmlns:m="http://schemas.openxmlformats.org/officeDocument/2006/math" xmlns:a14="http://schemas.microsoft.com/office/drawing/2010/main" xmlns:ma14="http://schemas.microsoft.com/office/mac/drawingml/2011/main" val="1"/>
             </a:ext>
           </a:extLst>
         </p:spPr>
@@ -4654,7 +4654,7 @@
           </a:prstGeom>
           <a:extLst>
             <a:ext uri="{C572A759-6A51-4108-AA02-DFA0A04FC94B}">
-              <ma14:wrappingTextBoxFlag xmlns:ma14="http://schemas.microsoft.com/office/mac/drawingml/2011/main" xmlns:a14="http://schemas.microsoft.com/office/drawing/2010/main" xmlns:m="http://schemas.openxmlformats.org/officeDocument/2006/math" xmlns="" val="1"/>
+              <ma14:wrappingTextBoxFlag xmlns="" xmlns:m="http://schemas.openxmlformats.org/officeDocument/2006/math" xmlns:a14="http://schemas.microsoft.com/office/drawing/2010/main" xmlns:ma14="http://schemas.microsoft.com/office/mac/drawingml/2011/main" val="1"/>
             </a:ext>
           </a:extLst>
         </p:spPr>
@@ -4838,7 +4838,7 @@
           </a:prstGeom>
           <a:extLst>
             <a:ext uri="{C572A759-6A51-4108-AA02-DFA0A04FC94B}">
-              <ma14:wrappingTextBoxFlag xmlns:ma14="http://schemas.microsoft.com/office/mac/drawingml/2011/main" xmlns:a14="http://schemas.microsoft.com/office/drawing/2010/main" xmlns:m="http://schemas.openxmlformats.org/officeDocument/2006/math" xmlns="" val="1"/>
+              <ma14:wrappingTextBoxFlag xmlns="" xmlns:m="http://schemas.openxmlformats.org/officeDocument/2006/math" xmlns:a14="http://schemas.microsoft.com/office/drawing/2010/main" xmlns:ma14="http://schemas.microsoft.com/office/mac/drawingml/2011/main" val="1"/>
             </a:ext>
           </a:extLst>
         </p:spPr>
@@ -5029,7 +5029,7 @@
           </a:ln>
           <a:extLst>
             <a:ext uri="{C572A759-6A51-4108-AA02-DFA0A04FC94B}">
-              <ma14:wrappingTextBoxFlag xmlns:ma14="http://schemas.microsoft.com/office/mac/drawingml/2011/main" xmlns:a14="http://schemas.microsoft.com/office/drawing/2010/main" xmlns:m="http://schemas.openxmlformats.org/officeDocument/2006/math" xmlns="" val="1"/>
+              <ma14:wrappingTextBoxFlag xmlns="" xmlns:m="http://schemas.openxmlformats.org/officeDocument/2006/math" xmlns:a14="http://schemas.microsoft.com/office/drawing/2010/main" xmlns:ma14="http://schemas.microsoft.com/office/mac/drawingml/2011/main" val="1"/>
             </a:ext>
           </a:extLst>
         </p:spPr>
@@ -5454,7 +5454,7 @@
           </a:prstGeom>
           <a:extLst>
             <a:ext uri="{C572A759-6A51-4108-AA02-DFA0A04FC94B}">
-              <ma14:wrappingTextBoxFlag xmlns:ma14="http://schemas.microsoft.com/office/mac/drawingml/2011/main" xmlns:a14="http://schemas.microsoft.com/office/drawing/2010/main" xmlns:m="http://schemas.openxmlformats.org/officeDocument/2006/math" xmlns="" val="1"/>
+              <ma14:wrappingTextBoxFlag xmlns="" xmlns:m="http://schemas.openxmlformats.org/officeDocument/2006/math" xmlns:a14="http://schemas.microsoft.com/office/drawing/2010/main" xmlns:ma14="http://schemas.microsoft.com/office/mac/drawingml/2011/main" val="1"/>
             </a:ext>
           </a:extLst>
         </p:spPr>
@@ -5591,7 +5591,7 @@
           </a:prstGeom>
           <a:extLst>
             <a:ext uri="{C572A759-6A51-4108-AA02-DFA0A04FC94B}">
-              <ma14:wrappingTextBoxFlag xmlns:ma14="http://schemas.microsoft.com/office/mac/drawingml/2011/main" xmlns:a14="http://schemas.microsoft.com/office/drawing/2010/main" xmlns:m="http://schemas.openxmlformats.org/officeDocument/2006/math" xmlns="" val="1"/>
+              <ma14:wrappingTextBoxFlag xmlns="" xmlns:m="http://schemas.openxmlformats.org/officeDocument/2006/math" xmlns:a14="http://schemas.microsoft.com/office/drawing/2010/main" xmlns:ma14="http://schemas.microsoft.com/office/mac/drawingml/2011/main" val="1"/>
             </a:ext>
           </a:extLst>
         </p:spPr>
@@ -5733,7 +5733,7 @@
           </a:prstGeom>
           <a:extLst>
             <a:ext uri="{C572A759-6A51-4108-AA02-DFA0A04FC94B}">
-              <ma14:wrappingTextBoxFlag xmlns="" xmlns:m="http://schemas.openxmlformats.org/officeDocument/2006/math" xmlns:a14="http://schemas.microsoft.com/office/drawing/2010/main" xmlns:ma14="http://schemas.microsoft.com/office/mac/drawingml/2011/main" val="1"/>
+              <ma14:wrappingTextBoxFlag xmlns:ma14="http://schemas.microsoft.com/office/mac/drawingml/2011/main" xmlns:a14="http://schemas.microsoft.com/office/drawing/2010/main" xmlns:m="http://schemas.openxmlformats.org/officeDocument/2006/math" xmlns="" val="1"/>
             </a:ext>
           </a:extLst>
         </p:spPr>
@@ -5883,7 +5883,7 @@
           </a:prstGeom>
           <a:extLst>
             <a:ext uri="{C572A759-6A51-4108-AA02-DFA0A04FC94B}">
-              <ma14:wrappingTextBoxFlag xmlns:ma14="http://schemas.microsoft.com/office/mac/drawingml/2011/main" xmlns:a14="http://schemas.microsoft.com/office/drawing/2010/main" xmlns:m="http://schemas.openxmlformats.org/officeDocument/2006/math" xmlns="" val="1"/>
+              <ma14:wrappingTextBoxFlag xmlns="" xmlns:m="http://schemas.openxmlformats.org/officeDocument/2006/math" xmlns:a14="http://schemas.microsoft.com/office/drawing/2010/main" xmlns:ma14="http://schemas.microsoft.com/office/mac/drawingml/2011/main" val="1"/>
             </a:ext>
           </a:extLst>
         </p:spPr>
@@ -6137,7 +6137,7 @@
           </a:prstGeom>
           <a:extLst>
             <a:ext uri="{C572A759-6A51-4108-AA02-DFA0A04FC94B}">
-              <ma14:wrappingTextBoxFlag xmlns:ma14="http://schemas.microsoft.com/office/mac/drawingml/2011/main" xmlns:a14="http://schemas.microsoft.com/office/drawing/2010/main" xmlns:m="http://schemas.openxmlformats.org/officeDocument/2006/math" xmlns="" val="1"/>
+              <ma14:wrappingTextBoxFlag xmlns="" xmlns:m="http://schemas.openxmlformats.org/officeDocument/2006/math" xmlns:a14="http://schemas.microsoft.com/office/drawing/2010/main" xmlns:ma14="http://schemas.microsoft.com/office/mac/drawingml/2011/main" val="1"/>
             </a:ext>
           </a:extLst>
         </p:spPr>
@@ -6292,7 +6292,7 @@
           </a:prstGeom>
           <a:extLst>
             <a:ext uri="{C572A759-6A51-4108-AA02-DFA0A04FC94B}">
-              <ma14:wrappingTextBoxFlag xmlns="" xmlns:m="http://schemas.openxmlformats.org/officeDocument/2006/math" xmlns:a14="http://schemas.microsoft.com/office/drawing/2010/main" xmlns:ma14="http://schemas.microsoft.com/office/mac/drawingml/2011/main" val="1"/>
+              <ma14:wrappingTextBoxFlag xmlns:ma14="http://schemas.microsoft.com/office/mac/drawingml/2011/main" xmlns:a14="http://schemas.microsoft.com/office/drawing/2010/main" xmlns:m="http://schemas.openxmlformats.org/officeDocument/2006/math" xmlns="" val="1"/>
             </a:ext>
           </a:extLst>
         </p:spPr>
@@ -6411,7 +6411,32 @@
           </a:lstStyle>
           <a:p>
             <a:r>
-              <a:t>[insert visualization of Gaussian kernel from project-1.ipynb here]</a:t>
+              <a:rPr dirty="0"/>
+              <a:t>[insert visualization of Gaussian kernel</a:t>
+            </a:r>
+            <a:r>
+              <a:rPr lang="en-US" dirty="0"/>
+              <a:t> </a:t>
+            </a:r>
+            <a:r>
+              <a:rPr dirty="0"/>
+              <a:t>from project-1.ipynb here]</a:t>
+            </a:r>
+            <a:endParaRPr lang="en-US" dirty="0"/>
+          </a:p>
+          <a:p>
+            <a:r>
+              <a:rPr lang="en-US" dirty="0"/>
+              <a:t>1D: </a:t>
+            </a:r>
+          </a:p>
+          <a:p>
+            <a:endParaRPr lang="en-US" dirty="0"/>
+          </a:p>
+          <a:p>
+            <a:r>
+              <a:rPr lang="en-US" dirty="0"/>
+              <a:t>2D:</a:t>
             </a:r>
           </a:p>
         </p:txBody>
@@ -6432,7 +6457,7 @@
           </a:prstGeom>
           <a:extLst>
             <a:ext uri="{C572A759-6A51-4108-AA02-DFA0A04FC94B}">
-              <ma14:wrappingTextBoxFlag xmlns:ma14="http://schemas.microsoft.com/office/mac/drawingml/2011/main" xmlns:a14="http://schemas.microsoft.com/office/drawing/2010/main" xmlns:m="http://schemas.openxmlformats.org/officeDocument/2006/math" xmlns="" val="1"/>
+              <ma14:wrappingTextBoxFlag xmlns="" xmlns:m="http://schemas.openxmlformats.org/officeDocument/2006/math" xmlns:a14="http://schemas.microsoft.com/office/drawing/2010/main" xmlns:ma14="http://schemas.microsoft.com/office/mac/drawingml/2011/main" val="1"/>
             </a:ext>
           </a:extLst>
         </p:spPr>
@@ -6584,7 +6609,7 @@
           </a:ln>
           <a:extLst>
             <a:ext uri="{C572A759-6A51-4108-AA02-DFA0A04FC94B}">
-              <ma14:wrappingTextBoxFlag xmlns:ma14="http://schemas.microsoft.com/office/mac/drawingml/2011/main" xmlns:a14="http://schemas.microsoft.com/office/drawing/2010/main" xmlns:m="http://schemas.openxmlformats.org/officeDocument/2006/math" xmlns="" val="1"/>
+              <ma14:wrappingTextBoxFlag xmlns="" xmlns:m="http://schemas.openxmlformats.org/officeDocument/2006/math" xmlns:a14="http://schemas.microsoft.com/office/drawing/2010/main" xmlns:ma14="http://schemas.microsoft.com/office/mac/drawingml/2011/main" val="1"/>
             </a:ext>
           </a:extLst>
         </p:spPr>
@@ -7084,7 +7109,7 @@
           </a:prstGeom>
           <a:extLst>
             <a:ext uri="{C572A759-6A51-4108-AA02-DFA0A04FC94B}">
-              <ma14:wrappingTextBoxFlag xmlns:ma14="http://schemas.microsoft.com/office/mac/drawingml/2011/main" xmlns:a14="http://schemas.microsoft.com/office/drawing/2010/main" xmlns:m="http://schemas.openxmlformats.org/officeDocument/2006/math" xmlns="" val="1"/>
+              <ma14:wrappingTextBoxFlag xmlns="" xmlns:m="http://schemas.openxmlformats.org/officeDocument/2006/math" xmlns:a14="http://schemas.microsoft.com/office/drawing/2010/main" xmlns:ma14="http://schemas.microsoft.com/office/mac/drawingml/2011/main" val="1"/>
             </a:ext>
           </a:extLst>
         </p:spPr>
@@ -7285,7 +7310,7 @@
           </a:prstGeom>
           <a:extLst>
             <a:ext uri="{C572A759-6A51-4108-AA02-DFA0A04FC94B}">
-              <ma14:wrappingTextBoxFlag xmlns:ma14="http://schemas.microsoft.com/office/mac/drawingml/2011/main" xmlns:a14="http://schemas.microsoft.com/office/drawing/2010/main" xmlns:m="http://schemas.openxmlformats.org/officeDocument/2006/math" xmlns="" val="1"/>
+              <ma14:wrappingTextBoxFlag xmlns="" xmlns:m="http://schemas.openxmlformats.org/officeDocument/2006/math" xmlns:a14="http://schemas.microsoft.com/office/drawing/2010/main" xmlns:ma14="http://schemas.microsoft.com/office/mac/drawingml/2011/main" val="1"/>
             </a:ext>
           </a:extLst>
         </p:spPr>
@@ -7431,7 +7456,7 @@
           </a:prstGeom>
           <a:extLst>
             <a:ext uri="{C572A759-6A51-4108-AA02-DFA0A04FC94B}">
-              <ma14:wrappingTextBoxFlag xmlns:ma14="http://schemas.microsoft.com/office/mac/drawingml/2011/main" xmlns:a14="http://schemas.microsoft.com/office/drawing/2010/main" xmlns:m="http://schemas.openxmlformats.org/officeDocument/2006/math" xmlns="" val="1"/>
+              <ma14:wrappingTextBoxFlag xmlns="" xmlns:m="http://schemas.openxmlformats.org/officeDocument/2006/math" xmlns:a14="http://schemas.microsoft.com/office/drawing/2010/main" xmlns:ma14="http://schemas.microsoft.com/office/mac/drawingml/2011/main" val="1"/>
             </a:ext>
           </a:extLst>
         </p:spPr>
@@ -7695,7 +7720,7 @@
           </a:prstGeom>
           <a:extLst>
             <a:ext uri="{C572A759-6A51-4108-AA02-DFA0A04FC94B}">
-              <ma14:wrappingTextBoxFlag xmlns:ma14="http://schemas.microsoft.com/office/mac/drawingml/2011/main" xmlns:a14="http://schemas.microsoft.com/office/drawing/2010/main" xmlns:m="http://schemas.openxmlformats.org/officeDocument/2006/math" xmlns="" val="1"/>
+              <ma14:wrappingTextBoxFlag xmlns="" xmlns:m="http://schemas.openxmlformats.org/officeDocument/2006/math" xmlns:a14="http://schemas.microsoft.com/office/drawing/2010/main" xmlns:ma14="http://schemas.microsoft.com/office/mac/drawingml/2011/main" val="1"/>
             </a:ext>
           </a:extLst>
         </p:spPr>
@@ -7959,7 +7984,7 @@
           </a:prstGeom>
           <a:extLst>
             <a:ext uri="{C572A759-6A51-4108-AA02-DFA0A04FC94B}">
-              <ma14:wrappingTextBoxFlag xmlns:ma14="http://schemas.microsoft.com/office/mac/drawingml/2011/main" xmlns:a14="http://schemas.microsoft.com/office/drawing/2010/main" xmlns:m="http://schemas.openxmlformats.org/officeDocument/2006/math" xmlns="" val="1"/>
+              <ma14:wrappingTextBoxFlag xmlns="" xmlns:m="http://schemas.openxmlformats.org/officeDocument/2006/math" xmlns:a14="http://schemas.microsoft.com/office/drawing/2010/main" xmlns:ma14="http://schemas.microsoft.com/office/mac/drawingml/2011/main" val="1"/>
             </a:ext>
           </a:extLst>
         </p:spPr>
@@ -8171,7 +8196,7 @@
           </a:prstGeom>
           <a:extLst>
             <a:ext uri="{C572A759-6A51-4108-AA02-DFA0A04FC94B}">
-              <ma14:wrappingTextBoxFlag xmlns:ma14="http://schemas.microsoft.com/office/mac/drawingml/2011/main" xmlns:a14="http://schemas.microsoft.com/office/drawing/2010/main" xmlns:m="http://schemas.openxmlformats.org/officeDocument/2006/math" xmlns="" val="1"/>
+              <ma14:wrappingTextBoxFlag xmlns="" xmlns:m="http://schemas.openxmlformats.org/officeDocument/2006/math" xmlns:a14="http://schemas.microsoft.com/office/drawing/2010/main" xmlns:ma14="http://schemas.microsoft.com/office/mac/drawingml/2011/main" val="1"/>
             </a:ext>
           </a:extLst>
         </p:spPr>
@@ -8326,7 +8351,7 @@
           </a:prstGeom>
           <a:extLst>
             <a:ext uri="{C572A759-6A51-4108-AA02-DFA0A04FC94B}">
-              <ma14:wrappingTextBoxFlag xmlns:ma14="http://schemas.microsoft.com/office/mac/drawingml/2011/main" xmlns:a14="http://schemas.microsoft.com/office/drawing/2010/main" xmlns:m="http://schemas.openxmlformats.org/officeDocument/2006/math" xmlns="" val="1"/>
+              <ma14:wrappingTextBoxFlag xmlns="" xmlns:m="http://schemas.openxmlformats.org/officeDocument/2006/math" xmlns:a14="http://schemas.microsoft.com/office/drawing/2010/main" xmlns:ma14="http://schemas.microsoft.com/office/mac/drawingml/2011/main" val="1"/>
             </a:ext>
           </a:extLst>
         </p:spPr>

--- a/docs/report.pptx
+++ b/docs/report.pptx
@@ -145,6 +145,11 @@
       </a:defRPr>
     </a:lvl9pPr>
   </p:defaultTextStyle>
+  <p:extLst>
+    <p:ext uri="{EFAFB233-063F-42B5-8137-9DF3F51BA10A}">
+      <p15:sldGuideLst xmlns:p15="http://schemas.microsoft.com/office/powerpoint/2012/main"/>
+    </p:ext>
+  </p:extLst>
 </p:presentation>
 </file>
 
@@ -18506,7 +18511,7 @@
               </a:tabLst>
             </a:pPr>
             <a:r>
-              <a:rPr lang="en-US" sz="1400" b="0" strike="noStrike" spc="-1">
+              <a:rPr lang="en-US" sz="1400" b="0" strike="noStrike" spc="-1" dirty="0">
                 <a:solidFill>
                   <a:schemeClr val="accent2">
                     <a:lumOff val="21760"/>
@@ -18517,7 +18522,7 @@
               </a:rPr>
               <a:t>[Insert the visualizations of the 2D Gaussian in the spatial and frequency domain]</a:t>
             </a:r>
-            <a:endParaRPr lang="en-US" sz="1400" b="0" strike="noStrike" spc="-1">
+            <a:endParaRPr lang="en-US" sz="1400" b="0" strike="noStrike" spc="-1" dirty="0">
               <a:solidFill>
                 <a:schemeClr val="accent2">
                   <a:lumOff val="21760"/>
@@ -18567,7 +18572,7 @@
               </a:tabLst>
             </a:pPr>
             <a:r>
-              <a:rPr lang="en-US" sz="1400" b="0" strike="noStrike" spc="-1">
+              <a:rPr lang="en-US" sz="1400" b="0" strike="noStrike" spc="-1" dirty="0">
                 <a:solidFill>
                   <a:schemeClr val="accent2">
                     <a:lumOff val="21760"/>
@@ -18576,9 +18581,33 @@
                 <a:latin typeface="Arial"/>
                 <a:ea typeface="Arial"/>
               </a:rPr>
-              <a:t>[Why does our frequency domain representation of a Gaussian not look like a Gaussian itself? How could we adjust the kernel to make these look more similar?]</a:t>
+              <a:t>[Try out some different cutoff values for the 2D Gaussian. </a:t>
             </a:r>
-            <a:endParaRPr lang="en-US" sz="1400" b="0" strike="noStrike" spc="-1">
+            <a:r>
+              <a:rPr lang="en-US" sz="1400" spc="-1" dirty="0">
+                <a:solidFill>
+                  <a:schemeClr val="accent2">
+                    <a:lumOff val="21760"/>
+                  </a:schemeClr>
+                </a:solidFill>
+                <a:latin typeface="Arial"/>
+                <a:ea typeface="Arial"/>
+              </a:rPr>
+              <a:t>What relationship do you notice between the cutoff value and the frequency domain representation? Why is that?</a:t>
+            </a:r>
+            <a:r>
+              <a:rPr lang="en-US" sz="1400" b="0" strike="noStrike" spc="-1" dirty="0">
+                <a:solidFill>
+                  <a:schemeClr val="accent2">
+                    <a:lumOff val="21760"/>
+                  </a:schemeClr>
+                </a:solidFill>
+                <a:latin typeface="Arial"/>
+                <a:ea typeface="Arial"/>
+              </a:rPr>
+              <a:t>]</a:t>
+            </a:r>
+            <a:endParaRPr lang="en-US" sz="1400" b="0" strike="noStrike" spc="-1" dirty="0">
               <a:solidFill>
                 <a:schemeClr val="accent2">
                   <a:lumOff val="21760"/>

--- a/docs/report.pptx
+++ b/docs/report.pptx
@@ -18882,7 +18882,7 @@
               </a:tabLst>
             </a:pPr>
             <a:r>
-              <a:rPr lang="en-US" sz="1400" b="0" strike="noStrike" spc="-1">
+              <a:rPr lang="en-US" sz="1400" b="0" strike="noStrike" spc="-1" dirty="0">
                 <a:solidFill>
                   <a:schemeClr val="accent2">
                     <a:lumOff val="21760"/>
@@ -18893,7 +18893,7 @@
               </a:rPr>
               <a:t>[Insert the visualizations of the mystery image in the spatial and frequency domain]</a:t>
             </a:r>
-            <a:endParaRPr lang="en-US" sz="1400" b="0" strike="noStrike" spc="-1">
+            <a:endParaRPr lang="en-US" sz="1400" b="0" strike="noStrike" spc="-1" dirty="0">
               <a:solidFill>
                 <a:schemeClr val="accent2">
                   <a:lumOff val="21760"/>
@@ -19609,7 +19609,7 @@
               </a:tabLst>
             </a:pPr>
             <a:r>
-              <a:rPr lang="en-US" sz="1400" b="0" strike="noStrike" spc="-1">
+              <a:rPr lang="en-US" sz="1400" b="0" strike="noStrike" spc="-1" dirty="0">
                 <a:solidFill>
                   <a:schemeClr val="accent2">
                     <a:lumOff val="21760"/>
@@ -19620,7 +19620,7 @@
               </a:rPr>
               <a:t>[What factors limit the potential uses of deconvolution in the real world? Give two possible factors]</a:t>
             </a:r>
-            <a:endParaRPr lang="en-US" sz="1400" b="0" strike="noStrike" spc="-1">
+            <a:endParaRPr lang="en-US" sz="1400" b="0" strike="noStrike" spc="-1" dirty="0">
               <a:solidFill>
                 <a:schemeClr val="accent2">
                   <a:lumOff val="21760"/>
@@ -19677,18 +19677,17 @@
               </a:tabLst>
             </a:pPr>
             <a:r>
-              <a:rPr lang="en-US" sz="1400" b="0" strike="noStrike" spc="-1">
+              <a:rPr lang="en-US" sz="1400" b="0" strike="noStrike" spc="-1" dirty="0">
                 <a:solidFill>
                   <a:schemeClr val="accent2">
                     <a:lumOff val="21760"/>
                   </a:schemeClr>
                 </a:solidFill>
                 <a:latin typeface="Arial"/>
-                <a:ea typeface="Arial"/>
               </a:rPr>
-              <a:t>[We performed two convolutions of the dog image with the same Gaussian (one in the spatial domain, one in the frequency domain). How do the two compare, and why might they be different?]</a:t>
+              <a:t>[Describe any structures found in the frequency domain of the mystery image and explain what it’s caused by.]</a:t>
             </a:r>
-            <a:endParaRPr lang="en-US" sz="1400" b="0" strike="noStrike" spc="-1">
+            <a:endParaRPr lang="en-US" sz="1400" b="0" strike="noStrike" spc="-1" dirty="0">
               <a:solidFill>
                 <a:srgbClr val="000000"/>
               </a:solidFill>

--- a/docs/report.pptx
+++ b/docs/report.pptx
@@ -16583,7 +16583,43 @@
                 <a:latin typeface="Arial"/>
                 <a:ea typeface="Arial"/>
               </a:rPr>
-              <a:t>[name]</a:t>
+              <a:t>Venkata </a:t>
+            </a:r>
+            <a:r>
+              <a:rPr lang="en-US" sz="2800" b="0" strike="noStrike" spc="-1" dirty="0" err="1">
+                <a:solidFill>
+                  <a:schemeClr val="accent2">
+                    <a:lumOff val="21760"/>
+                  </a:schemeClr>
+                </a:solidFill>
+                <a:latin typeface="Arial"/>
+                <a:ea typeface="Arial"/>
+              </a:rPr>
+              <a:t>Aashutosh</a:t>
+            </a:r>
+            <a:r>
+              <a:rPr lang="en-US" sz="2800" b="0" strike="noStrike" spc="-1" dirty="0">
+                <a:solidFill>
+                  <a:schemeClr val="accent2">
+                    <a:lumOff val="21760"/>
+                  </a:schemeClr>
+                </a:solidFill>
+                <a:latin typeface="Arial"/>
+                <a:ea typeface="Arial"/>
+              </a:rPr>
+              <a:t> </a:t>
+            </a:r>
+            <a:r>
+              <a:rPr lang="en-US" sz="2800" b="0" strike="noStrike" spc="-1" dirty="0" err="1">
+                <a:solidFill>
+                  <a:schemeClr val="accent2">
+                    <a:lumOff val="21760"/>
+                  </a:schemeClr>
+                </a:solidFill>
+                <a:latin typeface="Arial"/>
+                <a:ea typeface="Arial"/>
+              </a:rPr>
+              <a:t>Aripirala</a:t>
             </a:r>
             <a:endParaRPr lang="en-US" sz="2800" b="0" strike="noStrike" spc="-1" dirty="0">
               <a:solidFill>
@@ -16614,7 +16650,7 @@
                 <a:latin typeface="Arial"/>
                 <a:ea typeface="Arial"/>
               </a:rPr>
-              <a:t>[GT email]</a:t>
+              <a:t>av84@gatech.edu</a:t>
             </a:r>
             <a:endParaRPr lang="en-US" sz="2800" b="0" strike="noStrike" spc="-1" dirty="0">
               <a:solidFill>
@@ -16645,7 +16681,7 @@
                 <a:latin typeface="Arial"/>
                 <a:ea typeface="Arial"/>
               </a:rPr>
-              <a:t>[GT username]</a:t>
+              <a:t>av84</a:t>
             </a:r>
             <a:endParaRPr lang="en-US" sz="2800" b="0" strike="noStrike" spc="-1" dirty="0">
               <a:solidFill>
@@ -16676,7 +16712,7 @@
                 <a:latin typeface="Arial"/>
                 <a:ea typeface="Arial"/>
               </a:rPr>
-              <a:t>[GTID]</a:t>
+              <a:t>904173725</a:t>
             </a:r>
             <a:endParaRPr lang="en-US" sz="2800" b="0" strike="noStrike" spc="-1" dirty="0">
               <a:solidFill>
@@ -16928,7 +16964,7 @@
               </a:tabLst>
             </a:pPr>
             <a:r>
-              <a:rPr lang="en-US" sz="1400" b="1" strike="noStrike" spc="-1">
+              <a:rPr lang="en-US" sz="1400" b="1" strike="noStrike" spc="-1" dirty="0">
                 <a:solidFill>
                   <a:schemeClr val="accent2">
                     <a:lumOff val="21760"/>
@@ -16939,7 +16975,18 @@
               </a:rPr>
               <a:t>Submarine + Fish</a:t>
             </a:r>
-            <a:endParaRPr lang="en-US" sz="1400" b="0" strike="noStrike" spc="-1">
+          </a:p>
+          <a:p>
+            <a:pPr indent="0" defTabSz="914400">
+              <a:lnSpc>
+                <a:spcPct val="115000"/>
+              </a:lnSpc>
+              <a:buNone/>
+              <a:tabLst>
+                <a:tab pos="0" algn="l"/>
+              </a:tabLst>
+            </a:pPr>
+            <a:endParaRPr lang="en-US" sz="1400" b="1" spc="-1" dirty="0">
               <a:solidFill>
                 <a:schemeClr val="accent2">
                   <a:lumOff val="21760"/>
@@ -16953,27 +17000,12 @@
               <a:lnSpc>
                 <a:spcPct val="115000"/>
               </a:lnSpc>
-              <a:spcBef>
-                <a:spcPts val="1599"/>
-              </a:spcBef>
-              <a:buNone/>
-              <a:tabLst>
-                <a:tab pos="0" algn="l"/>
-              </a:tabLst>
-            </a:pPr>
-            <a:r>
-              <a:rPr lang="en-US" sz="1400" b="0" strike="noStrike" spc="-1">
-                <a:solidFill>
-                  <a:schemeClr val="accent2">
-                    <a:lumOff val="21760"/>
-                  </a:schemeClr>
-                </a:solidFill>
-                <a:latin typeface="Arial"/>
-                <a:ea typeface="Arial"/>
-              </a:rPr>
-              <a:t>[insert your hybrid image here]</a:t>
-            </a:r>
-            <a:endParaRPr lang="en-US" sz="1400" b="0" strike="noStrike" spc="-1">
+              <a:buNone/>
+              <a:tabLst>
+                <a:tab pos="0" algn="l"/>
+              </a:tabLst>
+            </a:pPr>
+            <a:endParaRPr lang="en-US" sz="1400" b="0" strike="noStrike" spc="-1" dirty="0">
               <a:solidFill>
                 <a:schemeClr val="accent2">
                   <a:lumOff val="21760"/>
@@ -17023,7 +17055,7 @@
               </a:tabLst>
             </a:pPr>
             <a:r>
-              <a:rPr lang="en-US" sz="1400" b="1" strike="noStrike" spc="-1">
+              <a:rPr lang="en-US" sz="1400" b="1" strike="noStrike" spc="-1" dirty="0">
                 <a:solidFill>
                   <a:schemeClr val="accent2">
                     <a:lumOff val="21760"/>
@@ -17034,7 +17066,7 @@
               </a:rPr>
               <a:t>Part 1 vs. Part 2</a:t>
             </a:r>
-            <a:endParaRPr lang="en-US" sz="1400" b="0" strike="noStrike" spc="-1">
+            <a:endParaRPr lang="en-US" sz="1400" b="0" strike="noStrike" spc="-1" dirty="0">
               <a:solidFill>
                 <a:schemeClr val="accent2">
                   <a:lumOff val="21760"/>
@@ -17057,28 +17089,140 @@
               </a:tabLst>
             </a:pPr>
             <a:r>
-              <a:rPr lang="en-US" sz="1400" b="0" strike="noStrike" spc="-1">
-                <a:solidFill>
-                  <a:schemeClr val="accent2">
-                    <a:lumOff val="21760"/>
-                  </a:schemeClr>
+              <a:rPr lang="en-US" sz="1400" spc="-1" dirty="0">
+                <a:solidFill>
+                  <a:srgbClr val="002060"/>
                 </a:solidFill>
                 <a:latin typeface="Arial"/>
                 <a:ea typeface="Arial"/>
               </a:rPr>
-              <a:t>[Compare the run-times of Parts 1 and 2 here, as calculated in project-1.ipynb. Which method is faster?]</a:t>
+              <a:t>Part 1: 6.382 Seconds</a:t>
             </a:r>
-            <a:endParaRPr lang="en-US" sz="1400" b="0" strike="noStrike" spc="-1">
-              <a:solidFill>
-                <a:schemeClr val="accent2">
-                  <a:lumOff val="21760"/>
-                </a:schemeClr>
-              </a:solidFill>
-              <a:latin typeface="Arial"/>
+          </a:p>
+          <a:p>
+            <a:pPr indent="0" defTabSz="914400">
+              <a:lnSpc>
+                <a:spcPct val="115000"/>
+              </a:lnSpc>
+              <a:spcBef>
+                <a:spcPts val="1599"/>
+              </a:spcBef>
+              <a:buNone/>
+              <a:tabLst>
+                <a:tab pos="0" algn="l"/>
+              </a:tabLst>
+            </a:pPr>
+            <a:r>
+              <a:rPr lang="en-US" sz="1400" b="0" strike="noStrike" spc="-1" dirty="0">
+                <a:solidFill>
+                  <a:srgbClr val="002060"/>
+                </a:solidFill>
+                <a:latin typeface="Arial"/>
+                <a:ea typeface="Arial"/>
+              </a:rPr>
+              <a:t>Par</a:t>
+            </a:r>
+            <a:r>
+              <a:rPr lang="en-US" sz="1400" spc="-1" dirty="0">
+                <a:solidFill>
+                  <a:srgbClr val="002060"/>
+                </a:solidFill>
+                <a:latin typeface="Arial"/>
+                <a:ea typeface="Arial"/>
+              </a:rPr>
+              <a:t>t 2: 0.192 Seconds</a:t>
+            </a:r>
+            <a:endParaRPr lang="en-US" sz="1400" b="0" strike="noStrike" spc="-1" dirty="0">
+              <a:solidFill>
+                <a:srgbClr val="002060"/>
+              </a:solidFill>
+              <a:latin typeface="Arial"/>
+              <a:ea typeface="Arial"/>
+            </a:endParaRPr>
+          </a:p>
+          <a:p>
+            <a:pPr indent="0" defTabSz="914400">
+              <a:lnSpc>
+                <a:spcPct val="115000"/>
+              </a:lnSpc>
+              <a:spcBef>
+                <a:spcPts val="1599"/>
+              </a:spcBef>
+              <a:buNone/>
+              <a:tabLst>
+                <a:tab pos="0" algn="l"/>
+              </a:tabLst>
+            </a:pPr>
+            <a:r>
+              <a:rPr lang="en-US" sz="1400" spc="-1" dirty="0">
+                <a:solidFill>
+                  <a:srgbClr val="002060"/>
+                </a:solidFill>
+                <a:latin typeface="Arial"/>
+                <a:ea typeface="Arial"/>
+              </a:rPr>
+              <a:t>The </a:t>
+            </a:r>
+            <a:r>
+              <a:rPr lang="en-US" sz="1400" spc="-1" dirty="0" err="1">
+                <a:solidFill>
+                  <a:srgbClr val="002060"/>
+                </a:solidFill>
+                <a:latin typeface="Arial"/>
+                <a:ea typeface="Arial"/>
+              </a:rPr>
+              <a:t>PyTorch</a:t>
+            </a:r>
+            <a:r>
+              <a:rPr lang="en-US" sz="1400" spc="-1" dirty="0">
+                <a:solidFill>
+                  <a:srgbClr val="002060"/>
+                </a:solidFill>
+                <a:latin typeface="Arial"/>
+                <a:ea typeface="Arial"/>
+              </a:rPr>
+              <a:t> implementation is much faster(33x).</a:t>
+            </a:r>
+            <a:endParaRPr lang="en-US" sz="1400" b="0" strike="noStrike" spc="-1" dirty="0">
+              <a:solidFill>
+                <a:srgbClr val="002060"/>
+              </a:solidFill>
+              <a:latin typeface="Arial"/>
+              <a:ea typeface="Arial"/>
             </a:endParaRPr>
           </a:p>
         </p:txBody>
       </p:sp>
+      <p:pic>
+        <p:nvPicPr>
+          <p:cNvPr id="5" name="Picture 4">
+            <a:extLst>
+              <a:ext uri="{FF2B5EF4-FFF2-40B4-BE49-F238E27FC236}">
+                <a16:creationId xmlns:a16="http://schemas.microsoft.com/office/drawing/2014/main" id="{4C92CB35-FCDC-F74B-9114-D8A85328A7D0}"/>
+              </a:ext>
+            </a:extLst>
+          </p:cNvPr>
+          <p:cNvPicPr>
+            <a:picLocks noChangeAspect="1"/>
+          </p:cNvPicPr>
+          <p:nvPr/>
+        </p:nvPicPr>
+        <p:blipFill>
+          <a:blip r:embed="rId2"/>
+          <a:stretch>
+            <a:fillRect/>
+          </a:stretch>
+        </p:blipFill>
+        <p:spPr>
+          <a:xfrm>
+            <a:off x="503785" y="1826777"/>
+            <a:ext cx="2374900" cy="1943100"/>
+          </a:xfrm>
+          <a:prstGeom prst="rect">
+            <a:avLst/>
+          </a:prstGeom>
+        </p:spPr>
+      </p:pic>
     </p:spTree>
   </p:cSld>
   <p:clrMapOvr>
@@ -17200,7 +17344,7 @@
               </a:tabLst>
             </a:pPr>
             <a:r>
-              <a:rPr lang="en-US" sz="1400" b="0" strike="noStrike" spc="-1">
+              <a:rPr lang="en-US" sz="1400" b="0" strike="noStrike" spc="-1" dirty="0">
                 <a:solidFill>
                   <a:schemeClr val="accent2">
                     <a:lumOff val="21760"/>
@@ -17211,7 +17355,7 @@
               </a:rPr>
               <a:t>[Consider a 1-channel 5x5 image and a 3x3 filter. What are the output dimensions of a convolution with the following parameters?</a:t>
             </a:r>
-            <a:endParaRPr lang="en-US" sz="1400" b="0" strike="noStrike" spc="-1">
+            <a:endParaRPr lang="en-US" sz="1400" b="0" strike="noStrike" spc="-1" dirty="0">
               <a:solidFill>
                 <a:schemeClr val="accent2">
                   <a:lumOff val="21760"/>
@@ -17231,7 +17375,7 @@
               </a:tabLst>
             </a:pPr>
             <a:r>
-              <a:rPr lang="en-US" sz="1400" b="0" strike="noStrike" spc="-1">
+              <a:rPr lang="en-US" sz="1400" b="0" strike="noStrike" spc="-1" dirty="0">
                 <a:solidFill>
                   <a:schemeClr val="accent2">
                     <a:lumOff val="21760"/>
@@ -17240,29 +17384,36 @@
                 <a:latin typeface="Arial"/>
                 <a:ea typeface="Arial"/>
               </a:rPr>
-              <a:t>Stride = 1, padding = 0?</a:t>
+              <a:t>Stride = 1, padding = 0? </a:t>
             </a:r>
-            <a:endParaRPr lang="en-US" sz="1400" b="0" strike="noStrike" spc="-1">
-              <a:solidFill>
-                <a:schemeClr val="accent2">
-                  <a:lumOff val="21760"/>
-                </a:schemeClr>
-              </a:solidFill>
-              <a:latin typeface="Arial"/>
-            </a:endParaRPr>
-          </a:p>
-          <a:p>
-            <a:pPr indent="0" defTabSz="914400">
+            <a:r>
+              <a:rPr lang="en-US" sz="1400" b="0" strike="noStrike" spc="-1" dirty="0">
+                <a:solidFill>
+                  <a:srgbClr val="002060"/>
+                </a:solidFill>
+                <a:latin typeface="Arial"/>
+                <a:ea typeface="Arial"/>
+              </a:rPr>
+              <a:t>Ans: 3 x 3</a:t>
+            </a:r>
+            <a:endParaRPr lang="en-US" sz="1400" b="0" strike="noStrike" spc="-1" dirty="0">
+              <a:solidFill>
+                <a:srgbClr val="002060"/>
+              </a:solidFill>
+              <a:latin typeface="Arial"/>
+            </a:endParaRPr>
+          </a:p>
+          <a:p>
+            <a:pPr>
               <a:lnSpc>
                 <a:spcPct val="115000"/>
               </a:lnSpc>
-              <a:buNone/>
               <a:tabLst>
                 <a:tab pos="0" algn="l"/>
               </a:tabLst>
             </a:pPr>
             <a:r>
-              <a:rPr lang="en-US" sz="1400" b="0" strike="noStrike" spc="-1">
+              <a:rPr lang="en-US" sz="1400" b="0" strike="noStrike" spc="-1" dirty="0">
                 <a:solidFill>
                   <a:schemeClr val="accent2">
                     <a:lumOff val="21760"/>
@@ -17271,29 +17422,44 @@
                 <a:latin typeface="Arial"/>
                 <a:ea typeface="Arial"/>
               </a:rPr>
-              <a:t>Stride = 2, padding = 0?</a:t>
+              <a:t>Stride = 2, padding = 0? </a:t>
             </a:r>
-            <a:endParaRPr lang="en-US" sz="1400" b="0" strike="noStrike" spc="-1">
-              <a:solidFill>
-                <a:schemeClr val="accent2">
-                  <a:lumOff val="21760"/>
-                </a:schemeClr>
-              </a:solidFill>
-              <a:latin typeface="Arial"/>
-            </a:endParaRPr>
-          </a:p>
-          <a:p>
-            <a:pPr indent="0" defTabSz="914400">
+            <a:r>
+              <a:rPr lang="en-US" sz="1400" spc="-1" dirty="0">
+                <a:solidFill>
+                  <a:srgbClr val="002060"/>
+                </a:solidFill>
+              </a:rPr>
+              <a:t>Ans: 2 </a:t>
+            </a:r>
+            <a:r>
+              <a:rPr lang="en-US" sz="1400" b="0" strike="noStrike" spc="-1" dirty="0">
+                <a:solidFill>
+                  <a:srgbClr val="002060"/>
+                </a:solidFill>
+                <a:latin typeface="Arial"/>
+                <a:ea typeface="Arial"/>
+              </a:rPr>
+              <a:t>x 2</a:t>
+            </a:r>
+            <a:endParaRPr lang="en-US" sz="1400" b="0" strike="noStrike" spc="-1" dirty="0">
+              <a:solidFill>
+                <a:srgbClr val="002060"/>
+              </a:solidFill>
+              <a:latin typeface="Arial"/>
+            </a:endParaRPr>
+          </a:p>
+          <a:p>
+            <a:pPr>
               <a:lnSpc>
                 <a:spcPct val="115000"/>
               </a:lnSpc>
-              <a:buNone/>
               <a:tabLst>
                 <a:tab pos="0" algn="l"/>
               </a:tabLst>
             </a:pPr>
             <a:r>
-              <a:rPr lang="en-US" sz="1400" b="0" strike="noStrike" spc="-1">
+              <a:rPr lang="en-US" sz="1400" b="0" strike="noStrike" spc="-1" dirty="0">
                 <a:solidFill>
                   <a:schemeClr val="accent2">
                     <a:lumOff val="21760"/>
@@ -17302,29 +17468,44 @@
                 <a:latin typeface="Arial"/>
                 <a:ea typeface="Arial"/>
               </a:rPr>
-              <a:t>Stride = 1, padding = 1?</a:t>
+              <a:t>Stride = 1, padding = 1? </a:t>
             </a:r>
-            <a:endParaRPr lang="en-US" sz="1400" b="0" strike="noStrike" spc="-1">
-              <a:solidFill>
-                <a:schemeClr val="accent2">
-                  <a:lumOff val="21760"/>
-                </a:schemeClr>
-              </a:solidFill>
-              <a:latin typeface="Arial"/>
-            </a:endParaRPr>
-          </a:p>
-          <a:p>
-            <a:pPr indent="0" defTabSz="914400">
+            <a:r>
+              <a:rPr lang="en-US" sz="1400" spc="-1" dirty="0">
+                <a:solidFill>
+                  <a:srgbClr val="002060"/>
+                </a:solidFill>
+              </a:rPr>
+              <a:t>Ans: 5 </a:t>
+            </a:r>
+            <a:r>
+              <a:rPr lang="en-US" sz="1400" b="0" strike="noStrike" spc="-1" dirty="0">
+                <a:solidFill>
+                  <a:srgbClr val="002060"/>
+                </a:solidFill>
+                <a:latin typeface="Arial"/>
+                <a:ea typeface="Arial"/>
+              </a:rPr>
+              <a:t>x 5</a:t>
+            </a:r>
+            <a:endParaRPr lang="en-US" sz="1400" b="0" strike="noStrike" spc="-1" dirty="0">
+              <a:solidFill>
+                <a:srgbClr val="002060"/>
+              </a:solidFill>
+              <a:latin typeface="Arial"/>
+            </a:endParaRPr>
+          </a:p>
+          <a:p>
+            <a:pPr>
               <a:lnSpc>
                 <a:spcPct val="115000"/>
               </a:lnSpc>
-              <a:buNone/>
               <a:tabLst>
                 <a:tab pos="0" algn="l"/>
               </a:tabLst>
             </a:pPr>
             <a:r>
-              <a:rPr lang="en-US" sz="1400" b="0" strike="noStrike" spc="-1">
+              <a:rPr lang="en-US" sz="1400" b="0" strike="noStrike" spc="-1" dirty="0">
                 <a:solidFill>
                   <a:schemeClr val="accent2">
                     <a:lumOff val="21760"/>
@@ -17333,13 +17514,29 @@
                 <a:latin typeface="Arial"/>
                 <a:ea typeface="Arial"/>
               </a:rPr>
-              <a:t>Stride = 2, padding = 1?]</a:t>
+              <a:t>Stride = 2, padding = 1?] </a:t>
             </a:r>
-            <a:endParaRPr lang="en-US" sz="1400" b="0" strike="noStrike" spc="-1">
-              <a:solidFill>
-                <a:schemeClr val="accent2">
-                  <a:lumOff val="21760"/>
-                </a:schemeClr>
+            <a:r>
+              <a:rPr lang="en-US" sz="1400" spc="-1" dirty="0">
+                <a:solidFill>
+                  <a:srgbClr val="002060"/>
+                </a:solidFill>
+              </a:rPr>
+              <a:t>Ans: 3 </a:t>
+            </a:r>
+            <a:r>
+              <a:rPr lang="en-US" sz="1400" b="0" strike="noStrike" spc="-1" dirty="0">
+                <a:solidFill>
+                  <a:srgbClr val="002060"/>
+                </a:solidFill>
+                <a:latin typeface="Arial"/>
+                <a:ea typeface="Arial"/>
+              </a:rPr>
+              <a:t>x 3</a:t>
+            </a:r>
+            <a:endParaRPr lang="en-US" sz="1400" b="0" strike="noStrike" spc="-1" dirty="0">
+              <a:solidFill>
+                <a:srgbClr val="002060"/>
               </a:solidFill>
               <a:latin typeface="Arial"/>
             </a:endParaRPr>
@@ -17385,7 +17582,7 @@
               </a:tabLst>
             </a:pPr>
             <a:r>
-              <a:rPr lang="en-US" sz="1400" b="0" strike="noStrike" spc="-1">
+              <a:rPr lang="en-US" sz="1400" b="0" strike="noStrike" spc="-1" dirty="0">
                 <a:solidFill>
                   <a:schemeClr val="accent2">
                     <a:lumOff val="21760"/>
@@ -17396,7 +17593,7 @@
               </a:rPr>
               <a:t>[What are the input &amp; output dimensions of the convolutions of the dog image and a 3x3 filter  with the following parameters: </a:t>
             </a:r>
-            <a:endParaRPr lang="en-US" sz="1400" b="0" strike="noStrike" spc="-1">
+            <a:endParaRPr lang="en-US" sz="1400" b="0" strike="noStrike" spc="-1" dirty="0">
               <a:solidFill>
                 <a:schemeClr val="accent2">
                   <a:lumOff val="21760"/>
@@ -17406,17 +17603,16 @@
             </a:endParaRPr>
           </a:p>
           <a:p>
-            <a:pPr indent="0" defTabSz="914400">
+            <a:pPr>
               <a:lnSpc>
                 <a:spcPct val="115000"/>
               </a:lnSpc>
-              <a:buNone/>
               <a:tabLst>
                 <a:tab pos="0" algn="l"/>
               </a:tabLst>
             </a:pPr>
             <a:r>
-              <a:rPr lang="en-US" sz="1400" b="0" strike="noStrike" spc="-1">
+              <a:rPr lang="en-US" sz="1400" b="0" strike="noStrike" spc="-1" dirty="0">
                 <a:solidFill>
                   <a:schemeClr val="accent2">
                     <a:lumOff val="21760"/>
@@ -17425,9 +17621,17 @@
                 <a:latin typeface="Arial"/>
                 <a:ea typeface="Arial"/>
               </a:rPr>
-              <a:t>Stride = 1, padding = 0</a:t>
+              <a:t>Stride = 1, padding = 0? </a:t>
             </a:r>
-            <a:endParaRPr lang="en-US" sz="1400" b="0" strike="noStrike" spc="-1">
+            <a:r>
+              <a:rPr lang="en-US" sz="1400" spc="-1" dirty="0">
+                <a:solidFill>
+                  <a:srgbClr val="002060"/>
+                </a:solidFill>
+              </a:rPr>
+              <a:t>Ans: 359 x 408</a:t>
+            </a:r>
+            <a:endParaRPr lang="en-US" sz="1400" b="0" strike="noStrike" spc="-1" dirty="0">
               <a:solidFill>
                 <a:schemeClr val="accent2">
                   <a:lumOff val="21760"/>
@@ -17437,17 +17641,16 @@
             </a:endParaRPr>
           </a:p>
           <a:p>
-            <a:pPr indent="0" defTabSz="914400">
+            <a:pPr>
               <a:lnSpc>
                 <a:spcPct val="115000"/>
               </a:lnSpc>
-              <a:buNone/>
               <a:tabLst>
                 <a:tab pos="0" algn="l"/>
               </a:tabLst>
             </a:pPr>
             <a:r>
-              <a:rPr lang="en-US" sz="1400" b="0" strike="noStrike" spc="-1">
+              <a:rPr lang="en-US" sz="1400" b="0" strike="noStrike" spc="-1" dirty="0">
                 <a:solidFill>
                   <a:schemeClr val="accent2">
                     <a:lumOff val="21760"/>
@@ -17456,9 +17659,17 @@
                 <a:latin typeface="Arial"/>
                 <a:ea typeface="Arial"/>
               </a:rPr>
-              <a:t>Stride = 2, padding = 0</a:t>
+              <a:t>Stride = 2, padding = 0? </a:t>
             </a:r>
-            <a:endParaRPr lang="en-US" sz="1400" b="0" strike="noStrike" spc="-1">
+            <a:r>
+              <a:rPr lang="en-US" sz="1400" spc="-1" dirty="0">
+                <a:solidFill>
+                  <a:srgbClr val="002060"/>
+                </a:solidFill>
+              </a:rPr>
+              <a:t>Ans: 180 x 204</a:t>
+            </a:r>
+            <a:endParaRPr lang="en-US" sz="1400" b="0" strike="noStrike" spc="-1" dirty="0">
               <a:solidFill>
                 <a:schemeClr val="accent2">
                   <a:lumOff val="21760"/>
@@ -17468,17 +17679,16 @@
             </a:endParaRPr>
           </a:p>
           <a:p>
-            <a:pPr indent="0" defTabSz="914400">
+            <a:pPr>
               <a:lnSpc>
                 <a:spcPct val="115000"/>
               </a:lnSpc>
-              <a:buNone/>
               <a:tabLst>
                 <a:tab pos="0" algn="l"/>
               </a:tabLst>
             </a:pPr>
             <a:r>
-              <a:rPr lang="en-US" sz="1400" b="0" strike="noStrike" spc="-1">
+              <a:rPr lang="en-US" sz="1400" b="0" strike="noStrike" spc="-1" dirty="0">
                 <a:solidFill>
                   <a:schemeClr val="accent2">
                     <a:lumOff val="21760"/>
@@ -17487,9 +17697,17 @@
                 <a:latin typeface="Arial"/>
                 <a:ea typeface="Arial"/>
               </a:rPr>
-              <a:t>Stride = 1, padding = 1</a:t>
+              <a:t>Stride = 1, padding = 1?</a:t>
             </a:r>
-            <a:endParaRPr lang="en-US" sz="1400" b="0" strike="noStrike" spc="-1">
+            <a:r>
+              <a:rPr lang="en-US" sz="1400" spc="-1" dirty="0">
+                <a:solidFill>
+                  <a:srgbClr val="002060"/>
+                </a:solidFill>
+              </a:rPr>
+              <a:t>Ans: 361x 410</a:t>
+            </a:r>
+            <a:endParaRPr lang="en-US" sz="1400" b="0" strike="noStrike" spc="-1" dirty="0">
               <a:solidFill>
                 <a:schemeClr val="accent2">
                   <a:lumOff val="21760"/>
@@ -17499,17 +17717,16 @@
             </a:endParaRPr>
           </a:p>
           <a:p>
-            <a:pPr indent="0" defTabSz="914400">
+            <a:pPr>
               <a:lnSpc>
                 <a:spcPct val="115000"/>
               </a:lnSpc>
-              <a:buNone/>
               <a:tabLst>
                 <a:tab pos="0" algn="l"/>
               </a:tabLst>
             </a:pPr>
             <a:r>
-              <a:rPr lang="en-US" sz="1400" b="0" strike="noStrike" spc="-1">
+              <a:rPr lang="en-US" sz="1400" b="0" strike="noStrike" spc="-1" dirty="0">
                 <a:solidFill>
                   <a:schemeClr val="accent2">
                     <a:lumOff val="21760"/>
@@ -17518,9 +17735,28 @@
                 <a:latin typeface="Arial"/>
                 <a:ea typeface="Arial"/>
               </a:rPr>
-              <a:t>Stride = 2, padding = 1?]</a:t>
+              <a:t>Stride = 2, padding = 1? </a:t>
             </a:r>
-            <a:endParaRPr lang="en-US" sz="1400" b="0" strike="noStrike" spc="-1">
+            <a:r>
+              <a:rPr lang="en-US" sz="1400" spc="-1" dirty="0">
+                <a:solidFill>
+                  <a:srgbClr val="002060"/>
+                </a:solidFill>
+              </a:rPr>
+              <a:t>Ans: 181 x 205</a:t>
+            </a:r>
+          </a:p>
+          <a:p>
+            <a:pPr indent="0" defTabSz="914400">
+              <a:lnSpc>
+                <a:spcPct val="115000"/>
+              </a:lnSpc>
+              <a:buNone/>
+              <a:tabLst>
+                <a:tab pos="0" algn="l"/>
+              </a:tabLst>
+            </a:pPr>
+            <a:endParaRPr lang="en-US" sz="1400" b="0" strike="noStrike" spc="-1" dirty="0">
               <a:solidFill>
                 <a:schemeClr val="accent2">
                   <a:lumOff val="21760"/>
@@ -17642,6 +17878,58 @@
           </a:bodyPr>
           <a:lstStyle/>
           <a:p>
+            <a:pPr>
+              <a:lnSpc>
+                <a:spcPct val="115000"/>
+              </a:lnSpc>
+              <a:tabLst>
+                <a:tab pos="0" algn="l"/>
+              </a:tabLst>
+            </a:pPr>
+            <a:r>
+              <a:rPr lang="en-US" sz="1400" spc="-1" dirty="0">
+                <a:solidFill>
+                  <a:srgbClr val="002060"/>
+                </a:solidFill>
+              </a:rPr>
+              <a:t>Assuming H and W to be height and width, we know we need to account for the filter height(hf) and width(</a:t>
+            </a:r>
+            <a:r>
+              <a:rPr lang="en-US" sz="1400" spc="-1" dirty="0" err="1">
+                <a:solidFill>
+                  <a:srgbClr val="002060"/>
+                </a:solidFill>
+              </a:rPr>
+              <a:t>wf</a:t>
+            </a:r>
+            <a:r>
+              <a:rPr lang="en-US" sz="1400" spc="-1" dirty="0">
+                <a:solidFill>
+                  <a:srgbClr val="002060"/>
+                </a:solidFill>
+              </a:rPr>
+              <a:t>) as well, being able to travel to the edges. So the travel distance becomes H + 2*p – k and W + 2*p – k along the height and width of the image. Now if we take a longer step, say of length s, we need to account for a factor of 1/s less steps as well. This would lead to our size = travel distance / stride. Now say we have a 5x5 image and a 5x5 filter. Here the travel distance is 0, but we need to account for this one position, therefore +1 should be added to (travel distance/stride).</a:t>
+            </a:r>
+          </a:p>
+          <a:p>
+            <a:pPr>
+              <a:lnSpc>
+                <a:spcPct val="115000"/>
+              </a:lnSpc>
+              <a:tabLst>
+                <a:tab pos="0" algn="l"/>
+              </a:tabLst>
+            </a:pPr>
+            <a:r>
+              <a:rPr lang="en-US" sz="1400" spc="-1" dirty="0">
+                <a:solidFill>
+                  <a:srgbClr val="002060"/>
+                </a:solidFill>
+              </a:rPr>
+              <a:t>Hence the final formula becomes: (H + 2*p – k)/s + 1 and (W + 2*p – k)/s + 1</a:t>
+            </a:r>
+          </a:p>
+          <a:p>
             <a:pPr indent="0" defTabSz="914400">
               <a:lnSpc>
                 <a:spcPct val="115000"/>
@@ -17651,19 +17939,7 @@
                 <a:tab pos="0" algn="l"/>
               </a:tabLst>
             </a:pPr>
-            <a:r>
-              <a:rPr lang="en-US" sz="1400" b="0" strike="noStrike" spc="-1">
-                <a:solidFill>
-                  <a:schemeClr val="accent2">
-                    <a:lumOff val="21760"/>
-                  </a:schemeClr>
-                </a:solidFill>
-                <a:latin typeface="Arial"/>
-                <a:ea typeface="Arial"/>
-              </a:rPr>
-              <a:t>[Section 3 of the handout gives equations to calculate output dimensions given filter size, stride, and padding. What is the intuition behind this equation?]</a:t>
-            </a:r>
-            <a:endParaRPr lang="en-US" sz="1400" b="0" strike="noStrike" spc="-1">
+            <a:endParaRPr lang="en-US" sz="1400" b="0" strike="noStrike" spc="-1" dirty="0">
               <a:solidFill>
                 <a:schemeClr val="accent2">
                   <a:lumOff val="21760"/>
@@ -17682,7 +17958,7 @@
                 <a:tab pos="0" algn="l"/>
               </a:tabLst>
             </a:pPr>
-            <a:endParaRPr lang="en-US" sz="1400" b="0" strike="noStrike" spc="-1">
+            <a:endParaRPr lang="en-US" sz="1400" b="0" strike="noStrike" spc="-1" dirty="0">
               <a:solidFill>
                 <a:schemeClr val="accent2">
                   <a:lumOff val="21760"/>
@@ -17739,7 +18015,7 @@
               </a:tabLst>
             </a:pPr>
             <a:r>
-              <a:rPr lang="en-US" sz="1400" b="0" strike="noStrike" spc="-1">
+              <a:rPr lang="en-US" sz="1400" b="0" strike="noStrike" spc="-1" dirty="0">
                 <a:solidFill>
                   <a:schemeClr val="accent2">
                     <a:lumOff val="21760"/>
@@ -17750,9 +18026,84 @@
               </a:rPr>
               <a:t>[How many filters did we apply to the dog image?]</a:t>
             </a:r>
-            <a:endParaRPr lang="en-US" sz="1400" b="0" strike="noStrike" spc="-1">
-              <a:solidFill>
-                <a:srgbClr val="000000"/>
+          </a:p>
+          <a:p>
+            <a:pPr defTabSz="914400">
+              <a:lnSpc>
+                <a:spcPct val="115000"/>
+              </a:lnSpc>
+              <a:tabLst>
+                <a:tab pos="0" algn="l"/>
+              </a:tabLst>
+            </a:pPr>
+            <a:r>
+              <a:rPr lang="en-US" sz="1400" spc="-1" dirty="0">
+                <a:solidFill>
+                  <a:srgbClr val="002060"/>
+                </a:solidFill>
+                <a:latin typeface="Arial"/>
+              </a:rPr>
+              <a:t>Ans: 3 filters</a:t>
+            </a:r>
+          </a:p>
+          <a:p>
+            <a:pPr defTabSz="914400">
+              <a:lnSpc>
+                <a:spcPct val="115000"/>
+              </a:lnSpc>
+              <a:tabLst>
+                <a:tab pos="0" algn="l"/>
+              </a:tabLst>
+            </a:pPr>
+            <a:endParaRPr lang="en-US" sz="1400" b="0" strike="noStrike" spc="-1" dirty="0">
+              <a:solidFill>
+                <a:srgbClr val="002060"/>
+              </a:solidFill>
+              <a:latin typeface="Arial"/>
+            </a:endParaRPr>
+          </a:p>
+          <a:p>
+            <a:pPr>
+              <a:lnSpc>
+                <a:spcPct val="115000"/>
+              </a:lnSpc>
+              <a:tabLst>
+                <a:tab pos="0" algn="l"/>
+              </a:tabLst>
+            </a:pPr>
+            <a:r>
+              <a:rPr lang="en-US" sz="1400" spc="-1" dirty="0">
+                <a:solidFill>
+                  <a:schemeClr val="accent2">
+                    <a:lumOff val="21760"/>
+                  </a:schemeClr>
+                </a:solidFill>
+                <a:latin typeface="Arial"/>
+                <a:ea typeface="Arial"/>
+              </a:rPr>
+              <a:t>[Section 3 of the handout gives equations to calculate output dimensions given filter size, stride, and padding. What is the intuition behind this equation?]</a:t>
+            </a:r>
+          </a:p>
+          <a:p>
+            <a:pPr>
+              <a:lnSpc>
+                <a:spcPct val="115000"/>
+              </a:lnSpc>
+              <a:tabLst>
+                <a:tab pos="0" algn="l"/>
+              </a:tabLst>
+            </a:pPr>
+            <a:r>
+              <a:rPr lang="en-US" sz="1400" spc="-1" dirty="0">
+                <a:solidFill>
+                  <a:srgbClr val="002060"/>
+                </a:solidFill>
+              </a:rPr>
+              <a:t>Ans: The intuition starts at the effective size of the image. Since we are padding the image with a dimension p, we’re effectively adding p layers of border on each side(left, right, top, bottom), thus adding 2*p vertically and 2*p horizontally.</a:t>
+            </a:r>
+            <a:endParaRPr lang="en-US" sz="1400" b="0" strike="noStrike" spc="-1" dirty="0">
+              <a:solidFill>
+                <a:srgbClr val="002060"/>
               </a:solidFill>
               <a:latin typeface="Arial"/>
             </a:endParaRPr>
@@ -17879,26 +18230,208 @@
                 <a:tab pos="0" algn="l"/>
               </a:tabLst>
             </a:pPr>
+            <a:endParaRPr lang="en-US" sz="1400" spc="-1" dirty="0">
+              <a:solidFill>
+                <a:schemeClr val="accent2">
+                  <a:lumOff val="21760"/>
+                </a:schemeClr>
+              </a:solidFill>
+              <a:latin typeface="Arial"/>
+            </a:endParaRPr>
+          </a:p>
+          <a:p>
+            <a:pPr indent="0" defTabSz="914400">
+              <a:lnSpc>
+                <a:spcPct val="115000"/>
+              </a:lnSpc>
+              <a:buNone/>
+              <a:tabLst>
+                <a:tab pos="0" algn="l"/>
+              </a:tabLst>
+            </a:pPr>
+            <a:endParaRPr lang="en-US" sz="1400" spc="-1" dirty="0">
+              <a:solidFill>
+                <a:schemeClr val="accent2">
+                  <a:lumOff val="21760"/>
+                </a:schemeClr>
+              </a:solidFill>
+              <a:latin typeface="Arial"/>
+            </a:endParaRPr>
+          </a:p>
+          <a:p>
+            <a:pPr indent="0" defTabSz="914400">
+              <a:lnSpc>
+                <a:spcPct val="115000"/>
+              </a:lnSpc>
+              <a:buNone/>
+              <a:tabLst>
+                <a:tab pos="0" algn="l"/>
+              </a:tabLst>
+            </a:pPr>
+            <a:endParaRPr lang="en-US" sz="1400" b="0" strike="noStrike" spc="-1" dirty="0">
+              <a:solidFill>
+                <a:schemeClr val="accent2">
+                  <a:lumOff val="21760"/>
+                </a:schemeClr>
+              </a:solidFill>
+              <a:latin typeface="Arial"/>
+            </a:endParaRPr>
+          </a:p>
+          <a:p>
+            <a:pPr indent="0" defTabSz="914400">
+              <a:lnSpc>
+                <a:spcPct val="115000"/>
+              </a:lnSpc>
+              <a:buNone/>
+              <a:tabLst>
+                <a:tab pos="0" algn="l"/>
+              </a:tabLst>
+            </a:pPr>
+            <a:endParaRPr lang="en-US" sz="1400" spc="-1" dirty="0">
+              <a:solidFill>
+                <a:schemeClr val="accent2">
+                  <a:lumOff val="21760"/>
+                </a:schemeClr>
+              </a:solidFill>
+              <a:latin typeface="Arial"/>
+            </a:endParaRPr>
+          </a:p>
+          <a:p>
+            <a:pPr indent="0" defTabSz="914400">
+              <a:lnSpc>
+                <a:spcPct val="115000"/>
+              </a:lnSpc>
+              <a:buNone/>
+              <a:tabLst>
+                <a:tab pos="0" algn="l"/>
+              </a:tabLst>
+            </a:pPr>
+            <a:endParaRPr lang="en-US" sz="1400" b="0" strike="noStrike" spc="-1" dirty="0">
+              <a:solidFill>
+                <a:schemeClr val="accent2">
+                  <a:lumOff val="21760"/>
+                </a:schemeClr>
+              </a:solidFill>
+              <a:latin typeface="Arial"/>
+            </a:endParaRPr>
+          </a:p>
+          <a:p>
+            <a:pPr indent="0" defTabSz="914400">
+              <a:lnSpc>
+                <a:spcPct val="115000"/>
+              </a:lnSpc>
+              <a:buNone/>
+              <a:tabLst>
+                <a:tab pos="0" algn="l"/>
+              </a:tabLst>
+            </a:pPr>
+            <a:endParaRPr lang="en-US" sz="1400" spc="-1" dirty="0">
+              <a:solidFill>
+                <a:schemeClr val="accent2">
+                  <a:lumOff val="21760"/>
+                </a:schemeClr>
+              </a:solidFill>
+              <a:latin typeface="Arial"/>
+            </a:endParaRPr>
+          </a:p>
+          <a:p>
+            <a:pPr indent="0" defTabSz="914400">
+              <a:lnSpc>
+                <a:spcPct val="115000"/>
+              </a:lnSpc>
+              <a:buNone/>
+              <a:tabLst>
+                <a:tab pos="0" algn="l"/>
+              </a:tabLst>
+            </a:pPr>
+            <a:endParaRPr lang="en-US" sz="1400" b="0" strike="noStrike" spc="-1" dirty="0">
+              <a:solidFill>
+                <a:schemeClr val="accent2">
+                  <a:lumOff val="21760"/>
+                </a:schemeClr>
+              </a:solidFill>
+              <a:latin typeface="Arial"/>
+            </a:endParaRPr>
+          </a:p>
+          <a:p>
+            <a:pPr indent="0" defTabSz="914400">
+              <a:lnSpc>
+                <a:spcPct val="115000"/>
+              </a:lnSpc>
+              <a:buNone/>
+              <a:tabLst>
+                <a:tab pos="0" algn="l"/>
+              </a:tabLst>
+            </a:pPr>
+            <a:endParaRPr lang="en-US" sz="1400" spc="-1" dirty="0">
+              <a:solidFill>
+                <a:schemeClr val="accent2">
+                  <a:lumOff val="21760"/>
+                </a:schemeClr>
+              </a:solidFill>
+              <a:latin typeface="Arial"/>
+            </a:endParaRPr>
+          </a:p>
+          <a:p>
+            <a:pPr indent="0" defTabSz="914400">
+              <a:lnSpc>
+                <a:spcPct val="115000"/>
+              </a:lnSpc>
+              <a:buNone/>
+              <a:tabLst>
+                <a:tab pos="0" algn="l"/>
+              </a:tabLst>
+            </a:pPr>
+            <a:endParaRPr lang="en-US" sz="1400" spc="-1" dirty="0">
+              <a:solidFill>
+                <a:schemeClr val="accent2">
+                  <a:lumOff val="21760"/>
+                </a:schemeClr>
+              </a:solidFill>
+              <a:latin typeface="Arial"/>
+            </a:endParaRPr>
+          </a:p>
+          <a:p>
+            <a:pPr indent="0" defTabSz="914400">
+              <a:lnSpc>
+                <a:spcPct val="115000"/>
+              </a:lnSpc>
+              <a:buNone/>
+              <a:tabLst>
+                <a:tab pos="0" algn="l"/>
+              </a:tabLst>
+            </a:pPr>
             <a:r>
-              <a:rPr lang="en-US" sz="1400" b="0" strike="noStrike" spc="-1">
+              <a:rPr lang="en-US" sz="1400" spc="-1" dirty="0">
                 <a:solidFill>
                   <a:schemeClr val="accent2">
                     <a:lumOff val="21760"/>
                   </a:schemeClr>
                 </a:solidFill>
                 <a:latin typeface="Arial"/>
-                <a:ea typeface="Arial"/>
               </a:rPr>
-              <a:t>[insert visualization 0 here]</a:t>
+              <a:t>What filter was applied here?</a:t>
             </a:r>
-            <a:endParaRPr lang="en-US" sz="1400" b="0" strike="noStrike" spc="-1">
-              <a:solidFill>
-                <a:schemeClr val="accent2">
-                  <a:lumOff val="21760"/>
-                </a:schemeClr>
-              </a:solidFill>
-              <a:latin typeface="Arial"/>
-            </a:endParaRPr>
+          </a:p>
+          <a:p>
+            <a:pPr indent="0" defTabSz="914400">
+              <a:lnSpc>
+                <a:spcPct val="115000"/>
+              </a:lnSpc>
+              <a:buNone/>
+              <a:tabLst>
+                <a:tab pos="0" algn="l"/>
+              </a:tabLst>
+            </a:pPr>
+            <a:r>
+              <a:rPr lang="en-US" sz="1400" b="0" strike="noStrike" spc="-1" dirty="0">
+                <a:solidFill>
+                  <a:srgbClr val="002060"/>
+                </a:solidFill>
+                <a:latin typeface="Arial"/>
+              </a:rPr>
+              <a:t>Ans: Identity Filter</a:t>
+            </a:r>
           </a:p>
         </p:txBody>
       </p:sp>
@@ -17940,19 +18473,212 @@
                 <a:tab pos="0" algn="l"/>
               </a:tabLst>
             </a:pPr>
+            <a:endParaRPr lang="en-US" sz="1400" spc="-1" dirty="0">
+              <a:solidFill>
+                <a:schemeClr val="accent2">
+                  <a:lumOff val="21760"/>
+                </a:schemeClr>
+              </a:solidFill>
+              <a:latin typeface="Arial"/>
+            </a:endParaRPr>
+          </a:p>
+          <a:p>
+            <a:pPr indent="0" defTabSz="914400">
+              <a:lnSpc>
+                <a:spcPct val="115000"/>
+              </a:lnSpc>
+              <a:buNone/>
+              <a:tabLst>
+                <a:tab pos="0" algn="l"/>
+              </a:tabLst>
+            </a:pPr>
+            <a:endParaRPr lang="en-US" sz="1400" b="0" strike="noStrike" spc="-1" dirty="0">
+              <a:solidFill>
+                <a:schemeClr val="accent2">
+                  <a:lumOff val="21760"/>
+                </a:schemeClr>
+              </a:solidFill>
+              <a:latin typeface="Arial"/>
+            </a:endParaRPr>
+          </a:p>
+          <a:p>
+            <a:pPr indent="0" defTabSz="914400">
+              <a:lnSpc>
+                <a:spcPct val="115000"/>
+              </a:lnSpc>
+              <a:buNone/>
+              <a:tabLst>
+                <a:tab pos="0" algn="l"/>
+              </a:tabLst>
+            </a:pPr>
+            <a:endParaRPr lang="en-US" sz="1400" b="0" strike="noStrike" spc="-1" dirty="0">
+              <a:solidFill>
+                <a:schemeClr val="accent2">
+                  <a:lumOff val="21760"/>
+                </a:schemeClr>
+              </a:solidFill>
+              <a:latin typeface="Arial"/>
+            </a:endParaRPr>
+          </a:p>
+          <a:p>
+            <a:pPr indent="0" defTabSz="914400">
+              <a:lnSpc>
+                <a:spcPct val="115000"/>
+              </a:lnSpc>
+              <a:buNone/>
+              <a:tabLst>
+                <a:tab pos="0" algn="l"/>
+              </a:tabLst>
+            </a:pPr>
+            <a:endParaRPr lang="en-US" sz="1400" spc="-1" dirty="0">
+              <a:solidFill>
+                <a:schemeClr val="accent2">
+                  <a:lumOff val="21760"/>
+                </a:schemeClr>
+              </a:solidFill>
+              <a:latin typeface="Arial"/>
+            </a:endParaRPr>
+          </a:p>
+          <a:p>
+            <a:pPr indent="0" defTabSz="914400">
+              <a:lnSpc>
+                <a:spcPct val="115000"/>
+              </a:lnSpc>
+              <a:buNone/>
+              <a:tabLst>
+                <a:tab pos="0" algn="l"/>
+              </a:tabLst>
+            </a:pPr>
+            <a:endParaRPr lang="en-US" sz="1400" b="0" strike="noStrike" spc="-1" dirty="0">
+              <a:solidFill>
+                <a:schemeClr val="accent2">
+                  <a:lumOff val="21760"/>
+                </a:schemeClr>
+              </a:solidFill>
+              <a:latin typeface="Arial"/>
+            </a:endParaRPr>
+          </a:p>
+          <a:p>
+            <a:pPr indent="0" defTabSz="914400">
+              <a:lnSpc>
+                <a:spcPct val="115000"/>
+              </a:lnSpc>
+              <a:buNone/>
+              <a:tabLst>
+                <a:tab pos="0" algn="l"/>
+              </a:tabLst>
+            </a:pPr>
+            <a:endParaRPr lang="en-US" sz="1400" spc="-1" dirty="0">
+              <a:solidFill>
+                <a:schemeClr val="accent2">
+                  <a:lumOff val="21760"/>
+                </a:schemeClr>
+              </a:solidFill>
+              <a:latin typeface="Arial"/>
+            </a:endParaRPr>
+          </a:p>
+          <a:p>
+            <a:pPr indent="0" defTabSz="914400">
+              <a:lnSpc>
+                <a:spcPct val="115000"/>
+              </a:lnSpc>
+              <a:buNone/>
+              <a:tabLst>
+                <a:tab pos="0" algn="l"/>
+              </a:tabLst>
+            </a:pPr>
+            <a:endParaRPr lang="en-US" sz="1400" b="0" strike="noStrike" spc="-1" dirty="0">
+              <a:solidFill>
+                <a:schemeClr val="accent2">
+                  <a:lumOff val="21760"/>
+                </a:schemeClr>
+              </a:solidFill>
+              <a:latin typeface="Arial"/>
+            </a:endParaRPr>
+          </a:p>
+          <a:p>
+            <a:pPr>
+              <a:lnSpc>
+                <a:spcPct val="115000"/>
+              </a:lnSpc>
+              <a:tabLst>
+                <a:tab pos="0" algn="l"/>
+              </a:tabLst>
+            </a:pPr>
+            <a:endParaRPr lang="en-US" sz="1400" spc="-1" dirty="0">
+              <a:solidFill>
+                <a:schemeClr val="accent2">
+                  <a:lumOff val="21760"/>
+                </a:schemeClr>
+              </a:solidFill>
+            </a:endParaRPr>
+          </a:p>
+          <a:p>
+            <a:pPr>
+              <a:lnSpc>
+                <a:spcPct val="115000"/>
+              </a:lnSpc>
+              <a:tabLst>
+                <a:tab pos="0" algn="l"/>
+              </a:tabLst>
+            </a:pPr>
+            <a:endParaRPr lang="en-US" sz="1400" spc="-1" dirty="0">
+              <a:solidFill>
+                <a:schemeClr val="accent2">
+                  <a:lumOff val="21760"/>
+                </a:schemeClr>
+              </a:solidFill>
+            </a:endParaRPr>
+          </a:p>
+          <a:p>
+            <a:pPr>
+              <a:lnSpc>
+                <a:spcPct val="115000"/>
+              </a:lnSpc>
+              <a:tabLst>
+                <a:tab pos="0" algn="l"/>
+              </a:tabLst>
+            </a:pPr>
             <a:r>
-              <a:rPr lang="en-US" sz="1400" b="0" strike="noStrike" spc="-1">
+              <a:rPr lang="en-US" sz="1400" spc="-1" dirty="0">
                 <a:solidFill>
                   <a:schemeClr val="accent2">
                     <a:lumOff val="21760"/>
                   </a:schemeClr>
                 </a:solidFill>
-                <a:latin typeface="Arial"/>
-                <a:ea typeface="Arial"/>
               </a:rPr>
-              <a:t>[insert visualization 1 here]</a:t>
+              <a:t>What filter was applied here?</a:t>
             </a:r>
-            <a:endParaRPr lang="en-US" sz="1400" b="0" strike="noStrike" spc="-1">
+          </a:p>
+          <a:p>
+            <a:pPr>
+              <a:lnSpc>
+                <a:spcPct val="115000"/>
+              </a:lnSpc>
+              <a:tabLst>
+                <a:tab pos="0" algn="l"/>
+              </a:tabLst>
+            </a:pPr>
+            <a:r>
+              <a:rPr lang="en-US" sz="1400" spc="-1" dirty="0">
+                <a:solidFill>
+                  <a:srgbClr val="002060"/>
+                </a:solidFill>
+              </a:rPr>
+              <a:t>Ans: Box Blur Filter</a:t>
+            </a:r>
+          </a:p>
+          <a:p>
+            <a:pPr indent="0" defTabSz="914400">
+              <a:lnSpc>
+                <a:spcPct val="115000"/>
+              </a:lnSpc>
+              <a:buNone/>
+              <a:tabLst>
+                <a:tab pos="0" algn="l"/>
+              </a:tabLst>
+            </a:pPr>
+            <a:endParaRPr lang="en-US" sz="1400" b="0" strike="noStrike" spc="-1" dirty="0">
               <a:solidFill>
                 <a:schemeClr val="accent2">
                   <a:lumOff val="21760"/>
@@ -17963,6 +18689,66 @@
           </a:p>
         </p:txBody>
       </p:sp>
+      <p:pic>
+        <p:nvPicPr>
+          <p:cNvPr id="2" name="Picture 1">
+            <a:extLst>
+              <a:ext uri="{FF2B5EF4-FFF2-40B4-BE49-F238E27FC236}">
+                <a16:creationId xmlns:a16="http://schemas.microsoft.com/office/drawing/2014/main" id="{5583B832-F0C7-EA42-81DA-C13C10D0A690}"/>
+              </a:ext>
+            </a:extLst>
+          </p:cNvPr>
+          <p:cNvPicPr>
+            <a:picLocks noChangeAspect="1"/>
+          </p:cNvPicPr>
+          <p:nvPr/>
+        </p:nvPicPr>
+        <p:blipFill>
+          <a:blip r:embed="rId2"/>
+          <a:stretch>
+            <a:fillRect/>
+          </a:stretch>
+        </p:blipFill>
+        <p:spPr>
+          <a:xfrm>
+            <a:off x="311760" y="1017360"/>
+            <a:ext cx="2603500" cy="2286000"/>
+          </a:xfrm>
+          <a:prstGeom prst="rect">
+            <a:avLst/>
+          </a:prstGeom>
+        </p:spPr>
+      </p:pic>
+      <p:pic>
+        <p:nvPicPr>
+          <p:cNvPr id="3" name="Picture 2">
+            <a:extLst>
+              <a:ext uri="{FF2B5EF4-FFF2-40B4-BE49-F238E27FC236}">
+                <a16:creationId xmlns:a16="http://schemas.microsoft.com/office/drawing/2014/main" id="{12B350CA-A73D-5A43-B423-8552459858D9}"/>
+              </a:ext>
+            </a:extLst>
+          </p:cNvPr>
+          <p:cNvPicPr>
+            <a:picLocks noChangeAspect="1"/>
+          </p:cNvPicPr>
+          <p:nvPr/>
+        </p:nvPicPr>
+        <p:blipFill>
+          <a:blip r:embed="rId3"/>
+          <a:stretch>
+            <a:fillRect/>
+          </a:stretch>
+        </p:blipFill>
+        <p:spPr>
+          <a:xfrm>
+            <a:off x="4832280" y="1017360"/>
+            <a:ext cx="2603500" cy="2286000"/>
+          </a:xfrm>
+          <a:prstGeom prst="rect">
+            <a:avLst/>
+          </a:prstGeom>
+        </p:spPr>
+      </p:pic>
     </p:spTree>
   </p:cSld>
   <p:clrMapOvr>
@@ -18083,19 +18869,216 @@
                 <a:tab pos="0" algn="l"/>
               </a:tabLst>
             </a:pPr>
+            <a:endParaRPr lang="en-US" sz="1400" spc="-1" dirty="0">
+              <a:solidFill>
+                <a:schemeClr val="accent2">
+                  <a:lumOff val="21760"/>
+                </a:schemeClr>
+              </a:solidFill>
+              <a:latin typeface="Arial"/>
+            </a:endParaRPr>
+          </a:p>
+          <a:p>
+            <a:pPr indent="0" defTabSz="914400">
+              <a:lnSpc>
+                <a:spcPct val="115000"/>
+              </a:lnSpc>
+              <a:buNone/>
+              <a:tabLst>
+                <a:tab pos="0" algn="l"/>
+              </a:tabLst>
+            </a:pPr>
+            <a:endParaRPr lang="en-US" sz="1400" spc="-1" dirty="0">
+              <a:solidFill>
+                <a:schemeClr val="accent2">
+                  <a:lumOff val="21760"/>
+                </a:schemeClr>
+              </a:solidFill>
+              <a:latin typeface="Arial"/>
+            </a:endParaRPr>
+          </a:p>
+          <a:p>
+            <a:pPr indent="0" defTabSz="914400">
+              <a:lnSpc>
+                <a:spcPct val="115000"/>
+              </a:lnSpc>
+              <a:buNone/>
+              <a:tabLst>
+                <a:tab pos="0" algn="l"/>
+              </a:tabLst>
+            </a:pPr>
+            <a:endParaRPr lang="en-US" sz="1400" b="0" strike="noStrike" spc="-1" dirty="0">
+              <a:solidFill>
+                <a:schemeClr val="accent2">
+                  <a:lumOff val="21760"/>
+                </a:schemeClr>
+              </a:solidFill>
+              <a:latin typeface="Arial"/>
+            </a:endParaRPr>
+          </a:p>
+          <a:p>
+            <a:pPr indent="0" defTabSz="914400">
+              <a:lnSpc>
+                <a:spcPct val="115000"/>
+              </a:lnSpc>
+              <a:buNone/>
+              <a:tabLst>
+                <a:tab pos="0" algn="l"/>
+              </a:tabLst>
+            </a:pPr>
+            <a:endParaRPr lang="en-US" sz="1400" b="0" strike="noStrike" spc="-1" dirty="0">
+              <a:solidFill>
+                <a:schemeClr val="accent2">
+                  <a:lumOff val="21760"/>
+                </a:schemeClr>
+              </a:solidFill>
+              <a:latin typeface="Arial"/>
+            </a:endParaRPr>
+          </a:p>
+          <a:p>
+            <a:pPr indent="0" defTabSz="914400">
+              <a:lnSpc>
+                <a:spcPct val="115000"/>
+              </a:lnSpc>
+              <a:buNone/>
+              <a:tabLst>
+                <a:tab pos="0" algn="l"/>
+              </a:tabLst>
+            </a:pPr>
+            <a:endParaRPr lang="en-US" sz="1400" spc="-1" dirty="0">
+              <a:solidFill>
+                <a:schemeClr val="accent2">
+                  <a:lumOff val="21760"/>
+                </a:schemeClr>
+              </a:solidFill>
+              <a:latin typeface="Arial"/>
+            </a:endParaRPr>
+          </a:p>
+          <a:p>
+            <a:pPr indent="0" defTabSz="914400">
+              <a:lnSpc>
+                <a:spcPct val="115000"/>
+              </a:lnSpc>
+              <a:buNone/>
+              <a:tabLst>
+                <a:tab pos="0" algn="l"/>
+              </a:tabLst>
+            </a:pPr>
+            <a:endParaRPr lang="en-US" sz="1400" b="0" strike="noStrike" spc="-1" dirty="0">
+              <a:solidFill>
+                <a:schemeClr val="accent2">
+                  <a:lumOff val="21760"/>
+                </a:schemeClr>
+              </a:solidFill>
+              <a:latin typeface="Arial"/>
+            </a:endParaRPr>
+          </a:p>
+          <a:p>
+            <a:pPr indent="0" defTabSz="914400">
+              <a:lnSpc>
+                <a:spcPct val="115000"/>
+              </a:lnSpc>
+              <a:buNone/>
+              <a:tabLst>
+                <a:tab pos="0" algn="l"/>
+              </a:tabLst>
+            </a:pPr>
+            <a:endParaRPr lang="en-US" sz="1400" spc="-1" dirty="0">
+              <a:solidFill>
+                <a:schemeClr val="accent2">
+                  <a:lumOff val="21760"/>
+                </a:schemeClr>
+              </a:solidFill>
+              <a:latin typeface="Arial"/>
+            </a:endParaRPr>
+          </a:p>
+          <a:p>
+            <a:pPr indent="0" defTabSz="914400">
+              <a:lnSpc>
+                <a:spcPct val="115000"/>
+              </a:lnSpc>
+              <a:buNone/>
+              <a:tabLst>
+                <a:tab pos="0" algn="l"/>
+              </a:tabLst>
+            </a:pPr>
+            <a:endParaRPr lang="en-US" sz="1400" b="0" strike="noStrike" spc="-1" dirty="0">
+              <a:solidFill>
+                <a:schemeClr val="accent2">
+                  <a:lumOff val="21760"/>
+                </a:schemeClr>
+              </a:solidFill>
+              <a:latin typeface="Arial"/>
+            </a:endParaRPr>
+          </a:p>
+          <a:p>
+            <a:pPr>
+              <a:lnSpc>
+                <a:spcPct val="115000"/>
+              </a:lnSpc>
+              <a:tabLst>
+                <a:tab pos="0" algn="l"/>
+              </a:tabLst>
+            </a:pPr>
             <a:r>
-              <a:rPr lang="en-US" sz="1400" b="0" strike="noStrike" spc="-1">
+              <a:rPr lang="en-US" sz="1400" spc="-1" dirty="0">
                 <a:solidFill>
                   <a:schemeClr val="accent2">
                     <a:lumOff val="21760"/>
                   </a:schemeClr>
                 </a:solidFill>
-                <a:latin typeface="Arial"/>
-                <a:ea typeface="Arial"/>
               </a:rPr>
-              <a:t>[insert visualization 2 here]</a:t>
+              <a:t>What filter was applied here?</a:t>
             </a:r>
-            <a:endParaRPr lang="en-US" sz="1400" b="0" strike="noStrike" spc="-1">
+          </a:p>
+          <a:p>
+            <a:pPr>
+              <a:lnSpc>
+                <a:spcPct val="115000"/>
+              </a:lnSpc>
+              <a:tabLst>
+                <a:tab pos="0" algn="l"/>
+              </a:tabLst>
+            </a:pPr>
+            <a:r>
+              <a:rPr lang="en-US" sz="1400" spc="-1" dirty="0">
+                <a:solidFill>
+                  <a:srgbClr val="002060"/>
+                </a:solidFill>
+              </a:rPr>
+              <a:t>Ans: Sobel Filter</a:t>
+            </a:r>
+          </a:p>
+          <a:p>
+            <a:pPr indent="0" defTabSz="914400">
+              <a:lnSpc>
+                <a:spcPct val="115000"/>
+              </a:lnSpc>
+              <a:buNone/>
+              <a:tabLst>
+                <a:tab pos="0" algn="l"/>
+              </a:tabLst>
+            </a:pPr>
+            <a:endParaRPr lang="en-US" sz="1400" spc="-1" dirty="0">
+              <a:solidFill>
+                <a:schemeClr val="accent2">
+                  <a:lumOff val="21760"/>
+                </a:schemeClr>
+              </a:solidFill>
+              <a:latin typeface="Arial"/>
+            </a:endParaRPr>
+          </a:p>
+          <a:p>
+            <a:pPr indent="0" defTabSz="914400">
+              <a:lnSpc>
+                <a:spcPct val="115000"/>
+              </a:lnSpc>
+              <a:buNone/>
+              <a:tabLst>
+                <a:tab pos="0" algn="l"/>
+              </a:tabLst>
+            </a:pPr>
+            <a:endParaRPr lang="en-US" sz="1400" b="0" strike="noStrike" spc="-1" dirty="0">
               <a:solidFill>
                 <a:schemeClr val="accent2">
                   <a:lumOff val="21760"/>
@@ -18144,19 +19127,197 @@
                 <a:tab pos="0" algn="l"/>
               </a:tabLst>
             </a:pPr>
+            <a:endParaRPr lang="en-US" sz="1400" spc="-1" dirty="0">
+              <a:solidFill>
+                <a:schemeClr val="accent2">
+                  <a:lumOff val="21760"/>
+                </a:schemeClr>
+              </a:solidFill>
+              <a:latin typeface="Arial"/>
+            </a:endParaRPr>
+          </a:p>
+          <a:p>
+            <a:pPr indent="0" defTabSz="914400">
+              <a:lnSpc>
+                <a:spcPct val="115000"/>
+              </a:lnSpc>
+              <a:buNone/>
+              <a:tabLst>
+                <a:tab pos="0" algn="l"/>
+              </a:tabLst>
+            </a:pPr>
+            <a:endParaRPr lang="en-US" sz="1400" spc="-1" dirty="0">
+              <a:solidFill>
+                <a:schemeClr val="accent2">
+                  <a:lumOff val="21760"/>
+                </a:schemeClr>
+              </a:solidFill>
+              <a:latin typeface="Arial"/>
+            </a:endParaRPr>
+          </a:p>
+          <a:p>
+            <a:pPr indent="0" defTabSz="914400">
+              <a:lnSpc>
+                <a:spcPct val="115000"/>
+              </a:lnSpc>
+              <a:buNone/>
+              <a:tabLst>
+                <a:tab pos="0" algn="l"/>
+              </a:tabLst>
+            </a:pPr>
+            <a:endParaRPr lang="en-US" sz="1400" b="0" strike="noStrike" spc="-1" dirty="0">
+              <a:solidFill>
+                <a:schemeClr val="accent2">
+                  <a:lumOff val="21760"/>
+                </a:schemeClr>
+              </a:solidFill>
+              <a:latin typeface="Arial"/>
+            </a:endParaRPr>
+          </a:p>
+          <a:p>
+            <a:pPr indent="0" defTabSz="914400">
+              <a:lnSpc>
+                <a:spcPct val="115000"/>
+              </a:lnSpc>
+              <a:buNone/>
+              <a:tabLst>
+                <a:tab pos="0" algn="l"/>
+              </a:tabLst>
+            </a:pPr>
+            <a:endParaRPr lang="en-US" sz="1400" b="0" strike="noStrike" spc="-1" dirty="0">
+              <a:solidFill>
+                <a:schemeClr val="accent2">
+                  <a:lumOff val="21760"/>
+                </a:schemeClr>
+              </a:solidFill>
+              <a:latin typeface="Arial"/>
+            </a:endParaRPr>
+          </a:p>
+          <a:p>
+            <a:pPr indent="0" defTabSz="914400">
+              <a:lnSpc>
+                <a:spcPct val="115000"/>
+              </a:lnSpc>
+              <a:buNone/>
+              <a:tabLst>
+                <a:tab pos="0" algn="l"/>
+              </a:tabLst>
+            </a:pPr>
+            <a:endParaRPr lang="en-US" sz="1400" spc="-1" dirty="0">
+              <a:solidFill>
+                <a:schemeClr val="accent2">
+                  <a:lumOff val="21760"/>
+                </a:schemeClr>
+              </a:solidFill>
+              <a:latin typeface="Arial"/>
+            </a:endParaRPr>
+          </a:p>
+          <a:p>
+            <a:pPr indent="0" defTabSz="914400">
+              <a:lnSpc>
+                <a:spcPct val="115000"/>
+              </a:lnSpc>
+              <a:buNone/>
+              <a:tabLst>
+                <a:tab pos="0" algn="l"/>
+              </a:tabLst>
+            </a:pPr>
+            <a:endParaRPr lang="en-US" sz="1400" b="0" strike="noStrike" spc="-1" dirty="0">
+              <a:solidFill>
+                <a:schemeClr val="accent2">
+                  <a:lumOff val="21760"/>
+                </a:schemeClr>
+              </a:solidFill>
+              <a:latin typeface="Arial"/>
+            </a:endParaRPr>
+          </a:p>
+          <a:p>
+            <a:pPr indent="0" defTabSz="914400">
+              <a:lnSpc>
+                <a:spcPct val="115000"/>
+              </a:lnSpc>
+              <a:buNone/>
+              <a:tabLst>
+                <a:tab pos="0" algn="l"/>
+              </a:tabLst>
+            </a:pPr>
+            <a:endParaRPr lang="en-US" sz="1400" spc="-1" dirty="0">
+              <a:solidFill>
+                <a:schemeClr val="accent2">
+                  <a:lumOff val="21760"/>
+                </a:schemeClr>
+              </a:solidFill>
+              <a:latin typeface="Arial"/>
+            </a:endParaRPr>
+          </a:p>
+          <a:p>
+            <a:pPr indent="0" defTabSz="914400">
+              <a:lnSpc>
+                <a:spcPct val="115000"/>
+              </a:lnSpc>
+              <a:buNone/>
+              <a:tabLst>
+                <a:tab pos="0" algn="l"/>
+              </a:tabLst>
+            </a:pPr>
+            <a:endParaRPr lang="en-US" sz="1400" b="0" strike="noStrike" spc="-1" dirty="0">
+              <a:solidFill>
+                <a:schemeClr val="accent2">
+                  <a:lumOff val="21760"/>
+                </a:schemeClr>
+              </a:solidFill>
+              <a:latin typeface="Arial"/>
+            </a:endParaRPr>
+          </a:p>
+          <a:p>
+            <a:pPr>
+              <a:lnSpc>
+                <a:spcPct val="115000"/>
+              </a:lnSpc>
+              <a:tabLst>
+                <a:tab pos="0" algn="l"/>
+              </a:tabLst>
+            </a:pPr>
             <a:r>
-              <a:rPr lang="en-US" sz="1400" b="0" strike="noStrike" spc="-1">
+              <a:rPr lang="en-US" sz="1400" spc="-1" dirty="0">
                 <a:solidFill>
                   <a:schemeClr val="accent2">
                     <a:lumOff val="21760"/>
                   </a:schemeClr>
                 </a:solidFill>
-                <a:latin typeface="Arial"/>
-                <a:ea typeface="Arial"/>
               </a:rPr>
-              <a:t>[insert visualization 3 here]</a:t>
+              <a:t>What filter was applied here?</a:t>
             </a:r>
-            <a:endParaRPr lang="en-US" sz="1400" b="0" strike="noStrike" spc="-1">
+          </a:p>
+          <a:p>
+            <a:pPr>
+              <a:lnSpc>
+                <a:spcPct val="115000"/>
+              </a:lnSpc>
+              <a:tabLst>
+                <a:tab pos="0" algn="l"/>
+              </a:tabLst>
+            </a:pPr>
+            <a:r>
+              <a:rPr lang="en-US" sz="1400" spc="-1" dirty="0">
+                <a:solidFill>
+                  <a:srgbClr val="002060"/>
+                </a:solidFill>
+              </a:rPr>
+              <a:t>Ans: Laplacian Filter</a:t>
+            </a:r>
+          </a:p>
+          <a:p>
+            <a:pPr indent="0" defTabSz="914400">
+              <a:lnSpc>
+                <a:spcPct val="115000"/>
+              </a:lnSpc>
+              <a:buNone/>
+              <a:tabLst>
+                <a:tab pos="0" algn="l"/>
+              </a:tabLst>
+            </a:pPr>
+            <a:endParaRPr lang="en-US" sz="1400" b="0" strike="noStrike" spc="-1" dirty="0">
               <a:solidFill>
                 <a:schemeClr val="accent2">
                   <a:lumOff val="21760"/>
@@ -18167,6 +19328,66 @@
           </a:p>
         </p:txBody>
       </p:sp>
+      <p:pic>
+        <p:nvPicPr>
+          <p:cNvPr id="2" name="Picture 1">
+            <a:extLst>
+              <a:ext uri="{FF2B5EF4-FFF2-40B4-BE49-F238E27FC236}">
+                <a16:creationId xmlns:a16="http://schemas.microsoft.com/office/drawing/2014/main" id="{93FCDF9F-4213-6849-9F2B-717A4CA43286}"/>
+              </a:ext>
+            </a:extLst>
+          </p:cNvPr>
+          <p:cNvPicPr>
+            <a:picLocks noChangeAspect="1"/>
+          </p:cNvPicPr>
+          <p:nvPr/>
+        </p:nvPicPr>
+        <p:blipFill>
+          <a:blip r:embed="rId2"/>
+          <a:stretch>
+            <a:fillRect/>
+          </a:stretch>
+        </p:blipFill>
+        <p:spPr>
+          <a:xfrm>
+            <a:off x="311760" y="902768"/>
+            <a:ext cx="2603500" cy="2286000"/>
+          </a:xfrm>
+          <a:prstGeom prst="rect">
+            <a:avLst/>
+          </a:prstGeom>
+        </p:spPr>
+      </p:pic>
+      <p:pic>
+        <p:nvPicPr>
+          <p:cNvPr id="3" name="Picture 2">
+            <a:extLst>
+              <a:ext uri="{FF2B5EF4-FFF2-40B4-BE49-F238E27FC236}">
+                <a16:creationId xmlns:a16="http://schemas.microsoft.com/office/drawing/2014/main" id="{69DF20B1-B21D-BB43-8FF9-672C7DCE0FFE}"/>
+              </a:ext>
+            </a:extLst>
+          </p:cNvPr>
+          <p:cNvPicPr>
+            <a:picLocks noChangeAspect="1"/>
+          </p:cNvPicPr>
+          <p:nvPr/>
+        </p:nvPicPr>
+        <p:blipFill>
+          <a:blip r:embed="rId3"/>
+          <a:stretch>
+            <a:fillRect/>
+          </a:stretch>
+        </p:blipFill>
+        <p:spPr>
+          <a:xfrm>
+            <a:off x="4926992" y="902768"/>
+            <a:ext cx="2603500" cy="2286000"/>
+          </a:xfrm>
+          <a:prstGeom prst="rect">
+            <a:avLst/>
+          </a:prstGeom>
+        </p:spPr>
+      </p:pic>
     </p:spTree>
   </p:cSld>
   <p:clrMapOvr>
@@ -18231,16 +19452,26 @@
               </a:tabLst>
             </a:pPr>
             <a:r>
-              <a:rPr lang="en-US" sz="2690" b="0" strike="noStrike" spc="-1">
+              <a:rPr lang="en-US" sz="2690" b="0" strike="noStrike" spc="-1" dirty="0">
                 <a:solidFill>
                   <a:srgbClr val="000000"/>
                 </a:solidFill>
                 <a:latin typeface="Arial"/>
                 <a:ea typeface="Arial"/>
               </a:rPr>
-              <a:t>Part 4: Frequency Domain Convolutions</a:t>
+              <a:t>Part 4: Frequency Domain Convolutions </a:t>
             </a:r>
-            <a:endParaRPr lang="en-US" sz="2690" b="0" strike="noStrike" spc="-1">
+            <a:r>
+              <a:rPr lang="en-US" sz="2690" spc="-1" dirty="0">
+                <a:solidFill>
+                  <a:srgbClr val="000000"/>
+                </a:solidFill>
+                <a:latin typeface="Arial"/>
+                <a:ea typeface="Arial"/>
+              </a:rPr>
+              <a:t>(extra credit)</a:t>
+            </a:r>
+            <a:endParaRPr lang="en-US" sz="2690" b="0" strike="noStrike" spc="-1" dirty="0">
               <a:solidFill>
                 <a:srgbClr val="000000"/>
               </a:solidFill>
@@ -18288,7 +19519,7 @@
               </a:tabLst>
             </a:pPr>
             <a:r>
-              <a:rPr lang="en-US" sz="1400" b="0" strike="noStrike" spc="-1">
+              <a:rPr lang="en-US" sz="1400" b="0" strike="noStrike" spc="-1" dirty="0">
                 <a:solidFill>
                   <a:schemeClr val="accent2">
                     <a:lumOff val="21760"/>
@@ -18299,7 +19530,7 @@
               </a:rPr>
               <a:t>[Insert the visualizations of the dog image in the spatial and frequency domain]</a:t>
             </a:r>
-            <a:endParaRPr lang="en-US" sz="1400" b="0" strike="noStrike" spc="-1">
+            <a:endParaRPr lang="en-US" sz="1400" b="0" strike="noStrike" spc="-1" dirty="0">
               <a:solidFill>
                 <a:schemeClr val="accent2">
                   <a:lumOff val="21760"/>
@@ -18322,8 +19553,8 @@
         </p:nvSpPr>
         <p:spPr>
           <a:xfrm>
-            <a:off x="4832280" y="1152360"/>
-            <a:ext cx="3999600" cy="3416040"/>
+            <a:off x="4652920" y="1152360"/>
+            <a:ext cx="4178960" cy="2456688"/>
           </a:xfrm>
           <a:prstGeom prst="rect">
             <a:avLst/>
@@ -18349,7 +19580,7 @@
               </a:tabLst>
             </a:pPr>
             <a:r>
-              <a:rPr lang="en-US" sz="1400" b="0" strike="noStrike" spc="-1">
+              <a:rPr lang="en-US" sz="1400" b="0" strike="noStrike" spc="-1" dirty="0">
                 <a:solidFill>
                   <a:schemeClr val="accent2">
                     <a:lumOff val="21760"/>
@@ -18360,7 +19591,7 @@
               </a:rPr>
               <a:t>[Insert the visualizations of the blurred dog image in the spatial and frequency domain]</a:t>
             </a:r>
-            <a:endParaRPr lang="en-US" sz="1400" b="0" strike="noStrike" spc="-1">
+            <a:endParaRPr lang="en-US" sz="1400" b="0" strike="noStrike" spc="-1" dirty="0">
               <a:solidFill>
                 <a:schemeClr val="accent2">
                   <a:lumOff val="21760"/>
@@ -18379,7 +19610,7 @@
                 <a:tab pos="0" algn="l"/>
               </a:tabLst>
             </a:pPr>
-            <a:endParaRPr lang="en-US" sz="1400" b="0" strike="noStrike" spc="-1">
+            <a:endParaRPr lang="en-US" sz="1400" b="0" strike="noStrike" spc="-1" dirty="0">
               <a:solidFill>
                 <a:schemeClr val="accent2">
                   <a:lumOff val="21760"/>
@@ -18387,6 +19618,308 @@
               </a:solidFill>
               <a:latin typeface="Arial"/>
             </a:endParaRPr>
+          </a:p>
+          <a:p>
+            <a:pPr indent="0" defTabSz="914400">
+              <a:lnSpc>
+                <a:spcPct val="115000"/>
+              </a:lnSpc>
+              <a:buNone/>
+              <a:tabLst>
+                <a:tab pos="0" algn="l"/>
+              </a:tabLst>
+            </a:pPr>
+            <a:endParaRPr lang="en-US" sz="1400" spc="-1" dirty="0">
+              <a:solidFill>
+                <a:schemeClr val="accent2">
+                  <a:lumOff val="21760"/>
+                </a:schemeClr>
+              </a:solidFill>
+              <a:latin typeface="Arial"/>
+            </a:endParaRPr>
+          </a:p>
+          <a:p>
+            <a:pPr indent="0" defTabSz="914400">
+              <a:lnSpc>
+                <a:spcPct val="115000"/>
+              </a:lnSpc>
+              <a:buNone/>
+              <a:tabLst>
+                <a:tab pos="0" algn="l"/>
+              </a:tabLst>
+            </a:pPr>
+            <a:endParaRPr lang="en-US" sz="1400" b="0" strike="noStrike" spc="-1" dirty="0">
+              <a:solidFill>
+                <a:schemeClr val="accent2">
+                  <a:lumOff val="21760"/>
+                </a:schemeClr>
+              </a:solidFill>
+              <a:latin typeface="Arial"/>
+            </a:endParaRPr>
+          </a:p>
+          <a:p>
+            <a:pPr indent="0" defTabSz="914400">
+              <a:lnSpc>
+                <a:spcPct val="115000"/>
+              </a:lnSpc>
+              <a:buNone/>
+              <a:tabLst>
+                <a:tab pos="0" algn="l"/>
+              </a:tabLst>
+            </a:pPr>
+            <a:endParaRPr lang="en-US" sz="1400" b="0" strike="noStrike" spc="-1" dirty="0">
+              <a:solidFill>
+                <a:schemeClr val="accent2">
+                  <a:lumOff val="21760"/>
+                </a:schemeClr>
+              </a:solidFill>
+              <a:latin typeface="Arial"/>
+            </a:endParaRPr>
+          </a:p>
+          <a:p>
+            <a:pPr indent="0" defTabSz="914400">
+              <a:lnSpc>
+                <a:spcPct val="115000"/>
+              </a:lnSpc>
+              <a:buNone/>
+              <a:tabLst>
+                <a:tab pos="0" algn="l"/>
+              </a:tabLst>
+            </a:pPr>
+            <a:endParaRPr lang="en-US" sz="1400" spc="-1" dirty="0">
+              <a:solidFill>
+                <a:schemeClr val="accent2">
+                  <a:lumOff val="21760"/>
+                </a:schemeClr>
+              </a:solidFill>
+              <a:latin typeface="Arial"/>
+            </a:endParaRPr>
+          </a:p>
+          <a:p>
+            <a:pPr indent="0" defTabSz="914400">
+              <a:lnSpc>
+                <a:spcPct val="115000"/>
+              </a:lnSpc>
+              <a:buNone/>
+              <a:tabLst>
+                <a:tab pos="0" algn="l"/>
+              </a:tabLst>
+            </a:pPr>
+            <a:endParaRPr lang="en-US" sz="1400" b="0" strike="noStrike" spc="-1" dirty="0">
+              <a:solidFill>
+                <a:schemeClr val="accent2">
+                  <a:lumOff val="21760"/>
+                </a:schemeClr>
+              </a:solidFill>
+              <a:latin typeface="Arial"/>
+            </a:endParaRPr>
+          </a:p>
+          <a:p>
+            <a:pPr indent="0" defTabSz="914400">
+              <a:lnSpc>
+                <a:spcPct val="115000"/>
+              </a:lnSpc>
+              <a:buNone/>
+              <a:tabLst>
+                <a:tab pos="0" algn="l"/>
+              </a:tabLst>
+            </a:pPr>
+            <a:endParaRPr lang="en-US" sz="1400" spc="-1" dirty="0">
+              <a:solidFill>
+                <a:schemeClr val="accent2">
+                  <a:lumOff val="21760"/>
+                </a:schemeClr>
+              </a:solidFill>
+              <a:latin typeface="Arial"/>
+            </a:endParaRPr>
+          </a:p>
+        </p:txBody>
+      </p:sp>
+      <p:pic>
+        <p:nvPicPr>
+          <p:cNvPr id="2" name="Picture 1">
+            <a:extLst>
+              <a:ext uri="{FF2B5EF4-FFF2-40B4-BE49-F238E27FC236}">
+                <a16:creationId xmlns:a16="http://schemas.microsoft.com/office/drawing/2014/main" id="{C93E3B45-50D4-CF40-A10F-56E1B597AD38}"/>
+              </a:ext>
+            </a:extLst>
+          </p:cNvPr>
+          <p:cNvPicPr>
+            <a:picLocks noChangeAspect="1"/>
+          </p:cNvPicPr>
+          <p:nvPr/>
+        </p:nvPicPr>
+        <p:blipFill>
+          <a:blip r:embed="rId2"/>
+          <a:stretch>
+            <a:fillRect/>
+          </a:stretch>
+        </p:blipFill>
+        <p:spPr>
+          <a:xfrm>
+            <a:off x="311760" y="1776707"/>
+            <a:ext cx="1838003" cy="1613856"/>
+          </a:xfrm>
+          <a:prstGeom prst="rect">
+            <a:avLst/>
+          </a:prstGeom>
+        </p:spPr>
+      </p:pic>
+      <p:pic>
+        <p:nvPicPr>
+          <p:cNvPr id="4" name="Picture 3">
+            <a:extLst>
+              <a:ext uri="{FF2B5EF4-FFF2-40B4-BE49-F238E27FC236}">
+                <a16:creationId xmlns:a16="http://schemas.microsoft.com/office/drawing/2014/main" id="{A5E226AC-B61B-B248-B704-23A3EFE18FFB}"/>
+              </a:ext>
+            </a:extLst>
+          </p:cNvPr>
+          <p:cNvPicPr>
+            <a:picLocks noChangeAspect="1"/>
+          </p:cNvPicPr>
+          <p:nvPr/>
+        </p:nvPicPr>
+        <p:blipFill>
+          <a:blip r:embed="rId3"/>
+          <a:stretch>
+            <a:fillRect/>
+          </a:stretch>
+        </p:blipFill>
+        <p:spPr>
+          <a:xfrm>
+            <a:off x="2227085" y="1776707"/>
+            <a:ext cx="1838003" cy="1613856"/>
+          </a:xfrm>
+          <a:prstGeom prst="rect">
+            <a:avLst/>
+          </a:prstGeom>
+        </p:spPr>
+      </p:pic>
+      <p:pic>
+        <p:nvPicPr>
+          <p:cNvPr id="5" name="Picture 4">
+            <a:extLst>
+              <a:ext uri="{FF2B5EF4-FFF2-40B4-BE49-F238E27FC236}">
+                <a16:creationId xmlns:a16="http://schemas.microsoft.com/office/drawing/2014/main" id="{29B38EB3-74B5-3E46-917D-575626D5D902}"/>
+              </a:ext>
+            </a:extLst>
+          </p:cNvPr>
+          <p:cNvPicPr>
+            <a:picLocks noChangeAspect="1"/>
+          </p:cNvPicPr>
+          <p:nvPr/>
+        </p:nvPicPr>
+        <p:blipFill>
+          <a:blip r:embed="rId4"/>
+          <a:stretch>
+            <a:fillRect/>
+          </a:stretch>
+        </p:blipFill>
+        <p:spPr>
+          <a:xfrm>
+            <a:off x="4842551" y="1776707"/>
+            <a:ext cx="1838003" cy="1613856"/>
+          </a:xfrm>
+          <a:prstGeom prst="rect">
+            <a:avLst/>
+          </a:prstGeom>
+        </p:spPr>
+      </p:pic>
+      <p:pic>
+        <p:nvPicPr>
+          <p:cNvPr id="6" name="Picture 5">
+            <a:extLst>
+              <a:ext uri="{FF2B5EF4-FFF2-40B4-BE49-F238E27FC236}">
+                <a16:creationId xmlns:a16="http://schemas.microsoft.com/office/drawing/2014/main" id="{D27F3E8C-F7F1-DF43-AFE3-6C2B1FA56C62}"/>
+              </a:ext>
+            </a:extLst>
+          </p:cNvPr>
+          <p:cNvPicPr>
+            <a:picLocks noChangeAspect="1"/>
+          </p:cNvPicPr>
+          <p:nvPr/>
+        </p:nvPicPr>
+        <p:blipFill>
+          <a:blip r:embed="rId5"/>
+          <a:stretch>
+            <a:fillRect/>
+          </a:stretch>
+        </p:blipFill>
+        <p:spPr>
+          <a:xfrm>
+            <a:off x="6807760" y="1776707"/>
+            <a:ext cx="1838003" cy="1613856"/>
+          </a:xfrm>
+          <a:prstGeom prst="rect">
+            <a:avLst/>
+          </a:prstGeom>
+        </p:spPr>
+      </p:pic>
+      <p:sp>
+        <p:nvSpPr>
+          <p:cNvPr id="7" name="Rectangle 6">
+            <a:extLst>
+              <a:ext uri="{FF2B5EF4-FFF2-40B4-BE49-F238E27FC236}">
+                <a16:creationId xmlns:a16="http://schemas.microsoft.com/office/drawing/2014/main" id="{B2E8CBFD-9359-7647-BDB1-A9BD32E470AF}"/>
+              </a:ext>
+            </a:extLst>
+          </p:cNvPr>
+          <p:cNvSpPr/>
+          <p:nvPr/>
+        </p:nvSpPr>
+        <p:spPr>
+          <a:xfrm>
+            <a:off x="129473" y="3525563"/>
+            <a:ext cx="9144000" cy="1310039"/>
+          </a:xfrm>
+          <a:prstGeom prst="rect">
+            <a:avLst/>
+          </a:prstGeom>
+        </p:spPr>
+        <p:txBody>
+          <a:bodyPr wrap="square">
+            <a:spAutoFit/>
+          </a:bodyPr>
+          <a:lstStyle/>
+          <a:p>
+            <a:pPr>
+              <a:lnSpc>
+                <a:spcPct val="115000"/>
+              </a:lnSpc>
+              <a:tabLst>
+                <a:tab pos="0" algn="l"/>
+              </a:tabLst>
+            </a:pPr>
+            <a:r>
+              <a:rPr lang="en-US" sz="1400" spc="-1" dirty="0">
+                <a:solidFill>
+                  <a:schemeClr val="accent2">
+                    <a:lumOff val="21760"/>
+                  </a:schemeClr>
+                </a:solidFill>
+                <a:latin typeface="Arial"/>
+              </a:rPr>
+              <a:t>Explain the difference in the frequency domain visualizations for the original and blurred dog images:</a:t>
+            </a:r>
+          </a:p>
+          <a:p>
+            <a:pPr>
+              <a:lnSpc>
+                <a:spcPct val="115000"/>
+              </a:lnSpc>
+              <a:tabLst>
+                <a:tab pos="0" algn="l"/>
+              </a:tabLst>
+            </a:pPr>
+            <a:r>
+              <a:rPr lang="en-US" sz="1400" spc="-1" dirty="0">
+                <a:solidFill>
+                  <a:srgbClr val="002060"/>
+                </a:solidFill>
+                <a:latin typeface="Arial"/>
+              </a:rPr>
+              <a:t>The original image frequency shows a bright center representing the image’s basic structure and the surrounding haze representing sharp details. Now the haze has almost disappeared while the center remains similar. This confirms the blur acted like a low-pass filter which preserves the image’s foundational structure, but fades out the fine, high-frequency details. </a:t>
+            </a:r>
           </a:p>
         </p:txBody>
       </p:sp>
@@ -18444,26 +19977,33 @@
           </a:bodyPr>
           <a:lstStyle/>
           <a:p>
-            <a:pPr indent="0" defTabSz="877680">
+            <a:pPr defTabSz="877680">
               <a:lnSpc>
                 <a:spcPct val="100000"/>
               </a:lnSpc>
-              <a:buNone/>
               <a:tabLst>
                 <a:tab pos="0" algn="l"/>
               </a:tabLst>
             </a:pPr>
             <a:r>
-              <a:rPr lang="en-US" sz="2690" b="0" strike="noStrike" spc="-1">
+              <a:rPr lang="en-US" sz="2690" b="0" strike="noStrike" spc="-1" dirty="0">
                 <a:solidFill>
                   <a:srgbClr val="000000"/>
                 </a:solidFill>
                 <a:latin typeface="Arial"/>
                 <a:ea typeface="Arial"/>
               </a:rPr>
-              <a:t>Part 4: Frequency Domain Convolutions</a:t>
+              <a:t>Part 4: Frequency Domain Convolutions </a:t>
             </a:r>
-            <a:endParaRPr lang="en-US" sz="2690" b="0" strike="noStrike" spc="-1">
+            <a:r>
+              <a:rPr lang="en-US" sz="2690" spc="-1" dirty="0">
+                <a:solidFill>
+                  <a:srgbClr val="000000"/>
+                </a:solidFill>
+              </a:rPr>
+              <a:t>(extra credit)</a:t>
+            </a:r>
+            <a:endParaRPr lang="en-US" sz="2690" b="0" strike="noStrike" spc="-1" dirty="0">
               <a:solidFill>
                 <a:srgbClr val="000000"/>
               </a:solidFill>
@@ -18607,17 +20147,104 @@
               </a:rPr>
               <a:t>]</a:t>
             </a:r>
+          </a:p>
+          <a:p>
+            <a:pPr indent="0" defTabSz="914400">
+              <a:lnSpc>
+                <a:spcPct val="115000"/>
+              </a:lnSpc>
+              <a:buNone/>
+              <a:tabLst>
+                <a:tab pos="0" algn="l"/>
+              </a:tabLst>
+            </a:pPr>
+            <a:r>
+              <a:rPr lang="en-US" sz="1400" b="0" strike="noStrike" spc="-1" dirty="0">
+                <a:solidFill>
+                  <a:srgbClr val="002060"/>
+                </a:solidFill>
+                <a:latin typeface="Arial"/>
+              </a:rPr>
+              <a:t>There is an inverse relationship between the kernel’s blurriness in the spatial domain and the size in frequency domain. A larger cutoff value creates a blurry kernel in the spatial domain, which is more spread out, averaging pixels over a wider neighborhood. </a:t>
+            </a:r>
+            <a:r>
+              <a:rPr lang="en-US" sz="1400" spc="-1" dirty="0">
+                <a:solidFill>
+                  <a:srgbClr val="002060"/>
+                </a:solidFill>
+                <a:latin typeface="Arial"/>
+              </a:rPr>
+              <a:t>A larger cutoff value in the frequency domain creates a sharp, narrow and concentrated kernel in the frequency domain, since a smooth kernel in the spatial domain can be made almost entirely of low frequencies, therefore not needing a variation in them. </a:t>
+            </a:r>
             <a:endParaRPr lang="en-US" sz="1400" b="0" strike="noStrike" spc="-1" dirty="0">
               <a:solidFill>
-                <a:schemeClr val="accent2">
-                  <a:lumOff val="21760"/>
-                </a:schemeClr>
+                <a:srgbClr val="002060"/>
               </a:solidFill>
               <a:latin typeface="Arial"/>
             </a:endParaRPr>
           </a:p>
         </p:txBody>
       </p:sp>
+      <p:pic>
+        <p:nvPicPr>
+          <p:cNvPr id="3" name="Picture 2">
+            <a:extLst>
+              <a:ext uri="{FF2B5EF4-FFF2-40B4-BE49-F238E27FC236}">
+                <a16:creationId xmlns:a16="http://schemas.microsoft.com/office/drawing/2014/main" id="{1303F7C4-D354-D544-AFF2-2035E7C6C16D}"/>
+              </a:ext>
+            </a:extLst>
+          </p:cNvPr>
+          <p:cNvPicPr>
+            <a:picLocks noChangeAspect="1"/>
+          </p:cNvPicPr>
+          <p:nvPr/>
+        </p:nvPicPr>
+        <p:blipFill>
+          <a:blip r:embed="rId2"/>
+          <a:stretch>
+            <a:fillRect/>
+          </a:stretch>
+        </p:blipFill>
+        <p:spPr>
+          <a:xfrm>
+            <a:off x="486920" y="2571750"/>
+            <a:ext cx="898103" cy="898103"/>
+          </a:xfrm>
+          <a:prstGeom prst="rect">
+            <a:avLst/>
+          </a:prstGeom>
+        </p:spPr>
+      </p:pic>
+      <p:pic>
+        <p:nvPicPr>
+          <p:cNvPr id="4" name="Picture 3">
+            <a:extLst>
+              <a:ext uri="{FF2B5EF4-FFF2-40B4-BE49-F238E27FC236}">
+                <a16:creationId xmlns:a16="http://schemas.microsoft.com/office/drawing/2014/main" id="{881CDAFF-A214-2A4B-B4FC-07BFF4DE3637}"/>
+              </a:ext>
+            </a:extLst>
+          </p:cNvPr>
+          <p:cNvPicPr>
+            <a:picLocks noChangeAspect="1"/>
+          </p:cNvPicPr>
+          <p:nvPr/>
+        </p:nvPicPr>
+        <p:blipFill>
+          <a:blip r:embed="rId3"/>
+          <a:stretch>
+            <a:fillRect/>
+          </a:stretch>
+        </p:blipFill>
+        <p:spPr>
+          <a:xfrm>
+            <a:off x="1560182" y="1817168"/>
+            <a:ext cx="2603500" cy="2286000"/>
+          </a:xfrm>
+          <a:prstGeom prst="rect">
+            <a:avLst/>
+          </a:prstGeom>
+        </p:spPr>
+      </p:pic>
     </p:spTree>
   </p:cSld>
   <p:clrMapOvr>
@@ -18672,26 +20299,33 @@
           </a:bodyPr>
           <a:lstStyle/>
           <a:p>
-            <a:pPr indent="0" defTabSz="877680">
+            <a:pPr defTabSz="877680">
               <a:lnSpc>
                 <a:spcPct val="100000"/>
               </a:lnSpc>
-              <a:buNone/>
               <a:tabLst>
                 <a:tab pos="0" algn="l"/>
               </a:tabLst>
             </a:pPr>
             <a:r>
-              <a:rPr lang="en-US" sz="2690" b="0" strike="noStrike" spc="-1">
+              <a:rPr lang="en-US" sz="2690" b="0" strike="noStrike" spc="-1" dirty="0">
                 <a:solidFill>
                   <a:srgbClr val="000000"/>
                 </a:solidFill>
                 <a:latin typeface="Arial"/>
                 <a:ea typeface="Arial"/>
               </a:rPr>
-              <a:t>Part 4: Frequency Domain Convolutions</a:t>
+              <a:t>Part 4: Frequency Domain Convolutions </a:t>
             </a:r>
-            <a:endParaRPr lang="en-US" sz="2690" b="0" strike="noStrike" spc="-1">
+            <a:r>
+              <a:rPr lang="en-US" sz="2690" spc="-1" dirty="0">
+                <a:solidFill>
+                  <a:srgbClr val="000000"/>
+                </a:solidFill>
+              </a:rPr>
+              <a:t>(extra credit)</a:t>
+            </a:r>
+            <a:endParaRPr lang="en-US" sz="2690" b="0" strike="noStrike" spc="-1" dirty="0">
               <a:solidFill>
                 <a:srgbClr val="000000"/>
               </a:solidFill>
@@ -18739,7 +20373,7 @@
               </a:tabLst>
             </a:pPr>
             <a:r>
-              <a:rPr lang="en-US" sz="1400" b="0" strike="noStrike" spc="-1">
+              <a:rPr lang="en-US" sz="1400" b="0" strike="noStrike" spc="-1" dirty="0">
                 <a:solidFill>
                   <a:schemeClr val="accent2">
                     <a:lumOff val="21760"/>
@@ -18750,11 +20384,66 @@
               </a:rPr>
               <a:t>[Briefly explain the Convolution Theorem and why this is related to deconvolution]</a:t>
             </a:r>
-            <a:endParaRPr lang="en-US" sz="1400" b="0" strike="noStrike" spc="-1">
-              <a:solidFill>
-                <a:schemeClr val="accent2">
-                  <a:lumOff val="21760"/>
-                </a:schemeClr>
+          </a:p>
+          <a:p>
+            <a:pPr indent="0" defTabSz="914400">
+              <a:lnSpc>
+                <a:spcPct val="115000"/>
+              </a:lnSpc>
+              <a:buNone/>
+              <a:tabLst>
+                <a:tab pos="0" algn="l"/>
+              </a:tabLst>
+            </a:pPr>
+            <a:r>
+              <a:rPr lang="en-US" sz="1400" spc="-1" dirty="0">
+                <a:solidFill>
+                  <a:srgbClr val="002060"/>
+                </a:solidFill>
+                <a:latin typeface="Arial"/>
+              </a:rPr>
+              <a:t>The convolution theorem states that the expensive operation of convolution in the spatial domain is equivalent to element-wise multiplication in the frequency domain. This means that blurring an image with a filter is the same as multiplying their Fourier transforms together. </a:t>
+            </a:r>
+          </a:p>
+          <a:p>
+            <a:pPr indent="0" defTabSz="914400">
+              <a:lnSpc>
+                <a:spcPct val="115000"/>
+              </a:lnSpc>
+              <a:buNone/>
+              <a:tabLst>
+                <a:tab pos="0" algn="l"/>
+              </a:tabLst>
+            </a:pPr>
+            <a:endParaRPr lang="en-US" sz="1400" b="0" strike="noStrike" spc="-1" dirty="0">
+              <a:solidFill>
+                <a:srgbClr val="002060"/>
+              </a:solidFill>
+              <a:latin typeface="Arial"/>
+            </a:endParaRPr>
+          </a:p>
+          <a:p>
+            <a:pPr indent="0" defTabSz="914400">
+              <a:lnSpc>
+                <a:spcPct val="115000"/>
+              </a:lnSpc>
+              <a:buNone/>
+              <a:tabLst>
+                <a:tab pos="0" algn="l"/>
+              </a:tabLst>
+            </a:pPr>
+            <a:r>
+              <a:rPr lang="en-US" sz="1400" spc="-1" dirty="0">
+                <a:solidFill>
+                  <a:srgbClr val="002060"/>
+                </a:solidFill>
+                <a:latin typeface="Arial"/>
+              </a:rPr>
+              <a:t>This relationship is linked to deconvolutions because of inverses. If convolution is element-wise multiplication, deconvolution is the inverse operation of division. To deblur an image, we can transform both the blurry image and the blur kernel into frequency domain, divide the image frequencies by the kernel frequencies and then transform the result back into spatial domain. </a:t>
+            </a:r>
+            <a:endParaRPr lang="en-US" sz="1400" b="0" strike="noStrike" spc="-1" dirty="0">
+              <a:solidFill>
+                <a:srgbClr val="002060"/>
               </a:solidFill>
               <a:latin typeface="Arial"/>
             </a:endParaRPr>
@@ -18815,26 +20504,33 @@
           </a:bodyPr>
           <a:lstStyle/>
           <a:p>
-            <a:pPr indent="0" defTabSz="877680">
+            <a:pPr defTabSz="877680">
               <a:lnSpc>
                 <a:spcPct val="100000"/>
               </a:lnSpc>
-              <a:buNone/>
               <a:tabLst>
                 <a:tab pos="0" algn="l"/>
               </a:tabLst>
             </a:pPr>
             <a:r>
-              <a:rPr lang="en-US" sz="2690" b="0" strike="noStrike" spc="-1">
+              <a:rPr lang="en-US" sz="2690" b="0" strike="noStrike" spc="-1" dirty="0">
                 <a:solidFill>
                   <a:srgbClr val="000000"/>
                 </a:solidFill>
                 <a:latin typeface="Arial"/>
                 <a:ea typeface="Arial"/>
               </a:rPr>
-              <a:t>Part 4: Frequency Domain Convolutions</a:t>
+              <a:t>Part 4: Frequency Domain Convolutions </a:t>
             </a:r>
-            <a:endParaRPr lang="en-US" sz="2690" b="0" strike="noStrike" spc="-1">
+            <a:r>
+              <a:rPr lang="en-US" sz="2690" spc="-1" dirty="0">
+                <a:solidFill>
+                  <a:srgbClr val="000000"/>
+                </a:solidFill>
+              </a:rPr>
+              <a:t>(extra credit)</a:t>
+            </a:r>
+            <a:endParaRPr lang="en-US" sz="2690" b="0" strike="noStrike" spc="-1" dirty="0">
               <a:solidFill>
                 <a:srgbClr val="000000"/>
               </a:solidFill>
@@ -19038,26 +20734,33 @@
           </a:bodyPr>
           <a:lstStyle/>
           <a:p>
-            <a:pPr indent="0" defTabSz="877680">
+            <a:pPr defTabSz="877680">
               <a:lnSpc>
                 <a:spcPct val="100000"/>
               </a:lnSpc>
-              <a:buNone/>
               <a:tabLst>
                 <a:tab pos="0" algn="l"/>
               </a:tabLst>
             </a:pPr>
             <a:r>
-              <a:rPr lang="en-US" sz="2690" b="0" strike="noStrike" spc="-1">
+              <a:rPr lang="en-US" sz="2690" b="0" strike="noStrike" spc="-1" dirty="0">
                 <a:solidFill>
                   <a:srgbClr val="000000"/>
                 </a:solidFill>
                 <a:latin typeface="Arial"/>
                 <a:ea typeface="Arial"/>
               </a:rPr>
-              <a:t>Part 4: Frequency Domain Convolutions</a:t>
+              <a:t>Part 4: Frequency Domain Convolutions </a:t>
             </a:r>
-            <a:endParaRPr lang="en-US" sz="2690" b="0" strike="noStrike" spc="-1">
+            <a:r>
+              <a:rPr lang="en-US" sz="2690" spc="-1" dirty="0">
+                <a:solidFill>
+                  <a:srgbClr val="000000"/>
+                </a:solidFill>
+              </a:rPr>
+              <a:t>(extra credit)</a:t>
+            </a:r>
+            <a:endParaRPr lang="en-US" sz="2690" b="0" strike="noStrike" spc="-1" dirty="0">
               <a:solidFill>
                 <a:srgbClr val="000000"/>
               </a:solidFill>
@@ -19252,7 +20955,7 @@
               </a:tabLst>
             </a:pPr>
             <a:r>
-              <a:rPr lang="en-US" sz="2690" b="0" strike="noStrike" spc="-1">
+              <a:rPr lang="en-US" sz="2690" b="0" strike="noStrike" spc="-1" dirty="0">
                 <a:solidFill>
                   <a:srgbClr val="000000"/>
                 </a:solidFill>
@@ -19261,7 +20964,7 @@
               </a:rPr>
               <a:t>Part 1: Image filtering</a:t>
             </a:r>
-            <a:endParaRPr lang="en-US" sz="2690" b="0" strike="noStrike" spc="-1">
+            <a:endParaRPr lang="en-US" sz="2690" b="0" strike="noStrike" spc="-1" dirty="0">
               <a:solidFill>
                 <a:srgbClr val="000000"/>
               </a:solidFill>
@@ -19312,7 +21015,7 @@
               </a:tabLst>
             </a:pPr>
             <a:r>
-              <a:rPr lang="en-US" sz="1400" b="0" strike="noStrike" spc="-1">
+              <a:rPr lang="en-US" sz="1400" b="0" strike="noStrike" spc="-1" dirty="0">
                 <a:solidFill>
                   <a:schemeClr val="accent2">
                     <a:lumOff val="21760"/>
@@ -19321,9 +21024,9 @@
                 <a:latin typeface="Arial"/>
                 <a:ea typeface="Arial"/>
               </a:rPr>
-              <a:t>[insert visualization of Gaussian kernel from project-1.ipynb here]</a:t>
+              <a:t>Gaussian Kernels(1D and 2D)</a:t>
             </a:r>
-            <a:endParaRPr lang="en-US" sz="1400" b="0" strike="noStrike" spc="-1">
+            <a:endParaRPr lang="en-US" sz="1400" b="0" strike="noStrike" spc="-1" dirty="0">
               <a:solidFill>
                 <a:schemeClr val="accent2">
                   <a:lumOff val="21760"/>
@@ -19346,7 +21049,7 @@
               </a:tabLst>
             </a:pPr>
             <a:r>
-              <a:rPr lang="en-US" sz="1400" b="0" strike="noStrike" spc="-1">
+              <a:rPr lang="en-US" sz="1400" b="0" strike="noStrike" spc="-1" dirty="0">
                 <a:solidFill>
                   <a:schemeClr val="accent2">
                     <a:lumOff val="21760"/>
@@ -19357,7 +21060,7 @@
               </a:rPr>
               <a:t>1D: </a:t>
             </a:r>
-            <a:endParaRPr lang="en-US" sz="1400" b="0" strike="noStrike" spc="-1">
+            <a:endParaRPr lang="en-US" sz="1400" b="0" strike="noStrike" spc="-1" dirty="0">
               <a:solidFill>
                 <a:schemeClr val="accent2">
                   <a:lumOff val="21760"/>
@@ -19379,7 +21082,7 @@
                 <a:tab pos="0" algn="l"/>
               </a:tabLst>
             </a:pPr>
-            <a:endParaRPr lang="en-US" sz="1400" b="0" strike="noStrike" spc="-1">
+            <a:endParaRPr lang="en-US" sz="1400" b="0" strike="noStrike" spc="-1" dirty="0">
               <a:solidFill>
                 <a:schemeClr val="accent2">
                   <a:lumOff val="21760"/>
@@ -19402,7 +21105,7 @@
               </a:tabLst>
             </a:pPr>
             <a:r>
-              <a:rPr lang="en-US" sz="1400" b="0" strike="noStrike" spc="-1">
+              <a:rPr lang="en-US" sz="1400" b="0" strike="noStrike" spc="-1" dirty="0">
                 <a:solidFill>
                   <a:schemeClr val="accent2">
                     <a:lumOff val="21760"/>
@@ -19413,7 +21116,7 @@
               </a:rPr>
               <a:t>2D:</a:t>
             </a:r>
-            <a:endParaRPr lang="en-US" sz="1400" b="0" strike="noStrike" spc="-1">
+            <a:endParaRPr lang="en-US" sz="1400" b="0" strike="noStrike" spc="-1" dirty="0">
               <a:solidFill>
                 <a:schemeClr val="accent2">
                   <a:lumOff val="21760"/>
@@ -19436,7 +21139,7 @@
         </p:nvSpPr>
         <p:spPr>
           <a:xfrm>
-            <a:off x="4832280" y="1152360"/>
+            <a:off x="4832280" y="863730"/>
             <a:ext cx="3999600" cy="3416040"/>
           </a:xfrm>
           <a:prstGeom prst="rect">
@@ -19453,41 +21156,103 @@
           </a:bodyPr>
           <a:lstStyle/>
           <a:p>
-            <a:pPr indent="0" defTabSz="914400">
+            <a:pPr>
               <a:lnSpc>
                 <a:spcPct val="115000"/>
               </a:lnSpc>
               <a:spcBef>
                 <a:spcPts val="1599"/>
               </a:spcBef>
-              <a:buNone/>
               <a:tabLst>
                 <a:tab pos="0" algn="l"/>
               </a:tabLst>
             </a:pPr>
             <a:r>
-              <a:rPr lang="en-US" sz="1400" b="0" strike="noStrike" spc="-1">
-                <a:solidFill>
-                  <a:schemeClr val="accent2">
-                    <a:lumOff val="21760"/>
-                  </a:schemeClr>
+              <a:rPr lang="en-US" sz="1400" b="0" strike="noStrike" spc="-1" dirty="0">
+                <a:solidFill>
+                  <a:srgbClr val="002060"/>
                 </a:solidFill>
                 <a:latin typeface="Arial"/>
-                <a:ea typeface="Arial"/>
               </a:rPr>
-              <a:t>[Describe your implementation of my_conv2d_numpy() in words. Make sure to discuss padding, and the operations used between the filter and image.]</a:t>
+              <a:t>My implementation of the </a:t>
             </a:r>
-            <a:endParaRPr lang="en-US" sz="1400" b="0" strike="noStrike" spc="-1">
-              <a:solidFill>
-                <a:schemeClr val="accent2">
-                  <a:lumOff val="21760"/>
-                </a:schemeClr>
+            <a:r>
+              <a:rPr lang="en-US" sz="1400" spc="-1" dirty="0">
+                <a:solidFill>
+                  <a:srgbClr val="002060"/>
+                </a:solidFill>
+              </a:rPr>
+              <a:t>my_conv2d_numpy() function first involves padding the input image with zeroes. The amount of padding is calculated as half the filter dimension, which ensures the output image has same spatial resolution as the input. The algorithm then iterates through all the pixels and color channels of the image. At each location, the algorithm does an element-wise multiplication between the corresponding image patch and the filter, followed by a summation to generate the new pixel value. </a:t>
+            </a:r>
+            <a:endParaRPr lang="en-US" sz="1400" b="0" strike="noStrike" spc="-1" dirty="0">
+              <a:solidFill>
+                <a:srgbClr val="002060"/>
               </a:solidFill>
               <a:latin typeface="Arial"/>
             </a:endParaRPr>
           </a:p>
         </p:txBody>
       </p:sp>
+      <p:pic>
+        <p:nvPicPr>
+          <p:cNvPr id="2" name="Picture 1">
+            <a:extLst>
+              <a:ext uri="{FF2B5EF4-FFF2-40B4-BE49-F238E27FC236}">
+                <a16:creationId xmlns:a16="http://schemas.microsoft.com/office/drawing/2014/main" id="{C7D5FA50-6ADF-3643-9983-AB0CB51C433B}"/>
+              </a:ext>
+            </a:extLst>
+          </p:cNvPr>
+          <p:cNvPicPr>
+            <a:picLocks noChangeAspect="1"/>
+          </p:cNvPicPr>
+          <p:nvPr/>
+        </p:nvPicPr>
+        <p:blipFill>
+          <a:blip r:embed="rId2"/>
+          <a:stretch>
+            <a:fillRect/>
+          </a:stretch>
+        </p:blipFill>
+        <p:spPr>
+          <a:xfrm>
+            <a:off x="703324" y="1675264"/>
+            <a:ext cx="3543300" cy="419100"/>
+          </a:xfrm>
+          <a:prstGeom prst="rect">
+            <a:avLst/>
+          </a:prstGeom>
+        </p:spPr>
+      </p:pic>
+      <p:pic>
+        <p:nvPicPr>
+          <p:cNvPr id="3" name="Picture 2">
+            <a:extLst>
+              <a:ext uri="{FF2B5EF4-FFF2-40B4-BE49-F238E27FC236}">
+                <a16:creationId xmlns:a16="http://schemas.microsoft.com/office/drawing/2014/main" id="{2D05E477-3D6D-2A47-B559-1441C13ACF3F}"/>
+              </a:ext>
+            </a:extLst>
+          </p:cNvPr>
+          <p:cNvPicPr>
+            <a:picLocks noChangeAspect="1"/>
+          </p:cNvPicPr>
+          <p:nvPr/>
+        </p:nvPicPr>
+        <p:blipFill>
+          <a:blip r:embed="rId3"/>
+          <a:stretch>
+            <a:fillRect/>
+          </a:stretch>
+        </p:blipFill>
+        <p:spPr>
+          <a:xfrm>
+            <a:off x="1351024" y="2480900"/>
+            <a:ext cx="2247900" cy="2222500"/>
+          </a:xfrm>
+          <a:prstGeom prst="rect">
+            <a:avLst/>
+          </a:prstGeom>
+        </p:spPr>
+      </p:pic>
     </p:spTree>
   </p:cSld>
   <p:clrMapOvr>
@@ -19542,26 +21307,33 @@
           </a:bodyPr>
           <a:lstStyle/>
           <a:p>
-            <a:pPr indent="0" defTabSz="877680">
+            <a:pPr defTabSz="877680">
               <a:lnSpc>
                 <a:spcPct val="100000"/>
               </a:lnSpc>
-              <a:buNone/>
               <a:tabLst>
                 <a:tab pos="0" algn="l"/>
               </a:tabLst>
             </a:pPr>
             <a:r>
-              <a:rPr lang="en-US" sz="2690" b="0" strike="noStrike" spc="-1">
+              <a:rPr lang="en-US" sz="2690" b="0" strike="noStrike" spc="-1" dirty="0">
                 <a:solidFill>
                   <a:srgbClr val="000000"/>
                 </a:solidFill>
                 <a:latin typeface="Arial"/>
                 <a:ea typeface="Arial"/>
               </a:rPr>
-              <a:t>Part 4: Frequency Domain Convolutions</a:t>
+              <a:t>Part 4: Frequency Domain Convolutions </a:t>
             </a:r>
-            <a:endParaRPr lang="en-US" sz="2690" b="0" strike="noStrike" spc="-1">
+            <a:r>
+              <a:rPr lang="en-US" sz="2690" spc="-1" dirty="0">
+                <a:solidFill>
+                  <a:srgbClr val="000000"/>
+                </a:solidFill>
+              </a:rPr>
+              <a:t>(extra credit)</a:t>
+            </a:r>
+            <a:endParaRPr lang="en-US" sz="2690" b="0" strike="noStrike" spc="-1" dirty="0">
               <a:solidFill>
                 <a:srgbClr val="000000"/>
               </a:solidFill>
@@ -19879,7 +21651,7 @@
         </p:nvSpPr>
         <p:spPr>
           <a:xfrm>
-            <a:off x="311760" y="444960"/>
+            <a:off x="311760" y="158760"/>
             <a:ext cx="8520120" cy="572400"/>
           </a:xfrm>
           <a:prstGeom prst="rect">
@@ -19906,7 +21678,7 @@
               </a:tabLst>
             </a:pPr>
             <a:r>
-              <a:rPr lang="en-US" sz="2690" b="0" strike="noStrike" spc="-1">
+              <a:rPr lang="en-US" sz="2690" b="0" strike="noStrike" spc="-1" dirty="0">
                 <a:solidFill>
                   <a:srgbClr val="000000"/>
                 </a:solidFill>
@@ -19915,7 +21687,7 @@
               </a:rPr>
               <a:t>Part 1: Image filtering</a:t>
             </a:r>
-            <a:endParaRPr lang="en-US" sz="2690" b="0" strike="noStrike" spc="-1">
+            <a:endParaRPr lang="en-US" sz="2690" b="0" strike="noStrike" spc="-1" dirty="0">
               <a:solidFill>
                 <a:srgbClr val="000000"/>
               </a:solidFill>
@@ -19936,7 +21708,7 @@
         </p:nvSpPr>
         <p:spPr>
           <a:xfrm>
-            <a:off x="4832280" y="1152360"/>
+            <a:off x="4832280" y="574432"/>
             <a:ext cx="3999600" cy="3416040"/>
           </a:xfrm>
           <a:prstGeom prst="rect">
@@ -19963,7 +21735,7 @@
               </a:tabLst>
             </a:pPr>
             <a:r>
-              <a:rPr lang="en-US" sz="1400" b="1" strike="noStrike" spc="-1">
+              <a:rPr lang="en-US" sz="1400" b="1" strike="noStrike" spc="-1" dirty="0">
                 <a:solidFill>
                   <a:schemeClr val="accent2">
                     <a:lumOff val="21760"/>
@@ -19974,7 +21746,7 @@
               </a:rPr>
               <a:t>Small blur with a box filter</a:t>
             </a:r>
-            <a:endParaRPr lang="en-US" sz="1400" b="0" strike="noStrike" spc="-1">
+            <a:endParaRPr lang="en-US" sz="1400" spc="-1" dirty="0">
               <a:solidFill>
                 <a:schemeClr val="accent2">
                   <a:lumOff val="21760"/>
@@ -19996,23 +21768,111 @@
                 <a:tab pos="0" algn="l"/>
               </a:tabLst>
             </a:pPr>
-            <a:r>
-              <a:rPr lang="en-US" sz="1400" b="0" strike="noStrike" spc="-1">
-                <a:solidFill>
-                  <a:schemeClr val="accent2">
-                    <a:lumOff val="21760"/>
-                  </a:schemeClr>
-                </a:solidFill>
-                <a:latin typeface="Arial"/>
-                <a:ea typeface="Arial"/>
-              </a:rPr>
-              <a:t>[insert the results from project-1.ipynb using 1b_cat.bmp with the box filter here]</a:t>
-            </a:r>
-            <a:endParaRPr lang="en-US" sz="1400" b="0" strike="noStrike" spc="-1">
+            <a:endParaRPr lang="en-US" sz="1400" b="0" strike="noStrike" spc="-1" dirty="0">
               <a:solidFill>
                 <a:schemeClr val="accent2">
                   <a:lumOff val="21760"/>
                 </a:schemeClr>
+              </a:solidFill>
+              <a:latin typeface="Arial"/>
+            </a:endParaRPr>
+          </a:p>
+          <a:p>
+            <a:pPr indent="0" defTabSz="914400">
+              <a:lnSpc>
+                <a:spcPct val="115000"/>
+              </a:lnSpc>
+              <a:spcBef>
+                <a:spcPts val="1599"/>
+              </a:spcBef>
+              <a:buNone/>
+              <a:tabLst>
+                <a:tab pos="0" algn="l"/>
+              </a:tabLst>
+            </a:pPr>
+            <a:endParaRPr lang="en-US" sz="1400" spc="-1" dirty="0">
+              <a:solidFill>
+                <a:schemeClr val="accent2">
+                  <a:lumOff val="21760"/>
+                </a:schemeClr>
+              </a:solidFill>
+              <a:latin typeface="Arial"/>
+            </a:endParaRPr>
+          </a:p>
+          <a:p>
+            <a:pPr indent="0" defTabSz="914400">
+              <a:lnSpc>
+                <a:spcPct val="115000"/>
+              </a:lnSpc>
+              <a:spcBef>
+                <a:spcPts val="1599"/>
+              </a:spcBef>
+              <a:buNone/>
+              <a:tabLst>
+                <a:tab pos="0" algn="l"/>
+              </a:tabLst>
+            </a:pPr>
+            <a:endParaRPr lang="en-US" sz="1400" b="0" strike="noStrike" spc="-1" dirty="0">
+              <a:solidFill>
+                <a:srgbClr val="002060"/>
+              </a:solidFill>
+              <a:latin typeface="Arial"/>
+            </a:endParaRPr>
+          </a:p>
+          <a:p>
+            <a:pPr indent="0" defTabSz="914400">
+              <a:lnSpc>
+                <a:spcPct val="115000"/>
+              </a:lnSpc>
+              <a:spcBef>
+                <a:spcPts val="1599"/>
+              </a:spcBef>
+              <a:buNone/>
+              <a:tabLst>
+                <a:tab pos="0" algn="l"/>
+              </a:tabLst>
+            </a:pPr>
+            <a:endParaRPr lang="en-US" sz="1400" b="0" strike="noStrike" spc="-1" dirty="0">
+              <a:solidFill>
+                <a:srgbClr val="002060"/>
+              </a:solidFill>
+              <a:latin typeface="Arial"/>
+            </a:endParaRPr>
+          </a:p>
+          <a:p>
+            <a:pPr indent="0" defTabSz="914400">
+              <a:lnSpc>
+                <a:spcPct val="115000"/>
+              </a:lnSpc>
+              <a:spcBef>
+                <a:spcPts val="1599"/>
+              </a:spcBef>
+              <a:buNone/>
+              <a:tabLst>
+                <a:tab pos="0" algn="l"/>
+              </a:tabLst>
+            </a:pPr>
+            <a:r>
+              <a:rPr lang="en-US" sz="1400" b="0" strike="noStrike" spc="-1" dirty="0">
+                <a:solidFill>
+                  <a:srgbClr val="002060"/>
+                </a:solidFill>
+                <a:latin typeface="Arial"/>
+              </a:rPr>
+              <a:t>The blur box filter is basically a filter with all values equal(here, 1/9). The sum of this filter is 1, and therefore it preserves the original brightness of the image. The value fo</a:t>
+            </a:r>
+            <a:r>
+              <a:rPr lang="en-US" sz="1400" spc="-1" dirty="0">
+                <a:solidFill>
+                  <a:srgbClr val="002060"/>
+                </a:solidFill>
+                <a:latin typeface="Arial"/>
+              </a:rPr>
+              <a:t>r each pixel is taken as the average of its own value and its neighboring pixels, and therefore this filter smooths out the sharp intensity changes like edges and noise. </a:t>
+            </a:r>
+            <a:endParaRPr lang="en-US" sz="1400" b="0" strike="noStrike" spc="-1" dirty="0">
+              <a:solidFill>
+                <a:srgbClr val="002060"/>
               </a:solidFill>
               <a:latin typeface="Arial"/>
             </a:endParaRPr>
@@ -20031,7 +21891,7 @@
         </p:nvSpPr>
         <p:spPr>
           <a:xfrm>
-            <a:off x="311760" y="1152360"/>
+            <a:off x="311760" y="669521"/>
             <a:ext cx="3999600" cy="3416040"/>
           </a:xfrm>
           <a:prstGeom prst="rect">
@@ -20058,7 +21918,7 @@
               </a:tabLst>
             </a:pPr>
             <a:r>
-              <a:rPr lang="en-US" sz="1400" b="1" strike="noStrike" spc="-1">
+              <a:rPr lang="en-US" sz="1400" b="1" strike="noStrike" spc="-1" dirty="0">
                 <a:solidFill>
                   <a:schemeClr val="accent2">
                     <a:lumOff val="21760"/>
@@ -20069,7 +21929,7 @@
               </a:rPr>
               <a:t>Identity filter</a:t>
             </a:r>
-            <a:endParaRPr lang="en-US" sz="1400" b="0" strike="noStrike" spc="-1">
+            <a:endParaRPr lang="en-US" sz="1400" spc="-1" dirty="0">
               <a:solidFill>
                 <a:schemeClr val="accent2">
                   <a:lumOff val="21760"/>
@@ -20091,19 +21951,127 @@
                 <a:tab pos="0" algn="l"/>
               </a:tabLst>
             </a:pPr>
+            <a:endParaRPr lang="en-US" sz="1400" spc="-1" dirty="0">
+              <a:solidFill>
+                <a:schemeClr val="accent2">
+                  <a:lumOff val="21760"/>
+                </a:schemeClr>
+              </a:solidFill>
+              <a:latin typeface="Arial"/>
+            </a:endParaRPr>
+          </a:p>
+          <a:p>
+            <a:pPr indent="0" defTabSz="914400">
+              <a:lnSpc>
+                <a:spcPct val="115000"/>
+              </a:lnSpc>
+              <a:spcBef>
+                <a:spcPts val="1599"/>
+              </a:spcBef>
+              <a:buNone/>
+              <a:tabLst>
+                <a:tab pos="0" algn="l"/>
+              </a:tabLst>
+            </a:pPr>
+            <a:endParaRPr lang="en-US" sz="1400" b="0" strike="noStrike" spc="-1" dirty="0">
+              <a:solidFill>
+                <a:schemeClr val="accent2">
+                  <a:lumOff val="21760"/>
+                </a:schemeClr>
+              </a:solidFill>
+              <a:latin typeface="Arial"/>
+            </a:endParaRPr>
+          </a:p>
+          <a:p>
+            <a:pPr indent="0" defTabSz="914400">
+              <a:lnSpc>
+                <a:spcPct val="115000"/>
+              </a:lnSpc>
+              <a:spcBef>
+                <a:spcPts val="1599"/>
+              </a:spcBef>
+              <a:buNone/>
+              <a:tabLst>
+                <a:tab pos="0" algn="l"/>
+              </a:tabLst>
+            </a:pPr>
+            <a:endParaRPr lang="en-US" sz="1400" spc="-1" dirty="0">
+              <a:solidFill>
+                <a:schemeClr val="accent2">
+                  <a:lumOff val="21760"/>
+                </a:schemeClr>
+              </a:solidFill>
+              <a:latin typeface="Arial"/>
+            </a:endParaRPr>
+          </a:p>
+          <a:p>
+            <a:pPr indent="0" defTabSz="914400">
+              <a:lnSpc>
+                <a:spcPct val="115000"/>
+              </a:lnSpc>
+              <a:spcBef>
+                <a:spcPts val="1599"/>
+              </a:spcBef>
+              <a:buNone/>
+              <a:tabLst>
+                <a:tab pos="0" algn="l"/>
+              </a:tabLst>
+            </a:pPr>
+            <a:endParaRPr lang="en-US" sz="1400" spc="-1" dirty="0">
+              <a:solidFill>
+                <a:srgbClr val="002060"/>
+              </a:solidFill>
+              <a:latin typeface="Arial"/>
+            </a:endParaRPr>
+          </a:p>
+          <a:p>
+            <a:pPr indent="0" defTabSz="914400">
+              <a:lnSpc>
+                <a:spcPct val="115000"/>
+              </a:lnSpc>
+              <a:spcBef>
+                <a:spcPts val="1599"/>
+              </a:spcBef>
+              <a:buNone/>
+              <a:tabLst>
+                <a:tab pos="0" algn="l"/>
+              </a:tabLst>
+            </a:pPr>
             <a:r>
-              <a:rPr lang="en-US" sz="1400" b="0" strike="noStrike" spc="-1">
+              <a:rPr lang="en-US" sz="1400" spc="-1" dirty="0">
+                <a:solidFill>
+                  <a:srgbClr val="002060"/>
+                </a:solidFill>
+                <a:latin typeface="Arial"/>
+              </a:rPr>
+              <a:t>During the convolution operation with the identity filter, element wise multiplication multiplies the center pixel with 1, and the surrounding ones with 0. This sum is simply equal to the original center pixel’s value. This reconstructs the original image perfectly identically</a:t>
+            </a:r>
+            <a:r>
+              <a:rPr lang="en-US" sz="1400" spc="-1" dirty="0">
                 <a:solidFill>
                   <a:schemeClr val="accent2">
                     <a:lumOff val="21760"/>
                   </a:schemeClr>
                 </a:solidFill>
                 <a:latin typeface="Arial"/>
-                <a:ea typeface="Arial"/>
               </a:rPr>
-              <a:t>[insert the results from project-1.ipynb using 1b_cat.bmp with the identity filter here]</a:t>
+              <a:t>. </a:t>
             </a:r>
-            <a:endParaRPr lang="en-US" sz="1400" b="0" strike="noStrike" spc="-1">
+          </a:p>
+          <a:p>
+            <a:pPr indent="0" defTabSz="914400">
+              <a:lnSpc>
+                <a:spcPct val="115000"/>
+              </a:lnSpc>
+              <a:spcBef>
+                <a:spcPts val="1599"/>
+              </a:spcBef>
+              <a:buNone/>
+              <a:tabLst>
+                <a:tab pos="0" algn="l"/>
+              </a:tabLst>
+            </a:pPr>
+            <a:endParaRPr lang="en-US" sz="1400" spc="-1" dirty="0">
               <a:solidFill>
                 <a:schemeClr val="accent2">
                   <a:lumOff val="21760"/>
@@ -20114,6 +22082,66 @@
           </a:p>
         </p:txBody>
       </p:sp>
+      <p:pic>
+        <p:nvPicPr>
+          <p:cNvPr id="5" name="Picture 4">
+            <a:extLst>
+              <a:ext uri="{FF2B5EF4-FFF2-40B4-BE49-F238E27FC236}">
+                <a16:creationId xmlns:a16="http://schemas.microsoft.com/office/drawing/2014/main" id="{22A417D6-A6E6-7B49-A62F-9C7CDACA5522}"/>
+              </a:ext>
+            </a:extLst>
+          </p:cNvPr>
+          <p:cNvPicPr>
+            <a:picLocks noChangeAspect="1"/>
+          </p:cNvPicPr>
+          <p:nvPr/>
+        </p:nvPicPr>
+        <p:blipFill>
+          <a:blip r:embed="rId2"/>
+          <a:stretch>
+            <a:fillRect/>
+          </a:stretch>
+        </p:blipFill>
+        <p:spPr>
+          <a:xfrm>
+            <a:off x="5533209" y="1030163"/>
+            <a:ext cx="2073303" cy="1826826"/>
+          </a:xfrm>
+          <a:prstGeom prst="rect">
+            <a:avLst/>
+          </a:prstGeom>
+        </p:spPr>
+      </p:pic>
+      <p:pic>
+        <p:nvPicPr>
+          <p:cNvPr id="6" name="Picture 5">
+            <a:extLst>
+              <a:ext uri="{FF2B5EF4-FFF2-40B4-BE49-F238E27FC236}">
+                <a16:creationId xmlns:a16="http://schemas.microsoft.com/office/drawing/2014/main" id="{A517FA52-15E5-F74A-B5A8-2DF311CBEE2E}"/>
+              </a:ext>
+            </a:extLst>
+          </p:cNvPr>
+          <p:cNvPicPr>
+            <a:picLocks noChangeAspect="1"/>
+          </p:cNvPicPr>
+          <p:nvPr/>
+        </p:nvPicPr>
+        <p:blipFill>
+          <a:blip r:embed="rId3"/>
+          <a:stretch>
+            <a:fillRect/>
+          </a:stretch>
+        </p:blipFill>
+        <p:spPr>
+          <a:xfrm>
+            <a:off x="1090681" y="1057939"/>
+            <a:ext cx="2041779" cy="1799050"/>
+          </a:xfrm>
+          <a:prstGeom prst="rect">
+            <a:avLst/>
+          </a:prstGeom>
+        </p:spPr>
+      </p:pic>
     </p:spTree>
   </p:cSld>
   <p:clrMapOvr>
@@ -20208,7 +22236,7 @@
         </p:nvSpPr>
         <p:spPr>
           <a:xfrm>
-            <a:off x="311760" y="1152360"/>
+            <a:off x="311760" y="933875"/>
             <a:ext cx="3999600" cy="3416040"/>
           </a:xfrm>
           <a:prstGeom prst="rect">
@@ -20235,7 +22263,7 @@
               </a:tabLst>
             </a:pPr>
             <a:r>
-              <a:rPr lang="en-US" sz="1400" b="1" strike="noStrike" spc="-1">
+              <a:rPr lang="en-US" sz="1400" b="1" strike="noStrike" spc="-1" dirty="0">
                 <a:solidFill>
                   <a:schemeClr val="accent2">
                     <a:lumOff val="21760"/>
@@ -20246,7 +22274,7 @@
               </a:rPr>
               <a:t>Sobel filter</a:t>
             </a:r>
-            <a:endParaRPr lang="en-US" sz="1400" b="0" strike="noStrike" spc="-1">
+            <a:endParaRPr lang="en-US" sz="1400" b="0" strike="noStrike" spc="-1" dirty="0">
               <a:solidFill>
                 <a:schemeClr val="accent2">
                   <a:lumOff val="21760"/>
@@ -20268,19 +22296,114 @@
                 <a:tab pos="0" algn="l"/>
               </a:tabLst>
             </a:pPr>
+            <a:endParaRPr lang="en-US" sz="1400" spc="-1" dirty="0">
+              <a:solidFill>
+                <a:schemeClr val="accent2">
+                  <a:lumOff val="21760"/>
+                </a:schemeClr>
+              </a:solidFill>
+              <a:latin typeface="Arial"/>
+            </a:endParaRPr>
+          </a:p>
+          <a:p>
+            <a:pPr indent="0" defTabSz="914400">
+              <a:lnSpc>
+                <a:spcPct val="115000"/>
+              </a:lnSpc>
+              <a:spcBef>
+                <a:spcPts val="1599"/>
+              </a:spcBef>
+              <a:buNone/>
+              <a:tabLst>
+                <a:tab pos="0" algn="l"/>
+              </a:tabLst>
+            </a:pPr>
+            <a:endParaRPr lang="en-US" sz="1400" b="0" strike="noStrike" spc="-1" dirty="0">
+              <a:solidFill>
+                <a:schemeClr val="accent2">
+                  <a:lumOff val="21760"/>
+                </a:schemeClr>
+              </a:solidFill>
+              <a:latin typeface="Arial"/>
+            </a:endParaRPr>
+          </a:p>
+          <a:p>
+            <a:pPr indent="0" defTabSz="914400">
+              <a:lnSpc>
+                <a:spcPct val="115000"/>
+              </a:lnSpc>
+              <a:spcBef>
+                <a:spcPts val="1599"/>
+              </a:spcBef>
+              <a:buNone/>
+              <a:tabLst>
+                <a:tab pos="0" algn="l"/>
+              </a:tabLst>
+            </a:pPr>
+            <a:endParaRPr lang="en-US" sz="1400" spc="-1" dirty="0">
+              <a:solidFill>
+                <a:schemeClr val="accent2">
+                  <a:lumOff val="21760"/>
+                </a:schemeClr>
+              </a:solidFill>
+              <a:latin typeface="Arial"/>
+            </a:endParaRPr>
+          </a:p>
+          <a:p>
+            <a:pPr>
+              <a:lnSpc>
+                <a:spcPct val="115000"/>
+              </a:lnSpc>
+              <a:spcBef>
+                <a:spcPts val="1599"/>
+              </a:spcBef>
+              <a:tabLst>
+                <a:tab pos="0" algn="l"/>
+              </a:tabLst>
+            </a:pPr>
+            <a:endParaRPr lang="en-US" sz="300" spc="-1" dirty="0">
+              <a:solidFill>
+                <a:schemeClr val="accent2">
+                  <a:lumOff val="21760"/>
+                </a:schemeClr>
+              </a:solidFill>
+            </a:endParaRPr>
+          </a:p>
+          <a:p>
+            <a:pPr>
+              <a:lnSpc>
+                <a:spcPct val="115000"/>
+              </a:lnSpc>
+              <a:spcBef>
+                <a:spcPts val="1599"/>
+              </a:spcBef>
+              <a:tabLst>
+                <a:tab pos="0" algn="l"/>
+              </a:tabLst>
+            </a:pPr>
             <a:r>
-              <a:rPr lang="en-US" sz="1400" b="0" strike="noStrike" spc="-1">
-                <a:solidFill>
-                  <a:schemeClr val="accent2">
-                    <a:lumOff val="21760"/>
-                  </a:schemeClr>
-                </a:solidFill>
-                <a:latin typeface="Arial"/>
-                <a:ea typeface="Arial"/>
+              <a:rPr lang="en-US" sz="1400" spc="-1" dirty="0">
+                <a:solidFill>
+                  <a:srgbClr val="002060"/>
+                </a:solidFill>
               </a:rPr>
-              <a:t>[insert the results from project-1.ipynb using 1b_cat.bmp with the Sobel filter here]</a:t>
+              <a:t>The Sobel filter(an edge detector) produced an image that highlights the vertical edges of the cat. This particular kernel is designed to measure the change in pixel intensity along the horizontal axis. In the output image, the bright areas correspond to light-to-dark translation, and vice-versa. Neutral gray indicates no significant vertical edge.</a:t>
             </a:r>
-            <a:endParaRPr lang="en-US" sz="1400" b="0" strike="noStrike" spc="-1">
+          </a:p>
+          <a:p>
+            <a:pPr indent="0" defTabSz="914400">
+              <a:lnSpc>
+                <a:spcPct val="115000"/>
+              </a:lnSpc>
+              <a:spcBef>
+                <a:spcPts val="1599"/>
+              </a:spcBef>
+              <a:buNone/>
+              <a:tabLst>
+                <a:tab pos="0" algn="l"/>
+              </a:tabLst>
+            </a:pPr>
+            <a:endParaRPr lang="en-US" sz="1400" spc="-1" dirty="0">
               <a:solidFill>
                 <a:schemeClr val="accent2">
                   <a:lumOff val="21760"/>
@@ -20303,7 +22426,7 @@
         </p:nvSpPr>
         <p:spPr>
           <a:xfrm>
-            <a:off x="4832280" y="1152360"/>
+            <a:off x="4832642" y="731160"/>
             <a:ext cx="3999600" cy="3416040"/>
           </a:xfrm>
           <a:prstGeom prst="rect">
@@ -20330,7 +22453,7 @@
               </a:tabLst>
             </a:pPr>
             <a:r>
-              <a:rPr lang="en-US" sz="1400" b="1" strike="noStrike" spc="-1">
+              <a:rPr lang="en-US" sz="1400" b="1" strike="noStrike" spc="-1" dirty="0">
                 <a:solidFill>
                   <a:schemeClr val="accent2">
                     <a:lumOff val="21760"/>
@@ -20341,7 +22464,7 @@
               </a:rPr>
               <a:t>Discrete Laplacian filter</a:t>
             </a:r>
-            <a:endParaRPr lang="en-US" sz="1400" b="0" strike="noStrike" spc="-1">
+            <a:endParaRPr lang="en-US" sz="1400" b="0" strike="noStrike" spc="-1" dirty="0">
               <a:solidFill>
                 <a:schemeClr val="accent2">
                   <a:lumOff val="21760"/>
@@ -20363,29 +22486,254 @@
                 <a:tab pos="0" algn="l"/>
               </a:tabLst>
             </a:pPr>
+            <a:endParaRPr lang="en-US" sz="1400" spc="-1" dirty="0">
+              <a:solidFill>
+                <a:schemeClr val="accent2">
+                  <a:lumOff val="21760"/>
+                </a:schemeClr>
+              </a:solidFill>
+              <a:latin typeface="Arial"/>
+            </a:endParaRPr>
+          </a:p>
+          <a:p>
+            <a:pPr indent="0" defTabSz="914400">
+              <a:lnSpc>
+                <a:spcPct val="115000"/>
+              </a:lnSpc>
+              <a:spcBef>
+                <a:spcPts val="1599"/>
+              </a:spcBef>
+              <a:buNone/>
+              <a:tabLst>
+                <a:tab pos="0" algn="l"/>
+              </a:tabLst>
+            </a:pPr>
+            <a:endParaRPr lang="en-US" sz="1400" spc="-1" dirty="0">
+              <a:solidFill>
+                <a:schemeClr val="accent2">
+                  <a:lumOff val="21760"/>
+                </a:schemeClr>
+              </a:solidFill>
+              <a:latin typeface="Arial"/>
+            </a:endParaRPr>
+          </a:p>
+          <a:p>
+            <a:pPr indent="0" defTabSz="914400">
+              <a:lnSpc>
+                <a:spcPct val="115000"/>
+              </a:lnSpc>
+              <a:spcBef>
+                <a:spcPts val="1599"/>
+              </a:spcBef>
+              <a:buNone/>
+              <a:tabLst>
+                <a:tab pos="0" algn="l"/>
+              </a:tabLst>
+            </a:pPr>
+            <a:endParaRPr lang="en-US" sz="1400" spc="-1" dirty="0">
+              <a:solidFill>
+                <a:schemeClr val="accent2">
+                  <a:lumOff val="21760"/>
+                </a:schemeClr>
+              </a:solidFill>
+              <a:latin typeface="Arial"/>
+            </a:endParaRPr>
+          </a:p>
+          <a:p>
+            <a:pPr>
+              <a:lnSpc>
+                <a:spcPct val="115000"/>
+              </a:lnSpc>
+              <a:spcBef>
+                <a:spcPts val="1599"/>
+              </a:spcBef>
+              <a:tabLst>
+                <a:tab pos="0" algn="l"/>
+              </a:tabLst>
+            </a:pPr>
+            <a:endParaRPr lang="en-US" sz="100" spc="-1" dirty="0">
+              <a:solidFill>
+                <a:schemeClr val="accent2">
+                  <a:lumOff val="21760"/>
+                </a:schemeClr>
+              </a:solidFill>
+            </a:endParaRPr>
+          </a:p>
+          <a:p>
+            <a:pPr>
+              <a:lnSpc>
+                <a:spcPct val="115000"/>
+              </a:lnSpc>
+              <a:spcBef>
+                <a:spcPts val="1599"/>
+              </a:spcBef>
+              <a:tabLst>
+                <a:tab pos="0" algn="l"/>
+              </a:tabLst>
+            </a:pPr>
             <a:r>
-              <a:rPr lang="en-US" sz="1400" b="0" strike="noStrike" spc="-1">
+              <a:rPr lang="en-US" sz="1200" spc="-1" dirty="0">
                 <a:solidFill>
                   <a:schemeClr val="accent2">
                     <a:lumOff val="21760"/>
                   </a:schemeClr>
                 </a:solidFill>
-                <a:latin typeface="Arial"/>
-                <a:ea typeface="Arial"/>
               </a:rPr>
-              <a:t>[insert the results from project-1.ipynb using 1b_cat.bmp with the discrete Laplacian filter here]</a:t>
+              <a:t>(a)Discrete Laplacian     (b)</a:t>
             </a:r>
-            <a:endParaRPr lang="en-US" sz="1400" b="0" strike="noStrike" spc="-1">
+            <a:r>
+              <a:rPr lang="en-US" sz="1200" spc="-1" dirty="0" err="1">
+                <a:solidFill>
+                  <a:schemeClr val="accent2">
+                    <a:lumOff val="21760"/>
+                  </a:schemeClr>
+                </a:solidFill>
+              </a:rPr>
+              <a:t>Highpass</a:t>
+            </a:r>
+            <a:r>
+              <a:rPr lang="en-US" sz="1200" spc="-1" dirty="0">
+                <a:solidFill>
+                  <a:schemeClr val="accent2">
+                    <a:lumOff val="21760"/>
+                  </a:schemeClr>
+                </a:solidFill>
+              </a:rPr>
+              <a:t> Filter</a:t>
+            </a:r>
+            <a:endParaRPr lang="en-US" sz="800" spc="-1" dirty="0">
               <a:solidFill>
                 <a:schemeClr val="accent2">
                   <a:lumOff val="21760"/>
                 </a:schemeClr>
               </a:solidFill>
+            </a:endParaRPr>
+          </a:p>
+          <a:p>
+            <a:pPr>
+              <a:lnSpc>
+                <a:spcPct val="115000"/>
+              </a:lnSpc>
+              <a:spcBef>
+                <a:spcPts val="1599"/>
+              </a:spcBef>
+              <a:tabLst>
+                <a:tab pos="0" algn="l"/>
+              </a:tabLst>
+            </a:pPr>
+            <a:r>
+              <a:rPr lang="en-US" sz="1300" spc="-1" dirty="0">
+                <a:solidFill>
+                  <a:srgbClr val="002060"/>
+                </a:solidFill>
+              </a:rPr>
+              <a:t>In the Laplacian filter, it is calculating the difference between the center pixel and its 4 immediate neighbors. This operation results in a pixel value of 0 near smooth regions, but a strong response where pixel values change abruptly, leading to a large positive or large negative value, thus generating a dark or white output pixel. </a:t>
+            </a:r>
+          </a:p>
+          <a:p>
+            <a:pPr>
+              <a:lnSpc>
+                <a:spcPct val="115000"/>
+              </a:lnSpc>
+              <a:spcBef>
+                <a:spcPts val="1599"/>
+              </a:spcBef>
+              <a:tabLst>
+                <a:tab pos="0" algn="l"/>
+              </a:tabLst>
+            </a:pPr>
+            <a:endParaRPr lang="en-US" sz="1400" spc="-1" dirty="0">
+              <a:solidFill>
+                <a:schemeClr val="accent2">
+                  <a:lumOff val="21760"/>
+                </a:schemeClr>
+              </a:solidFill>
+            </a:endParaRPr>
+          </a:p>
+          <a:p>
+            <a:pPr indent="0" defTabSz="914400">
+              <a:lnSpc>
+                <a:spcPct val="115000"/>
+              </a:lnSpc>
+              <a:spcBef>
+                <a:spcPts val="1599"/>
+              </a:spcBef>
+              <a:buNone/>
+              <a:tabLst>
+                <a:tab pos="0" algn="l"/>
+              </a:tabLst>
+            </a:pPr>
+            <a:endParaRPr lang="en-US" sz="1400" spc="-1" dirty="0">
+              <a:solidFill>
+                <a:schemeClr val="accent2">
+                  <a:lumOff val="21760"/>
+                </a:schemeClr>
+              </a:solidFill>
               <a:latin typeface="Arial"/>
             </a:endParaRPr>
           </a:p>
         </p:txBody>
       </p:sp>
+      <p:pic>
+        <p:nvPicPr>
+          <p:cNvPr id="7" name="Picture 6">
+            <a:extLst>
+              <a:ext uri="{FF2B5EF4-FFF2-40B4-BE49-F238E27FC236}">
+                <a16:creationId xmlns:a16="http://schemas.microsoft.com/office/drawing/2014/main" id="{5CD1651B-9B2C-EA41-A005-C74C79F4635D}"/>
+              </a:ext>
+            </a:extLst>
+          </p:cNvPr>
+          <p:cNvPicPr>
+            <a:picLocks noChangeAspect="1"/>
+          </p:cNvPicPr>
+          <p:nvPr/>
+        </p:nvPicPr>
+        <p:blipFill>
+          <a:blip r:embed="rId2"/>
+          <a:stretch>
+            <a:fillRect/>
+          </a:stretch>
+        </p:blipFill>
+        <p:spPr>
+          <a:xfrm>
+            <a:off x="5573671" y="1138559"/>
+            <a:ext cx="1816100" cy="1600200"/>
+          </a:xfrm>
+          <a:prstGeom prst="rect">
+            <a:avLst/>
+          </a:prstGeom>
+        </p:spPr>
+      </p:pic>
+      <p:pic>
+        <p:nvPicPr>
+          <p:cNvPr id="8" name="Picture 7">
+            <a:extLst>
+              <a:ext uri="{FF2B5EF4-FFF2-40B4-BE49-F238E27FC236}">
+                <a16:creationId xmlns:a16="http://schemas.microsoft.com/office/drawing/2014/main" id="{6A3EE3E3-4528-A740-A15C-996EECE801C3}"/>
+              </a:ext>
+            </a:extLst>
+          </p:cNvPr>
+          <p:cNvPicPr>
+            <a:picLocks noChangeAspect="1"/>
+          </p:cNvPicPr>
+          <p:nvPr/>
+        </p:nvPicPr>
+        <p:blipFill>
+          <a:blip r:embed="rId3"/>
+          <a:stretch>
+            <a:fillRect/>
+          </a:stretch>
+        </p:blipFill>
+        <p:spPr>
+          <a:xfrm>
+            <a:off x="1195879" y="1310404"/>
+            <a:ext cx="1816100" cy="1600200"/>
+          </a:xfrm>
+          <a:prstGeom prst="rect">
+            <a:avLst/>
+          </a:prstGeom>
+        </p:spPr>
+      </p:pic>
     </p:spTree>
   </p:cSld>
   <p:clrMapOvr>
@@ -20480,7 +22828,7 @@
         </p:nvSpPr>
         <p:spPr>
           <a:xfrm>
-            <a:off x="311760" y="1152360"/>
+            <a:off x="311760" y="941967"/>
             <a:ext cx="3999600" cy="3416040"/>
           </a:xfrm>
           <a:prstGeom prst="rect">
@@ -20510,7 +22858,7 @@
               </a:tabLst>
             </a:pPr>
             <a:r>
-              <a:rPr lang="en-US" sz="1400" b="0" strike="noStrike" spc="-1">
+              <a:rPr lang="en-US" sz="1400" b="0" strike="noStrike" spc="-1" dirty="0">
                 <a:solidFill>
                   <a:schemeClr val="accent2">
                     <a:lumOff val="21760"/>
@@ -20519,13 +22867,85 @@
                 <a:latin typeface="Arial"/>
                 <a:ea typeface="Arial"/>
               </a:rPr>
-              <a:t>[Describe the three main steps of create_hybrid_image() here. Explain how to ensure the output values are within the appropriate range for matplotlib visualizations.]</a:t>
+              <a:t>[Describe the three main steps of </a:t>
             </a:r>
-            <a:endParaRPr lang="en-US" sz="1400" b="0" strike="noStrike" spc="-1">
-              <a:solidFill>
-                <a:schemeClr val="accent2">
-                  <a:lumOff val="21760"/>
-                </a:schemeClr>
+            <a:r>
+              <a:rPr lang="en-US" sz="1400" b="0" strike="noStrike" spc="-1" dirty="0" err="1">
+                <a:solidFill>
+                  <a:schemeClr val="accent2">
+                    <a:lumOff val="21760"/>
+                  </a:schemeClr>
+                </a:solidFill>
+                <a:latin typeface="Arial"/>
+                <a:ea typeface="Arial"/>
+              </a:rPr>
+              <a:t>create_hybrid_image</a:t>
+            </a:r>
+            <a:r>
+              <a:rPr lang="en-US" sz="1400" b="0" strike="noStrike" spc="-1" dirty="0">
+                <a:solidFill>
+                  <a:schemeClr val="accent2">
+                    <a:lumOff val="21760"/>
+                  </a:schemeClr>
+                </a:solidFill>
+                <a:latin typeface="Arial"/>
+                <a:ea typeface="Arial"/>
+              </a:rPr>
+              <a:t>() here. Explain how to ensure the output values are within the appropriate range for matplotlib visualizations.]</a:t>
+            </a:r>
+          </a:p>
+          <a:p>
+            <a:pPr indent="0" defTabSz="914400">
+              <a:lnSpc>
+                <a:spcPct val="115000"/>
+              </a:lnSpc>
+              <a:spcBef>
+                <a:spcPts val="1599"/>
+              </a:spcBef>
+              <a:buNone/>
+              <a:tabLst>
+                <a:tab pos="0" algn="l"/>
+              </a:tabLst>
+            </a:pPr>
+            <a:r>
+              <a:rPr lang="en-US" sz="1400" b="0" strike="noStrike" spc="-1" dirty="0">
+                <a:solidFill>
+                  <a:srgbClr val="002060"/>
+                </a:solidFill>
+                <a:latin typeface="Arial"/>
+              </a:rPr>
+              <a:t>First, we create a low-pass version of the first image. This is achieved by convoluting the image with the 2D Gaussian Filter. As a step 2, we create the high-pass version of the second image, by first creating its low-pass, and then subtracting it from the original image. </a:t>
+            </a:r>
+            <a:r>
+              <a:rPr lang="en-US" sz="1400" spc="-1" dirty="0">
+                <a:solidFill>
+                  <a:srgbClr val="002060"/>
+                </a:solidFill>
+                <a:latin typeface="Arial"/>
+              </a:rPr>
+              <a:t>The final hybrid image is simply created by summing the low-frequencies of img1 and high-frequencies of img2. To ensure they’re visualizable, we clamp the pixel values of this hybrid image to the [0,1] range using </a:t>
+            </a:r>
+            <a:r>
+              <a:rPr lang="en-US" sz="1400" spc="-1" dirty="0" err="1">
+                <a:solidFill>
+                  <a:srgbClr val="002060"/>
+                </a:solidFill>
+                <a:latin typeface="Arial"/>
+              </a:rPr>
+              <a:t>np.clip</a:t>
+            </a:r>
+            <a:r>
+              <a:rPr lang="en-US" sz="1400" spc="-1" dirty="0">
+                <a:solidFill>
+                  <a:srgbClr val="002060"/>
+                </a:solidFill>
+                <a:latin typeface="Arial"/>
+              </a:rPr>
+              <a:t>.</a:t>
+            </a:r>
+            <a:endParaRPr lang="en-US" sz="1400" b="0" strike="noStrike" spc="-1" dirty="0">
+              <a:solidFill>
+                <a:srgbClr val="002060"/>
               </a:solidFill>
               <a:latin typeface="Arial"/>
             </a:endParaRPr>
@@ -20544,7 +22964,7 @@
         </p:nvSpPr>
         <p:spPr>
           <a:xfrm>
-            <a:off x="4832280" y="1152360"/>
+            <a:off x="4832280" y="444960"/>
             <a:ext cx="3999600" cy="3416040"/>
           </a:xfrm>
           <a:prstGeom prst="rect">
@@ -20571,7 +22991,7 @@
               </a:tabLst>
             </a:pPr>
             <a:r>
-              <a:rPr lang="en-US" sz="1400" b="1" strike="noStrike" spc="-1">
+              <a:rPr lang="en-US" sz="1400" b="1" strike="noStrike" spc="-1" dirty="0">
                 <a:solidFill>
                   <a:schemeClr val="accent2">
                     <a:lumOff val="21760"/>
@@ -20582,7 +23002,7 @@
               </a:rPr>
               <a:t>Cat + Dog</a:t>
             </a:r>
-            <a:endParaRPr lang="en-US" sz="1400" b="0" strike="noStrike" spc="-1">
+            <a:endParaRPr lang="en-US" sz="1400" b="0" strike="noStrike" spc="-1" dirty="0">
               <a:solidFill>
                 <a:schemeClr val="accent2">
                   <a:lumOff val="21760"/>
@@ -20604,8 +23024,165 @@
                 <a:tab pos="0" algn="l"/>
               </a:tabLst>
             </a:pPr>
+            <a:endParaRPr lang="en-US" sz="1400" b="0" strike="noStrike" spc="-1" dirty="0">
+              <a:solidFill>
+                <a:schemeClr val="accent2">
+                  <a:lumOff val="21760"/>
+                </a:schemeClr>
+              </a:solidFill>
+              <a:latin typeface="Arial"/>
+            </a:endParaRPr>
+          </a:p>
+          <a:p>
+            <a:pPr indent="0" defTabSz="914400">
+              <a:lnSpc>
+                <a:spcPct val="115000"/>
+              </a:lnSpc>
+              <a:spcBef>
+                <a:spcPts val="1599"/>
+              </a:spcBef>
+              <a:buNone/>
+              <a:tabLst>
+                <a:tab pos="0" algn="l"/>
+              </a:tabLst>
+            </a:pPr>
+            <a:endParaRPr lang="en-US" sz="1400" b="0" strike="noStrike" spc="-1" dirty="0">
+              <a:solidFill>
+                <a:schemeClr val="accent2">
+                  <a:lumOff val="21760"/>
+                </a:schemeClr>
+              </a:solidFill>
+              <a:latin typeface="Arial"/>
+            </a:endParaRPr>
+          </a:p>
+          <a:p>
+            <a:pPr indent="0" defTabSz="914400">
+              <a:lnSpc>
+                <a:spcPct val="115000"/>
+              </a:lnSpc>
+              <a:spcBef>
+                <a:spcPts val="1599"/>
+              </a:spcBef>
+              <a:buNone/>
+              <a:tabLst>
+                <a:tab pos="0" algn="l"/>
+              </a:tabLst>
+            </a:pPr>
+            <a:endParaRPr lang="en-US" sz="1400" b="0" strike="noStrike" spc="-1" dirty="0">
+              <a:solidFill>
+                <a:schemeClr val="accent2">
+                  <a:lumOff val="21760"/>
+                </a:schemeClr>
+              </a:solidFill>
+              <a:latin typeface="Arial"/>
+            </a:endParaRPr>
+          </a:p>
+          <a:p>
+            <a:pPr indent="0" defTabSz="914400">
+              <a:lnSpc>
+                <a:spcPct val="115000"/>
+              </a:lnSpc>
+              <a:spcBef>
+                <a:spcPts val="1599"/>
+              </a:spcBef>
+              <a:buNone/>
+              <a:tabLst>
+                <a:tab pos="0" algn="l"/>
+              </a:tabLst>
+            </a:pPr>
+            <a:endParaRPr lang="en-US" sz="1400" b="0" strike="noStrike" spc="-1" dirty="0">
+              <a:solidFill>
+                <a:schemeClr val="accent2">
+                  <a:lumOff val="21760"/>
+                </a:schemeClr>
+              </a:solidFill>
+              <a:latin typeface="Arial"/>
+            </a:endParaRPr>
+          </a:p>
+          <a:p>
+            <a:pPr indent="0" defTabSz="914400">
+              <a:lnSpc>
+                <a:spcPct val="115000"/>
+              </a:lnSpc>
+              <a:spcBef>
+                <a:spcPts val="1599"/>
+              </a:spcBef>
+              <a:buNone/>
+              <a:tabLst>
+                <a:tab pos="0" algn="l"/>
+              </a:tabLst>
+            </a:pPr>
+            <a:endParaRPr lang="en-US" sz="1400" b="0" strike="noStrike" spc="-1" dirty="0">
+              <a:solidFill>
+                <a:schemeClr val="accent2">
+                  <a:lumOff val="21760"/>
+                </a:schemeClr>
+              </a:solidFill>
+              <a:latin typeface="Arial"/>
+              <a:ea typeface="Arial"/>
+            </a:endParaRPr>
+          </a:p>
+          <a:p>
+            <a:pPr indent="0" defTabSz="914400">
+              <a:lnSpc>
+                <a:spcPct val="115000"/>
+              </a:lnSpc>
+              <a:spcBef>
+                <a:spcPts val="1599"/>
+              </a:spcBef>
+              <a:buNone/>
+              <a:tabLst>
+                <a:tab pos="0" algn="l"/>
+              </a:tabLst>
+            </a:pPr>
+            <a:endParaRPr lang="en-US" sz="1400" b="0" strike="noStrike" spc="-1" dirty="0">
+              <a:solidFill>
+                <a:schemeClr val="accent2">
+                  <a:lumOff val="21760"/>
+                </a:schemeClr>
+              </a:solidFill>
+              <a:latin typeface="Arial"/>
+              <a:ea typeface="Arial"/>
+            </a:endParaRPr>
+          </a:p>
+          <a:p>
+            <a:pPr indent="0" defTabSz="914400">
+              <a:lnSpc>
+                <a:spcPct val="115000"/>
+              </a:lnSpc>
+              <a:spcBef>
+                <a:spcPts val="1599"/>
+              </a:spcBef>
+              <a:buNone/>
+              <a:tabLst>
+                <a:tab pos="0" algn="l"/>
+              </a:tabLst>
+            </a:pPr>
+            <a:endParaRPr lang="en-US" sz="1400" spc="-1" dirty="0">
+              <a:solidFill>
+                <a:schemeClr val="accent2">
+                  <a:lumOff val="21760"/>
+                </a:schemeClr>
+              </a:solidFill>
+              <a:latin typeface="Arial"/>
+              <a:ea typeface="Arial"/>
+            </a:endParaRPr>
+          </a:p>
+          <a:p>
+            <a:pPr indent="0" defTabSz="914400">
+              <a:lnSpc>
+                <a:spcPct val="115000"/>
+              </a:lnSpc>
+              <a:spcBef>
+                <a:spcPts val="1599"/>
+              </a:spcBef>
+              <a:buNone/>
+              <a:tabLst>
+                <a:tab pos="0" algn="l"/>
+              </a:tabLst>
+            </a:pPr>
             <a:r>
-              <a:rPr lang="en-US" sz="1400" b="0" strike="noStrike" spc="-1">
+              <a:rPr lang="en-US" sz="1400" b="0" strike="noStrike" spc="-1" dirty="0">
                 <a:solidFill>
                   <a:schemeClr val="accent2">
                     <a:lumOff val="21760"/>
@@ -20614,9 +23191,9 @@
                 <a:latin typeface="Arial"/>
                 <a:ea typeface="Arial"/>
               </a:rPr>
-              <a:t>[insert your hybrid image here]</a:t>
+              <a:t>Cutoff frequency for this image: 6</a:t>
             </a:r>
-            <a:endParaRPr lang="en-US" sz="1400" b="0" strike="noStrike" spc="-1">
+            <a:endParaRPr lang="en-US" sz="1400" b="0" strike="noStrike" spc="-1" dirty="0">
               <a:solidFill>
                 <a:schemeClr val="accent2">
                   <a:lumOff val="21760"/>
@@ -20625,130 +23202,38 @@
               <a:latin typeface="Arial"/>
             </a:endParaRPr>
           </a:p>
-          <a:p>
-            <a:pPr indent="0" defTabSz="914400">
-              <a:lnSpc>
-                <a:spcPct val="115000"/>
-              </a:lnSpc>
-              <a:spcBef>
-                <a:spcPts val="1599"/>
-              </a:spcBef>
-              <a:buNone/>
-              <a:tabLst>
-                <a:tab pos="0" algn="l"/>
-              </a:tabLst>
-            </a:pPr>
-            <a:endParaRPr lang="en-US" sz="1400" b="0" strike="noStrike" spc="-1">
-              <a:solidFill>
-                <a:schemeClr val="accent2">
-                  <a:lumOff val="21760"/>
-                </a:schemeClr>
-              </a:solidFill>
-              <a:latin typeface="Arial"/>
-            </a:endParaRPr>
-          </a:p>
-          <a:p>
-            <a:pPr indent="0" defTabSz="914400">
-              <a:lnSpc>
-                <a:spcPct val="115000"/>
-              </a:lnSpc>
-              <a:spcBef>
-                <a:spcPts val="1599"/>
-              </a:spcBef>
-              <a:buNone/>
-              <a:tabLst>
-                <a:tab pos="0" algn="l"/>
-              </a:tabLst>
-            </a:pPr>
-            <a:endParaRPr lang="en-US" sz="1400" b="0" strike="noStrike" spc="-1">
-              <a:solidFill>
-                <a:schemeClr val="accent2">
-                  <a:lumOff val="21760"/>
-                </a:schemeClr>
-              </a:solidFill>
-              <a:latin typeface="Arial"/>
-            </a:endParaRPr>
-          </a:p>
-          <a:p>
-            <a:pPr indent="0" defTabSz="914400">
-              <a:lnSpc>
-                <a:spcPct val="115000"/>
-              </a:lnSpc>
-              <a:spcBef>
-                <a:spcPts val="1599"/>
-              </a:spcBef>
-              <a:buNone/>
-              <a:tabLst>
-                <a:tab pos="0" algn="l"/>
-              </a:tabLst>
-            </a:pPr>
-            <a:endParaRPr lang="en-US" sz="1400" b="0" strike="noStrike" spc="-1">
-              <a:solidFill>
-                <a:schemeClr val="accent2">
-                  <a:lumOff val="21760"/>
-                </a:schemeClr>
-              </a:solidFill>
-              <a:latin typeface="Arial"/>
-            </a:endParaRPr>
-          </a:p>
-          <a:p>
-            <a:pPr indent="0" defTabSz="914400">
-              <a:lnSpc>
-                <a:spcPct val="115000"/>
-              </a:lnSpc>
-              <a:spcBef>
-                <a:spcPts val="1599"/>
-              </a:spcBef>
-              <a:buNone/>
-              <a:tabLst>
-                <a:tab pos="0" algn="l"/>
-              </a:tabLst>
-            </a:pPr>
-            <a:endParaRPr lang="en-US" sz="1400" b="0" strike="noStrike" spc="-1">
-              <a:solidFill>
-                <a:schemeClr val="accent2">
-                  <a:lumOff val="21760"/>
-                </a:schemeClr>
-              </a:solidFill>
-              <a:latin typeface="Arial"/>
-            </a:endParaRPr>
-          </a:p>
-          <a:p>
-            <a:pPr indent="0" defTabSz="914400">
-              <a:lnSpc>
-                <a:spcPct val="115000"/>
-              </a:lnSpc>
-              <a:spcBef>
-                <a:spcPts val="1599"/>
-              </a:spcBef>
-              <a:buNone/>
-              <a:tabLst>
-                <a:tab pos="0" algn="l"/>
-              </a:tabLst>
-            </a:pPr>
-            <a:r>
-              <a:rPr lang="en-US" sz="1400" b="0" strike="noStrike" spc="-1">
-                <a:solidFill>
-                  <a:schemeClr val="accent2">
-                    <a:lumOff val="21760"/>
-                  </a:schemeClr>
-                </a:solidFill>
-                <a:latin typeface="Arial"/>
-                <a:ea typeface="Arial"/>
-              </a:rPr>
-              <a:t>Cutoff frequency: [insert the value you used for this image pair]</a:t>
-            </a:r>
-            <a:endParaRPr lang="en-US" sz="1400" b="0" strike="noStrike" spc="-1">
-              <a:solidFill>
-                <a:schemeClr val="accent2">
-                  <a:lumOff val="21760"/>
-                </a:schemeClr>
-              </a:solidFill>
-              <a:latin typeface="Arial"/>
-            </a:endParaRPr>
-          </a:p>
         </p:txBody>
       </p:sp>
+      <p:pic>
+        <p:nvPicPr>
+          <p:cNvPr id="3" name="Picture 2">
+            <a:extLst>
+              <a:ext uri="{FF2B5EF4-FFF2-40B4-BE49-F238E27FC236}">
+                <a16:creationId xmlns:a16="http://schemas.microsoft.com/office/drawing/2014/main" id="{E11B856B-40A8-654B-A7EB-F8B9698014B2}"/>
+              </a:ext>
+            </a:extLst>
+          </p:cNvPr>
+          <p:cNvPicPr>
+            <a:picLocks noChangeAspect="1"/>
+          </p:cNvPicPr>
+          <p:nvPr/>
+        </p:nvPicPr>
+        <p:blipFill>
+          <a:blip r:embed="rId2"/>
+          <a:stretch>
+            <a:fillRect/>
+          </a:stretch>
+        </p:blipFill>
+        <p:spPr>
+          <a:xfrm>
+            <a:off x="5058308" y="882312"/>
+            <a:ext cx="3073400" cy="2844800"/>
+          </a:xfrm>
+          <a:prstGeom prst="rect">
+            <a:avLst/>
+          </a:prstGeom>
+        </p:spPr>
+      </p:pic>
     </p:spTree>
   </p:cSld>
   <p:clrMapOvr>
@@ -20870,7 +23355,7 @@
               </a:tabLst>
             </a:pPr>
             <a:r>
-              <a:rPr lang="en-US" sz="1400" b="1" strike="noStrike" spc="-1">
+              <a:rPr lang="en-US" sz="1400" b="1" strike="noStrike" spc="-1" dirty="0">
                 <a:solidFill>
                   <a:schemeClr val="accent2">
                     <a:lumOff val="21760"/>
@@ -20881,7 +23366,7 @@
               </a:rPr>
               <a:t>Motorcycle + Bicycle</a:t>
             </a:r>
-            <a:endParaRPr lang="en-US" sz="1400" b="0" strike="noStrike" spc="-1">
+            <a:endParaRPr lang="en-US" sz="1400" b="0" strike="noStrike" spc="-1" dirty="0">
               <a:solidFill>
                 <a:schemeClr val="accent2">
                   <a:lumOff val="21760"/>
@@ -20903,8 +23388,119 @@
                 <a:tab pos="0" algn="l"/>
               </a:tabLst>
             </a:pPr>
+            <a:endParaRPr lang="en-US" sz="1400" b="0" strike="noStrike" spc="-1" dirty="0">
+              <a:solidFill>
+                <a:schemeClr val="accent2">
+                  <a:lumOff val="21760"/>
+                </a:schemeClr>
+              </a:solidFill>
+              <a:latin typeface="Arial"/>
+            </a:endParaRPr>
+          </a:p>
+          <a:p>
+            <a:pPr indent="0" defTabSz="914400">
+              <a:lnSpc>
+                <a:spcPct val="115000"/>
+              </a:lnSpc>
+              <a:spcBef>
+                <a:spcPts val="1599"/>
+              </a:spcBef>
+              <a:buNone/>
+              <a:tabLst>
+                <a:tab pos="0" algn="l"/>
+              </a:tabLst>
+            </a:pPr>
+            <a:endParaRPr lang="en-US" sz="1400" b="0" strike="noStrike" spc="-1" dirty="0">
+              <a:solidFill>
+                <a:schemeClr val="accent2">
+                  <a:lumOff val="21760"/>
+                </a:schemeClr>
+              </a:solidFill>
+              <a:latin typeface="Arial"/>
+            </a:endParaRPr>
+          </a:p>
+          <a:p>
+            <a:pPr indent="0" defTabSz="914400">
+              <a:lnSpc>
+                <a:spcPct val="115000"/>
+              </a:lnSpc>
+              <a:spcBef>
+                <a:spcPts val="1599"/>
+              </a:spcBef>
+              <a:buNone/>
+              <a:tabLst>
+                <a:tab pos="0" algn="l"/>
+              </a:tabLst>
+            </a:pPr>
+            <a:endParaRPr lang="en-US" sz="1400" b="0" strike="noStrike" spc="-1" dirty="0">
+              <a:solidFill>
+                <a:schemeClr val="accent2">
+                  <a:lumOff val="21760"/>
+                </a:schemeClr>
+              </a:solidFill>
+              <a:latin typeface="Arial"/>
+            </a:endParaRPr>
+          </a:p>
+          <a:p>
+            <a:pPr indent="0" defTabSz="914400">
+              <a:lnSpc>
+                <a:spcPct val="115000"/>
+              </a:lnSpc>
+              <a:spcBef>
+                <a:spcPts val="1599"/>
+              </a:spcBef>
+              <a:buNone/>
+              <a:tabLst>
+                <a:tab pos="0" algn="l"/>
+              </a:tabLst>
+            </a:pPr>
+            <a:endParaRPr lang="en-US" sz="1400" b="0" strike="noStrike" spc="-1" dirty="0">
+              <a:solidFill>
+                <a:schemeClr val="accent2">
+                  <a:lumOff val="21760"/>
+                </a:schemeClr>
+              </a:solidFill>
+              <a:latin typeface="Arial"/>
+            </a:endParaRPr>
+          </a:p>
+          <a:p>
+            <a:pPr indent="0" defTabSz="914400">
+              <a:lnSpc>
+                <a:spcPct val="115000"/>
+              </a:lnSpc>
+              <a:spcBef>
+                <a:spcPts val="1599"/>
+              </a:spcBef>
+              <a:buNone/>
+              <a:tabLst>
+                <a:tab pos="0" algn="l"/>
+              </a:tabLst>
+            </a:pPr>
+            <a:endParaRPr lang="en-US" sz="1400" b="0" strike="noStrike" spc="-1" dirty="0">
+              <a:solidFill>
+                <a:schemeClr val="accent2">
+                  <a:lumOff val="21760"/>
+                </a:schemeClr>
+              </a:solidFill>
+              <a:latin typeface="Arial"/>
+              <a:ea typeface="Arial"/>
+            </a:endParaRPr>
+          </a:p>
+          <a:p>
+            <a:pPr indent="0" defTabSz="914400">
+              <a:lnSpc>
+                <a:spcPct val="115000"/>
+              </a:lnSpc>
+              <a:spcBef>
+                <a:spcPts val="1599"/>
+              </a:spcBef>
+              <a:buNone/>
+              <a:tabLst>
+                <a:tab pos="0" algn="l"/>
+              </a:tabLst>
+            </a:pPr>
             <a:r>
-              <a:rPr lang="en-US" sz="1400" b="0" strike="noStrike" spc="-1">
+              <a:rPr lang="en-US" sz="1400" b="0" strike="noStrike" spc="-1" dirty="0">
                 <a:solidFill>
                   <a:schemeClr val="accent2">
                     <a:lumOff val="21760"/>
@@ -20913,131 +23509,9 @@
                 <a:latin typeface="Arial"/>
                 <a:ea typeface="Arial"/>
               </a:rPr>
-              <a:t>[insert your hybrid image here]</a:t>
+              <a:t>Cutoff frequency: 8</a:t>
             </a:r>
-            <a:endParaRPr lang="en-US" sz="1400" b="0" strike="noStrike" spc="-1">
-              <a:solidFill>
-                <a:schemeClr val="accent2">
-                  <a:lumOff val="21760"/>
-                </a:schemeClr>
-              </a:solidFill>
-              <a:latin typeface="Arial"/>
-            </a:endParaRPr>
-          </a:p>
-          <a:p>
-            <a:pPr indent="0" defTabSz="914400">
-              <a:lnSpc>
-                <a:spcPct val="115000"/>
-              </a:lnSpc>
-              <a:spcBef>
-                <a:spcPts val="1599"/>
-              </a:spcBef>
-              <a:buNone/>
-              <a:tabLst>
-                <a:tab pos="0" algn="l"/>
-              </a:tabLst>
-            </a:pPr>
-            <a:endParaRPr lang="en-US" sz="1400" b="0" strike="noStrike" spc="-1">
-              <a:solidFill>
-                <a:schemeClr val="accent2">
-                  <a:lumOff val="21760"/>
-                </a:schemeClr>
-              </a:solidFill>
-              <a:latin typeface="Arial"/>
-            </a:endParaRPr>
-          </a:p>
-          <a:p>
-            <a:pPr indent="0" defTabSz="914400">
-              <a:lnSpc>
-                <a:spcPct val="115000"/>
-              </a:lnSpc>
-              <a:spcBef>
-                <a:spcPts val="1599"/>
-              </a:spcBef>
-              <a:buNone/>
-              <a:tabLst>
-                <a:tab pos="0" algn="l"/>
-              </a:tabLst>
-            </a:pPr>
-            <a:endParaRPr lang="en-US" sz="1400" b="0" strike="noStrike" spc="-1">
-              <a:solidFill>
-                <a:schemeClr val="accent2">
-                  <a:lumOff val="21760"/>
-                </a:schemeClr>
-              </a:solidFill>
-              <a:latin typeface="Arial"/>
-            </a:endParaRPr>
-          </a:p>
-          <a:p>
-            <a:pPr indent="0" defTabSz="914400">
-              <a:lnSpc>
-                <a:spcPct val="115000"/>
-              </a:lnSpc>
-              <a:spcBef>
-                <a:spcPts val="1599"/>
-              </a:spcBef>
-              <a:buNone/>
-              <a:tabLst>
-                <a:tab pos="0" algn="l"/>
-              </a:tabLst>
-            </a:pPr>
-            <a:endParaRPr lang="en-US" sz="1400" b="0" strike="noStrike" spc="-1">
-              <a:solidFill>
-                <a:schemeClr val="accent2">
-                  <a:lumOff val="21760"/>
-                </a:schemeClr>
-              </a:solidFill>
-              <a:latin typeface="Arial"/>
-            </a:endParaRPr>
-          </a:p>
-          <a:p>
-            <a:pPr indent="0" defTabSz="914400">
-              <a:lnSpc>
-                <a:spcPct val="115000"/>
-              </a:lnSpc>
-              <a:spcBef>
-                <a:spcPts val="1599"/>
-              </a:spcBef>
-              <a:buNone/>
-              <a:tabLst>
-                <a:tab pos="0" algn="l"/>
-              </a:tabLst>
-            </a:pPr>
-            <a:endParaRPr lang="en-US" sz="1400" b="0" strike="noStrike" spc="-1">
-              <a:solidFill>
-                <a:schemeClr val="accent2">
-                  <a:lumOff val="21760"/>
-                </a:schemeClr>
-              </a:solidFill>
-              <a:latin typeface="Arial"/>
-            </a:endParaRPr>
-          </a:p>
-          <a:p>
-            <a:pPr indent="0" defTabSz="914400">
-              <a:lnSpc>
-                <a:spcPct val="115000"/>
-              </a:lnSpc>
-              <a:spcBef>
-                <a:spcPts val="1599"/>
-              </a:spcBef>
-              <a:buNone/>
-              <a:tabLst>
-                <a:tab pos="0" algn="l"/>
-              </a:tabLst>
-            </a:pPr>
-            <a:r>
-              <a:rPr lang="en-US" sz="1400" b="0" strike="noStrike" spc="-1">
-                <a:solidFill>
-                  <a:schemeClr val="accent2">
-                    <a:lumOff val="21760"/>
-                  </a:schemeClr>
-                </a:solidFill>
-                <a:latin typeface="Arial"/>
-                <a:ea typeface="Arial"/>
-              </a:rPr>
-              <a:t>Cutoff frequency: [insert the value you used for this image pair]</a:t>
-            </a:r>
-            <a:endParaRPr lang="en-US" sz="1400" b="0" strike="noStrike" spc="-1">
+            <a:endParaRPr lang="en-US" sz="1400" b="0" strike="noStrike" spc="-1" dirty="0">
               <a:solidFill>
                 <a:schemeClr val="accent2">
                   <a:lumOff val="21760"/>
@@ -21087,7 +23561,7 @@
               </a:tabLst>
             </a:pPr>
             <a:r>
-              <a:rPr lang="en-US" sz="1400" b="1" strike="noStrike" spc="-1">
+              <a:rPr lang="en-US" sz="1400" b="1" strike="noStrike" spc="-1" dirty="0">
                 <a:solidFill>
                   <a:schemeClr val="accent2">
                     <a:lumOff val="21760"/>
@@ -21098,7 +23572,7 @@
               </a:rPr>
               <a:t>Plane + Bird</a:t>
             </a:r>
-            <a:endParaRPr lang="en-US" sz="1400" b="0" strike="noStrike" spc="-1">
+            <a:endParaRPr lang="en-US" sz="1400" b="0" strike="noStrike" spc="-1" dirty="0">
               <a:solidFill>
                 <a:schemeClr val="accent2">
                   <a:lumOff val="21760"/>
@@ -21120,8 +23594,119 @@
                 <a:tab pos="0" algn="l"/>
               </a:tabLst>
             </a:pPr>
+            <a:endParaRPr lang="en-US" sz="1400" b="0" strike="noStrike" spc="-1" dirty="0">
+              <a:solidFill>
+                <a:schemeClr val="accent2">
+                  <a:lumOff val="21760"/>
+                </a:schemeClr>
+              </a:solidFill>
+              <a:latin typeface="Arial"/>
+            </a:endParaRPr>
+          </a:p>
+          <a:p>
+            <a:pPr indent="0" defTabSz="914400">
+              <a:lnSpc>
+                <a:spcPct val="115000"/>
+              </a:lnSpc>
+              <a:spcBef>
+                <a:spcPts val="1599"/>
+              </a:spcBef>
+              <a:buNone/>
+              <a:tabLst>
+                <a:tab pos="0" algn="l"/>
+              </a:tabLst>
+            </a:pPr>
+            <a:endParaRPr lang="en-US" sz="1400" b="0" strike="noStrike" spc="-1" dirty="0">
+              <a:solidFill>
+                <a:schemeClr val="accent2">
+                  <a:lumOff val="21760"/>
+                </a:schemeClr>
+              </a:solidFill>
+              <a:latin typeface="Arial"/>
+            </a:endParaRPr>
+          </a:p>
+          <a:p>
+            <a:pPr indent="0" defTabSz="914400">
+              <a:lnSpc>
+                <a:spcPct val="115000"/>
+              </a:lnSpc>
+              <a:spcBef>
+                <a:spcPts val="1599"/>
+              </a:spcBef>
+              <a:buNone/>
+              <a:tabLst>
+                <a:tab pos="0" algn="l"/>
+              </a:tabLst>
+            </a:pPr>
+            <a:endParaRPr lang="en-US" sz="1400" b="0" strike="noStrike" spc="-1" dirty="0">
+              <a:solidFill>
+                <a:schemeClr val="accent2">
+                  <a:lumOff val="21760"/>
+                </a:schemeClr>
+              </a:solidFill>
+              <a:latin typeface="Arial"/>
+            </a:endParaRPr>
+          </a:p>
+          <a:p>
+            <a:pPr indent="0" defTabSz="914400">
+              <a:lnSpc>
+                <a:spcPct val="115000"/>
+              </a:lnSpc>
+              <a:spcBef>
+                <a:spcPts val="1599"/>
+              </a:spcBef>
+              <a:buNone/>
+              <a:tabLst>
+                <a:tab pos="0" algn="l"/>
+              </a:tabLst>
+            </a:pPr>
+            <a:endParaRPr lang="en-US" sz="1400" b="0" strike="noStrike" spc="-1" dirty="0">
+              <a:solidFill>
+                <a:schemeClr val="accent2">
+                  <a:lumOff val="21760"/>
+                </a:schemeClr>
+              </a:solidFill>
+              <a:latin typeface="Arial"/>
+            </a:endParaRPr>
+          </a:p>
+          <a:p>
+            <a:pPr indent="0" defTabSz="914400">
+              <a:lnSpc>
+                <a:spcPct val="115000"/>
+              </a:lnSpc>
+              <a:spcBef>
+                <a:spcPts val="1599"/>
+              </a:spcBef>
+              <a:buNone/>
+              <a:tabLst>
+                <a:tab pos="0" algn="l"/>
+              </a:tabLst>
+            </a:pPr>
+            <a:endParaRPr lang="en-US" sz="1400" b="0" strike="noStrike" spc="-1" dirty="0">
+              <a:solidFill>
+                <a:schemeClr val="accent2">
+                  <a:lumOff val="21760"/>
+                </a:schemeClr>
+              </a:solidFill>
+              <a:latin typeface="Arial"/>
+              <a:ea typeface="Arial"/>
+            </a:endParaRPr>
+          </a:p>
+          <a:p>
+            <a:pPr indent="0" defTabSz="914400">
+              <a:lnSpc>
+                <a:spcPct val="115000"/>
+              </a:lnSpc>
+              <a:spcBef>
+                <a:spcPts val="1599"/>
+              </a:spcBef>
+              <a:buNone/>
+              <a:tabLst>
+                <a:tab pos="0" algn="l"/>
+              </a:tabLst>
+            </a:pPr>
             <a:r>
-              <a:rPr lang="en-US" sz="1400" b="0" strike="noStrike" spc="-1">
+              <a:rPr lang="en-US" sz="1400" b="0" strike="noStrike" spc="-1" dirty="0">
                 <a:solidFill>
                   <a:schemeClr val="accent2">
                     <a:lumOff val="21760"/>
@@ -21130,9 +23715,9 @@
                 <a:latin typeface="Arial"/>
                 <a:ea typeface="Arial"/>
               </a:rPr>
-              <a:t>[insert your hybrid image here]</a:t>
+              <a:t>Cutoff frequency: 7</a:t>
             </a:r>
-            <a:endParaRPr lang="en-US" sz="1400" b="0" strike="noStrike" spc="-1">
+            <a:endParaRPr lang="en-US" sz="1400" b="0" strike="noStrike" spc="-1" dirty="0">
               <a:solidFill>
                 <a:schemeClr val="accent2">
                   <a:lumOff val="21760"/>
@@ -21141,130 +23726,68 @@
               <a:latin typeface="Arial"/>
             </a:endParaRPr>
           </a:p>
-          <a:p>
-            <a:pPr indent="0" defTabSz="914400">
-              <a:lnSpc>
-                <a:spcPct val="115000"/>
-              </a:lnSpc>
-              <a:spcBef>
-                <a:spcPts val="1599"/>
-              </a:spcBef>
-              <a:buNone/>
-              <a:tabLst>
-                <a:tab pos="0" algn="l"/>
-              </a:tabLst>
-            </a:pPr>
-            <a:endParaRPr lang="en-US" sz="1400" b="0" strike="noStrike" spc="-1">
-              <a:solidFill>
-                <a:schemeClr val="accent2">
-                  <a:lumOff val="21760"/>
-                </a:schemeClr>
-              </a:solidFill>
-              <a:latin typeface="Arial"/>
-            </a:endParaRPr>
-          </a:p>
-          <a:p>
-            <a:pPr indent="0" defTabSz="914400">
-              <a:lnSpc>
-                <a:spcPct val="115000"/>
-              </a:lnSpc>
-              <a:spcBef>
-                <a:spcPts val="1599"/>
-              </a:spcBef>
-              <a:buNone/>
-              <a:tabLst>
-                <a:tab pos="0" algn="l"/>
-              </a:tabLst>
-            </a:pPr>
-            <a:endParaRPr lang="en-US" sz="1400" b="0" strike="noStrike" spc="-1">
-              <a:solidFill>
-                <a:schemeClr val="accent2">
-                  <a:lumOff val="21760"/>
-                </a:schemeClr>
-              </a:solidFill>
-              <a:latin typeface="Arial"/>
-            </a:endParaRPr>
-          </a:p>
-          <a:p>
-            <a:pPr indent="0" defTabSz="914400">
-              <a:lnSpc>
-                <a:spcPct val="115000"/>
-              </a:lnSpc>
-              <a:spcBef>
-                <a:spcPts val="1599"/>
-              </a:spcBef>
-              <a:buNone/>
-              <a:tabLst>
-                <a:tab pos="0" algn="l"/>
-              </a:tabLst>
-            </a:pPr>
-            <a:endParaRPr lang="en-US" sz="1400" b="0" strike="noStrike" spc="-1">
-              <a:solidFill>
-                <a:schemeClr val="accent2">
-                  <a:lumOff val="21760"/>
-                </a:schemeClr>
-              </a:solidFill>
-              <a:latin typeface="Arial"/>
-            </a:endParaRPr>
-          </a:p>
-          <a:p>
-            <a:pPr indent="0" defTabSz="914400">
-              <a:lnSpc>
-                <a:spcPct val="115000"/>
-              </a:lnSpc>
-              <a:spcBef>
-                <a:spcPts val="1599"/>
-              </a:spcBef>
-              <a:buNone/>
-              <a:tabLst>
-                <a:tab pos="0" algn="l"/>
-              </a:tabLst>
-            </a:pPr>
-            <a:endParaRPr lang="en-US" sz="1400" b="0" strike="noStrike" spc="-1">
-              <a:solidFill>
-                <a:schemeClr val="accent2">
-                  <a:lumOff val="21760"/>
-                </a:schemeClr>
-              </a:solidFill>
-              <a:latin typeface="Arial"/>
-            </a:endParaRPr>
-          </a:p>
-          <a:p>
-            <a:pPr indent="0" defTabSz="914400">
-              <a:lnSpc>
-                <a:spcPct val="115000"/>
-              </a:lnSpc>
-              <a:spcBef>
-                <a:spcPts val="1599"/>
-              </a:spcBef>
-              <a:buNone/>
-              <a:tabLst>
-                <a:tab pos="0" algn="l"/>
-              </a:tabLst>
-            </a:pPr>
-            <a:r>
-              <a:rPr lang="en-US" sz="1400" b="0" strike="noStrike" spc="-1">
-                <a:solidFill>
-                  <a:schemeClr val="accent2">
-                    <a:lumOff val="21760"/>
-                  </a:schemeClr>
-                </a:solidFill>
-                <a:latin typeface="Arial"/>
-                <a:ea typeface="Arial"/>
-              </a:rPr>
-              <a:t>Cutoff frequency: [insert the value you used for this image pair]</a:t>
-            </a:r>
-            <a:endParaRPr lang="en-US" sz="1400" b="0" strike="noStrike" spc="-1">
-              <a:solidFill>
-                <a:schemeClr val="accent2">
-                  <a:lumOff val="21760"/>
-                </a:schemeClr>
-              </a:solidFill>
-              <a:latin typeface="Arial"/>
-            </a:endParaRPr>
-          </a:p>
         </p:txBody>
       </p:sp>
+      <p:pic>
+        <p:nvPicPr>
+          <p:cNvPr id="2" name="Picture 1">
+            <a:extLst>
+              <a:ext uri="{FF2B5EF4-FFF2-40B4-BE49-F238E27FC236}">
+                <a16:creationId xmlns:a16="http://schemas.microsoft.com/office/drawing/2014/main" id="{750A09E7-8CA4-1E41-B200-8E70B7E0FE2F}"/>
+              </a:ext>
+            </a:extLst>
+          </p:cNvPr>
+          <p:cNvPicPr>
+            <a:picLocks noChangeAspect="1"/>
+          </p:cNvPicPr>
+          <p:nvPr/>
+        </p:nvPicPr>
+        <p:blipFill>
+          <a:blip r:embed="rId2"/>
+          <a:stretch>
+            <a:fillRect/>
+          </a:stretch>
+        </p:blipFill>
+        <p:spPr>
+          <a:xfrm>
+            <a:off x="373020" y="1466850"/>
+            <a:ext cx="3073400" cy="2209800"/>
+          </a:xfrm>
+          <a:prstGeom prst="rect">
+            <a:avLst/>
+          </a:prstGeom>
+        </p:spPr>
+      </p:pic>
+      <p:pic>
+        <p:nvPicPr>
+          <p:cNvPr id="4" name="Picture 3">
+            <a:extLst>
+              <a:ext uri="{FF2B5EF4-FFF2-40B4-BE49-F238E27FC236}">
+                <a16:creationId xmlns:a16="http://schemas.microsoft.com/office/drawing/2014/main" id="{806A7C5D-4CAE-E84F-B786-957AD515E4A5}"/>
+              </a:ext>
+            </a:extLst>
+          </p:cNvPr>
+          <p:cNvPicPr>
+            <a:picLocks noChangeAspect="1"/>
+          </p:cNvPicPr>
+          <p:nvPr/>
+        </p:nvPicPr>
+        <p:blipFill>
+          <a:blip r:embed="rId3"/>
+          <a:stretch>
+            <a:fillRect/>
+          </a:stretch>
+        </p:blipFill>
+        <p:spPr>
+          <a:xfrm>
+            <a:off x="4961204" y="1466849"/>
+            <a:ext cx="2410640" cy="2241297"/>
+          </a:xfrm>
+          <a:prstGeom prst="rect">
+            <a:avLst/>
+          </a:prstGeom>
+        </p:spPr>
+      </p:pic>
     </p:spTree>
   </p:cSld>
   <p:clrMapOvr>
@@ -21329,7 +23852,7 @@
               </a:tabLst>
             </a:pPr>
             <a:r>
-              <a:rPr lang="en-US" sz="2690" b="0" strike="noStrike" spc="-1">
+              <a:rPr lang="en-US" sz="2690" b="0" strike="noStrike" spc="-1" dirty="0">
                 <a:solidFill>
                   <a:srgbClr val="000000"/>
                 </a:solidFill>
@@ -21338,7 +23861,7 @@
               </a:rPr>
               <a:t>Part 1: Hybrid images</a:t>
             </a:r>
-            <a:endParaRPr lang="en-US" sz="2690" b="0" strike="noStrike" spc="-1">
+            <a:endParaRPr lang="en-US" sz="2690" b="0" strike="noStrike" spc="-1" dirty="0">
               <a:solidFill>
                 <a:srgbClr val="000000"/>
               </a:solidFill>
@@ -21386,7 +23909,7 @@
               </a:tabLst>
             </a:pPr>
             <a:r>
-              <a:rPr lang="en-US" sz="1400" b="1" strike="noStrike" spc="-1">
+              <a:rPr lang="en-US" sz="1400" b="1" strike="noStrike" spc="-1" dirty="0">
                 <a:solidFill>
                   <a:schemeClr val="accent2">
                     <a:lumOff val="21760"/>
@@ -21397,7 +23920,7 @@
               </a:rPr>
               <a:t>Einstein + Marilyn</a:t>
             </a:r>
-            <a:endParaRPr lang="en-US" sz="1400" b="0" strike="noStrike" spc="-1">
+            <a:endParaRPr lang="en-US" sz="1400" b="0" strike="noStrike" spc="-1" dirty="0">
               <a:solidFill>
                 <a:schemeClr val="accent2">
                   <a:lumOff val="21760"/>
@@ -21419,8 +23942,142 @@
                 <a:tab pos="0" algn="l"/>
               </a:tabLst>
             </a:pPr>
+            <a:endParaRPr lang="en-US" sz="1400" b="0" strike="noStrike" spc="-1" dirty="0">
+              <a:solidFill>
+                <a:schemeClr val="accent2">
+                  <a:lumOff val="21760"/>
+                </a:schemeClr>
+              </a:solidFill>
+              <a:latin typeface="Arial"/>
+            </a:endParaRPr>
+          </a:p>
+          <a:p>
+            <a:pPr indent="0" defTabSz="914400">
+              <a:lnSpc>
+                <a:spcPct val="115000"/>
+              </a:lnSpc>
+              <a:spcBef>
+                <a:spcPts val="1599"/>
+              </a:spcBef>
+              <a:buNone/>
+              <a:tabLst>
+                <a:tab pos="0" algn="l"/>
+              </a:tabLst>
+            </a:pPr>
+            <a:endParaRPr lang="en-US" sz="1400" b="0" strike="noStrike" spc="-1" dirty="0">
+              <a:solidFill>
+                <a:schemeClr val="accent2">
+                  <a:lumOff val="21760"/>
+                </a:schemeClr>
+              </a:solidFill>
+              <a:latin typeface="Arial"/>
+            </a:endParaRPr>
+          </a:p>
+          <a:p>
+            <a:pPr indent="0" defTabSz="914400">
+              <a:lnSpc>
+                <a:spcPct val="115000"/>
+              </a:lnSpc>
+              <a:spcBef>
+                <a:spcPts val="1599"/>
+              </a:spcBef>
+              <a:buNone/>
+              <a:tabLst>
+                <a:tab pos="0" algn="l"/>
+              </a:tabLst>
+            </a:pPr>
+            <a:endParaRPr lang="en-US" sz="1400" b="0" strike="noStrike" spc="-1" dirty="0">
+              <a:solidFill>
+                <a:schemeClr val="accent2">
+                  <a:lumOff val="21760"/>
+                </a:schemeClr>
+              </a:solidFill>
+              <a:latin typeface="Arial"/>
+            </a:endParaRPr>
+          </a:p>
+          <a:p>
+            <a:pPr indent="0" defTabSz="914400">
+              <a:lnSpc>
+                <a:spcPct val="115000"/>
+              </a:lnSpc>
+              <a:spcBef>
+                <a:spcPts val="1599"/>
+              </a:spcBef>
+              <a:buNone/>
+              <a:tabLst>
+                <a:tab pos="0" algn="l"/>
+              </a:tabLst>
+            </a:pPr>
+            <a:endParaRPr lang="en-US" sz="1400" b="0" strike="noStrike" spc="-1" dirty="0">
+              <a:solidFill>
+                <a:schemeClr val="accent2">
+                  <a:lumOff val="21760"/>
+                </a:schemeClr>
+              </a:solidFill>
+              <a:latin typeface="Arial"/>
+            </a:endParaRPr>
+          </a:p>
+          <a:p>
+            <a:pPr indent="0" defTabSz="914400">
+              <a:lnSpc>
+                <a:spcPct val="115000"/>
+              </a:lnSpc>
+              <a:spcBef>
+                <a:spcPts val="1599"/>
+              </a:spcBef>
+              <a:buNone/>
+              <a:tabLst>
+                <a:tab pos="0" algn="l"/>
+              </a:tabLst>
+            </a:pPr>
+            <a:endParaRPr lang="en-US" sz="1400" b="0" strike="noStrike" spc="-1" dirty="0">
+              <a:solidFill>
+                <a:schemeClr val="accent2">
+                  <a:lumOff val="21760"/>
+                </a:schemeClr>
+              </a:solidFill>
+              <a:latin typeface="Arial"/>
+              <a:ea typeface="Arial"/>
+            </a:endParaRPr>
+          </a:p>
+          <a:p>
+            <a:pPr indent="0" defTabSz="914400">
+              <a:lnSpc>
+                <a:spcPct val="115000"/>
+              </a:lnSpc>
+              <a:spcBef>
+                <a:spcPts val="1599"/>
+              </a:spcBef>
+              <a:buNone/>
+              <a:tabLst>
+                <a:tab pos="0" algn="l"/>
+              </a:tabLst>
+            </a:pPr>
+            <a:endParaRPr lang="en-US" sz="800" spc="-1" dirty="0">
+              <a:solidFill>
+                <a:schemeClr val="accent2">
+                  <a:lumOff val="21760"/>
+                </a:schemeClr>
+              </a:solidFill>
+              <a:latin typeface="Arial"/>
+              <a:ea typeface="Arial"/>
+            </a:endParaRPr>
+          </a:p>
+          <a:p>
+            <a:pPr indent="0" defTabSz="914400">
+              <a:lnSpc>
+                <a:spcPct val="115000"/>
+              </a:lnSpc>
+              <a:spcBef>
+                <a:spcPts val="1599"/>
+              </a:spcBef>
+              <a:buNone/>
+              <a:tabLst>
+                <a:tab pos="0" algn="l"/>
+              </a:tabLst>
+            </a:pPr>
             <a:r>
-              <a:rPr lang="en-US" sz="1400" b="0" strike="noStrike" spc="-1">
+              <a:rPr lang="en-US" sz="1400" b="0" strike="noStrike" spc="-1" dirty="0">
                 <a:solidFill>
                   <a:schemeClr val="accent2">
                     <a:lumOff val="21760"/>
@@ -21429,131 +24086,9 @@
                 <a:latin typeface="Arial"/>
                 <a:ea typeface="Arial"/>
               </a:rPr>
-              <a:t>[insert your hybrid image here]</a:t>
+              <a:t>Cutoff frequency: 4</a:t>
             </a:r>
-            <a:endParaRPr lang="en-US" sz="1400" b="0" strike="noStrike" spc="-1">
-              <a:solidFill>
-                <a:schemeClr val="accent2">
-                  <a:lumOff val="21760"/>
-                </a:schemeClr>
-              </a:solidFill>
-              <a:latin typeface="Arial"/>
-            </a:endParaRPr>
-          </a:p>
-          <a:p>
-            <a:pPr indent="0" defTabSz="914400">
-              <a:lnSpc>
-                <a:spcPct val="115000"/>
-              </a:lnSpc>
-              <a:spcBef>
-                <a:spcPts val="1599"/>
-              </a:spcBef>
-              <a:buNone/>
-              <a:tabLst>
-                <a:tab pos="0" algn="l"/>
-              </a:tabLst>
-            </a:pPr>
-            <a:endParaRPr lang="en-US" sz="1400" b="0" strike="noStrike" spc="-1">
-              <a:solidFill>
-                <a:schemeClr val="accent2">
-                  <a:lumOff val="21760"/>
-                </a:schemeClr>
-              </a:solidFill>
-              <a:latin typeface="Arial"/>
-            </a:endParaRPr>
-          </a:p>
-          <a:p>
-            <a:pPr indent="0" defTabSz="914400">
-              <a:lnSpc>
-                <a:spcPct val="115000"/>
-              </a:lnSpc>
-              <a:spcBef>
-                <a:spcPts val="1599"/>
-              </a:spcBef>
-              <a:buNone/>
-              <a:tabLst>
-                <a:tab pos="0" algn="l"/>
-              </a:tabLst>
-            </a:pPr>
-            <a:endParaRPr lang="en-US" sz="1400" b="0" strike="noStrike" spc="-1">
-              <a:solidFill>
-                <a:schemeClr val="accent2">
-                  <a:lumOff val="21760"/>
-                </a:schemeClr>
-              </a:solidFill>
-              <a:latin typeface="Arial"/>
-            </a:endParaRPr>
-          </a:p>
-          <a:p>
-            <a:pPr indent="0" defTabSz="914400">
-              <a:lnSpc>
-                <a:spcPct val="115000"/>
-              </a:lnSpc>
-              <a:spcBef>
-                <a:spcPts val="1599"/>
-              </a:spcBef>
-              <a:buNone/>
-              <a:tabLst>
-                <a:tab pos="0" algn="l"/>
-              </a:tabLst>
-            </a:pPr>
-            <a:endParaRPr lang="en-US" sz="1400" b="0" strike="noStrike" spc="-1">
-              <a:solidFill>
-                <a:schemeClr val="accent2">
-                  <a:lumOff val="21760"/>
-                </a:schemeClr>
-              </a:solidFill>
-              <a:latin typeface="Arial"/>
-            </a:endParaRPr>
-          </a:p>
-          <a:p>
-            <a:pPr indent="0" defTabSz="914400">
-              <a:lnSpc>
-                <a:spcPct val="115000"/>
-              </a:lnSpc>
-              <a:spcBef>
-                <a:spcPts val="1599"/>
-              </a:spcBef>
-              <a:buNone/>
-              <a:tabLst>
-                <a:tab pos="0" algn="l"/>
-              </a:tabLst>
-            </a:pPr>
-            <a:endParaRPr lang="en-US" sz="1400" b="0" strike="noStrike" spc="-1">
-              <a:solidFill>
-                <a:schemeClr val="accent2">
-                  <a:lumOff val="21760"/>
-                </a:schemeClr>
-              </a:solidFill>
-              <a:latin typeface="Arial"/>
-            </a:endParaRPr>
-          </a:p>
-          <a:p>
-            <a:pPr indent="0" defTabSz="914400">
-              <a:lnSpc>
-                <a:spcPct val="115000"/>
-              </a:lnSpc>
-              <a:spcBef>
-                <a:spcPts val="1599"/>
-              </a:spcBef>
-              <a:buNone/>
-              <a:tabLst>
-                <a:tab pos="0" algn="l"/>
-              </a:tabLst>
-            </a:pPr>
-            <a:r>
-              <a:rPr lang="en-US" sz="1400" b="0" strike="noStrike" spc="-1">
-                <a:solidFill>
-                  <a:schemeClr val="accent2">
-                    <a:lumOff val="21760"/>
-                  </a:schemeClr>
-                </a:solidFill>
-                <a:latin typeface="Arial"/>
-                <a:ea typeface="Arial"/>
-              </a:rPr>
-              <a:t>Cutoff frequency: [insert the value you used for this image pair]</a:t>
-            </a:r>
-            <a:endParaRPr lang="en-US" sz="1400" b="0" strike="noStrike" spc="-1">
+            <a:endParaRPr lang="en-US" sz="1400" b="0" strike="noStrike" spc="-1" dirty="0">
               <a:solidFill>
                 <a:schemeClr val="accent2">
                   <a:lumOff val="21760"/>
@@ -21576,7 +24111,7 @@
         </p:nvSpPr>
         <p:spPr>
           <a:xfrm>
-            <a:off x="4832280" y="1152360"/>
+            <a:off x="4832280" y="1017360"/>
             <a:ext cx="3999600" cy="3416040"/>
           </a:xfrm>
           <a:prstGeom prst="rect">
@@ -21603,7 +24138,7 @@
               </a:tabLst>
             </a:pPr>
             <a:r>
-              <a:rPr lang="en-US" sz="1400" b="1" strike="noStrike" spc="-1">
+              <a:rPr lang="en-US" sz="1400" b="1" strike="noStrike" spc="-1" dirty="0">
                 <a:solidFill>
                   <a:schemeClr val="accent2">
                     <a:lumOff val="21760"/>
@@ -21614,7 +24149,7 @@
               </a:rPr>
               <a:t>Submarine + Fish</a:t>
             </a:r>
-            <a:endParaRPr lang="en-US" sz="1400" b="0" strike="noStrike" spc="-1">
+            <a:endParaRPr lang="en-US" sz="1400" b="0" strike="noStrike" spc="-1" dirty="0">
               <a:solidFill>
                 <a:schemeClr val="accent2">
                   <a:lumOff val="21760"/>
@@ -21636,8 +24171,142 @@
                 <a:tab pos="0" algn="l"/>
               </a:tabLst>
             </a:pPr>
+            <a:endParaRPr lang="en-US" sz="1400" b="0" strike="noStrike" spc="-1" dirty="0">
+              <a:solidFill>
+                <a:schemeClr val="accent2">
+                  <a:lumOff val="21760"/>
+                </a:schemeClr>
+              </a:solidFill>
+              <a:latin typeface="Arial"/>
+            </a:endParaRPr>
+          </a:p>
+          <a:p>
+            <a:pPr indent="0" defTabSz="914400">
+              <a:lnSpc>
+                <a:spcPct val="115000"/>
+              </a:lnSpc>
+              <a:spcBef>
+                <a:spcPts val="1599"/>
+              </a:spcBef>
+              <a:buNone/>
+              <a:tabLst>
+                <a:tab pos="0" algn="l"/>
+              </a:tabLst>
+            </a:pPr>
+            <a:endParaRPr lang="en-US" sz="1400" b="0" strike="noStrike" spc="-1" dirty="0">
+              <a:solidFill>
+                <a:schemeClr val="accent2">
+                  <a:lumOff val="21760"/>
+                </a:schemeClr>
+              </a:solidFill>
+              <a:latin typeface="Arial"/>
+            </a:endParaRPr>
+          </a:p>
+          <a:p>
+            <a:pPr indent="0" defTabSz="914400">
+              <a:lnSpc>
+                <a:spcPct val="115000"/>
+              </a:lnSpc>
+              <a:spcBef>
+                <a:spcPts val="1599"/>
+              </a:spcBef>
+              <a:buNone/>
+              <a:tabLst>
+                <a:tab pos="0" algn="l"/>
+              </a:tabLst>
+            </a:pPr>
+            <a:endParaRPr lang="en-US" sz="1400" b="0" strike="noStrike" spc="-1" dirty="0">
+              <a:solidFill>
+                <a:schemeClr val="accent2">
+                  <a:lumOff val="21760"/>
+                </a:schemeClr>
+              </a:solidFill>
+              <a:latin typeface="Arial"/>
+            </a:endParaRPr>
+          </a:p>
+          <a:p>
+            <a:pPr indent="0" defTabSz="914400">
+              <a:lnSpc>
+                <a:spcPct val="115000"/>
+              </a:lnSpc>
+              <a:spcBef>
+                <a:spcPts val="1599"/>
+              </a:spcBef>
+              <a:buNone/>
+              <a:tabLst>
+                <a:tab pos="0" algn="l"/>
+              </a:tabLst>
+            </a:pPr>
+            <a:endParaRPr lang="en-US" sz="1400" b="0" strike="noStrike" spc="-1" dirty="0">
+              <a:solidFill>
+                <a:schemeClr val="accent2">
+                  <a:lumOff val="21760"/>
+                </a:schemeClr>
+              </a:solidFill>
+              <a:latin typeface="Arial"/>
+            </a:endParaRPr>
+          </a:p>
+          <a:p>
+            <a:pPr indent="0" defTabSz="914400">
+              <a:lnSpc>
+                <a:spcPct val="115000"/>
+              </a:lnSpc>
+              <a:spcBef>
+                <a:spcPts val="1599"/>
+              </a:spcBef>
+              <a:buNone/>
+              <a:tabLst>
+                <a:tab pos="0" algn="l"/>
+              </a:tabLst>
+            </a:pPr>
+            <a:endParaRPr lang="en-US" sz="1400" b="0" strike="noStrike" spc="-1" dirty="0">
+              <a:solidFill>
+                <a:schemeClr val="accent2">
+                  <a:lumOff val="21760"/>
+                </a:schemeClr>
+              </a:solidFill>
+              <a:latin typeface="Arial"/>
+              <a:ea typeface="Arial"/>
+            </a:endParaRPr>
+          </a:p>
+          <a:p>
+            <a:pPr indent="0" defTabSz="914400">
+              <a:lnSpc>
+                <a:spcPct val="115000"/>
+              </a:lnSpc>
+              <a:spcBef>
+                <a:spcPts val="1599"/>
+              </a:spcBef>
+              <a:buNone/>
+              <a:tabLst>
+                <a:tab pos="0" algn="l"/>
+              </a:tabLst>
+            </a:pPr>
+            <a:endParaRPr lang="en-US" sz="1400" spc="-1" dirty="0">
+              <a:solidFill>
+                <a:schemeClr val="accent2">
+                  <a:lumOff val="21760"/>
+                </a:schemeClr>
+              </a:solidFill>
+              <a:latin typeface="Arial"/>
+              <a:ea typeface="Arial"/>
+            </a:endParaRPr>
+          </a:p>
+          <a:p>
+            <a:pPr indent="0" defTabSz="914400">
+              <a:lnSpc>
+                <a:spcPct val="115000"/>
+              </a:lnSpc>
+              <a:spcBef>
+                <a:spcPts val="1599"/>
+              </a:spcBef>
+              <a:buNone/>
+              <a:tabLst>
+                <a:tab pos="0" algn="l"/>
+              </a:tabLst>
+            </a:pPr>
             <a:r>
-              <a:rPr lang="en-US" sz="1400" b="0" strike="noStrike" spc="-1">
+              <a:rPr lang="en-US" sz="1400" b="0" strike="noStrike" spc="-1" dirty="0">
                 <a:solidFill>
                   <a:schemeClr val="accent2">
                     <a:lumOff val="21760"/>
@@ -21646,9 +24315,9 @@
                 <a:latin typeface="Arial"/>
                 <a:ea typeface="Arial"/>
               </a:rPr>
-              <a:t>[insert your hybrid image here]</a:t>
+              <a:t>Cutoff frequency: 3</a:t>
             </a:r>
-            <a:endParaRPr lang="en-US" sz="1400" b="0" strike="noStrike" spc="-1">
+            <a:endParaRPr lang="en-US" sz="1400" b="0" strike="noStrike" spc="-1" dirty="0">
               <a:solidFill>
                 <a:schemeClr val="accent2">
                   <a:lumOff val="21760"/>
@@ -21657,130 +24326,68 @@
               <a:latin typeface="Arial"/>
             </a:endParaRPr>
           </a:p>
-          <a:p>
-            <a:pPr indent="0" defTabSz="914400">
-              <a:lnSpc>
-                <a:spcPct val="115000"/>
-              </a:lnSpc>
-              <a:spcBef>
-                <a:spcPts val="1599"/>
-              </a:spcBef>
-              <a:buNone/>
-              <a:tabLst>
-                <a:tab pos="0" algn="l"/>
-              </a:tabLst>
-            </a:pPr>
-            <a:endParaRPr lang="en-US" sz="1400" b="0" strike="noStrike" spc="-1">
-              <a:solidFill>
-                <a:schemeClr val="accent2">
-                  <a:lumOff val="21760"/>
-                </a:schemeClr>
-              </a:solidFill>
-              <a:latin typeface="Arial"/>
-            </a:endParaRPr>
-          </a:p>
-          <a:p>
-            <a:pPr indent="0" defTabSz="914400">
-              <a:lnSpc>
-                <a:spcPct val="115000"/>
-              </a:lnSpc>
-              <a:spcBef>
-                <a:spcPts val="1599"/>
-              </a:spcBef>
-              <a:buNone/>
-              <a:tabLst>
-                <a:tab pos="0" algn="l"/>
-              </a:tabLst>
-            </a:pPr>
-            <a:endParaRPr lang="en-US" sz="1400" b="0" strike="noStrike" spc="-1">
-              <a:solidFill>
-                <a:schemeClr val="accent2">
-                  <a:lumOff val="21760"/>
-                </a:schemeClr>
-              </a:solidFill>
-              <a:latin typeface="Arial"/>
-            </a:endParaRPr>
-          </a:p>
-          <a:p>
-            <a:pPr indent="0" defTabSz="914400">
-              <a:lnSpc>
-                <a:spcPct val="115000"/>
-              </a:lnSpc>
-              <a:spcBef>
-                <a:spcPts val="1599"/>
-              </a:spcBef>
-              <a:buNone/>
-              <a:tabLst>
-                <a:tab pos="0" algn="l"/>
-              </a:tabLst>
-            </a:pPr>
-            <a:endParaRPr lang="en-US" sz="1400" b="0" strike="noStrike" spc="-1">
-              <a:solidFill>
-                <a:schemeClr val="accent2">
-                  <a:lumOff val="21760"/>
-                </a:schemeClr>
-              </a:solidFill>
-              <a:latin typeface="Arial"/>
-            </a:endParaRPr>
-          </a:p>
-          <a:p>
-            <a:pPr indent="0" defTabSz="914400">
-              <a:lnSpc>
-                <a:spcPct val="115000"/>
-              </a:lnSpc>
-              <a:spcBef>
-                <a:spcPts val="1599"/>
-              </a:spcBef>
-              <a:buNone/>
-              <a:tabLst>
-                <a:tab pos="0" algn="l"/>
-              </a:tabLst>
-            </a:pPr>
-            <a:endParaRPr lang="en-US" sz="1400" b="0" strike="noStrike" spc="-1">
-              <a:solidFill>
-                <a:schemeClr val="accent2">
-                  <a:lumOff val="21760"/>
-                </a:schemeClr>
-              </a:solidFill>
-              <a:latin typeface="Arial"/>
-            </a:endParaRPr>
-          </a:p>
-          <a:p>
-            <a:pPr indent="0" defTabSz="914400">
-              <a:lnSpc>
-                <a:spcPct val="115000"/>
-              </a:lnSpc>
-              <a:spcBef>
-                <a:spcPts val="1599"/>
-              </a:spcBef>
-              <a:buNone/>
-              <a:tabLst>
-                <a:tab pos="0" algn="l"/>
-              </a:tabLst>
-            </a:pPr>
-            <a:r>
-              <a:rPr lang="en-US" sz="1400" b="0" strike="noStrike" spc="-1">
-                <a:solidFill>
-                  <a:schemeClr val="accent2">
-                    <a:lumOff val="21760"/>
-                  </a:schemeClr>
-                </a:solidFill>
-                <a:latin typeface="Arial"/>
-                <a:ea typeface="Arial"/>
-              </a:rPr>
-              <a:t>Cutoff frequency: [insert the value you used for this image pair]</a:t>
-            </a:r>
-            <a:endParaRPr lang="en-US" sz="1400" b="0" strike="noStrike" spc="-1">
-              <a:solidFill>
-                <a:schemeClr val="accent2">
-                  <a:lumOff val="21760"/>
-                </a:schemeClr>
-              </a:solidFill>
-              <a:latin typeface="Arial"/>
-            </a:endParaRPr>
-          </a:p>
         </p:txBody>
       </p:sp>
+      <p:pic>
+        <p:nvPicPr>
+          <p:cNvPr id="2" name="Picture 1">
+            <a:extLst>
+              <a:ext uri="{FF2B5EF4-FFF2-40B4-BE49-F238E27FC236}">
+                <a16:creationId xmlns:a16="http://schemas.microsoft.com/office/drawing/2014/main" id="{B2DCC297-2958-234B-9ED4-5F010FB679F1}"/>
+              </a:ext>
+            </a:extLst>
+          </p:cNvPr>
+          <p:cNvPicPr>
+            <a:picLocks noChangeAspect="1"/>
+          </p:cNvPicPr>
+          <p:nvPr/>
+        </p:nvPicPr>
+        <p:blipFill>
+          <a:blip r:embed="rId2"/>
+          <a:stretch>
+            <a:fillRect/>
+          </a:stretch>
+        </p:blipFill>
+        <p:spPr>
+          <a:xfrm>
+            <a:off x="520700" y="1510840"/>
+            <a:ext cx="2233414" cy="2721295"/>
+          </a:xfrm>
+          <a:prstGeom prst="rect">
+            <a:avLst/>
+          </a:prstGeom>
+        </p:spPr>
+      </p:pic>
+      <p:pic>
+        <p:nvPicPr>
+          <p:cNvPr id="3" name="Picture 2">
+            <a:extLst>
+              <a:ext uri="{FF2B5EF4-FFF2-40B4-BE49-F238E27FC236}">
+                <a16:creationId xmlns:a16="http://schemas.microsoft.com/office/drawing/2014/main" id="{57C1464B-C1A6-B346-8FAB-9C370D4AF9B2}"/>
+              </a:ext>
+            </a:extLst>
+          </p:cNvPr>
+          <p:cNvPicPr>
+            <a:picLocks noChangeAspect="1"/>
+          </p:cNvPicPr>
+          <p:nvPr/>
+        </p:nvPicPr>
+        <p:blipFill>
+          <a:blip r:embed="rId3"/>
+          <a:stretch>
+            <a:fillRect/>
+          </a:stretch>
+        </p:blipFill>
+        <p:spPr>
+          <a:xfrm>
+            <a:off x="5114953" y="1510840"/>
+            <a:ext cx="3073400" cy="2667000"/>
+          </a:xfrm>
+          <a:prstGeom prst="rect">
+            <a:avLst/>
+          </a:prstGeom>
+        </p:spPr>
+      </p:pic>
     </p:spTree>
   </p:cSld>
   <p:clrMapOvr>
@@ -21902,7 +24509,7 @@
               </a:tabLst>
             </a:pPr>
             <a:r>
-              <a:rPr lang="en-US" sz="1400" b="1" strike="noStrike" spc="-1">
+              <a:rPr lang="en-US" sz="1400" b="1" strike="noStrike" spc="-1" dirty="0">
                 <a:solidFill>
                   <a:schemeClr val="accent2">
                     <a:lumOff val="21760"/>
@@ -21913,7 +24520,7 @@
               </a:rPr>
               <a:t>Cat + Dog</a:t>
             </a:r>
-            <a:endParaRPr lang="en-US" sz="1400" b="0" strike="noStrike" spc="-1">
+            <a:endParaRPr lang="en-US" sz="1400" b="0" strike="noStrike" spc="-1" dirty="0">
               <a:solidFill>
                 <a:schemeClr val="accent2">
                   <a:lumOff val="21760"/>
@@ -21935,19 +24542,7 @@
                 <a:tab pos="0" algn="l"/>
               </a:tabLst>
             </a:pPr>
-            <a:r>
-              <a:rPr lang="en-US" sz="1400" b="0" strike="noStrike" spc="-1">
-                <a:solidFill>
-                  <a:schemeClr val="accent2">
-                    <a:lumOff val="21760"/>
-                  </a:schemeClr>
-                </a:solidFill>
-                <a:latin typeface="Arial"/>
-                <a:ea typeface="Arial"/>
-              </a:rPr>
-              <a:t>[insert your hybrid image here]</a:t>
-            </a:r>
-            <a:endParaRPr lang="en-US" sz="1400" b="0" strike="noStrike" spc="-1">
+            <a:endParaRPr lang="en-US" sz="1400" b="0" strike="noStrike" spc="-1" dirty="0">
               <a:solidFill>
                 <a:schemeClr val="accent2">
                   <a:lumOff val="21760"/>
@@ -21997,7 +24592,7 @@
               </a:tabLst>
             </a:pPr>
             <a:r>
-              <a:rPr lang="en-US" sz="1400" b="1" strike="noStrike" spc="-1">
+              <a:rPr lang="en-US" sz="1400" b="1" strike="noStrike" spc="-1" dirty="0">
                 <a:solidFill>
                   <a:schemeClr val="accent2">
                     <a:lumOff val="21760"/>
@@ -22008,7 +24603,18 @@
               </a:rPr>
               <a:t>Motorcycle + Bicycle</a:t>
             </a:r>
-            <a:endParaRPr lang="en-US" sz="1400" b="0" strike="noStrike" spc="-1">
+          </a:p>
+          <a:p>
+            <a:pPr indent="0" defTabSz="914400">
+              <a:lnSpc>
+                <a:spcPct val="115000"/>
+              </a:lnSpc>
+              <a:buNone/>
+              <a:tabLst>
+                <a:tab pos="0" algn="l"/>
+              </a:tabLst>
+            </a:pPr>
+            <a:endParaRPr lang="en-US" sz="1400" b="1" spc="-1" dirty="0">
               <a:solidFill>
                 <a:schemeClr val="accent2">
                   <a:lumOff val="21760"/>
@@ -22022,27 +24628,12 @@
               <a:lnSpc>
                 <a:spcPct val="115000"/>
               </a:lnSpc>
-              <a:spcBef>
-                <a:spcPts val="1599"/>
-              </a:spcBef>
-              <a:buNone/>
-              <a:tabLst>
-                <a:tab pos="0" algn="l"/>
-              </a:tabLst>
-            </a:pPr>
-            <a:r>
-              <a:rPr lang="en-US" sz="1400" b="0" strike="noStrike" spc="-1">
-                <a:solidFill>
-                  <a:schemeClr val="accent2">
-                    <a:lumOff val="21760"/>
-                  </a:schemeClr>
-                </a:solidFill>
-                <a:latin typeface="Arial"/>
-                <a:ea typeface="Arial"/>
-              </a:rPr>
-              <a:t>[insert your hybrid image here]</a:t>
-            </a:r>
-            <a:endParaRPr lang="en-US" sz="1400" b="0" strike="noStrike" spc="-1">
+              <a:buNone/>
+              <a:tabLst>
+                <a:tab pos="0" algn="l"/>
+              </a:tabLst>
+            </a:pPr>
+            <a:endParaRPr lang="en-US" sz="1400" b="0" strike="noStrike" spc="-1" dirty="0">
               <a:solidFill>
                 <a:schemeClr val="accent2">
                   <a:lumOff val="21760"/>
@@ -22053,6 +24644,66 @@
           </a:p>
         </p:txBody>
       </p:sp>
+      <p:pic>
+        <p:nvPicPr>
+          <p:cNvPr id="4" name="Picture 3">
+            <a:extLst>
+              <a:ext uri="{FF2B5EF4-FFF2-40B4-BE49-F238E27FC236}">
+                <a16:creationId xmlns:a16="http://schemas.microsoft.com/office/drawing/2014/main" id="{4D7C807E-A7B5-9748-8743-CB0EF218C017}"/>
+              </a:ext>
+            </a:extLst>
+          </p:cNvPr>
+          <p:cNvPicPr>
+            <a:picLocks noChangeAspect="1"/>
+          </p:cNvPicPr>
+          <p:nvPr/>
+        </p:nvPicPr>
+        <p:blipFill>
+          <a:blip r:embed="rId2"/>
+          <a:stretch>
+            <a:fillRect/>
+          </a:stretch>
+        </p:blipFill>
+        <p:spPr>
+          <a:xfrm>
+            <a:off x="518958" y="1719807"/>
+            <a:ext cx="2603500" cy="2286000"/>
+          </a:xfrm>
+          <a:prstGeom prst="rect">
+            <a:avLst/>
+          </a:prstGeom>
+        </p:spPr>
+      </p:pic>
+      <p:pic>
+        <p:nvPicPr>
+          <p:cNvPr id="6" name="Picture 5">
+            <a:extLst>
+              <a:ext uri="{FF2B5EF4-FFF2-40B4-BE49-F238E27FC236}">
+                <a16:creationId xmlns:a16="http://schemas.microsoft.com/office/drawing/2014/main" id="{7F3FD52D-601F-7F4D-AF2B-D4777F78C4EE}"/>
+              </a:ext>
+            </a:extLst>
+          </p:cNvPr>
+          <p:cNvPicPr>
+            <a:picLocks noChangeAspect="1"/>
+          </p:cNvPicPr>
+          <p:nvPr/>
+        </p:nvPicPr>
+        <p:blipFill>
+          <a:blip r:embed="rId3"/>
+          <a:stretch>
+            <a:fillRect/>
+          </a:stretch>
+        </p:blipFill>
+        <p:spPr>
+          <a:xfrm>
+            <a:off x="4832280" y="1829643"/>
+            <a:ext cx="2870200" cy="1905000"/>
+          </a:xfrm>
+          <a:prstGeom prst="rect">
+            <a:avLst/>
+          </a:prstGeom>
+        </p:spPr>
+      </p:pic>
     </p:spTree>
   </p:cSld>
   <p:clrMapOvr>
@@ -22174,7 +24825,7 @@
               </a:tabLst>
             </a:pPr>
             <a:r>
-              <a:rPr lang="en-US" sz="1400" b="1" strike="noStrike" spc="-1">
+              <a:rPr lang="en-US" sz="1400" b="1" strike="noStrike" spc="-1" dirty="0">
                 <a:solidFill>
                   <a:schemeClr val="accent2">
                     <a:lumOff val="21760"/>
@@ -22185,7 +24836,18 @@
               </a:rPr>
               <a:t>Plane + Bird</a:t>
             </a:r>
-            <a:endParaRPr lang="en-US" sz="1400" b="0" strike="noStrike" spc="-1">
+          </a:p>
+          <a:p>
+            <a:pPr indent="0" defTabSz="914400">
+              <a:lnSpc>
+                <a:spcPct val="115000"/>
+              </a:lnSpc>
+              <a:buNone/>
+              <a:tabLst>
+                <a:tab pos="0" algn="l"/>
+              </a:tabLst>
+            </a:pPr>
+            <a:endParaRPr lang="en-US" sz="1400" b="1" spc="-1" dirty="0">
               <a:solidFill>
                 <a:schemeClr val="accent2">
                   <a:lumOff val="21760"/>
@@ -22199,27 +24861,12 @@
               <a:lnSpc>
                 <a:spcPct val="115000"/>
               </a:lnSpc>
-              <a:spcBef>
-                <a:spcPts val="1599"/>
-              </a:spcBef>
-              <a:buNone/>
-              <a:tabLst>
-                <a:tab pos="0" algn="l"/>
-              </a:tabLst>
-            </a:pPr>
-            <a:r>
-              <a:rPr lang="en-US" sz="1400" b="0" strike="noStrike" spc="-1">
-                <a:solidFill>
-                  <a:schemeClr val="accent2">
-                    <a:lumOff val="21760"/>
-                  </a:schemeClr>
-                </a:solidFill>
-                <a:latin typeface="Arial"/>
-                <a:ea typeface="Arial"/>
-              </a:rPr>
-              <a:t>[insert your hybrid image here]</a:t>
-            </a:r>
-            <a:endParaRPr lang="en-US" sz="1400" b="0" strike="noStrike" spc="-1">
+              <a:buNone/>
+              <a:tabLst>
+                <a:tab pos="0" algn="l"/>
+              </a:tabLst>
+            </a:pPr>
+            <a:endParaRPr lang="en-US" sz="1400" b="0" strike="noStrike" spc="-1" dirty="0">
               <a:solidFill>
                 <a:schemeClr val="accent2">
                   <a:lumOff val="21760"/>
@@ -22269,7 +24916,7 @@
               </a:tabLst>
             </a:pPr>
             <a:r>
-              <a:rPr lang="en-US" sz="1400" b="1" strike="noStrike" spc="-1">
+              <a:rPr lang="en-US" sz="1400" b="1" strike="noStrike" spc="-1" dirty="0">
                 <a:solidFill>
                   <a:schemeClr val="accent2">
                     <a:lumOff val="21760"/>
@@ -22280,7 +24927,18 @@
               </a:rPr>
               <a:t>Einstein + Marilyn</a:t>
             </a:r>
-            <a:endParaRPr lang="en-US" sz="1400" b="0" strike="noStrike" spc="-1">
+          </a:p>
+          <a:p>
+            <a:pPr indent="0" defTabSz="914400">
+              <a:lnSpc>
+                <a:spcPct val="115000"/>
+              </a:lnSpc>
+              <a:buNone/>
+              <a:tabLst>
+                <a:tab pos="0" algn="l"/>
+              </a:tabLst>
+            </a:pPr>
+            <a:endParaRPr lang="en-US" sz="1400" b="0" strike="noStrike" spc="-1" dirty="0">
               <a:solidFill>
                 <a:schemeClr val="accent2">
                   <a:lumOff val="21760"/>
@@ -22289,42 +24947,68 @@
               <a:latin typeface="Arial"/>
             </a:endParaRPr>
           </a:p>
-          <a:p>
-            <a:pPr indent="0" defTabSz="914400">
-              <a:lnSpc>
-                <a:spcPct val="115000"/>
-              </a:lnSpc>
-              <a:spcBef>
-                <a:spcPts val="1599"/>
-              </a:spcBef>
-              <a:buNone/>
-              <a:tabLst>
-                <a:tab pos="0" algn="l"/>
-              </a:tabLst>
-            </a:pPr>
-            <a:r>
-              <a:rPr lang="en-US" sz="1400" b="0" strike="noStrike" spc="-1">
-                <a:solidFill>
-                  <a:schemeClr val="accent2">
-                    <a:lumOff val="21760"/>
-                  </a:schemeClr>
-                </a:solidFill>
-                <a:latin typeface="Arial"/>
-                <a:ea typeface="Arial"/>
-              </a:rPr>
-              <a:t>[insert your hybrid image here]</a:t>
-            </a:r>
-            <a:endParaRPr lang="en-US" sz="1400" b="0" strike="noStrike" spc="-1">
-              <a:solidFill>
-                <a:schemeClr val="accent2">
-                  <a:lumOff val="21760"/>
-                </a:schemeClr>
-              </a:solidFill>
-              <a:latin typeface="Arial"/>
-            </a:endParaRPr>
-          </a:p>
         </p:txBody>
       </p:sp>
+      <p:pic>
+        <p:nvPicPr>
+          <p:cNvPr id="2" name="Picture 1">
+            <a:extLst>
+              <a:ext uri="{FF2B5EF4-FFF2-40B4-BE49-F238E27FC236}">
+                <a16:creationId xmlns:a16="http://schemas.microsoft.com/office/drawing/2014/main" id="{50E30E65-B267-C743-8D9C-7D2F1E1668A9}"/>
+              </a:ext>
+            </a:extLst>
+          </p:cNvPr>
+          <p:cNvPicPr>
+            <a:picLocks noChangeAspect="1"/>
+          </p:cNvPicPr>
+          <p:nvPr/>
+        </p:nvPicPr>
+        <p:blipFill>
+          <a:blip r:embed="rId2"/>
+          <a:stretch>
+            <a:fillRect/>
+          </a:stretch>
+        </p:blipFill>
+        <p:spPr>
+          <a:xfrm>
+            <a:off x="625166" y="1895640"/>
+            <a:ext cx="2374900" cy="2095500"/>
+          </a:xfrm>
+          <a:prstGeom prst="rect">
+            <a:avLst/>
+          </a:prstGeom>
+        </p:spPr>
+      </p:pic>
+      <p:pic>
+        <p:nvPicPr>
+          <p:cNvPr id="3" name="Picture 2">
+            <a:extLst>
+              <a:ext uri="{FF2B5EF4-FFF2-40B4-BE49-F238E27FC236}">
+                <a16:creationId xmlns:a16="http://schemas.microsoft.com/office/drawing/2014/main" id="{75837CEB-5132-674C-9F66-BACE83B380D2}"/>
+              </a:ext>
+            </a:extLst>
+          </p:cNvPr>
+          <p:cNvPicPr>
+            <a:picLocks noChangeAspect="1"/>
+          </p:cNvPicPr>
+          <p:nvPr/>
+        </p:nvPicPr>
+        <p:blipFill>
+          <a:blip r:embed="rId3"/>
+          <a:stretch>
+            <a:fillRect/>
+          </a:stretch>
+        </p:blipFill>
+        <p:spPr>
+          <a:xfrm>
+            <a:off x="5204078" y="1895639"/>
+            <a:ext cx="1714612" cy="2020793"/>
+          </a:xfrm>
+          <a:prstGeom prst="rect">
+            <a:avLst/>
+          </a:prstGeom>
+        </p:spPr>
+      </p:pic>
     </p:spTree>
   </p:cSld>
   <p:clrMapOvr>
